--- a/Slides/Week2_NLP_WordVectors.pptx
+++ b/Slides/Week2_NLP_WordVectors.pptx
@@ -2,49 +2,55 @@
 <file path=ppt/presentation.xml><?xml version="1.0" encoding="utf-8"?>
 <p:presentation xmlns:a="http://schemas.openxmlformats.org/drawingml/2006/main" xmlns:r="http://schemas.openxmlformats.org/officeDocument/2006/relationships" xmlns:p="http://schemas.openxmlformats.org/presentationml/2006/main" saveSubsetFonts="1">
   <p:sldMasterIdLst>
-    <p:sldMasterId id="2147483648" r:id="rId1"/>
+    <p:sldMasterId id="2147483660" r:id="rId1"/>
   </p:sldMasterIdLst>
   <p:notesMasterIdLst>
-    <p:notesMasterId r:id="rId39"/>
+    <p:notesMasterId r:id="rId45"/>
   </p:notesMasterIdLst>
   <p:sldIdLst>
     <p:sldId id="256" r:id="rId2"/>
-    <p:sldId id="270" r:id="rId3"/>
-    <p:sldId id="257" r:id="rId4"/>
-    <p:sldId id="258" r:id="rId5"/>
-    <p:sldId id="265" r:id="rId6"/>
-    <p:sldId id="266" r:id="rId7"/>
-    <p:sldId id="264" r:id="rId8"/>
-    <p:sldId id="271" r:id="rId9"/>
-    <p:sldId id="276" r:id="rId10"/>
-    <p:sldId id="277" r:id="rId11"/>
-    <p:sldId id="278" r:id="rId12"/>
-    <p:sldId id="281" r:id="rId13"/>
-    <p:sldId id="284" r:id="rId14"/>
-    <p:sldId id="285" r:id="rId15"/>
-    <p:sldId id="283" r:id="rId16"/>
-    <p:sldId id="287" r:id="rId17"/>
-    <p:sldId id="280" r:id="rId18"/>
-    <p:sldId id="286" r:id="rId19"/>
-    <p:sldId id="292" r:id="rId20"/>
-    <p:sldId id="288" r:id="rId21"/>
-    <p:sldId id="289" r:id="rId22"/>
-    <p:sldId id="268" r:id="rId23"/>
-    <p:sldId id="260" r:id="rId24"/>
-    <p:sldId id="269" r:id="rId25"/>
-    <p:sldId id="290" r:id="rId26"/>
-    <p:sldId id="291" r:id="rId27"/>
-    <p:sldId id="293" r:id="rId28"/>
-    <p:sldId id="294" r:id="rId29"/>
-    <p:sldId id="295" r:id="rId30"/>
-    <p:sldId id="305" r:id="rId31"/>
-    <p:sldId id="296" r:id="rId32"/>
-    <p:sldId id="299" r:id="rId33"/>
-    <p:sldId id="298" r:id="rId34"/>
-    <p:sldId id="301" r:id="rId35"/>
-    <p:sldId id="304" r:id="rId36"/>
-    <p:sldId id="302" r:id="rId37"/>
-    <p:sldId id="303" r:id="rId38"/>
+    <p:sldId id="306" r:id="rId3"/>
+    <p:sldId id="307" r:id="rId4"/>
+    <p:sldId id="311" r:id="rId5"/>
+    <p:sldId id="308" r:id="rId6"/>
+    <p:sldId id="309" r:id="rId7"/>
+    <p:sldId id="310" r:id="rId8"/>
+    <p:sldId id="270" r:id="rId9"/>
+    <p:sldId id="257" r:id="rId10"/>
+    <p:sldId id="258" r:id="rId11"/>
+    <p:sldId id="265" r:id="rId12"/>
+    <p:sldId id="266" r:id="rId13"/>
+    <p:sldId id="264" r:id="rId14"/>
+    <p:sldId id="271" r:id="rId15"/>
+    <p:sldId id="276" r:id="rId16"/>
+    <p:sldId id="277" r:id="rId17"/>
+    <p:sldId id="278" r:id="rId18"/>
+    <p:sldId id="281" r:id="rId19"/>
+    <p:sldId id="284" r:id="rId20"/>
+    <p:sldId id="285" r:id="rId21"/>
+    <p:sldId id="283" r:id="rId22"/>
+    <p:sldId id="287" r:id="rId23"/>
+    <p:sldId id="280" r:id="rId24"/>
+    <p:sldId id="286" r:id="rId25"/>
+    <p:sldId id="292" r:id="rId26"/>
+    <p:sldId id="288" r:id="rId27"/>
+    <p:sldId id="289" r:id="rId28"/>
+    <p:sldId id="268" r:id="rId29"/>
+    <p:sldId id="260" r:id="rId30"/>
+    <p:sldId id="269" r:id="rId31"/>
+    <p:sldId id="290" r:id="rId32"/>
+    <p:sldId id="291" r:id="rId33"/>
+    <p:sldId id="293" r:id="rId34"/>
+    <p:sldId id="294" r:id="rId35"/>
+    <p:sldId id="295" r:id="rId36"/>
+    <p:sldId id="305" r:id="rId37"/>
+    <p:sldId id="296" r:id="rId38"/>
+    <p:sldId id="299" r:id="rId39"/>
+    <p:sldId id="298" r:id="rId40"/>
+    <p:sldId id="301" r:id="rId41"/>
+    <p:sldId id="304" r:id="rId42"/>
+    <p:sldId id="302" r:id="rId43"/>
+    <p:sldId id="303" r:id="rId44"/>
   </p:sldIdLst>
   <p:sldSz cx="12192000" cy="6858000"/>
   <p:notesSz cx="6858000" cy="9144000"/>
@@ -52,7 +58,7 @@
     <a:defPPr>
       <a:defRPr lang="en-US"/>
     </a:defPPr>
-    <a:lvl1pPr marL="0" algn="l" defTabSz="914400" rtl="0" eaLnBrk="1" latinLnBrk="0" hangingPunct="1">
+    <a:lvl1pPr marL="0" algn="l" defTabSz="457200" rtl="0" eaLnBrk="1" latinLnBrk="0" hangingPunct="1">
       <a:defRPr sz="1800" kern="1200">
         <a:solidFill>
           <a:schemeClr val="tx1"/>
@@ -62,7 +68,7 @@
         <a:cs typeface="+mn-cs"/>
       </a:defRPr>
     </a:lvl1pPr>
-    <a:lvl2pPr marL="457200" algn="l" defTabSz="914400" rtl="0" eaLnBrk="1" latinLnBrk="0" hangingPunct="1">
+    <a:lvl2pPr marL="457200" algn="l" defTabSz="457200" rtl="0" eaLnBrk="1" latinLnBrk="0" hangingPunct="1">
       <a:defRPr sz="1800" kern="1200">
         <a:solidFill>
           <a:schemeClr val="tx1"/>
@@ -72,7 +78,7 @@
         <a:cs typeface="+mn-cs"/>
       </a:defRPr>
     </a:lvl2pPr>
-    <a:lvl3pPr marL="914400" algn="l" defTabSz="914400" rtl="0" eaLnBrk="1" latinLnBrk="0" hangingPunct="1">
+    <a:lvl3pPr marL="914400" algn="l" defTabSz="457200" rtl="0" eaLnBrk="1" latinLnBrk="0" hangingPunct="1">
       <a:defRPr sz="1800" kern="1200">
         <a:solidFill>
           <a:schemeClr val="tx1"/>
@@ -82,7 +88,7 @@
         <a:cs typeface="+mn-cs"/>
       </a:defRPr>
     </a:lvl3pPr>
-    <a:lvl4pPr marL="1371600" algn="l" defTabSz="914400" rtl="0" eaLnBrk="1" latinLnBrk="0" hangingPunct="1">
+    <a:lvl4pPr marL="1371600" algn="l" defTabSz="457200" rtl="0" eaLnBrk="1" latinLnBrk="0" hangingPunct="1">
       <a:defRPr sz="1800" kern="1200">
         <a:solidFill>
           <a:schemeClr val="tx1"/>
@@ -92,7 +98,7 @@
         <a:cs typeface="+mn-cs"/>
       </a:defRPr>
     </a:lvl4pPr>
-    <a:lvl5pPr marL="1828800" algn="l" defTabSz="914400" rtl="0" eaLnBrk="1" latinLnBrk="0" hangingPunct="1">
+    <a:lvl5pPr marL="1828800" algn="l" defTabSz="457200" rtl="0" eaLnBrk="1" latinLnBrk="0" hangingPunct="1">
       <a:defRPr sz="1800" kern="1200">
         <a:solidFill>
           <a:schemeClr val="tx1"/>
@@ -102,7 +108,7 @@
         <a:cs typeface="+mn-cs"/>
       </a:defRPr>
     </a:lvl5pPr>
-    <a:lvl6pPr marL="2286000" algn="l" defTabSz="914400" rtl="0" eaLnBrk="1" latinLnBrk="0" hangingPunct="1">
+    <a:lvl6pPr marL="2286000" algn="l" defTabSz="457200" rtl="0" eaLnBrk="1" latinLnBrk="0" hangingPunct="1">
       <a:defRPr sz="1800" kern="1200">
         <a:solidFill>
           <a:schemeClr val="tx1"/>
@@ -112,7 +118,7 @@
         <a:cs typeface="+mn-cs"/>
       </a:defRPr>
     </a:lvl6pPr>
-    <a:lvl7pPr marL="2743200" algn="l" defTabSz="914400" rtl="0" eaLnBrk="1" latinLnBrk="0" hangingPunct="1">
+    <a:lvl7pPr marL="2743200" algn="l" defTabSz="457200" rtl="0" eaLnBrk="1" latinLnBrk="0" hangingPunct="1">
       <a:defRPr sz="1800" kern="1200">
         <a:solidFill>
           <a:schemeClr val="tx1"/>
@@ -122,7 +128,7 @@
         <a:cs typeface="+mn-cs"/>
       </a:defRPr>
     </a:lvl7pPr>
-    <a:lvl8pPr marL="3200400" algn="l" defTabSz="914400" rtl="0" eaLnBrk="1" latinLnBrk="0" hangingPunct="1">
+    <a:lvl8pPr marL="3200400" algn="l" defTabSz="457200" rtl="0" eaLnBrk="1" latinLnBrk="0" hangingPunct="1">
       <a:defRPr sz="1800" kern="1200">
         <a:solidFill>
           <a:schemeClr val="tx1"/>
@@ -132,7 +138,7 @@
         <a:cs typeface="+mn-cs"/>
       </a:defRPr>
     </a:lvl8pPr>
-    <a:lvl9pPr marL="3657600" algn="l" defTabSz="914400" rtl="0" eaLnBrk="1" latinLnBrk="0" hangingPunct="1">
+    <a:lvl9pPr marL="3657600" algn="l" defTabSz="457200" rtl="0" eaLnBrk="1" latinLnBrk="0" hangingPunct="1">
       <a:defRPr sz="1800" kern="1200">
         <a:solidFill>
           <a:schemeClr val="tx1"/>
@@ -143,6 +149,11 @@
       </a:defRPr>
     </a:lvl9pPr>
   </p:defaultTextStyle>
+  <p:extLst>
+    <p:ext uri="{EFAFB233-063F-42B5-8137-9DF3F51BA10A}">
+      <p15:sldGuideLst xmlns:p15="http://schemas.microsoft.com/office/powerpoint/2012/main"/>
+    </p:ext>
+  </p:extLst>
 </p:presentation>
 </file>
 
@@ -228,7 +239,7 @@
           <a:p>
             <a:fld id="{2CF7129A-42D2-4107-AFD2-42C1B53D3C94}" type="datetimeFigureOut">
               <a:rPr lang="en-US" smtClean="0"/>
-              <a:t>6/17/2018</a:t>
+              <a:t>8/4/2018</a:t>
             </a:fld>
             <a:endParaRPr lang="en-US"/>
           </a:p>
@@ -563,7 +574,7 @@
           <a:p>
             <a:fld id="{DF6782E4-3DE9-4A33-95B7-0D38CAA84401}" type="slidenum">
               <a:rPr lang="en-US" smtClean="0"/>
-              <a:t>3</a:t>
+              <a:t>9</a:t>
             </a:fld>
             <a:endParaRPr lang="en-US"/>
           </a:p>
@@ -650,7 +661,7 @@
           <a:p>
             <a:fld id="{DF6782E4-3DE9-4A33-95B7-0D38CAA84401}" type="slidenum">
               <a:rPr lang="en-US" smtClean="0"/>
-              <a:t>17</a:t>
+              <a:t>23</a:t>
             </a:fld>
             <a:endParaRPr lang="en-US"/>
           </a:p>
@@ -737,7 +748,7 @@
           <a:p>
             <a:fld id="{DF6782E4-3DE9-4A33-95B7-0D38CAA84401}" type="slidenum">
               <a:rPr lang="en-US" smtClean="0"/>
-              <a:t>18</a:t>
+              <a:t>24</a:t>
             </a:fld>
             <a:endParaRPr lang="en-US"/>
           </a:p>
@@ -824,7 +835,7 @@
           <a:p>
             <a:fld id="{DF6782E4-3DE9-4A33-95B7-0D38CAA84401}" type="slidenum">
               <a:rPr lang="en-US" smtClean="0"/>
-              <a:t>19</a:t>
+              <a:t>25</a:t>
             </a:fld>
             <a:endParaRPr lang="en-US"/>
           </a:p>
@@ -911,7 +922,7 @@
           <a:p>
             <a:fld id="{DF6782E4-3DE9-4A33-95B7-0D38CAA84401}" type="slidenum">
               <a:rPr lang="en-US" smtClean="0"/>
-              <a:t>22</a:t>
+              <a:t>28</a:t>
             </a:fld>
             <a:endParaRPr lang="en-US"/>
           </a:p>
@@ -998,7 +1009,7 @@
           <a:p>
             <a:fld id="{DF6782E4-3DE9-4A33-95B7-0D38CAA84401}" type="slidenum">
               <a:rPr lang="en-US" smtClean="0"/>
-              <a:t>23</a:t>
+              <a:t>29</a:t>
             </a:fld>
             <a:endParaRPr lang="en-US"/>
           </a:p>
@@ -1085,7 +1096,7 @@
           <a:p>
             <a:fld id="{DF6782E4-3DE9-4A33-95B7-0D38CAA84401}" type="slidenum">
               <a:rPr lang="en-US" smtClean="0"/>
-              <a:t>24</a:t>
+              <a:t>30</a:t>
             </a:fld>
             <a:endParaRPr lang="en-US"/>
           </a:p>
@@ -1172,7 +1183,7 @@
           <a:p>
             <a:fld id="{DF6782E4-3DE9-4A33-95B7-0D38CAA84401}" type="slidenum">
               <a:rPr lang="en-US" smtClean="0"/>
-              <a:t>27</a:t>
+              <a:t>33</a:t>
             </a:fld>
             <a:endParaRPr lang="en-US"/>
           </a:p>
@@ -1259,7 +1270,7 @@
           <a:p>
             <a:fld id="{DF6782E4-3DE9-4A33-95B7-0D38CAA84401}" type="slidenum">
               <a:rPr lang="en-US" smtClean="0"/>
-              <a:t>28</a:t>
+              <a:t>34</a:t>
             </a:fld>
             <a:endParaRPr lang="en-US"/>
           </a:p>
@@ -1346,7 +1357,7 @@
           <a:p>
             <a:fld id="{DF6782E4-3DE9-4A33-95B7-0D38CAA84401}" type="slidenum">
               <a:rPr lang="en-US" smtClean="0"/>
-              <a:t>29</a:t>
+              <a:t>35</a:t>
             </a:fld>
             <a:endParaRPr lang="en-US"/>
           </a:p>
@@ -1447,7 +1458,7 @@
           <a:p>
             <a:fld id="{DF6782E4-3DE9-4A33-95B7-0D38CAA84401}" type="slidenum">
               <a:rPr lang="en-US" smtClean="0"/>
-              <a:t>30</a:t>
+              <a:t>36</a:t>
             </a:fld>
             <a:endParaRPr lang="en-US"/>
           </a:p>
@@ -1534,7 +1545,7 @@
           <a:p>
             <a:fld id="{DF6782E4-3DE9-4A33-95B7-0D38CAA84401}" type="slidenum">
               <a:rPr lang="en-US" smtClean="0"/>
-              <a:t>4</a:t>
+              <a:t>10</a:t>
             </a:fld>
             <a:endParaRPr lang="en-US"/>
           </a:p>
@@ -1621,7 +1632,7 @@
           <a:p>
             <a:fld id="{DF6782E4-3DE9-4A33-95B7-0D38CAA84401}" type="slidenum">
               <a:rPr lang="en-US" smtClean="0"/>
-              <a:t>32</a:t>
+              <a:t>38</a:t>
             </a:fld>
             <a:endParaRPr lang="en-US"/>
           </a:p>
@@ -1708,7 +1719,7 @@
           <a:p>
             <a:fld id="{DF6782E4-3DE9-4A33-95B7-0D38CAA84401}" type="slidenum">
               <a:rPr lang="en-US" smtClean="0"/>
-              <a:t>33</a:t>
+              <a:t>39</a:t>
             </a:fld>
             <a:endParaRPr lang="en-US"/>
           </a:p>
@@ -1795,7 +1806,7 @@
           <a:p>
             <a:fld id="{DF6782E4-3DE9-4A33-95B7-0D38CAA84401}" type="slidenum">
               <a:rPr lang="en-US" smtClean="0"/>
-              <a:t>34</a:t>
+              <a:t>40</a:t>
             </a:fld>
             <a:endParaRPr lang="en-US"/>
           </a:p>
@@ -1904,7 +1915,7 @@
           <a:p>
             <a:fld id="{DF6782E4-3DE9-4A33-95B7-0D38CAA84401}" type="slidenum">
               <a:rPr lang="en-US" smtClean="0"/>
-              <a:t>5</a:t>
+              <a:t>11</a:t>
             </a:fld>
             <a:endParaRPr lang="en-US"/>
           </a:p>
@@ -2013,7 +2024,7 @@
           <a:p>
             <a:fld id="{DF6782E4-3DE9-4A33-95B7-0D38CAA84401}" type="slidenum">
               <a:rPr lang="en-US" smtClean="0"/>
-              <a:t>6</a:t>
+              <a:t>12</a:t>
             </a:fld>
             <a:endParaRPr lang="en-US"/>
           </a:p>
@@ -2122,7 +2133,7 @@
           <a:p>
             <a:fld id="{DF6782E4-3DE9-4A33-95B7-0D38CAA84401}" type="slidenum">
               <a:rPr lang="en-US" smtClean="0"/>
-              <a:t>7</a:t>
+              <a:t>13</a:t>
             </a:fld>
             <a:endParaRPr lang="en-US"/>
           </a:p>
@@ -2209,7 +2220,7 @@
           <a:p>
             <a:fld id="{DF6782E4-3DE9-4A33-95B7-0D38CAA84401}" type="slidenum">
               <a:rPr lang="en-US" smtClean="0"/>
-              <a:t>9</a:t>
+              <a:t>15</a:t>
             </a:fld>
             <a:endParaRPr lang="en-US"/>
           </a:p>
@@ -2296,7 +2307,7 @@
           <a:p>
             <a:fld id="{DF6782E4-3DE9-4A33-95B7-0D38CAA84401}" type="slidenum">
               <a:rPr lang="en-US" smtClean="0"/>
-              <a:t>10</a:t>
+              <a:t>16</a:t>
             </a:fld>
             <a:endParaRPr lang="en-US"/>
           </a:p>
@@ -2383,7 +2394,7 @@
           <a:p>
             <a:fld id="{DF6782E4-3DE9-4A33-95B7-0D38CAA84401}" type="slidenum">
               <a:rPr lang="en-US" smtClean="0"/>
-              <a:t>11</a:t>
+              <a:t>17</a:t>
             </a:fld>
             <a:endParaRPr lang="en-US"/>
           </a:p>
@@ -2470,7 +2481,7 @@
           <a:p>
             <a:fld id="{DF6782E4-3DE9-4A33-95B7-0D38CAA84401}" type="slidenum">
               <a:rPr lang="en-US" smtClean="0"/>
-              <a:t>12</a:t>
+              <a:t>18</a:t>
             </a:fld>
             <a:endParaRPr lang="en-US"/>
           </a:p>
@@ -2492,6 +2503,14 @@
 <file path=ppt/slideLayouts/slideLayout1.xml><?xml version="1.0" encoding="utf-8"?>
 <p:sldLayout xmlns:a="http://schemas.openxmlformats.org/drawingml/2006/main" xmlns:r="http://schemas.openxmlformats.org/officeDocument/2006/relationships" xmlns:p="http://schemas.openxmlformats.org/presentationml/2006/main" type="title" preserve="1">
   <p:cSld name="Title Slide">
+    <p:bg>
+      <p:bgPr>
+        <a:solidFill>
+          <a:schemeClr val="accent1"/>
+        </a:solidFill>
+        <a:effectLst/>
+      </p:bgPr>
+    </p:bg>
     <p:spTree>
       <p:nvGrpSpPr>
         <p:cNvPr id="1" name=""/>
@@ -2508,31 +2527,69 @@
       </p:grpSpPr>
       <p:sp>
         <p:nvSpPr>
-          <p:cNvPr id="2" name="Title 1">
-            <a:extLst>
-              <a:ext uri="{FF2B5EF4-FFF2-40B4-BE49-F238E27FC236}">
-                <a16:creationId xmlns:a16="http://schemas.microsoft.com/office/drawing/2014/main" id="{BD5D571D-F18B-4EB2-A8B7-3B79E64643AA}"/>
-              </a:ext>
-            </a:extLst>
-          </p:cNvPr>
-          <p:cNvSpPr>
-            <a:spLocks noGrp="1"/>
-          </p:cNvSpPr>
-          <p:nvPr>
-            <p:ph type="ctrTitle"/>
-          </p:nvPr>
+          <p:cNvPr id="4" name="Rectangle 3"/>
+          <p:cNvSpPr/>
+          <p:nvPr/>
         </p:nvSpPr>
         <p:spPr>
           <a:xfrm>
-            <a:off x="1524000" y="1122363"/>
-            <a:ext cx="9144000" cy="2387600"/>
+            <a:off x="0" y="0"/>
+            <a:ext cx="12192000" cy="6858000"/>
+          </a:xfrm>
+          <a:prstGeom prst="rect">
+            <a:avLst/>
+          </a:prstGeom>
+          <a:ln>
+            <a:noFill/>
+          </a:ln>
+        </p:spPr>
+        <p:style>
+          <a:lnRef idx="2">
+            <a:schemeClr val="accent1">
+              <a:shade val="50000"/>
+            </a:schemeClr>
+          </a:lnRef>
+          <a:fillRef idx="1">
+            <a:schemeClr val="accent1"/>
+          </a:fillRef>
+          <a:effectRef idx="0">
+            <a:schemeClr val="accent1"/>
+          </a:effectRef>
+          <a:fontRef idx="minor">
+            <a:schemeClr val="lt1"/>
+          </a:fontRef>
+        </p:style>
+      </p:sp>
+      <p:sp>
+        <p:nvSpPr>
+          <p:cNvPr id="2" name="Title 1"/>
+          <p:cNvSpPr>
+            <a:spLocks noGrp="1"/>
+          </p:cNvSpPr>
+          <p:nvPr>
+            <p:ph type="ctrTitle"/>
+          </p:nvPr>
+        </p:nvSpPr>
+        <p:spPr>
+          <a:xfrm>
+            <a:off x="603504" y="770467"/>
+            <a:ext cx="10782300" cy="3352800"/>
           </a:xfrm>
         </p:spPr>
         <p:txBody>
-          <a:bodyPr anchor="b"/>
+          <a:bodyPr anchor="b">
+            <a:noAutofit/>
+          </a:bodyPr>
           <a:lstStyle>
-            <a:lvl1pPr algn="ctr">
-              <a:defRPr sz="6000"/>
+            <a:lvl1pPr algn="l">
+              <a:lnSpc>
+                <a:spcPct val="80000"/>
+              </a:lnSpc>
+              <a:defRPr sz="8800" spc="-120" baseline="0">
+                <a:solidFill>
+                  <a:srgbClr val="FFFFFF"/>
+                </a:solidFill>
+              </a:defRPr>
             </a:lvl1pPr>
           </a:lstStyle>
           <a:p>
@@ -2540,18 +2597,13 @@
               <a:rPr lang="en-US"/>
               <a:t>Click to edit Master title style</a:t>
             </a:r>
-          </a:p>
-        </p:txBody>
-      </p:sp>
-      <p:sp>
-        <p:nvSpPr>
-          <p:cNvPr id="3" name="Subtitle 2">
-            <a:extLst>
-              <a:ext uri="{FF2B5EF4-FFF2-40B4-BE49-F238E27FC236}">
-                <a16:creationId xmlns:a16="http://schemas.microsoft.com/office/drawing/2014/main" id="{5A4A2608-C217-49B3-8048-D30089C6D179}"/>
-              </a:ext>
-            </a:extLst>
-          </p:cNvPr>
+            <a:endParaRPr lang="en-US" dirty="0"/>
+          </a:p>
+        </p:txBody>
+      </p:sp>
+      <p:sp>
+        <p:nvSpPr>
+          <p:cNvPr id="3" name="Subtitle 2"/>
           <p:cNvSpPr>
             <a:spLocks noGrp="1"/>
           </p:cNvSpPr>
@@ -2561,48 +2613,55 @@
         </p:nvSpPr>
         <p:spPr>
           <a:xfrm>
-            <a:off x="1524000" y="3602038"/>
-            <a:ext cx="9144000" cy="1655762"/>
+            <a:off x="667512" y="4206876"/>
+            <a:ext cx="9228201" cy="1645920"/>
           </a:xfrm>
         </p:spPr>
         <p:txBody>
-          <a:bodyPr/>
+          <a:bodyPr>
+            <a:normAutofit/>
+          </a:bodyPr>
           <a:lstStyle>
-            <a:lvl1pPr marL="0" indent="0" algn="ctr">
+            <a:lvl1pPr marL="0" indent="0" algn="l">
               <a:buNone/>
-              <a:defRPr sz="2400"/>
+              <a:defRPr sz="3200">
+                <a:solidFill>
+                  <a:schemeClr val="bg1"/>
+                </a:solidFill>
+                <a:latin typeface="+mj-lt"/>
+              </a:defRPr>
             </a:lvl1pPr>
             <a:lvl2pPr marL="457200" indent="0" algn="ctr">
               <a:buNone/>
-              <a:defRPr sz="2000"/>
+              <a:defRPr sz="2800"/>
             </a:lvl2pPr>
             <a:lvl3pPr marL="914400" indent="0" algn="ctr">
               <a:buNone/>
-              <a:defRPr sz="1800"/>
+              <a:defRPr sz="2400"/>
             </a:lvl3pPr>
             <a:lvl4pPr marL="1371600" indent="0" algn="ctr">
               <a:buNone/>
-              <a:defRPr sz="1600"/>
+              <a:defRPr sz="2000"/>
             </a:lvl4pPr>
             <a:lvl5pPr marL="1828800" indent="0" algn="ctr">
               <a:buNone/>
-              <a:defRPr sz="1600"/>
+              <a:defRPr sz="2000"/>
             </a:lvl5pPr>
             <a:lvl6pPr marL="2286000" indent="0" algn="ctr">
               <a:buNone/>
-              <a:defRPr sz="1600"/>
+              <a:defRPr sz="2000"/>
             </a:lvl6pPr>
             <a:lvl7pPr marL="2743200" indent="0" algn="ctr">
               <a:buNone/>
-              <a:defRPr sz="1600"/>
+              <a:defRPr sz="2000"/>
             </a:lvl7pPr>
             <a:lvl8pPr marL="3200400" indent="0" algn="ctr">
               <a:buNone/>
-              <a:defRPr sz="1600"/>
+              <a:defRPr sz="2000"/>
             </a:lvl8pPr>
             <a:lvl9pPr marL="3657600" indent="0" algn="ctr">
               <a:buNone/>
-              <a:defRPr sz="1600"/>
+              <a:defRPr sz="2000"/>
             </a:lvl9pPr>
           </a:lstStyle>
           <a:p>
@@ -2610,18 +2669,13 @@
               <a:rPr lang="en-US"/>
               <a:t>Click to edit Master subtitle style</a:t>
             </a:r>
-          </a:p>
-        </p:txBody>
-      </p:sp>
-      <p:sp>
-        <p:nvSpPr>
-          <p:cNvPr id="4" name="Date Placeholder 3">
-            <a:extLst>
-              <a:ext uri="{FF2B5EF4-FFF2-40B4-BE49-F238E27FC236}">
-                <a16:creationId xmlns:a16="http://schemas.microsoft.com/office/drawing/2014/main" id="{10969271-AE9C-4C6F-B40D-8179F602911A}"/>
-              </a:ext>
-            </a:extLst>
-          </p:cNvPr>
+            <a:endParaRPr lang="en-US" dirty="0"/>
+          </a:p>
+        </p:txBody>
+      </p:sp>
+      <p:sp>
+        <p:nvSpPr>
+          <p:cNvPr id="7" name="Date Placeholder 6"/>
           <p:cNvSpPr>
             <a:spLocks noGrp="1"/>
           </p:cNvSpPr>
@@ -2632,11 +2686,21 @@
         <p:spPr/>
         <p:txBody>
           <a:bodyPr/>
-          <a:lstStyle/>
+          <a:lstStyle>
+            <a:lvl1pPr>
+              <a:defRPr>
+                <a:solidFill>
+                  <a:srgbClr val="FFFFFF">
+                    <a:alpha val="80000"/>
+                  </a:srgbClr>
+                </a:solidFill>
+              </a:defRPr>
+            </a:lvl1pPr>
+          </a:lstStyle>
           <a:p>
             <a:fld id="{A068D8EE-E370-4327-AEA9-9F3E26790199}" type="datetimeFigureOut">
               <a:rPr lang="en-US" smtClean="0"/>
-              <a:t>6/17/2018</a:t>
+              <a:t>8/4/2018</a:t>
             </a:fld>
             <a:endParaRPr lang="en-US"/>
           </a:p>
@@ -2644,13 +2708,7 @@
       </p:sp>
       <p:sp>
         <p:nvSpPr>
-          <p:cNvPr id="5" name="Footer Placeholder 4">
-            <a:extLst>
-              <a:ext uri="{FF2B5EF4-FFF2-40B4-BE49-F238E27FC236}">
-                <a16:creationId xmlns:a16="http://schemas.microsoft.com/office/drawing/2014/main" id="{36BE460D-55AF-4A54-8699-CC79FF110E9E}"/>
-              </a:ext>
-            </a:extLst>
-          </p:cNvPr>
+          <p:cNvPr id="8" name="Footer Placeholder 7"/>
           <p:cNvSpPr>
             <a:spLocks noGrp="1"/>
           </p:cNvSpPr>
@@ -2661,7 +2719,17 @@
         <p:spPr/>
         <p:txBody>
           <a:bodyPr/>
-          <a:lstStyle/>
+          <a:lstStyle>
+            <a:lvl1pPr>
+              <a:defRPr>
+                <a:solidFill>
+                  <a:srgbClr val="FFFFFF">
+                    <a:alpha val="80000"/>
+                  </a:srgbClr>
+                </a:solidFill>
+              </a:defRPr>
+            </a:lvl1pPr>
+          </a:lstStyle>
           <a:p>
             <a:endParaRPr lang="en-US"/>
           </a:p>
@@ -2669,13 +2737,7 @@
       </p:sp>
       <p:sp>
         <p:nvSpPr>
-          <p:cNvPr id="6" name="Slide Number Placeholder 5">
-            <a:extLst>
-              <a:ext uri="{FF2B5EF4-FFF2-40B4-BE49-F238E27FC236}">
-                <a16:creationId xmlns:a16="http://schemas.microsoft.com/office/drawing/2014/main" id="{BA01F43B-9E79-4F67-8E58-F8E7DB6E372D}"/>
-              </a:ext>
-            </a:extLst>
-          </p:cNvPr>
+          <p:cNvPr id="9" name="Slide Number Placeholder 8"/>
           <p:cNvSpPr>
             <a:spLocks noGrp="1"/>
           </p:cNvSpPr>
@@ -2686,7 +2748,17 @@
         <p:spPr/>
         <p:txBody>
           <a:bodyPr/>
-          <a:lstStyle/>
+          <a:lstStyle>
+            <a:lvl1pPr>
+              <a:defRPr>
+                <a:solidFill>
+                  <a:srgbClr val="FFFFFF">
+                    <a:alpha val="25000"/>
+                  </a:srgbClr>
+                </a:solidFill>
+              </a:defRPr>
+            </a:lvl1pPr>
+          </a:lstStyle>
           <a:p>
             <a:fld id="{D826C045-6F7E-4381-9801-5E1F99A3547B}" type="slidenum">
               <a:rPr lang="en-US" smtClean="0"/>
@@ -2699,7 +2771,7 @@
     </p:spTree>
     <p:extLst>
       <p:ext uri="{BB962C8B-B14F-4D97-AF65-F5344CB8AC3E}">
-        <p14:creationId xmlns:p14="http://schemas.microsoft.com/office/powerpoint/2010/main" val="1835611674"/>
+        <p14:creationId xmlns:p14="http://schemas.microsoft.com/office/powerpoint/2010/main" val="2668357720"/>
       </p:ext>
     </p:extLst>
   </p:cSld>
@@ -2728,13 +2800,7 @@
       </p:grpSpPr>
       <p:sp>
         <p:nvSpPr>
-          <p:cNvPr id="2" name="Title 1">
-            <a:extLst>
-              <a:ext uri="{FF2B5EF4-FFF2-40B4-BE49-F238E27FC236}">
-                <a16:creationId xmlns:a16="http://schemas.microsoft.com/office/drawing/2014/main" id="{25491D55-B989-442F-868C-F6B5DCB7E47F}"/>
-              </a:ext>
-            </a:extLst>
-          </p:cNvPr>
+          <p:cNvPr id="2" name="Title 1"/>
           <p:cNvSpPr>
             <a:spLocks noGrp="1"/>
           </p:cNvSpPr>
@@ -2751,18 +2817,13 @@
               <a:rPr lang="en-US"/>
               <a:t>Click to edit Master title style</a:t>
             </a:r>
-          </a:p>
-        </p:txBody>
-      </p:sp>
-      <p:sp>
-        <p:nvSpPr>
-          <p:cNvPr id="3" name="Vertical Text Placeholder 2">
-            <a:extLst>
-              <a:ext uri="{FF2B5EF4-FFF2-40B4-BE49-F238E27FC236}">
-                <a16:creationId xmlns:a16="http://schemas.microsoft.com/office/drawing/2014/main" id="{DFA1E9E4-8C30-4E81-B135-B44CAA40044D}"/>
-              </a:ext>
-            </a:extLst>
-          </p:cNvPr>
+            <a:endParaRPr lang="en-US" dirty="0"/>
+          </a:p>
+        </p:txBody>
+      </p:sp>
+      <p:sp>
+        <p:nvSpPr>
+          <p:cNvPr id="3" name="Vertical Text Placeholder 2"/>
           <p:cNvSpPr>
             <a:spLocks noGrp="1"/>
           </p:cNvSpPr>
@@ -2808,18 +2869,13 @@
               <a:rPr lang="en-US"/>
               <a:t>Fifth level</a:t>
             </a:r>
-          </a:p>
-        </p:txBody>
-      </p:sp>
-      <p:sp>
-        <p:nvSpPr>
-          <p:cNvPr id="4" name="Date Placeholder 3">
-            <a:extLst>
-              <a:ext uri="{FF2B5EF4-FFF2-40B4-BE49-F238E27FC236}">
-                <a16:creationId xmlns:a16="http://schemas.microsoft.com/office/drawing/2014/main" id="{EAFDCE02-D89C-4388-B373-A3F006964633}"/>
-              </a:ext>
-            </a:extLst>
-          </p:cNvPr>
+            <a:endParaRPr lang="en-US" dirty="0"/>
+          </a:p>
+        </p:txBody>
+      </p:sp>
+      <p:sp>
+        <p:nvSpPr>
+          <p:cNvPr id="4" name="Date Placeholder 3"/>
           <p:cNvSpPr>
             <a:spLocks noGrp="1"/>
           </p:cNvSpPr>
@@ -2834,7 +2890,7 @@
           <a:p>
             <a:fld id="{A068D8EE-E370-4327-AEA9-9F3E26790199}" type="datetimeFigureOut">
               <a:rPr lang="en-US" smtClean="0"/>
-              <a:t>6/17/2018</a:t>
+              <a:t>8/4/2018</a:t>
             </a:fld>
             <a:endParaRPr lang="en-US"/>
           </a:p>
@@ -2842,13 +2898,7 @@
       </p:sp>
       <p:sp>
         <p:nvSpPr>
-          <p:cNvPr id="5" name="Footer Placeholder 4">
-            <a:extLst>
-              <a:ext uri="{FF2B5EF4-FFF2-40B4-BE49-F238E27FC236}">
-                <a16:creationId xmlns:a16="http://schemas.microsoft.com/office/drawing/2014/main" id="{EFE1C584-192A-4EBA-A133-87E008272B53}"/>
-              </a:ext>
-            </a:extLst>
-          </p:cNvPr>
+          <p:cNvPr id="5" name="Footer Placeholder 4"/>
           <p:cNvSpPr>
             <a:spLocks noGrp="1"/>
           </p:cNvSpPr>
@@ -2867,13 +2917,7 @@
       </p:sp>
       <p:sp>
         <p:nvSpPr>
-          <p:cNvPr id="6" name="Slide Number Placeholder 5">
-            <a:extLst>
-              <a:ext uri="{FF2B5EF4-FFF2-40B4-BE49-F238E27FC236}">
-                <a16:creationId xmlns:a16="http://schemas.microsoft.com/office/drawing/2014/main" id="{CA83B726-1A71-46D3-AD3C-23B8B4E4B0E1}"/>
-              </a:ext>
-            </a:extLst>
-          </p:cNvPr>
+          <p:cNvPr id="6" name="Slide Number Placeholder 5"/>
           <p:cNvSpPr>
             <a:spLocks noGrp="1"/>
           </p:cNvSpPr>
@@ -2897,7 +2941,7 @@
     </p:spTree>
     <p:extLst>
       <p:ext uri="{BB962C8B-B14F-4D97-AF65-F5344CB8AC3E}">
-        <p14:creationId xmlns:p14="http://schemas.microsoft.com/office/powerpoint/2010/main" val="3542816977"/>
+        <p14:creationId xmlns:p14="http://schemas.microsoft.com/office/powerpoint/2010/main" val="1344251354"/>
       </p:ext>
     </p:extLst>
   </p:cSld>
@@ -2926,13 +2970,7 @@
       </p:grpSpPr>
       <p:sp>
         <p:nvSpPr>
-          <p:cNvPr id="2" name="Vertical Title 1">
-            <a:extLst>
-              <a:ext uri="{FF2B5EF4-FFF2-40B4-BE49-F238E27FC236}">
-                <a16:creationId xmlns:a16="http://schemas.microsoft.com/office/drawing/2014/main" id="{8307AD4F-CFF7-4C05-B356-B3D12D0704FD}"/>
-              </a:ext>
-            </a:extLst>
-          </p:cNvPr>
+          <p:cNvPr id="2" name="Vertical Title 1"/>
           <p:cNvSpPr>
             <a:spLocks noGrp="1"/>
           </p:cNvSpPr>
@@ -2942,8 +2980,8 @@
         </p:nvSpPr>
         <p:spPr>
           <a:xfrm>
-            <a:off x="8724900" y="365125"/>
-            <a:ext cx="2628900" cy="5811838"/>
+            <a:off x="8743950" y="695325"/>
+            <a:ext cx="2628900" cy="4800600"/>
           </a:xfrm>
         </p:spPr>
         <p:txBody>
@@ -2954,18 +2992,13 @@
               <a:rPr lang="en-US"/>
               <a:t>Click to edit Master title style</a:t>
             </a:r>
-          </a:p>
-        </p:txBody>
-      </p:sp>
-      <p:sp>
-        <p:nvSpPr>
-          <p:cNvPr id="3" name="Vertical Text Placeholder 2">
-            <a:extLst>
-              <a:ext uri="{FF2B5EF4-FFF2-40B4-BE49-F238E27FC236}">
-                <a16:creationId xmlns:a16="http://schemas.microsoft.com/office/drawing/2014/main" id="{D186B55A-1599-44BB-AAB6-45E5ACC9A1E3}"/>
-              </a:ext>
-            </a:extLst>
-          </p:cNvPr>
+            <a:endParaRPr lang="en-US" dirty="0"/>
+          </a:p>
+        </p:txBody>
+      </p:sp>
+      <p:sp>
+        <p:nvSpPr>
+          <p:cNvPr id="3" name="Vertical Text Placeholder 2"/>
           <p:cNvSpPr>
             <a:spLocks noGrp="1"/>
           </p:cNvSpPr>
@@ -2975,8 +3008,8 @@
         </p:nvSpPr>
         <p:spPr>
           <a:xfrm>
-            <a:off x="838200" y="365125"/>
-            <a:ext cx="7734300" cy="5811838"/>
+            <a:off x="771525" y="714375"/>
+            <a:ext cx="7734300" cy="5400675"/>
           </a:xfrm>
         </p:spPr>
         <p:txBody>
@@ -3016,18 +3049,13 @@
               <a:rPr lang="en-US"/>
               <a:t>Fifth level</a:t>
             </a:r>
-          </a:p>
-        </p:txBody>
-      </p:sp>
-      <p:sp>
-        <p:nvSpPr>
-          <p:cNvPr id="4" name="Date Placeholder 3">
-            <a:extLst>
-              <a:ext uri="{FF2B5EF4-FFF2-40B4-BE49-F238E27FC236}">
-                <a16:creationId xmlns:a16="http://schemas.microsoft.com/office/drawing/2014/main" id="{20B2CA43-8896-42CF-951D-3B044A2D66C2}"/>
-              </a:ext>
-            </a:extLst>
-          </p:cNvPr>
+            <a:endParaRPr lang="en-US" dirty="0"/>
+          </a:p>
+        </p:txBody>
+      </p:sp>
+      <p:sp>
+        <p:nvSpPr>
+          <p:cNvPr id="4" name="Date Placeholder 3"/>
           <p:cNvSpPr>
             <a:spLocks noGrp="1"/>
           </p:cNvSpPr>
@@ -3042,7 +3070,7 @@
           <a:p>
             <a:fld id="{A068D8EE-E370-4327-AEA9-9F3E26790199}" type="datetimeFigureOut">
               <a:rPr lang="en-US" smtClean="0"/>
-              <a:t>6/17/2018</a:t>
+              <a:t>8/4/2018</a:t>
             </a:fld>
             <a:endParaRPr lang="en-US"/>
           </a:p>
@@ -3050,13 +3078,7 @@
       </p:sp>
       <p:sp>
         <p:nvSpPr>
-          <p:cNvPr id="5" name="Footer Placeholder 4">
-            <a:extLst>
-              <a:ext uri="{FF2B5EF4-FFF2-40B4-BE49-F238E27FC236}">
-                <a16:creationId xmlns:a16="http://schemas.microsoft.com/office/drawing/2014/main" id="{FA9B60B9-1656-4D48-9101-32A893B4279C}"/>
-              </a:ext>
-            </a:extLst>
-          </p:cNvPr>
+          <p:cNvPr id="5" name="Footer Placeholder 4"/>
           <p:cNvSpPr>
             <a:spLocks noGrp="1"/>
           </p:cNvSpPr>
@@ -3075,13 +3097,7 @@
       </p:sp>
       <p:sp>
         <p:nvSpPr>
-          <p:cNvPr id="6" name="Slide Number Placeholder 5">
-            <a:extLst>
-              <a:ext uri="{FF2B5EF4-FFF2-40B4-BE49-F238E27FC236}">
-                <a16:creationId xmlns:a16="http://schemas.microsoft.com/office/drawing/2014/main" id="{49AB0576-2D02-4EC1-BE04-1B6EE6B41D28}"/>
-              </a:ext>
-            </a:extLst>
-          </p:cNvPr>
+          <p:cNvPr id="6" name="Slide Number Placeholder 5"/>
           <p:cNvSpPr>
             <a:spLocks noGrp="1"/>
           </p:cNvSpPr>
@@ -3105,7 +3121,7 @@
     </p:spTree>
     <p:extLst>
       <p:ext uri="{BB962C8B-B14F-4D97-AF65-F5344CB8AC3E}">
-        <p14:creationId xmlns:p14="http://schemas.microsoft.com/office/powerpoint/2010/main" val="439098828"/>
+        <p14:creationId xmlns:p14="http://schemas.microsoft.com/office/powerpoint/2010/main" val="3200347314"/>
       </p:ext>
     </p:extLst>
   </p:cSld>
@@ -3134,13 +3150,7 @@
       </p:grpSpPr>
       <p:sp>
         <p:nvSpPr>
-          <p:cNvPr id="2" name="Title 1">
-            <a:extLst>
-              <a:ext uri="{FF2B5EF4-FFF2-40B4-BE49-F238E27FC236}">
-                <a16:creationId xmlns:a16="http://schemas.microsoft.com/office/drawing/2014/main" id="{525754CC-E749-474B-8CC0-97E957062BB7}"/>
-              </a:ext>
-            </a:extLst>
-          </p:cNvPr>
+          <p:cNvPr id="2" name="Title 1"/>
           <p:cNvSpPr>
             <a:spLocks noGrp="1"/>
           </p:cNvSpPr>
@@ -3157,18 +3167,13 @@
               <a:rPr lang="en-US"/>
               <a:t>Click to edit Master title style</a:t>
             </a:r>
-          </a:p>
-        </p:txBody>
-      </p:sp>
-      <p:sp>
-        <p:nvSpPr>
-          <p:cNvPr id="3" name="Content Placeholder 2">
-            <a:extLst>
-              <a:ext uri="{FF2B5EF4-FFF2-40B4-BE49-F238E27FC236}">
-                <a16:creationId xmlns:a16="http://schemas.microsoft.com/office/drawing/2014/main" id="{2C1A1428-ABE6-4A73-B2D4-EFD2E83450DA}"/>
-              </a:ext>
-            </a:extLst>
-          </p:cNvPr>
+            <a:endParaRPr lang="en-US" dirty="0"/>
+          </a:p>
+        </p:txBody>
+      </p:sp>
+      <p:sp>
+        <p:nvSpPr>
+          <p:cNvPr id="3" name="Content Placeholder 2"/>
           <p:cNvSpPr>
             <a:spLocks noGrp="1"/>
           </p:cNvSpPr>
@@ -3214,18 +3219,13 @@
               <a:rPr lang="en-US"/>
               <a:t>Fifth level</a:t>
             </a:r>
-          </a:p>
-        </p:txBody>
-      </p:sp>
-      <p:sp>
-        <p:nvSpPr>
-          <p:cNvPr id="4" name="Date Placeholder 3">
-            <a:extLst>
-              <a:ext uri="{FF2B5EF4-FFF2-40B4-BE49-F238E27FC236}">
-                <a16:creationId xmlns:a16="http://schemas.microsoft.com/office/drawing/2014/main" id="{B6C4C31C-FEBF-4C91-A8FF-3D0423B2DE18}"/>
-              </a:ext>
-            </a:extLst>
-          </p:cNvPr>
+            <a:endParaRPr lang="en-US" dirty="0"/>
+          </a:p>
+        </p:txBody>
+      </p:sp>
+      <p:sp>
+        <p:nvSpPr>
+          <p:cNvPr id="4" name="Date Placeholder 3"/>
           <p:cNvSpPr>
             <a:spLocks noGrp="1"/>
           </p:cNvSpPr>
@@ -3240,7 +3240,7 @@
           <a:p>
             <a:fld id="{A068D8EE-E370-4327-AEA9-9F3E26790199}" type="datetimeFigureOut">
               <a:rPr lang="en-US" smtClean="0"/>
-              <a:t>6/17/2018</a:t>
+              <a:t>8/4/2018</a:t>
             </a:fld>
             <a:endParaRPr lang="en-US"/>
           </a:p>
@@ -3248,13 +3248,7 @@
       </p:sp>
       <p:sp>
         <p:nvSpPr>
-          <p:cNvPr id="5" name="Footer Placeholder 4">
-            <a:extLst>
-              <a:ext uri="{FF2B5EF4-FFF2-40B4-BE49-F238E27FC236}">
-                <a16:creationId xmlns:a16="http://schemas.microsoft.com/office/drawing/2014/main" id="{8341320F-C403-4CFC-A7F6-9E43C3651A06}"/>
-              </a:ext>
-            </a:extLst>
-          </p:cNvPr>
+          <p:cNvPr id="5" name="Footer Placeholder 4"/>
           <p:cNvSpPr>
             <a:spLocks noGrp="1"/>
           </p:cNvSpPr>
@@ -3273,13 +3267,7 @@
       </p:sp>
       <p:sp>
         <p:nvSpPr>
-          <p:cNvPr id="6" name="Slide Number Placeholder 5">
-            <a:extLst>
-              <a:ext uri="{FF2B5EF4-FFF2-40B4-BE49-F238E27FC236}">
-                <a16:creationId xmlns:a16="http://schemas.microsoft.com/office/drawing/2014/main" id="{7A20DE0A-78EC-423C-BA25-F299D57D35EC}"/>
-              </a:ext>
-            </a:extLst>
-          </p:cNvPr>
+          <p:cNvPr id="6" name="Slide Number Placeholder 5"/>
           <p:cNvSpPr>
             <a:spLocks noGrp="1"/>
           </p:cNvSpPr>
@@ -3303,7 +3291,7 @@
     </p:spTree>
     <p:extLst>
       <p:ext uri="{BB962C8B-B14F-4D97-AF65-F5344CB8AC3E}">
-        <p14:creationId xmlns:p14="http://schemas.microsoft.com/office/powerpoint/2010/main" val="2283713205"/>
+        <p14:creationId xmlns:p14="http://schemas.microsoft.com/office/powerpoint/2010/main" val="2254489905"/>
       </p:ext>
     </p:extLst>
   </p:cSld>
@@ -3332,13 +3320,7 @@
       </p:grpSpPr>
       <p:sp>
         <p:nvSpPr>
-          <p:cNvPr id="2" name="Title 1">
-            <a:extLst>
-              <a:ext uri="{FF2B5EF4-FFF2-40B4-BE49-F238E27FC236}">
-                <a16:creationId xmlns:a16="http://schemas.microsoft.com/office/drawing/2014/main" id="{70BFC522-1964-4361-9BA3-728F270080E1}"/>
-              </a:ext>
-            </a:extLst>
-          </p:cNvPr>
+          <p:cNvPr id="2" name="Title 1"/>
           <p:cNvSpPr>
             <a:spLocks noGrp="1"/>
           </p:cNvSpPr>
@@ -3348,15 +3330,24 @@
         </p:nvSpPr>
         <p:spPr>
           <a:xfrm>
-            <a:off x="831850" y="1709738"/>
-            <a:ext cx="10515600" cy="2852737"/>
+            <a:off x="603504" y="767419"/>
+            <a:ext cx="10780776" cy="3355848"/>
           </a:xfrm>
         </p:spPr>
         <p:txBody>
-          <a:bodyPr anchor="b"/>
+          <a:bodyPr anchor="b">
+            <a:normAutofit/>
+          </a:bodyPr>
           <a:lstStyle>
             <a:lvl1pPr>
-              <a:defRPr sz="6000"/>
+              <a:lnSpc>
+                <a:spcPct val="80000"/>
+              </a:lnSpc>
+              <a:defRPr sz="8800" b="0" baseline="0">
+                <a:solidFill>
+                  <a:schemeClr val="accent1"/>
+                </a:solidFill>
+              </a:defRPr>
             </a:lvl1pPr>
           </a:lstStyle>
           <a:p>
@@ -3364,18 +3355,13 @@
               <a:rPr lang="en-US"/>
               <a:t>Click to edit Master title style</a:t>
             </a:r>
-          </a:p>
-        </p:txBody>
-      </p:sp>
-      <p:sp>
-        <p:nvSpPr>
-          <p:cNvPr id="3" name="Text Placeholder 2">
-            <a:extLst>
-              <a:ext uri="{FF2B5EF4-FFF2-40B4-BE49-F238E27FC236}">
-                <a16:creationId xmlns:a16="http://schemas.microsoft.com/office/drawing/2014/main" id="{053A2042-7352-4407-A312-E6F1AC34C803}"/>
-              </a:ext>
-            </a:extLst>
-          </p:cNvPr>
+            <a:endParaRPr lang="en-US" dirty="0"/>
+          </a:p>
+        </p:txBody>
+      </p:sp>
+      <p:sp>
+        <p:nvSpPr>
+          <p:cNvPr id="3" name="Text Placeholder 2"/>
           <p:cNvSpPr>
             <a:spLocks noGrp="1"/>
           </p:cNvSpPr>
@@ -3385,26 +3371,27 @@
         </p:nvSpPr>
         <p:spPr>
           <a:xfrm>
-            <a:off x="831850" y="4589463"/>
-            <a:ext cx="10515600" cy="1500187"/>
+            <a:off x="667512" y="4204209"/>
+            <a:ext cx="9226296" cy="1645920"/>
           </a:xfrm>
         </p:spPr>
         <p:txBody>
-          <a:bodyPr/>
+          <a:bodyPr anchor="t">
+            <a:normAutofit/>
+          </a:bodyPr>
           <a:lstStyle>
             <a:lvl1pPr marL="0" indent="0">
               <a:buNone/>
-              <a:defRPr sz="2400">
+              <a:defRPr sz="3200">
                 <a:solidFill>
-                  <a:schemeClr val="tx1">
-                    <a:tint val="75000"/>
-                  </a:schemeClr>
+                  <a:schemeClr val="tx1"/>
                 </a:solidFill>
+                <a:latin typeface="+mj-lt"/>
               </a:defRPr>
             </a:lvl1pPr>
             <a:lvl2pPr marL="457200" indent="0">
               <a:buNone/>
-              <a:defRPr sz="2000">
+              <a:defRPr sz="1800">
                 <a:solidFill>
                   <a:schemeClr val="tx1">
                     <a:tint val="75000"/>
@@ -3414,7 +3401,7 @@
             </a:lvl2pPr>
             <a:lvl3pPr marL="914400" indent="0">
               <a:buNone/>
-              <a:defRPr sz="1800">
+              <a:defRPr sz="1600">
                 <a:solidFill>
                   <a:schemeClr val="tx1">
                     <a:tint val="75000"/>
@@ -3424,7 +3411,7 @@
             </a:lvl3pPr>
             <a:lvl4pPr marL="1371600" indent="0">
               <a:buNone/>
-              <a:defRPr sz="1600">
+              <a:defRPr sz="1400">
                 <a:solidFill>
                   <a:schemeClr val="tx1">
                     <a:tint val="75000"/>
@@ -3434,7 +3421,7 @@
             </a:lvl4pPr>
             <a:lvl5pPr marL="1828800" indent="0">
               <a:buNone/>
-              <a:defRPr sz="1600">
+              <a:defRPr sz="1400">
                 <a:solidFill>
                   <a:schemeClr val="tx1">
                     <a:tint val="75000"/>
@@ -3444,7 +3431,7 @@
             </a:lvl5pPr>
             <a:lvl6pPr marL="2286000" indent="0">
               <a:buNone/>
-              <a:defRPr sz="1600">
+              <a:defRPr sz="1400">
                 <a:solidFill>
                   <a:schemeClr val="tx1">
                     <a:tint val="75000"/>
@@ -3454,7 +3441,7 @@
             </a:lvl6pPr>
             <a:lvl7pPr marL="2743200" indent="0">
               <a:buNone/>
-              <a:defRPr sz="1600">
+              <a:defRPr sz="1400">
                 <a:solidFill>
                   <a:schemeClr val="tx1">
                     <a:tint val="75000"/>
@@ -3464,7 +3451,7 @@
             </a:lvl7pPr>
             <a:lvl8pPr marL="3200400" indent="0">
               <a:buNone/>
-              <a:defRPr sz="1600">
+              <a:defRPr sz="1400">
                 <a:solidFill>
                   <a:schemeClr val="tx1">
                     <a:tint val="75000"/>
@@ -3474,7 +3461,7 @@
             </a:lvl8pPr>
             <a:lvl9pPr marL="3657600" indent="0">
               <a:buNone/>
-              <a:defRPr sz="1600">
+              <a:defRPr sz="1400">
                 <a:solidFill>
                   <a:schemeClr val="tx1">
                     <a:tint val="75000"/>
@@ -3494,13 +3481,7 @@
       </p:sp>
       <p:sp>
         <p:nvSpPr>
-          <p:cNvPr id="4" name="Date Placeholder 3">
-            <a:extLst>
-              <a:ext uri="{FF2B5EF4-FFF2-40B4-BE49-F238E27FC236}">
-                <a16:creationId xmlns:a16="http://schemas.microsoft.com/office/drawing/2014/main" id="{AC6AD150-A995-4D88-8751-81A052FB3D47}"/>
-              </a:ext>
-            </a:extLst>
-          </p:cNvPr>
+          <p:cNvPr id="4" name="Date Placeholder 3"/>
           <p:cNvSpPr>
             <a:spLocks noGrp="1"/>
           </p:cNvSpPr>
@@ -3515,7 +3496,7 @@
           <a:p>
             <a:fld id="{A068D8EE-E370-4327-AEA9-9F3E26790199}" type="datetimeFigureOut">
               <a:rPr lang="en-US" smtClean="0"/>
-              <a:t>6/17/2018</a:t>
+              <a:t>8/4/2018</a:t>
             </a:fld>
             <a:endParaRPr lang="en-US"/>
           </a:p>
@@ -3523,13 +3504,7 @@
       </p:sp>
       <p:sp>
         <p:nvSpPr>
-          <p:cNvPr id="5" name="Footer Placeholder 4">
-            <a:extLst>
-              <a:ext uri="{FF2B5EF4-FFF2-40B4-BE49-F238E27FC236}">
-                <a16:creationId xmlns:a16="http://schemas.microsoft.com/office/drawing/2014/main" id="{3AC342FE-5E7B-4E33-8B64-E9D119842FEE}"/>
-              </a:ext>
-            </a:extLst>
-          </p:cNvPr>
+          <p:cNvPr id="5" name="Footer Placeholder 4"/>
           <p:cNvSpPr>
             <a:spLocks noGrp="1"/>
           </p:cNvSpPr>
@@ -3548,13 +3523,7 @@
       </p:sp>
       <p:sp>
         <p:nvSpPr>
-          <p:cNvPr id="6" name="Slide Number Placeholder 5">
-            <a:extLst>
-              <a:ext uri="{FF2B5EF4-FFF2-40B4-BE49-F238E27FC236}">
-                <a16:creationId xmlns:a16="http://schemas.microsoft.com/office/drawing/2014/main" id="{806E3A08-7A47-41E0-ACEE-E759FE93D6DC}"/>
-              </a:ext>
-            </a:extLst>
-          </p:cNvPr>
+          <p:cNvPr id="6" name="Slide Number Placeholder 5"/>
           <p:cNvSpPr>
             <a:spLocks noGrp="1"/>
           </p:cNvSpPr>
@@ -3578,7 +3547,7 @@
     </p:spTree>
     <p:extLst>
       <p:ext uri="{BB962C8B-B14F-4D97-AF65-F5344CB8AC3E}">
-        <p14:creationId xmlns:p14="http://schemas.microsoft.com/office/powerpoint/2010/main" val="950280008"/>
+        <p14:creationId xmlns:p14="http://schemas.microsoft.com/office/powerpoint/2010/main" val="1385625039"/>
       </p:ext>
     </p:extLst>
   </p:cSld>
@@ -3607,13 +3576,7 @@
       </p:grpSpPr>
       <p:sp>
         <p:nvSpPr>
-          <p:cNvPr id="2" name="Title 1">
-            <a:extLst>
-              <a:ext uri="{FF2B5EF4-FFF2-40B4-BE49-F238E27FC236}">
-                <a16:creationId xmlns:a16="http://schemas.microsoft.com/office/drawing/2014/main" id="{7F811B4D-F766-4F9E-A578-E46CEDFBE7ED}"/>
-              </a:ext>
-            </a:extLst>
-          </p:cNvPr>
+          <p:cNvPr id="2" name="Title 1"/>
           <p:cNvSpPr>
             <a:spLocks noGrp="1"/>
           </p:cNvSpPr>
@@ -3630,18 +3593,13 @@
               <a:rPr lang="en-US"/>
               <a:t>Click to edit Master title style</a:t>
             </a:r>
-          </a:p>
-        </p:txBody>
-      </p:sp>
-      <p:sp>
-        <p:nvSpPr>
-          <p:cNvPr id="3" name="Content Placeholder 2">
-            <a:extLst>
-              <a:ext uri="{FF2B5EF4-FFF2-40B4-BE49-F238E27FC236}">
-                <a16:creationId xmlns:a16="http://schemas.microsoft.com/office/drawing/2014/main" id="{544F43CD-35EB-4331-90A7-D28AABEDC0C0}"/>
-              </a:ext>
-            </a:extLst>
-          </p:cNvPr>
+            <a:endParaRPr lang="en-US" dirty="0"/>
+          </a:p>
+        </p:txBody>
+      </p:sp>
+      <p:sp>
+        <p:nvSpPr>
+          <p:cNvPr id="3" name="Content Placeholder 2"/>
           <p:cNvSpPr>
             <a:spLocks noGrp="1"/>
           </p:cNvSpPr>
@@ -3651,13 +3609,41 @@
         </p:nvSpPr>
         <p:spPr>
           <a:xfrm>
-            <a:off x="838200" y="1825625"/>
-            <a:ext cx="5181600" cy="4351338"/>
+            <a:off x="676656" y="1998134"/>
+            <a:ext cx="4663440" cy="3767328"/>
           </a:xfrm>
         </p:spPr>
         <p:txBody>
           <a:bodyPr/>
-          <a:lstStyle/>
+          <a:lstStyle>
+            <a:lvl1pPr>
+              <a:defRPr sz="2400"/>
+            </a:lvl1pPr>
+            <a:lvl2pPr>
+              <a:defRPr sz="2000"/>
+            </a:lvl2pPr>
+            <a:lvl3pPr>
+              <a:defRPr sz="1800"/>
+            </a:lvl3pPr>
+            <a:lvl4pPr>
+              <a:defRPr sz="1600"/>
+            </a:lvl4pPr>
+            <a:lvl5pPr>
+              <a:defRPr sz="1600"/>
+            </a:lvl5pPr>
+            <a:lvl6pPr>
+              <a:defRPr sz="1600"/>
+            </a:lvl6pPr>
+            <a:lvl7pPr>
+              <a:defRPr sz="1600"/>
+            </a:lvl7pPr>
+            <a:lvl8pPr>
+              <a:defRPr sz="1600"/>
+            </a:lvl8pPr>
+            <a:lvl9pPr>
+              <a:defRPr sz="1600"/>
+            </a:lvl9pPr>
+          </a:lstStyle>
           <a:p>
             <a:pPr lvl="0"/>
             <a:r>
@@ -3692,18 +3678,13 @@
               <a:rPr lang="en-US"/>
               <a:t>Fifth level</a:t>
             </a:r>
-          </a:p>
-        </p:txBody>
-      </p:sp>
-      <p:sp>
-        <p:nvSpPr>
-          <p:cNvPr id="4" name="Content Placeholder 3">
-            <a:extLst>
-              <a:ext uri="{FF2B5EF4-FFF2-40B4-BE49-F238E27FC236}">
-                <a16:creationId xmlns:a16="http://schemas.microsoft.com/office/drawing/2014/main" id="{DD88CCE9-4680-499F-A63B-7F4EC60E1397}"/>
-              </a:ext>
-            </a:extLst>
-          </p:cNvPr>
+            <a:endParaRPr lang="en-US" dirty="0"/>
+          </a:p>
+        </p:txBody>
+      </p:sp>
+      <p:sp>
+        <p:nvSpPr>
+          <p:cNvPr id="4" name="Content Placeholder 3"/>
           <p:cNvSpPr>
             <a:spLocks noGrp="1"/>
           </p:cNvSpPr>
@@ -3713,13 +3694,41 @@
         </p:nvSpPr>
         <p:spPr>
           <a:xfrm>
-            <a:off x="6172200" y="1825625"/>
-            <a:ext cx="5181600" cy="4351338"/>
+            <a:off x="6011330" y="1998134"/>
+            <a:ext cx="4663440" cy="3767328"/>
           </a:xfrm>
         </p:spPr>
         <p:txBody>
           <a:bodyPr/>
-          <a:lstStyle/>
+          <a:lstStyle>
+            <a:lvl1pPr>
+              <a:defRPr sz="2400"/>
+            </a:lvl1pPr>
+            <a:lvl2pPr>
+              <a:defRPr sz="2000"/>
+            </a:lvl2pPr>
+            <a:lvl3pPr>
+              <a:defRPr sz="1800"/>
+            </a:lvl3pPr>
+            <a:lvl4pPr>
+              <a:defRPr sz="1600"/>
+            </a:lvl4pPr>
+            <a:lvl5pPr>
+              <a:defRPr sz="1600"/>
+            </a:lvl5pPr>
+            <a:lvl6pPr>
+              <a:defRPr sz="1600"/>
+            </a:lvl6pPr>
+            <a:lvl7pPr>
+              <a:defRPr sz="1600"/>
+            </a:lvl7pPr>
+            <a:lvl8pPr>
+              <a:defRPr sz="1600"/>
+            </a:lvl8pPr>
+            <a:lvl9pPr>
+              <a:defRPr sz="1600"/>
+            </a:lvl9pPr>
+          </a:lstStyle>
           <a:p>
             <a:pPr lvl="0"/>
             <a:r>
@@ -3754,18 +3763,13 @@
               <a:rPr lang="en-US"/>
               <a:t>Fifth level</a:t>
             </a:r>
-          </a:p>
-        </p:txBody>
-      </p:sp>
-      <p:sp>
-        <p:nvSpPr>
-          <p:cNvPr id="5" name="Date Placeholder 4">
-            <a:extLst>
-              <a:ext uri="{FF2B5EF4-FFF2-40B4-BE49-F238E27FC236}">
-                <a16:creationId xmlns:a16="http://schemas.microsoft.com/office/drawing/2014/main" id="{284C62A9-6912-4B12-B00E-C84EE1D81537}"/>
-              </a:ext>
-            </a:extLst>
-          </p:cNvPr>
+            <a:endParaRPr lang="en-US" dirty="0"/>
+          </a:p>
+        </p:txBody>
+      </p:sp>
+      <p:sp>
+        <p:nvSpPr>
+          <p:cNvPr id="5" name="Date Placeholder 4"/>
           <p:cNvSpPr>
             <a:spLocks noGrp="1"/>
           </p:cNvSpPr>
@@ -3780,7 +3784,7 @@
           <a:p>
             <a:fld id="{A068D8EE-E370-4327-AEA9-9F3E26790199}" type="datetimeFigureOut">
               <a:rPr lang="en-US" smtClean="0"/>
-              <a:t>6/17/2018</a:t>
+              <a:t>8/4/2018</a:t>
             </a:fld>
             <a:endParaRPr lang="en-US"/>
           </a:p>
@@ -3788,13 +3792,7 @@
       </p:sp>
       <p:sp>
         <p:nvSpPr>
-          <p:cNvPr id="6" name="Footer Placeholder 5">
-            <a:extLst>
-              <a:ext uri="{FF2B5EF4-FFF2-40B4-BE49-F238E27FC236}">
-                <a16:creationId xmlns:a16="http://schemas.microsoft.com/office/drawing/2014/main" id="{B6B2B349-A7FF-4261-9F28-75205ED9F4DA}"/>
-              </a:ext>
-            </a:extLst>
-          </p:cNvPr>
+          <p:cNvPr id="6" name="Footer Placeholder 5"/>
           <p:cNvSpPr>
             <a:spLocks noGrp="1"/>
           </p:cNvSpPr>
@@ -3813,13 +3811,7 @@
       </p:sp>
       <p:sp>
         <p:nvSpPr>
-          <p:cNvPr id="7" name="Slide Number Placeholder 6">
-            <a:extLst>
-              <a:ext uri="{FF2B5EF4-FFF2-40B4-BE49-F238E27FC236}">
-                <a16:creationId xmlns:a16="http://schemas.microsoft.com/office/drawing/2014/main" id="{96BBA5DA-840D-4309-A05B-C240D7573C1B}"/>
-              </a:ext>
-            </a:extLst>
-          </p:cNvPr>
+          <p:cNvPr id="7" name="Slide Number Placeholder 6"/>
           <p:cNvSpPr>
             <a:spLocks noGrp="1"/>
           </p:cNvSpPr>
@@ -3843,7 +3835,7 @@
     </p:spTree>
     <p:extLst>
       <p:ext uri="{BB962C8B-B14F-4D97-AF65-F5344CB8AC3E}">
-        <p14:creationId xmlns:p14="http://schemas.microsoft.com/office/powerpoint/2010/main" val="4260010662"/>
+        <p14:creationId xmlns:p14="http://schemas.microsoft.com/office/powerpoint/2010/main" val="2646434169"/>
       </p:ext>
     </p:extLst>
   </p:cSld>
@@ -3872,65 +3864,59 @@
       </p:grpSpPr>
       <p:sp>
         <p:nvSpPr>
-          <p:cNvPr id="2" name="Title 1">
-            <a:extLst>
-              <a:ext uri="{FF2B5EF4-FFF2-40B4-BE49-F238E27FC236}">
-                <a16:creationId xmlns:a16="http://schemas.microsoft.com/office/drawing/2014/main" id="{B9718AA4-F193-401F-BC4D-C425A5E77A3B}"/>
-              </a:ext>
-            </a:extLst>
-          </p:cNvPr>
+          <p:cNvPr id="10" name="Title 9"/>
           <p:cNvSpPr>
             <a:spLocks noGrp="1"/>
           </p:cNvSpPr>
           <p:nvPr>
             <p:ph type="title"/>
+          </p:nvPr>
+        </p:nvSpPr>
+        <p:spPr/>
+        <p:txBody>
+          <a:bodyPr/>
+          <a:lstStyle/>
+          <a:p>
+            <a:r>
+              <a:rPr lang="en-US"/>
+              <a:t>Click to edit Master title style</a:t>
+            </a:r>
+            <a:endParaRPr lang="en-US" dirty="0"/>
+          </a:p>
+        </p:txBody>
+      </p:sp>
+      <p:sp>
+        <p:nvSpPr>
+          <p:cNvPr id="3" name="Text Placeholder 2"/>
+          <p:cNvSpPr>
+            <a:spLocks noGrp="1"/>
+          </p:cNvSpPr>
+          <p:nvPr>
+            <p:ph type="body" idx="1"/>
           </p:nvPr>
         </p:nvSpPr>
         <p:spPr>
           <a:xfrm>
-            <a:off x="839788" y="365125"/>
-            <a:ext cx="10515600" cy="1325563"/>
+            <a:off x="676656" y="2040467"/>
+            <a:ext cx="4663440" cy="723400"/>
           </a:xfrm>
         </p:spPr>
         <p:txBody>
-          <a:bodyPr/>
-          <a:lstStyle/>
-          <a:p>
-            <a:r>
-              <a:rPr lang="en-US"/>
-              <a:t>Click to edit Master title style</a:t>
-            </a:r>
-          </a:p>
-        </p:txBody>
-      </p:sp>
-      <p:sp>
-        <p:nvSpPr>
-          <p:cNvPr id="3" name="Text Placeholder 2">
-            <a:extLst>
-              <a:ext uri="{FF2B5EF4-FFF2-40B4-BE49-F238E27FC236}">
-                <a16:creationId xmlns:a16="http://schemas.microsoft.com/office/drawing/2014/main" id="{B8BFC23E-7581-489F-A6C0-0DC77DC8D5D8}"/>
-              </a:ext>
-            </a:extLst>
-          </p:cNvPr>
-          <p:cNvSpPr>
-            <a:spLocks noGrp="1"/>
-          </p:cNvSpPr>
-          <p:nvPr>
-            <p:ph type="body" idx="1"/>
-          </p:nvPr>
-        </p:nvSpPr>
-        <p:spPr>
-          <a:xfrm>
-            <a:off x="839788" y="1681163"/>
-            <a:ext cx="5157787" cy="823912"/>
-          </a:xfrm>
-        </p:spPr>
-        <p:txBody>
-          <a:bodyPr anchor="b"/>
+          <a:bodyPr anchor="ctr">
+            <a:normAutofit/>
+          </a:bodyPr>
           <a:lstStyle>
             <a:lvl1pPr marL="0" indent="0">
               <a:buNone/>
-              <a:defRPr sz="2400" b="1"/>
+              <a:defRPr sz="2200" b="0" cap="all" baseline="0">
+                <a:solidFill>
+                  <a:schemeClr val="tx1">
+                    <a:lumMod val="85000"/>
+                    <a:lumOff val="15000"/>
+                  </a:schemeClr>
+                </a:solidFill>
+                <a:latin typeface="+mj-lt"/>
+              </a:defRPr>
             </a:lvl1pPr>
             <a:lvl2pPr marL="457200" indent="0">
               <a:buNone/>
@@ -3976,13 +3962,7 @@
       </p:sp>
       <p:sp>
         <p:nvSpPr>
-          <p:cNvPr id="4" name="Content Placeholder 3">
-            <a:extLst>
-              <a:ext uri="{FF2B5EF4-FFF2-40B4-BE49-F238E27FC236}">
-                <a16:creationId xmlns:a16="http://schemas.microsoft.com/office/drawing/2014/main" id="{A1F0268B-69F6-4017-BBCE-9CFC43BD38C3}"/>
-              </a:ext>
-            </a:extLst>
-          </p:cNvPr>
+          <p:cNvPr id="4" name="Content Placeholder 3"/>
           <p:cNvSpPr>
             <a:spLocks noGrp="1"/>
           </p:cNvSpPr>
@@ -3992,13 +3972,41 @@
         </p:nvSpPr>
         <p:spPr>
           <a:xfrm>
-            <a:off x="839788" y="2505075"/>
-            <a:ext cx="5157787" cy="3684588"/>
+            <a:off x="676656" y="2753084"/>
+            <a:ext cx="4663440" cy="3200400"/>
           </a:xfrm>
         </p:spPr>
         <p:txBody>
           <a:bodyPr/>
-          <a:lstStyle/>
+          <a:lstStyle>
+            <a:lvl1pPr>
+              <a:defRPr sz="2400"/>
+            </a:lvl1pPr>
+            <a:lvl2pPr>
+              <a:defRPr sz="2000"/>
+            </a:lvl2pPr>
+            <a:lvl3pPr>
+              <a:defRPr sz="1800"/>
+            </a:lvl3pPr>
+            <a:lvl4pPr>
+              <a:defRPr sz="1600"/>
+            </a:lvl4pPr>
+            <a:lvl5pPr>
+              <a:defRPr sz="1600"/>
+            </a:lvl5pPr>
+            <a:lvl6pPr>
+              <a:defRPr sz="1600"/>
+            </a:lvl6pPr>
+            <a:lvl7pPr>
+              <a:defRPr sz="1600"/>
+            </a:lvl7pPr>
+            <a:lvl8pPr>
+              <a:defRPr sz="1600"/>
+            </a:lvl8pPr>
+            <a:lvl9pPr>
+              <a:defRPr sz="1600"/>
+            </a:lvl9pPr>
+          </a:lstStyle>
           <a:p>
             <a:pPr lvl="0"/>
             <a:r>
@@ -4033,18 +4041,13 @@
               <a:rPr lang="en-US"/>
               <a:t>Fifth level</a:t>
             </a:r>
-          </a:p>
-        </p:txBody>
-      </p:sp>
-      <p:sp>
-        <p:nvSpPr>
-          <p:cNvPr id="5" name="Text Placeholder 4">
-            <a:extLst>
-              <a:ext uri="{FF2B5EF4-FFF2-40B4-BE49-F238E27FC236}">
-                <a16:creationId xmlns:a16="http://schemas.microsoft.com/office/drawing/2014/main" id="{A85BAF60-A0ED-4DDB-8375-B0CC9814AB39}"/>
-              </a:ext>
-            </a:extLst>
-          </p:cNvPr>
+            <a:endParaRPr lang="en-US" dirty="0"/>
+          </a:p>
+        </p:txBody>
+      </p:sp>
+      <p:sp>
+        <p:nvSpPr>
+          <p:cNvPr id="5" name="Text Placeholder 4"/>
           <p:cNvSpPr>
             <a:spLocks noGrp="1"/>
           </p:cNvSpPr>
@@ -4054,16 +4057,26 @@
         </p:nvSpPr>
         <p:spPr>
           <a:xfrm>
-            <a:off x="6172200" y="1681163"/>
-            <a:ext cx="5183188" cy="823912"/>
+            <a:off x="6007608" y="2038435"/>
+            <a:ext cx="4663440" cy="722376"/>
           </a:xfrm>
         </p:spPr>
         <p:txBody>
-          <a:bodyPr anchor="b"/>
+          <a:bodyPr anchor="ctr">
+            <a:normAutofit/>
+          </a:bodyPr>
           <a:lstStyle>
             <a:lvl1pPr marL="0" indent="0">
               <a:buNone/>
-              <a:defRPr sz="2400" b="1"/>
+              <a:defRPr sz="2200" b="0" cap="all" baseline="0">
+                <a:solidFill>
+                  <a:schemeClr val="tx1">
+                    <a:lumMod val="85000"/>
+                    <a:lumOff val="15000"/>
+                  </a:schemeClr>
+                </a:solidFill>
+                <a:latin typeface="+mj-lt"/>
+              </a:defRPr>
             </a:lvl1pPr>
             <a:lvl2pPr marL="457200" indent="0">
               <a:buNone/>
@@ -4109,13 +4122,7 @@
       </p:sp>
       <p:sp>
         <p:nvSpPr>
-          <p:cNvPr id="6" name="Content Placeholder 5">
-            <a:extLst>
-              <a:ext uri="{FF2B5EF4-FFF2-40B4-BE49-F238E27FC236}">
-                <a16:creationId xmlns:a16="http://schemas.microsoft.com/office/drawing/2014/main" id="{AACF8137-34EA-4A44-A046-1A4F057D169E}"/>
-              </a:ext>
-            </a:extLst>
-          </p:cNvPr>
+          <p:cNvPr id="6" name="Content Placeholder 5"/>
           <p:cNvSpPr>
             <a:spLocks noGrp="1"/>
           </p:cNvSpPr>
@@ -4125,13 +4132,41 @@
         </p:nvSpPr>
         <p:spPr>
           <a:xfrm>
-            <a:off x="6172200" y="2505075"/>
-            <a:ext cx="5183188" cy="3684588"/>
+            <a:off x="6007608" y="2750990"/>
+            <a:ext cx="4663440" cy="3200400"/>
           </a:xfrm>
         </p:spPr>
         <p:txBody>
           <a:bodyPr/>
-          <a:lstStyle/>
+          <a:lstStyle>
+            <a:lvl1pPr>
+              <a:defRPr sz="2400"/>
+            </a:lvl1pPr>
+            <a:lvl2pPr>
+              <a:defRPr sz="2000"/>
+            </a:lvl2pPr>
+            <a:lvl3pPr>
+              <a:defRPr sz="1800"/>
+            </a:lvl3pPr>
+            <a:lvl4pPr>
+              <a:defRPr sz="1600"/>
+            </a:lvl4pPr>
+            <a:lvl5pPr>
+              <a:defRPr sz="1600"/>
+            </a:lvl5pPr>
+            <a:lvl6pPr>
+              <a:defRPr sz="1600"/>
+            </a:lvl6pPr>
+            <a:lvl7pPr>
+              <a:defRPr sz="1600"/>
+            </a:lvl7pPr>
+            <a:lvl8pPr>
+              <a:defRPr sz="1600"/>
+            </a:lvl8pPr>
+            <a:lvl9pPr>
+              <a:defRPr sz="1600"/>
+            </a:lvl9pPr>
+          </a:lstStyle>
           <a:p>
             <a:pPr lvl="0"/>
             <a:r>
@@ -4166,18 +4201,13 @@
               <a:rPr lang="en-US"/>
               <a:t>Fifth level</a:t>
             </a:r>
-          </a:p>
-        </p:txBody>
-      </p:sp>
-      <p:sp>
-        <p:nvSpPr>
-          <p:cNvPr id="7" name="Date Placeholder 6">
-            <a:extLst>
-              <a:ext uri="{FF2B5EF4-FFF2-40B4-BE49-F238E27FC236}">
-                <a16:creationId xmlns:a16="http://schemas.microsoft.com/office/drawing/2014/main" id="{52EBE3A3-6DFC-4C78-ABAF-DE5360FA732D}"/>
-              </a:ext>
-            </a:extLst>
-          </p:cNvPr>
+            <a:endParaRPr lang="en-US" dirty="0"/>
+          </a:p>
+        </p:txBody>
+      </p:sp>
+      <p:sp>
+        <p:nvSpPr>
+          <p:cNvPr id="7" name="Date Placeholder 6"/>
           <p:cNvSpPr>
             <a:spLocks noGrp="1"/>
           </p:cNvSpPr>
@@ -4192,7 +4222,7 @@
           <a:p>
             <a:fld id="{A068D8EE-E370-4327-AEA9-9F3E26790199}" type="datetimeFigureOut">
               <a:rPr lang="en-US" smtClean="0"/>
-              <a:t>6/17/2018</a:t>
+              <a:t>8/4/2018</a:t>
             </a:fld>
             <a:endParaRPr lang="en-US"/>
           </a:p>
@@ -4200,13 +4230,7 @@
       </p:sp>
       <p:sp>
         <p:nvSpPr>
-          <p:cNvPr id="8" name="Footer Placeholder 7">
-            <a:extLst>
-              <a:ext uri="{FF2B5EF4-FFF2-40B4-BE49-F238E27FC236}">
-                <a16:creationId xmlns:a16="http://schemas.microsoft.com/office/drawing/2014/main" id="{2782BFF5-361B-46B9-A418-C7118B6F290D}"/>
-              </a:ext>
-            </a:extLst>
-          </p:cNvPr>
+          <p:cNvPr id="8" name="Footer Placeholder 7"/>
           <p:cNvSpPr>
             <a:spLocks noGrp="1"/>
           </p:cNvSpPr>
@@ -4225,13 +4249,7 @@
       </p:sp>
       <p:sp>
         <p:nvSpPr>
-          <p:cNvPr id="9" name="Slide Number Placeholder 8">
-            <a:extLst>
-              <a:ext uri="{FF2B5EF4-FFF2-40B4-BE49-F238E27FC236}">
-                <a16:creationId xmlns:a16="http://schemas.microsoft.com/office/drawing/2014/main" id="{12369D0C-2C22-4828-89CE-5F3D1235ED20}"/>
-              </a:ext>
-            </a:extLst>
-          </p:cNvPr>
+          <p:cNvPr id="9" name="Slide Number Placeholder 8"/>
           <p:cNvSpPr>
             <a:spLocks noGrp="1"/>
           </p:cNvSpPr>
@@ -4255,7 +4273,7 @@
     </p:spTree>
     <p:extLst>
       <p:ext uri="{BB962C8B-B14F-4D97-AF65-F5344CB8AC3E}">
-        <p14:creationId xmlns:p14="http://schemas.microsoft.com/office/powerpoint/2010/main" val="3914741341"/>
+        <p14:creationId xmlns:p14="http://schemas.microsoft.com/office/powerpoint/2010/main" val="4128178788"/>
       </p:ext>
     </p:extLst>
   </p:cSld>
@@ -4284,13 +4302,7 @@
       </p:grpSpPr>
       <p:sp>
         <p:nvSpPr>
-          <p:cNvPr id="2" name="Title 1">
-            <a:extLst>
-              <a:ext uri="{FF2B5EF4-FFF2-40B4-BE49-F238E27FC236}">
-                <a16:creationId xmlns:a16="http://schemas.microsoft.com/office/drawing/2014/main" id="{D9409206-8FE9-443A-B655-0B2913C14645}"/>
-              </a:ext>
-            </a:extLst>
-          </p:cNvPr>
+          <p:cNvPr id="6" name="Title 5"/>
           <p:cNvSpPr>
             <a:spLocks noGrp="1"/>
           </p:cNvSpPr>
@@ -4307,18 +4319,13 @@
               <a:rPr lang="en-US"/>
               <a:t>Click to edit Master title style</a:t>
             </a:r>
-          </a:p>
-        </p:txBody>
-      </p:sp>
-      <p:sp>
-        <p:nvSpPr>
-          <p:cNvPr id="3" name="Date Placeholder 2">
-            <a:extLst>
-              <a:ext uri="{FF2B5EF4-FFF2-40B4-BE49-F238E27FC236}">
-                <a16:creationId xmlns:a16="http://schemas.microsoft.com/office/drawing/2014/main" id="{2C4BADB5-FD56-425E-A280-DD6D942101D7}"/>
-              </a:ext>
-            </a:extLst>
-          </p:cNvPr>
+            <a:endParaRPr lang="en-US" dirty="0"/>
+          </a:p>
+        </p:txBody>
+      </p:sp>
+      <p:sp>
+        <p:nvSpPr>
+          <p:cNvPr id="3" name="Date Placeholder 2"/>
           <p:cNvSpPr>
             <a:spLocks noGrp="1"/>
           </p:cNvSpPr>
@@ -4333,7 +4340,7 @@
           <a:p>
             <a:fld id="{A068D8EE-E370-4327-AEA9-9F3E26790199}" type="datetimeFigureOut">
               <a:rPr lang="en-US" smtClean="0"/>
-              <a:t>6/17/2018</a:t>
+              <a:t>8/4/2018</a:t>
             </a:fld>
             <a:endParaRPr lang="en-US"/>
           </a:p>
@@ -4341,13 +4348,7 @@
       </p:sp>
       <p:sp>
         <p:nvSpPr>
-          <p:cNvPr id="4" name="Footer Placeholder 3">
-            <a:extLst>
-              <a:ext uri="{FF2B5EF4-FFF2-40B4-BE49-F238E27FC236}">
-                <a16:creationId xmlns:a16="http://schemas.microsoft.com/office/drawing/2014/main" id="{FFA5393B-AC6E-490E-9D7F-61491DD6DD50}"/>
-              </a:ext>
-            </a:extLst>
-          </p:cNvPr>
+          <p:cNvPr id="4" name="Footer Placeholder 3"/>
           <p:cNvSpPr>
             <a:spLocks noGrp="1"/>
           </p:cNvSpPr>
@@ -4366,13 +4367,7 @@
       </p:sp>
       <p:sp>
         <p:nvSpPr>
-          <p:cNvPr id="5" name="Slide Number Placeholder 4">
-            <a:extLst>
-              <a:ext uri="{FF2B5EF4-FFF2-40B4-BE49-F238E27FC236}">
-                <a16:creationId xmlns:a16="http://schemas.microsoft.com/office/drawing/2014/main" id="{FEDA2C66-422D-451B-B0A1-FF17993207D7}"/>
-              </a:ext>
-            </a:extLst>
-          </p:cNvPr>
+          <p:cNvPr id="5" name="Slide Number Placeholder 4"/>
           <p:cNvSpPr>
             <a:spLocks noGrp="1"/>
           </p:cNvSpPr>
@@ -4396,7 +4391,7 @@
     </p:spTree>
     <p:extLst>
       <p:ext uri="{BB962C8B-B14F-4D97-AF65-F5344CB8AC3E}">
-        <p14:creationId xmlns:p14="http://schemas.microsoft.com/office/powerpoint/2010/main" val="671821722"/>
+        <p14:creationId xmlns:p14="http://schemas.microsoft.com/office/powerpoint/2010/main" val="2063658122"/>
       </p:ext>
     </p:extLst>
   </p:cSld>
@@ -4425,13 +4420,7 @@
       </p:grpSpPr>
       <p:sp>
         <p:nvSpPr>
-          <p:cNvPr id="2" name="Date Placeholder 1">
-            <a:extLst>
-              <a:ext uri="{FF2B5EF4-FFF2-40B4-BE49-F238E27FC236}">
-                <a16:creationId xmlns:a16="http://schemas.microsoft.com/office/drawing/2014/main" id="{4AA896E2-D254-4696-93E6-E9B20745A515}"/>
-              </a:ext>
-            </a:extLst>
-          </p:cNvPr>
+          <p:cNvPr id="2" name="Date Placeholder 1"/>
           <p:cNvSpPr>
             <a:spLocks noGrp="1"/>
           </p:cNvSpPr>
@@ -4446,7 +4435,7 @@
           <a:p>
             <a:fld id="{A068D8EE-E370-4327-AEA9-9F3E26790199}" type="datetimeFigureOut">
               <a:rPr lang="en-US" smtClean="0"/>
-              <a:t>6/17/2018</a:t>
+              <a:t>8/4/2018</a:t>
             </a:fld>
             <a:endParaRPr lang="en-US"/>
           </a:p>
@@ -4454,13 +4443,7 @@
       </p:sp>
       <p:sp>
         <p:nvSpPr>
-          <p:cNvPr id="3" name="Footer Placeholder 2">
-            <a:extLst>
-              <a:ext uri="{FF2B5EF4-FFF2-40B4-BE49-F238E27FC236}">
-                <a16:creationId xmlns:a16="http://schemas.microsoft.com/office/drawing/2014/main" id="{126154A0-C093-475B-8D58-E329972CDCB8}"/>
-              </a:ext>
-            </a:extLst>
-          </p:cNvPr>
+          <p:cNvPr id="3" name="Footer Placeholder 2"/>
           <p:cNvSpPr>
             <a:spLocks noGrp="1"/>
           </p:cNvSpPr>
@@ -4479,13 +4462,7 @@
       </p:sp>
       <p:sp>
         <p:nvSpPr>
-          <p:cNvPr id="4" name="Slide Number Placeholder 3">
-            <a:extLst>
-              <a:ext uri="{FF2B5EF4-FFF2-40B4-BE49-F238E27FC236}">
-                <a16:creationId xmlns:a16="http://schemas.microsoft.com/office/drawing/2014/main" id="{37B6D2F6-BA65-49B2-820D-FAE8739AB179}"/>
-              </a:ext>
-            </a:extLst>
-          </p:cNvPr>
+          <p:cNvPr id="4" name="Slide Number Placeholder 3"/>
           <p:cNvSpPr>
             <a:spLocks noGrp="1"/>
           </p:cNvSpPr>
@@ -4509,7 +4486,7 @@
     </p:spTree>
     <p:extLst>
       <p:ext uri="{BB962C8B-B14F-4D97-AF65-F5344CB8AC3E}">
-        <p14:creationId xmlns:p14="http://schemas.microsoft.com/office/powerpoint/2010/main" val="1724235088"/>
+        <p14:creationId xmlns:p14="http://schemas.microsoft.com/office/powerpoint/2010/main" val="3204101944"/>
       </p:ext>
     </p:extLst>
   </p:cSld>
@@ -4538,31 +4515,69 @@
       </p:grpSpPr>
       <p:sp>
         <p:nvSpPr>
-          <p:cNvPr id="2" name="Title 1">
-            <a:extLst>
-              <a:ext uri="{FF2B5EF4-FFF2-40B4-BE49-F238E27FC236}">
-                <a16:creationId xmlns:a16="http://schemas.microsoft.com/office/drawing/2014/main" id="{506B910C-B4E2-456F-80D5-61D829C980E2}"/>
-              </a:ext>
-            </a:extLst>
-          </p:cNvPr>
-          <p:cNvSpPr>
-            <a:spLocks noGrp="1"/>
-          </p:cNvSpPr>
-          <p:nvPr>
-            <p:ph type="title"/>
-          </p:nvPr>
+          <p:cNvPr id="2" name="Rectangle 1"/>
+          <p:cNvSpPr/>
+          <p:nvPr/>
         </p:nvSpPr>
         <p:spPr>
           <a:xfrm>
-            <a:off x="839788" y="457200"/>
-            <a:ext cx="3932237" cy="1600200"/>
+            <a:off x="7620000" y="0"/>
+            <a:ext cx="4572000" cy="6858000"/>
+          </a:xfrm>
+          <a:prstGeom prst="rect">
+            <a:avLst/>
+          </a:prstGeom>
+          <a:ln>
+            <a:noFill/>
+          </a:ln>
+        </p:spPr>
+        <p:style>
+          <a:lnRef idx="2">
+            <a:schemeClr val="accent1">
+              <a:shade val="50000"/>
+            </a:schemeClr>
+          </a:lnRef>
+          <a:fillRef idx="1">
+            <a:schemeClr val="accent1"/>
+          </a:fillRef>
+          <a:effectRef idx="0">
+            <a:schemeClr val="accent1"/>
+          </a:effectRef>
+          <a:fontRef idx="minor">
+            <a:schemeClr val="lt1"/>
+          </a:fontRef>
+        </p:style>
+      </p:sp>
+      <p:sp>
+        <p:nvSpPr>
+          <p:cNvPr id="9" name="Title 8"/>
+          <p:cNvSpPr>
+            <a:spLocks noGrp="1"/>
+          </p:cNvSpPr>
+          <p:nvPr>
+            <p:ph type="title"/>
+          </p:nvPr>
+        </p:nvSpPr>
+        <p:spPr>
+          <a:xfrm>
+            <a:off x="8261404" y="542282"/>
+            <a:ext cx="3383280" cy="1920240"/>
           </a:xfrm>
         </p:spPr>
         <p:txBody>
-          <a:bodyPr anchor="b"/>
+          <a:bodyPr anchor="b">
+            <a:noAutofit/>
+          </a:bodyPr>
           <a:lstStyle>
             <a:lvl1pPr>
-              <a:defRPr sz="3200"/>
+              <a:lnSpc>
+                <a:spcPct val="85000"/>
+              </a:lnSpc>
+              <a:defRPr sz="4000">
+                <a:solidFill>
+                  <a:srgbClr val="FFFFFF"/>
+                </a:solidFill>
+              </a:defRPr>
             </a:lvl1pPr>
           </a:lstStyle>
           <a:p>
@@ -4570,18 +4585,13 @@
               <a:rPr lang="en-US"/>
               <a:t>Click to edit Master title style</a:t>
             </a:r>
-          </a:p>
-        </p:txBody>
-      </p:sp>
-      <p:sp>
-        <p:nvSpPr>
-          <p:cNvPr id="3" name="Content Placeholder 2">
-            <a:extLst>
-              <a:ext uri="{FF2B5EF4-FFF2-40B4-BE49-F238E27FC236}">
-                <a16:creationId xmlns:a16="http://schemas.microsoft.com/office/drawing/2014/main" id="{F2D58C28-4037-49DD-8E9E-282592A0491D}"/>
-              </a:ext>
-            </a:extLst>
-          </p:cNvPr>
+            <a:endParaRPr lang="en-US" dirty="0"/>
+          </a:p>
+        </p:txBody>
+      </p:sp>
+      <p:sp>
+        <p:nvSpPr>
+          <p:cNvPr id="3" name="Content Placeholder 2"/>
           <p:cNvSpPr>
             <a:spLocks noGrp="1"/>
           </p:cNvSpPr>
@@ -4591,8 +4601,8 @@
         </p:nvSpPr>
         <p:spPr>
           <a:xfrm>
-            <a:off x="5183188" y="987425"/>
-            <a:ext cx="6172200" cy="4873625"/>
+            <a:off x="762000" y="762000"/>
+            <a:ext cx="6096000" cy="4572000"/>
           </a:xfrm>
         </p:spPr>
         <p:txBody>
@@ -4660,18 +4670,13 @@
               <a:rPr lang="en-US"/>
               <a:t>Fifth level</a:t>
             </a:r>
-          </a:p>
-        </p:txBody>
-      </p:sp>
-      <p:sp>
-        <p:nvSpPr>
-          <p:cNvPr id="4" name="Text Placeholder 3">
-            <a:extLst>
-              <a:ext uri="{FF2B5EF4-FFF2-40B4-BE49-F238E27FC236}">
-                <a16:creationId xmlns:a16="http://schemas.microsoft.com/office/drawing/2014/main" id="{482DD407-166F-49A0-9D77-F2962E13DC85}"/>
-              </a:ext>
-            </a:extLst>
-          </p:cNvPr>
+            <a:endParaRPr lang="en-US" dirty="0"/>
+          </a:p>
+        </p:txBody>
+      </p:sp>
+      <p:sp>
+        <p:nvSpPr>
+          <p:cNvPr id="4" name="Text Placeholder 3"/>
           <p:cNvSpPr>
             <a:spLocks noGrp="1"/>
           </p:cNvSpPr>
@@ -4681,52 +4686,87 @@
         </p:nvSpPr>
         <p:spPr>
           <a:xfrm>
-            <a:off x="839788" y="2057400"/>
-            <a:ext cx="3932237" cy="3811588"/>
+            <a:off x="8275982" y="2511813"/>
+            <a:ext cx="3398520" cy="3126987"/>
           </a:xfrm>
         </p:spPr>
         <p:txBody>
-          <a:bodyPr/>
+          <a:bodyPr>
+            <a:normAutofit/>
+          </a:bodyPr>
           <a:lstStyle>
-            <a:lvl1pPr marL="0" indent="0">
+            <a:lvl1pPr marL="0" marR="0" indent="0" algn="l" defTabSz="914400" rtl="0" eaLnBrk="1" fontAlgn="auto" latinLnBrk="0" hangingPunct="1">
+              <a:lnSpc>
+                <a:spcPct val="100000"/>
+              </a:lnSpc>
+              <a:spcBef>
+                <a:spcPts val="1200"/>
+              </a:spcBef>
+              <a:spcAft>
+                <a:spcPts val="0"/>
+              </a:spcAft>
+              <a:buClrTx/>
+              <a:buSzTx/>
+              <a:buFontTx/>
               <a:buNone/>
-              <a:defRPr sz="1600"/>
+              <a:tabLst/>
+              <a:defRPr sz="1800">
+                <a:solidFill>
+                  <a:srgbClr val="262626"/>
+                </a:solidFill>
+              </a:defRPr>
             </a:lvl1pPr>
             <a:lvl2pPr marL="457200" indent="0">
               <a:buNone/>
-              <a:defRPr sz="1400"/>
+              <a:defRPr sz="1200"/>
             </a:lvl2pPr>
             <a:lvl3pPr marL="914400" indent="0">
               <a:buNone/>
-              <a:defRPr sz="1200"/>
+              <a:defRPr sz="1000"/>
             </a:lvl3pPr>
             <a:lvl4pPr marL="1371600" indent="0">
               <a:buNone/>
-              <a:defRPr sz="1000"/>
+              <a:defRPr sz="900"/>
             </a:lvl4pPr>
             <a:lvl5pPr marL="1828800" indent="0">
               <a:buNone/>
-              <a:defRPr sz="1000"/>
+              <a:defRPr sz="900"/>
             </a:lvl5pPr>
             <a:lvl6pPr marL="2286000" indent="0">
               <a:buNone/>
-              <a:defRPr sz="1000"/>
+              <a:defRPr sz="900"/>
             </a:lvl6pPr>
             <a:lvl7pPr marL="2743200" indent="0">
               <a:buNone/>
-              <a:defRPr sz="1000"/>
+              <a:defRPr sz="900"/>
             </a:lvl7pPr>
             <a:lvl8pPr marL="3200400" indent="0">
               <a:buNone/>
-              <a:defRPr sz="1000"/>
+              <a:defRPr sz="900"/>
             </a:lvl8pPr>
             <a:lvl9pPr marL="3657600" indent="0">
               <a:buNone/>
-              <a:defRPr sz="1000"/>
+              <a:defRPr sz="900"/>
             </a:lvl9pPr>
           </a:lstStyle>
           <a:p>
-            <a:pPr lvl="0"/>
+            <a:pPr marL="0" marR="0" lvl="0" indent="0" algn="l" defTabSz="914400" rtl="0" eaLnBrk="1" fontAlgn="auto" latinLnBrk="0" hangingPunct="1">
+              <a:lnSpc>
+                <a:spcPct val="100000"/>
+              </a:lnSpc>
+              <a:spcBef>
+                <a:spcPts val="1400"/>
+              </a:spcBef>
+              <a:spcAft>
+                <a:spcPts val="0"/>
+              </a:spcAft>
+              <a:buClrTx/>
+              <a:buSzTx/>
+              <a:buFontTx/>
+              <a:buNone/>
+              <a:tabLst/>
+              <a:defRPr/>
+            </a:pPr>
             <a:r>
               <a:rPr lang="en-US"/>
               <a:t>Edit Master text styles</a:t>
@@ -4736,13 +4776,7 @@
       </p:sp>
       <p:sp>
         <p:nvSpPr>
-          <p:cNvPr id="5" name="Date Placeholder 4">
-            <a:extLst>
-              <a:ext uri="{FF2B5EF4-FFF2-40B4-BE49-F238E27FC236}">
-                <a16:creationId xmlns:a16="http://schemas.microsoft.com/office/drawing/2014/main" id="{34C42647-F886-4D25-AA96-3170913EEF6F}"/>
-              </a:ext>
-            </a:extLst>
-          </p:cNvPr>
+          <p:cNvPr id="5" name="Date Placeholder 4"/>
           <p:cNvSpPr>
             <a:spLocks noGrp="1"/>
           </p:cNvSpPr>
@@ -4757,7 +4791,7 @@
           <a:p>
             <a:fld id="{A068D8EE-E370-4327-AEA9-9F3E26790199}" type="datetimeFigureOut">
               <a:rPr lang="en-US" smtClean="0"/>
-              <a:t>6/17/2018</a:t>
+              <a:t>8/4/2018</a:t>
             </a:fld>
             <a:endParaRPr lang="en-US"/>
           </a:p>
@@ -4765,13 +4799,7 @@
       </p:sp>
       <p:sp>
         <p:nvSpPr>
-          <p:cNvPr id="6" name="Footer Placeholder 5">
-            <a:extLst>
-              <a:ext uri="{FF2B5EF4-FFF2-40B4-BE49-F238E27FC236}">
-                <a16:creationId xmlns:a16="http://schemas.microsoft.com/office/drawing/2014/main" id="{72ECDEC9-645C-489C-B9A9-7BDE6F55765A}"/>
-              </a:ext>
-            </a:extLst>
-          </p:cNvPr>
+          <p:cNvPr id="6" name="Footer Placeholder 5"/>
           <p:cNvSpPr>
             <a:spLocks noGrp="1"/>
           </p:cNvSpPr>
@@ -4790,13 +4818,7 @@
       </p:sp>
       <p:sp>
         <p:nvSpPr>
-          <p:cNvPr id="7" name="Slide Number Placeholder 6">
-            <a:extLst>
-              <a:ext uri="{FF2B5EF4-FFF2-40B4-BE49-F238E27FC236}">
-                <a16:creationId xmlns:a16="http://schemas.microsoft.com/office/drawing/2014/main" id="{E3504E99-A65E-42A5-8B09-B6D3E9BC6E14}"/>
-              </a:ext>
-            </a:extLst>
-          </p:cNvPr>
+          <p:cNvPr id="7" name="Slide Number Placeholder 6"/>
           <p:cNvSpPr>
             <a:spLocks noGrp="1"/>
           </p:cNvSpPr>
@@ -4807,7 +4829,17 @@
         <p:spPr/>
         <p:txBody>
           <a:bodyPr/>
-          <a:lstStyle/>
+          <a:lstStyle>
+            <a:lvl1pPr>
+              <a:defRPr>
+                <a:solidFill>
+                  <a:srgbClr val="FFFFFF">
+                    <a:alpha val="20000"/>
+                  </a:srgbClr>
+                </a:solidFill>
+              </a:defRPr>
+            </a:lvl1pPr>
+          </a:lstStyle>
           <a:p>
             <a:fld id="{D826C045-6F7E-4381-9801-5E1F99A3547B}" type="slidenum">
               <a:rPr lang="en-US" smtClean="0"/>
@@ -4820,7 +4852,7 @@
     </p:spTree>
     <p:extLst>
       <p:ext uri="{BB962C8B-B14F-4D97-AF65-F5344CB8AC3E}">
-        <p14:creationId xmlns:p14="http://schemas.microsoft.com/office/powerpoint/2010/main" val="790496026"/>
+        <p14:creationId xmlns:p14="http://schemas.microsoft.com/office/powerpoint/2010/main" val="3903306212"/>
       </p:ext>
     </p:extLst>
   </p:cSld>
@@ -4833,6 +4865,14 @@
 <file path=ppt/slideLayouts/slideLayout9.xml><?xml version="1.0" encoding="utf-8"?>
 <p:sldLayout xmlns:a="http://schemas.openxmlformats.org/drawingml/2006/main" xmlns:r="http://schemas.openxmlformats.org/officeDocument/2006/relationships" xmlns:p="http://schemas.openxmlformats.org/presentationml/2006/main" type="picTx" preserve="1">
   <p:cSld name="Picture with Caption">
+    <p:bg>
+      <p:bgPr>
+        <a:solidFill>
+          <a:schemeClr val="accent1"/>
+        </a:solidFill>
+        <a:effectLst/>
+      </p:bgPr>
+    </p:bg>
     <p:spTree>
       <p:nvGrpSpPr>
         <p:cNvPr id="1" name=""/>
@@ -4849,13 +4889,7 @@
       </p:grpSpPr>
       <p:sp>
         <p:nvSpPr>
-          <p:cNvPr id="2" name="Title 1">
-            <a:extLst>
-              <a:ext uri="{FF2B5EF4-FFF2-40B4-BE49-F238E27FC236}">
-                <a16:creationId xmlns:a16="http://schemas.microsoft.com/office/drawing/2014/main" id="{31F83CB2-EDD3-4213-906E-B7022EFC48FE}"/>
-              </a:ext>
-            </a:extLst>
-          </p:cNvPr>
+          <p:cNvPr id="2" name="Title 1"/>
           <p:cNvSpPr>
             <a:spLocks noGrp="1"/>
           </p:cNvSpPr>
@@ -4865,15 +4899,21 @@
         </p:nvSpPr>
         <p:spPr>
           <a:xfrm>
-            <a:off x="839788" y="457200"/>
-            <a:ext cx="3932237" cy="1600200"/>
+            <a:off x="649224" y="5418667"/>
+            <a:ext cx="10780776" cy="613283"/>
           </a:xfrm>
         </p:spPr>
         <p:txBody>
-          <a:bodyPr anchor="b"/>
+          <a:bodyPr anchor="b">
+            <a:normAutofit/>
+          </a:bodyPr>
           <a:lstStyle>
             <a:lvl1pPr>
-              <a:defRPr sz="3200"/>
+              <a:defRPr sz="3200" b="0">
+                <a:solidFill>
+                  <a:srgbClr val="FFFFFF"/>
+                </a:solidFill>
+              </a:defRPr>
             </a:lvl1pPr>
           </a:lstStyle>
           <a:p>
@@ -4881,20 +4921,15 @@
               <a:rPr lang="en-US"/>
               <a:t>Click to edit Master title style</a:t>
             </a:r>
-          </a:p>
-        </p:txBody>
-      </p:sp>
-      <p:sp>
-        <p:nvSpPr>
-          <p:cNvPr id="3" name="Picture Placeholder 2">
-            <a:extLst>
-              <a:ext uri="{FF2B5EF4-FFF2-40B4-BE49-F238E27FC236}">
-                <a16:creationId xmlns:a16="http://schemas.microsoft.com/office/drawing/2014/main" id="{BDF1E783-2607-4558-A075-067ABD74FFC9}"/>
-              </a:ext>
-            </a:extLst>
-          </p:cNvPr>
-          <p:cNvSpPr>
-            <a:spLocks noGrp="1"/>
+            <a:endParaRPr lang="en-US" dirty="0"/>
+          </a:p>
+        </p:txBody>
+      </p:sp>
+      <p:sp>
+        <p:nvSpPr>
+          <p:cNvPr id="3" name="Picture Placeholder 2"/>
+          <p:cNvSpPr>
+            <a:spLocks noGrp="1" noChangeAspect="1"/>
           </p:cNvSpPr>
           <p:nvPr>
             <p:ph type="pic" idx="1"/>
@@ -4902,16 +4937,32 @@
         </p:nvSpPr>
         <p:spPr>
           <a:xfrm>
-            <a:off x="5183188" y="987425"/>
-            <a:ext cx="6172200" cy="4873625"/>
+            <a:off x="0" y="0"/>
+            <a:ext cx="12192000" cy="5330952"/>
           </a:xfrm>
+          <a:solidFill>
+            <a:schemeClr val="accent1">
+              <a:lumMod val="40000"/>
+              <a:lumOff val="60000"/>
+            </a:schemeClr>
+          </a:solidFill>
         </p:spPr>
         <p:txBody>
-          <a:bodyPr/>
+          <a:bodyPr anchor="t"/>
           <a:lstStyle>
-            <a:lvl1pPr marL="0" indent="0">
+            <a:lvl1pPr marL="0" indent="0" algn="ctr">
+              <a:spcBef>
+                <a:spcPts val="800"/>
+              </a:spcBef>
               <a:buNone/>
-              <a:defRPr sz="3200"/>
+              <a:defRPr sz="3200">
+                <a:solidFill>
+                  <a:schemeClr val="tx1">
+                    <a:lumMod val="75000"/>
+                    <a:lumOff val="25000"/>
+                  </a:schemeClr>
+                </a:solidFill>
+              </a:defRPr>
             </a:lvl1pPr>
             <a:lvl2pPr marL="457200" indent="0">
               <a:buNone/>
@@ -4947,19 +4998,17 @@
             </a:lvl9pPr>
           </a:lstStyle>
           <a:p>
-            <a:endParaRPr lang="en-US"/>
-          </a:p>
-        </p:txBody>
-      </p:sp>
-      <p:sp>
-        <p:nvSpPr>
-          <p:cNvPr id="4" name="Text Placeholder 3">
-            <a:extLst>
-              <a:ext uri="{FF2B5EF4-FFF2-40B4-BE49-F238E27FC236}">
-                <a16:creationId xmlns:a16="http://schemas.microsoft.com/office/drawing/2014/main" id="{C5E7172B-C8EB-4D93-9A1C-72787C71B00A}"/>
-              </a:ext>
-            </a:extLst>
-          </p:cNvPr>
+            <a:r>
+              <a:rPr lang="en-US"/>
+              <a:t>Click icon to add picture</a:t>
+            </a:r>
+            <a:endParaRPr lang="en-US" dirty="0"/>
+          </a:p>
+        </p:txBody>
+      </p:sp>
+      <p:sp>
+        <p:nvSpPr>
+          <p:cNvPr id="4" name="Text Placeholder 3"/>
           <p:cNvSpPr>
             <a:spLocks noGrp="1"/>
           </p:cNvSpPr>
@@ -4969,48 +5018,57 @@
         </p:nvSpPr>
         <p:spPr>
           <a:xfrm>
-            <a:off x="839788" y="2057400"/>
-            <a:ext cx="3932237" cy="3811588"/>
+            <a:off x="676656" y="5909735"/>
+            <a:ext cx="9229344" cy="533400"/>
           </a:xfrm>
         </p:spPr>
         <p:txBody>
-          <a:bodyPr/>
+          <a:bodyPr>
+            <a:normAutofit/>
+          </a:bodyPr>
           <a:lstStyle>
             <a:lvl1pPr marL="0" indent="0">
+              <a:lnSpc>
+                <a:spcPct val="90000"/>
+              </a:lnSpc>
               <a:buNone/>
-              <a:defRPr sz="1600"/>
+              <a:defRPr sz="1400">
+                <a:solidFill>
+                  <a:srgbClr val="262626"/>
+                </a:solidFill>
+              </a:defRPr>
             </a:lvl1pPr>
             <a:lvl2pPr marL="457200" indent="0">
               <a:buNone/>
-              <a:defRPr sz="1400"/>
+              <a:defRPr sz="1200"/>
             </a:lvl2pPr>
             <a:lvl3pPr marL="914400" indent="0">
               <a:buNone/>
-              <a:defRPr sz="1200"/>
+              <a:defRPr sz="1000"/>
             </a:lvl3pPr>
             <a:lvl4pPr marL="1371600" indent="0">
               <a:buNone/>
-              <a:defRPr sz="1000"/>
+              <a:defRPr sz="900"/>
             </a:lvl4pPr>
             <a:lvl5pPr marL="1828800" indent="0">
               <a:buNone/>
-              <a:defRPr sz="1000"/>
+              <a:defRPr sz="900"/>
             </a:lvl5pPr>
             <a:lvl6pPr marL="2286000" indent="0">
               <a:buNone/>
-              <a:defRPr sz="1000"/>
+              <a:defRPr sz="900"/>
             </a:lvl6pPr>
             <a:lvl7pPr marL="2743200" indent="0">
               <a:buNone/>
-              <a:defRPr sz="1000"/>
+              <a:defRPr sz="900"/>
             </a:lvl7pPr>
             <a:lvl8pPr marL="3200400" indent="0">
               <a:buNone/>
-              <a:defRPr sz="1000"/>
+              <a:defRPr sz="900"/>
             </a:lvl8pPr>
             <a:lvl9pPr marL="3657600" indent="0">
               <a:buNone/>
-              <a:defRPr sz="1000"/>
+              <a:defRPr sz="900"/>
             </a:lvl9pPr>
           </a:lstStyle>
           <a:p>
@@ -5024,13 +5082,7 @@
       </p:sp>
       <p:sp>
         <p:nvSpPr>
-          <p:cNvPr id="5" name="Date Placeholder 4">
-            <a:extLst>
-              <a:ext uri="{FF2B5EF4-FFF2-40B4-BE49-F238E27FC236}">
-                <a16:creationId xmlns:a16="http://schemas.microsoft.com/office/drawing/2014/main" id="{BEF64D66-4366-40DE-8774-421240A9F77F}"/>
-              </a:ext>
-            </a:extLst>
-          </p:cNvPr>
+          <p:cNvPr id="12" name="Date Placeholder 11"/>
           <p:cNvSpPr>
             <a:spLocks noGrp="1"/>
           </p:cNvSpPr>
@@ -5041,11 +5093,21 @@
         <p:spPr/>
         <p:txBody>
           <a:bodyPr/>
-          <a:lstStyle/>
+          <a:lstStyle>
+            <a:lvl1pPr>
+              <a:defRPr>
+                <a:solidFill>
+                  <a:srgbClr val="FFFFFF">
+                    <a:alpha val="80000"/>
+                  </a:srgbClr>
+                </a:solidFill>
+              </a:defRPr>
+            </a:lvl1pPr>
+          </a:lstStyle>
           <a:p>
             <a:fld id="{A068D8EE-E370-4327-AEA9-9F3E26790199}" type="datetimeFigureOut">
               <a:rPr lang="en-US" smtClean="0"/>
-              <a:t>6/17/2018</a:t>
+              <a:t>8/4/2018</a:t>
             </a:fld>
             <a:endParaRPr lang="en-US"/>
           </a:p>
@@ -5053,13 +5115,7 @@
       </p:sp>
       <p:sp>
         <p:nvSpPr>
-          <p:cNvPr id="6" name="Footer Placeholder 5">
-            <a:extLst>
-              <a:ext uri="{FF2B5EF4-FFF2-40B4-BE49-F238E27FC236}">
-                <a16:creationId xmlns:a16="http://schemas.microsoft.com/office/drawing/2014/main" id="{9B3347CE-E0A8-4C6D-BD13-8BA0605E4472}"/>
-              </a:ext>
-            </a:extLst>
-          </p:cNvPr>
+          <p:cNvPr id="13" name="Footer Placeholder 12"/>
           <p:cNvSpPr>
             <a:spLocks noGrp="1"/>
           </p:cNvSpPr>
@@ -5070,7 +5126,17 @@
         <p:spPr/>
         <p:txBody>
           <a:bodyPr/>
-          <a:lstStyle/>
+          <a:lstStyle>
+            <a:lvl1pPr>
+              <a:defRPr>
+                <a:solidFill>
+                  <a:srgbClr val="FFFFFF">
+                    <a:alpha val="80000"/>
+                  </a:srgbClr>
+                </a:solidFill>
+              </a:defRPr>
+            </a:lvl1pPr>
+          </a:lstStyle>
           <a:p>
             <a:endParaRPr lang="en-US"/>
           </a:p>
@@ -5078,13 +5144,7 @@
       </p:sp>
       <p:sp>
         <p:nvSpPr>
-          <p:cNvPr id="7" name="Slide Number Placeholder 6">
-            <a:extLst>
-              <a:ext uri="{FF2B5EF4-FFF2-40B4-BE49-F238E27FC236}">
-                <a16:creationId xmlns:a16="http://schemas.microsoft.com/office/drawing/2014/main" id="{9260D82C-EB73-4614-9FB8-CC8B565B4D99}"/>
-              </a:ext>
-            </a:extLst>
-          </p:cNvPr>
+          <p:cNvPr id="14" name="Slide Number Placeholder 13"/>
           <p:cNvSpPr>
             <a:spLocks noGrp="1"/>
           </p:cNvSpPr>
@@ -5095,7 +5155,17 @@
         <p:spPr/>
         <p:txBody>
           <a:bodyPr/>
-          <a:lstStyle/>
+          <a:lstStyle>
+            <a:lvl1pPr>
+              <a:defRPr>
+                <a:solidFill>
+                  <a:srgbClr val="FFFFFF">
+                    <a:alpha val="25000"/>
+                  </a:srgbClr>
+                </a:solidFill>
+              </a:defRPr>
+            </a:lvl1pPr>
+          </a:lstStyle>
           <a:p>
             <a:fld id="{D826C045-6F7E-4381-9801-5E1F99A3547B}" type="slidenum">
               <a:rPr lang="en-US" smtClean="0"/>
@@ -5108,12 +5178,12 @@
     </p:spTree>
     <p:extLst>
       <p:ext uri="{BB962C8B-B14F-4D97-AF65-F5344CB8AC3E}">
-        <p14:creationId xmlns:p14="http://schemas.microsoft.com/office/powerpoint/2010/main" val="2818207846"/>
+        <p14:creationId xmlns:p14="http://schemas.microsoft.com/office/powerpoint/2010/main" val="3633782900"/>
       </p:ext>
     </p:extLst>
   </p:cSld>
   <p:clrMapOvr>
-    <a:masterClrMapping/>
+    <a:overrideClrMapping bg1="lt1" tx1="dk1" bg2="lt2" tx2="dk2" accent1="accent1" accent2="accent2" accent3="accent3" accent4="accent4" accent5="accent5" accent6="accent6" hlink="hlink" folHlink="folHlink"/>
   </p:clrMapOvr>
 </p:sldLayout>
 </file>
@@ -5142,13 +5212,7 @@
       </p:grpSpPr>
       <p:sp>
         <p:nvSpPr>
-          <p:cNvPr id="2" name="Title Placeholder 1">
-            <a:extLst>
-              <a:ext uri="{FF2B5EF4-FFF2-40B4-BE49-F238E27FC236}">
-                <a16:creationId xmlns:a16="http://schemas.microsoft.com/office/drawing/2014/main" id="{D50FE999-9CAE-4704-9E96-3E958162CCF6}"/>
-              </a:ext>
-            </a:extLst>
-          </p:cNvPr>
+          <p:cNvPr id="2" name="Title Placeholder 1"/>
           <p:cNvSpPr>
             <a:spLocks noGrp="1"/>
           </p:cNvSpPr>
@@ -5158,8 +5222,8 @@
         </p:nvSpPr>
         <p:spPr>
           <a:xfrm>
-            <a:off x="838200" y="365125"/>
-            <a:ext cx="10515600" cy="1325563"/>
+            <a:off x="657224" y="499533"/>
+            <a:ext cx="10772775" cy="1658198"/>
           </a:xfrm>
           <a:prstGeom prst="rect">
             <a:avLst/>
@@ -5175,18 +5239,13 @@
               <a:rPr lang="en-US"/>
               <a:t>Click to edit Master title style</a:t>
             </a:r>
-          </a:p>
-        </p:txBody>
-      </p:sp>
-      <p:sp>
-        <p:nvSpPr>
-          <p:cNvPr id="3" name="Text Placeholder 2">
-            <a:extLst>
-              <a:ext uri="{FF2B5EF4-FFF2-40B4-BE49-F238E27FC236}">
-                <a16:creationId xmlns:a16="http://schemas.microsoft.com/office/drawing/2014/main" id="{3446912A-7B7E-40B6-A078-2394044CB275}"/>
-              </a:ext>
-            </a:extLst>
-          </p:cNvPr>
+            <a:endParaRPr lang="en-US" dirty="0"/>
+          </a:p>
+        </p:txBody>
+      </p:sp>
+      <p:sp>
+        <p:nvSpPr>
+          <p:cNvPr id="3" name="Text Placeholder 2"/>
           <p:cNvSpPr>
             <a:spLocks noGrp="1"/>
           </p:cNvSpPr>
@@ -5196,8 +5255,8 @@
         </p:nvSpPr>
         <p:spPr>
           <a:xfrm>
-            <a:off x="838200" y="1825625"/>
-            <a:ext cx="10515600" cy="4351338"/>
+            <a:off x="676656" y="2011680"/>
+            <a:ext cx="10753725" cy="3766185"/>
           </a:xfrm>
           <a:prstGeom prst="rect">
             <a:avLst/>
@@ -5242,18 +5301,13 @@
               <a:rPr lang="en-US"/>
               <a:t>Fifth level</a:t>
             </a:r>
-          </a:p>
-        </p:txBody>
-      </p:sp>
-      <p:sp>
-        <p:nvSpPr>
-          <p:cNvPr id="4" name="Date Placeholder 3">
-            <a:extLst>
-              <a:ext uri="{FF2B5EF4-FFF2-40B4-BE49-F238E27FC236}">
-                <a16:creationId xmlns:a16="http://schemas.microsoft.com/office/drawing/2014/main" id="{68A3E825-778F-4B24-8A46-F12EEDD63E96}"/>
-              </a:ext>
-            </a:extLst>
-          </p:cNvPr>
+            <a:endParaRPr lang="en-US" dirty="0"/>
+          </a:p>
+        </p:txBody>
+      </p:sp>
+      <p:sp>
+        <p:nvSpPr>
+          <p:cNvPr id="4" name="Date Placeholder 3"/>
           <p:cNvSpPr>
             <a:spLocks noGrp="1"/>
           </p:cNvSpPr>
@@ -5263,8 +5317,8 @@
         </p:nvSpPr>
         <p:spPr>
           <a:xfrm>
-            <a:off x="838200" y="6356350"/>
-            <a:ext cx="2743200" cy="365125"/>
+            <a:off x="685800" y="6412447"/>
+            <a:ext cx="4114800" cy="228600"/>
           </a:xfrm>
           <a:prstGeom prst="rect">
             <a:avLst/>
@@ -5274,10 +5328,10 @@
           <a:bodyPr vert="horz" lIns="91440" tIns="45720" rIns="91440" bIns="45720" rtlCol="0" anchor="ctr"/>
           <a:lstStyle>
             <a:lvl1pPr algn="l">
-              <a:defRPr sz="1200">
+              <a:defRPr sz="950">
                 <a:solidFill>
                   <a:schemeClr val="tx1">
-                    <a:tint val="75000"/>
+                    <a:alpha val="80000"/>
                   </a:schemeClr>
                 </a:solidFill>
               </a:defRPr>
@@ -5286,7 +5340,7 @@
           <a:p>
             <a:fld id="{A068D8EE-E370-4327-AEA9-9F3E26790199}" type="datetimeFigureOut">
               <a:rPr lang="en-US" smtClean="0"/>
-              <a:t>6/17/2018</a:t>
+              <a:t>8/4/2018</a:t>
             </a:fld>
             <a:endParaRPr lang="en-US"/>
           </a:p>
@@ -5294,13 +5348,7 @@
       </p:sp>
       <p:sp>
         <p:nvSpPr>
-          <p:cNvPr id="5" name="Footer Placeholder 4">
-            <a:extLst>
-              <a:ext uri="{FF2B5EF4-FFF2-40B4-BE49-F238E27FC236}">
-                <a16:creationId xmlns:a16="http://schemas.microsoft.com/office/drawing/2014/main" id="{F9E8FF8C-0147-403C-AC7A-0C02CA792CB5}"/>
-              </a:ext>
-            </a:extLst>
-          </p:cNvPr>
+          <p:cNvPr id="5" name="Footer Placeholder 4"/>
           <p:cNvSpPr>
             <a:spLocks noGrp="1"/>
           </p:cNvSpPr>
@@ -5310,8 +5358,8 @@
         </p:nvSpPr>
         <p:spPr>
           <a:xfrm>
-            <a:off x="4038600" y="6356350"/>
-            <a:ext cx="4114800" cy="365125"/>
+            <a:off x="685800" y="6554697"/>
+            <a:ext cx="5029200" cy="228600"/>
           </a:xfrm>
           <a:prstGeom prst="rect">
             <a:avLst/>
@@ -5320,11 +5368,11 @@
         <p:txBody>
           <a:bodyPr vert="horz" lIns="91440" tIns="45720" rIns="91440" bIns="45720" rtlCol="0" anchor="ctr"/>
           <a:lstStyle>
-            <a:lvl1pPr algn="ctr">
-              <a:defRPr sz="1200">
+            <a:lvl1pPr algn="l">
+              <a:defRPr sz="950" cap="all" baseline="0">
                 <a:solidFill>
                   <a:schemeClr val="tx1">
-                    <a:tint val="75000"/>
+                    <a:alpha val="80000"/>
                   </a:schemeClr>
                 </a:solidFill>
               </a:defRPr>
@@ -5337,13 +5385,7 @@
       </p:sp>
       <p:sp>
         <p:nvSpPr>
-          <p:cNvPr id="6" name="Slide Number Placeholder 5">
-            <a:extLst>
-              <a:ext uri="{FF2B5EF4-FFF2-40B4-BE49-F238E27FC236}">
-                <a16:creationId xmlns:a16="http://schemas.microsoft.com/office/drawing/2014/main" id="{8E08B886-2AA7-4E46-B614-882B74F8881D}"/>
-              </a:ext>
-            </a:extLst>
-          </p:cNvPr>
+          <p:cNvPr id="6" name="Slide Number Placeholder 5"/>
           <p:cNvSpPr>
             <a:spLocks noGrp="1"/>
           </p:cNvSpPr>
@@ -5353,23 +5395,27 @@
         </p:nvSpPr>
         <p:spPr>
           <a:xfrm>
-            <a:off x="8610600" y="6356350"/>
-            <a:ext cx="2743200" cy="365125"/>
+            <a:off x="8763926" y="5876412"/>
+            <a:ext cx="2926080" cy="1397039"/>
           </a:xfrm>
           <a:prstGeom prst="rect">
             <a:avLst/>
           </a:prstGeom>
         </p:spPr>
         <p:txBody>
-          <a:bodyPr vert="horz" lIns="91440" tIns="45720" rIns="91440" bIns="45720" rtlCol="0" anchor="ctr"/>
+          <a:bodyPr vert="horz" lIns="91440" tIns="45720" rIns="91440" bIns="45720" rtlCol="0" anchor="b"/>
           <a:lstStyle>
             <a:lvl1pPr algn="r">
-              <a:defRPr sz="1200">
+              <a:defRPr sz="10300" b="0">
+                <a:ln>
+                  <a:noFill/>
+                </a:ln>
                 <a:solidFill>
-                  <a:schemeClr val="tx1">
-                    <a:tint val="75000"/>
+                  <a:schemeClr val="accent1">
+                    <a:alpha val="25000"/>
                   </a:schemeClr>
                 </a:solidFill>
+                <a:latin typeface="+mj-lt"/>
               </a:defRPr>
             </a:lvl1pPr>
           </a:lstStyle>
@@ -5385,37 +5431,37 @@
     </p:spTree>
     <p:extLst>
       <p:ext uri="{BB962C8B-B14F-4D97-AF65-F5344CB8AC3E}">
-        <p14:creationId xmlns:p14="http://schemas.microsoft.com/office/powerpoint/2010/main" val="1549386294"/>
+        <p14:creationId xmlns:p14="http://schemas.microsoft.com/office/powerpoint/2010/main" val="2933350790"/>
       </p:ext>
     </p:extLst>
   </p:cSld>
   <p:clrMap bg1="lt1" tx1="dk1" bg2="lt2" tx2="dk2" accent1="accent1" accent2="accent2" accent3="accent3" accent4="accent4" accent5="accent5" accent6="accent6" hlink="hlink" folHlink="folHlink"/>
   <p:sldLayoutIdLst>
-    <p:sldLayoutId id="2147483649" r:id="rId1"/>
-    <p:sldLayoutId id="2147483650" r:id="rId2"/>
-    <p:sldLayoutId id="2147483651" r:id="rId3"/>
-    <p:sldLayoutId id="2147483652" r:id="rId4"/>
-    <p:sldLayoutId id="2147483653" r:id="rId5"/>
-    <p:sldLayoutId id="2147483654" r:id="rId6"/>
-    <p:sldLayoutId id="2147483655" r:id="rId7"/>
-    <p:sldLayoutId id="2147483656" r:id="rId8"/>
-    <p:sldLayoutId id="2147483657" r:id="rId9"/>
-    <p:sldLayoutId id="2147483658" r:id="rId10"/>
-    <p:sldLayoutId id="2147483659" r:id="rId11"/>
+    <p:sldLayoutId id="2147483661" r:id="rId1"/>
+    <p:sldLayoutId id="2147483662" r:id="rId2"/>
+    <p:sldLayoutId id="2147483663" r:id="rId3"/>
+    <p:sldLayoutId id="2147483664" r:id="rId4"/>
+    <p:sldLayoutId id="2147483665" r:id="rId5"/>
+    <p:sldLayoutId id="2147483666" r:id="rId6"/>
+    <p:sldLayoutId id="2147483667" r:id="rId7"/>
+    <p:sldLayoutId id="2147483668" r:id="rId8"/>
+    <p:sldLayoutId id="2147483669" r:id="rId9"/>
+    <p:sldLayoutId id="2147483670" r:id="rId10"/>
+    <p:sldLayoutId id="2147483671" r:id="rId11"/>
   </p:sldLayoutIdLst>
   <p:txStyles>
     <p:titleStyle>
       <a:lvl1pPr algn="l" defTabSz="914400" rtl="0" eaLnBrk="1" latinLnBrk="0" hangingPunct="1">
         <a:lnSpc>
-          <a:spcPct val="90000"/>
+          <a:spcPct val="85000"/>
         </a:lnSpc>
         <a:spcBef>
           <a:spcPct val="0"/>
         </a:spcBef>
         <a:buNone/>
-        <a:defRPr sz="4400" kern="1200">
+        <a:defRPr sz="5400" kern="1200" spc="-120" baseline="0">
           <a:solidFill>
-            <a:schemeClr val="tx1"/>
+            <a:schemeClr val="accent1"/>
           </a:solidFill>
           <a:latin typeface="+mj-lt"/>
           <a:ea typeface="+mj-ea"/>
@@ -5424,162 +5470,189 @@
       </a:lvl1pPr>
     </p:titleStyle>
     <p:bodyStyle>
-      <a:lvl1pPr marL="228600" indent="-228600" algn="l" defTabSz="914400" rtl="0" eaLnBrk="1" latinLnBrk="0" hangingPunct="1">
+      <a:lvl1pPr marL="91440" indent="-91440" algn="l" defTabSz="914400" rtl="0" eaLnBrk="1" latinLnBrk="0" hangingPunct="1">
         <a:lnSpc>
-          <a:spcPct val="90000"/>
+          <a:spcPct val="85000"/>
         </a:lnSpc>
         <a:spcBef>
-          <a:spcPts val="1000"/>
+          <a:spcPts val="1300"/>
         </a:spcBef>
-        <a:buFont typeface="Arial" panose="020B0604020202020204" pitchFamily="34" charset="0"/>
-        <a:buChar char="•"/>
-        <a:defRPr sz="2800" kern="1200">
+        <a:buFont typeface="Arial" pitchFamily="34" charset="0"/>
+        <a:buChar char=" "/>
+        <a:defRPr sz="2400" kern="1200">
           <a:solidFill>
-            <a:schemeClr val="tx1"/>
+            <a:schemeClr val="tx1">
+              <a:lumMod val="85000"/>
+              <a:lumOff val="15000"/>
+            </a:schemeClr>
           </a:solidFill>
           <a:latin typeface="+mn-lt"/>
           <a:ea typeface="+mn-ea"/>
           <a:cs typeface="+mn-cs"/>
         </a:defRPr>
       </a:lvl1pPr>
-      <a:lvl2pPr marL="685800" indent="-228600" algn="l" defTabSz="914400" rtl="0" eaLnBrk="1" latinLnBrk="0" hangingPunct="1">
+      <a:lvl2pPr marL="347472" indent="-342900" algn="l" defTabSz="914400" rtl="0" eaLnBrk="1" latinLnBrk="0" hangingPunct="1">
         <a:lnSpc>
-          <a:spcPct val="90000"/>
+          <a:spcPct val="85000"/>
         </a:lnSpc>
         <a:spcBef>
-          <a:spcPts val="500"/>
+          <a:spcPts val="600"/>
         </a:spcBef>
-        <a:buFont typeface="Arial" panose="020B0604020202020204" pitchFamily="34" charset="0"/>
-        <a:buChar char="•"/>
+        <a:buFont typeface="Arial" pitchFamily="34" charset="0"/>
+        <a:buChar char=" "/>
         <a:defRPr sz="2400" kern="1200">
           <a:solidFill>
-            <a:schemeClr val="tx1"/>
+            <a:schemeClr val="tx1">
+              <a:lumMod val="85000"/>
+              <a:lumOff val="15000"/>
+            </a:schemeClr>
           </a:solidFill>
           <a:latin typeface="+mn-lt"/>
           <a:ea typeface="+mn-ea"/>
           <a:cs typeface="+mn-cs"/>
         </a:defRPr>
       </a:lvl2pPr>
-      <a:lvl3pPr marL="1143000" indent="-228600" algn="l" defTabSz="914400" rtl="0" eaLnBrk="1" latinLnBrk="0" hangingPunct="1">
+      <a:lvl3pPr marL="548640" indent="-548640" algn="l" defTabSz="914400" rtl="0" eaLnBrk="1" latinLnBrk="0" hangingPunct="1">
         <a:lnSpc>
-          <a:spcPct val="90000"/>
+          <a:spcPct val="85000"/>
         </a:lnSpc>
         <a:spcBef>
-          <a:spcPts val="500"/>
+          <a:spcPts val="600"/>
         </a:spcBef>
-        <a:buFont typeface="Arial" panose="020B0604020202020204" pitchFamily="34" charset="0"/>
-        <a:buChar char="•"/>
-        <a:defRPr sz="2000" kern="1200">
+        <a:buFont typeface="Arial" pitchFamily="34" charset="0"/>
+        <a:buChar char=" "/>
+        <a:defRPr sz="2000" i="1" kern="1200">
           <a:solidFill>
-            <a:schemeClr val="tx1"/>
+            <a:schemeClr val="tx1">
+              <a:lumMod val="85000"/>
+              <a:lumOff val="15000"/>
+            </a:schemeClr>
           </a:solidFill>
           <a:latin typeface="+mn-lt"/>
           <a:ea typeface="+mn-ea"/>
           <a:cs typeface="+mn-cs"/>
         </a:defRPr>
       </a:lvl3pPr>
-      <a:lvl4pPr marL="1600200" indent="-228600" algn="l" defTabSz="914400" rtl="0" eaLnBrk="1" latinLnBrk="0" hangingPunct="1">
+      <a:lvl4pPr marL="822960" indent="-822960" algn="l" defTabSz="914400" rtl="0" eaLnBrk="1" latinLnBrk="0" hangingPunct="1">
         <a:lnSpc>
-          <a:spcPct val="90000"/>
+          <a:spcPct val="85000"/>
         </a:lnSpc>
         <a:spcBef>
-          <a:spcPts val="500"/>
+          <a:spcPts val="600"/>
         </a:spcBef>
-        <a:buFont typeface="Arial" panose="020B0604020202020204" pitchFamily="34" charset="0"/>
-        <a:buChar char="•"/>
+        <a:buFont typeface="Arial" pitchFamily="34" charset="0"/>
+        <a:buChar char=" "/>
         <a:defRPr sz="1800" kern="1200">
           <a:solidFill>
-            <a:schemeClr val="tx1"/>
+            <a:schemeClr val="tx1">
+              <a:lumMod val="85000"/>
+              <a:lumOff val="15000"/>
+            </a:schemeClr>
           </a:solidFill>
           <a:latin typeface="+mn-lt"/>
           <a:ea typeface="+mn-ea"/>
           <a:cs typeface="+mn-cs"/>
         </a:defRPr>
       </a:lvl4pPr>
-      <a:lvl5pPr marL="2057400" indent="-228600" algn="l" defTabSz="914400" rtl="0" eaLnBrk="1" latinLnBrk="0" hangingPunct="1">
+      <a:lvl5pPr marL="1097280" indent="-1097280" algn="l" defTabSz="914400" rtl="0" eaLnBrk="1" latinLnBrk="0" hangingPunct="1">
         <a:lnSpc>
-          <a:spcPct val="90000"/>
+          <a:spcPct val="85000"/>
         </a:lnSpc>
         <a:spcBef>
-          <a:spcPts val="500"/>
+          <a:spcPts val="600"/>
         </a:spcBef>
-        <a:buFont typeface="Arial" panose="020B0604020202020204" pitchFamily="34" charset="0"/>
-        <a:buChar char="•"/>
+        <a:buFont typeface="Arial" pitchFamily="34" charset="0"/>
+        <a:buChar char=" "/>
         <a:defRPr sz="1800" kern="1200">
           <a:solidFill>
-            <a:schemeClr val="tx1"/>
+            <a:schemeClr val="tx1">
+              <a:lumMod val="85000"/>
+              <a:lumOff val="15000"/>
+            </a:schemeClr>
           </a:solidFill>
           <a:latin typeface="+mn-lt"/>
           <a:ea typeface="+mn-ea"/>
           <a:cs typeface="+mn-cs"/>
         </a:defRPr>
       </a:lvl5pPr>
-      <a:lvl6pPr marL="2514600" indent="-228600" algn="l" defTabSz="914400" rtl="0" eaLnBrk="1" latinLnBrk="0" hangingPunct="1">
+      <a:lvl6pPr marL="1200000" indent="-228600" algn="l" defTabSz="914400" rtl="0" eaLnBrk="1" latinLnBrk="0" hangingPunct="1">
         <a:lnSpc>
-          <a:spcPct val="90000"/>
+          <a:spcPct val="85000"/>
         </a:lnSpc>
         <a:spcBef>
-          <a:spcPts val="500"/>
+          <a:spcPts val="600"/>
         </a:spcBef>
-        <a:buFont typeface="Arial" panose="020B0604020202020204" pitchFamily="34" charset="0"/>
-        <a:buChar char="•"/>
+        <a:buFont typeface="Arial" pitchFamily="34" charset="0"/>
+        <a:buChar char=" "/>
         <a:defRPr sz="1800" kern="1200">
           <a:solidFill>
-            <a:schemeClr val="tx1"/>
+            <a:schemeClr val="tx1">
+              <a:lumMod val="85000"/>
+              <a:lumOff val="15000"/>
+            </a:schemeClr>
           </a:solidFill>
           <a:latin typeface="+mn-lt"/>
           <a:ea typeface="+mn-ea"/>
           <a:cs typeface="+mn-cs"/>
         </a:defRPr>
       </a:lvl6pPr>
-      <a:lvl7pPr marL="2971800" indent="-228600" algn="l" defTabSz="914400" rtl="0" eaLnBrk="1" latinLnBrk="0" hangingPunct="1">
+      <a:lvl7pPr marL="1400000" indent="-228600" algn="l" defTabSz="914400" rtl="0" eaLnBrk="1" latinLnBrk="0" hangingPunct="1">
         <a:lnSpc>
-          <a:spcPct val="90000"/>
+          <a:spcPct val="85000"/>
         </a:lnSpc>
         <a:spcBef>
-          <a:spcPts val="500"/>
+          <a:spcPts val="600"/>
         </a:spcBef>
-        <a:buFont typeface="Arial" panose="020B0604020202020204" pitchFamily="34" charset="0"/>
-        <a:buChar char="•"/>
+        <a:buFont typeface="Arial" pitchFamily="34" charset="0"/>
+        <a:buChar char=" "/>
         <a:defRPr sz="1800" kern="1200">
           <a:solidFill>
-            <a:schemeClr val="tx1"/>
+            <a:schemeClr val="tx1">
+              <a:lumMod val="85000"/>
+              <a:lumOff val="15000"/>
+            </a:schemeClr>
           </a:solidFill>
           <a:latin typeface="+mn-lt"/>
           <a:ea typeface="+mn-ea"/>
           <a:cs typeface="+mn-cs"/>
         </a:defRPr>
       </a:lvl7pPr>
-      <a:lvl8pPr marL="3429000" indent="-228600" algn="l" defTabSz="914400" rtl="0" eaLnBrk="1" latinLnBrk="0" hangingPunct="1">
+      <a:lvl8pPr marL="1600000" indent="-228600" algn="l" defTabSz="914400" rtl="0" eaLnBrk="1" latinLnBrk="0" hangingPunct="1">
         <a:lnSpc>
-          <a:spcPct val="90000"/>
+          <a:spcPct val="85000"/>
         </a:lnSpc>
         <a:spcBef>
-          <a:spcPts val="500"/>
+          <a:spcPts val="600"/>
         </a:spcBef>
-        <a:buFont typeface="Arial" panose="020B0604020202020204" pitchFamily="34" charset="0"/>
-        <a:buChar char="•"/>
+        <a:buFont typeface="Arial" pitchFamily="34" charset="0"/>
+        <a:buChar char=" "/>
         <a:defRPr sz="1800" kern="1200">
           <a:solidFill>
-            <a:schemeClr val="tx1"/>
+            <a:schemeClr val="tx1">
+              <a:lumMod val="85000"/>
+              <a:lumOff val="15000"/>
+            </a:schemeClr>
           </a:solidFill>
           <a:latin typeface="+mn-lt"/>
           <a:ea typeface="+mn-ea"/>
           <a:cs typeface="+mn-cs"/>
         </a:defRPr>
       </a:lvl8pPr>
-      <a:lvl9pPr marL="3886200" indent="-228600" algn="l" defTabSz="914400" rtl="0" eaLnBrk="1" latinLnBrk="0" hangingPunct="1">
+      <a:lvl9pPr marL="1800000" indent="-228600" algn="l" defTabSz="914400" rtl="0" eaLnBrk="1" latinLnBrk="0" hangingPunct="1">
         <a:lnSpc>
-          <a:spcPct val="90000"/>
+          <a:spcPct val="85000"/>
         </a:lnSpc>
         <a:spcBef>
-          <a:spcPts val="500"/>
+          <a:spcPts val="600"/>
         </a:spcBef>
-        <a:buFont typeface="Arial" panose="020B0604020202020204" pitchFamily="34" charset="0"/>
-        <a:buChar char="•"/>
+        <a:buFont typeface="Arial" pitchFamily="34" charset="0"/>
+        <a:buChar char=" "/>
         <a:defRPr sz="1800" kern="1200">
           <a:solidFill>
-            <a:schemeClr val="tx1"/>
+            <a:schemeClr val="tx1">
+              <a:lumMod val="85000"/>
+              <a:lumOff val="15000"/>
+            </a:schemeClr>
           </a:solidFill>
           <a:latin typeface="+mn-lt"/>
           <a:ea typeface="+mn-ea"/>
@@ -5789,96 +5862,59 @@
           <a:chExt cx="0" cy="0"/>
         </a:xfrm>
       </p:grpSpPr>
-      <p:cxnSp>
-        <p:nvCxnSpPr>
-          <p:cNvPr id="5" name="Straight Arrow Connector 4">
+      <p:pic>
+        <p:nvPicPr>
+          <p:cNvPr id="2050" name="Picture 2" descr="https://foodscapesbristol.files.wordpress.com/2013/07/day-5.jpg">
             <a:extLst>
               <a:ext uri="{FF2B5EF4-FFF2-40B4-BE49-F238E27FC236}">
-                <a16:creationId xmlns:a16="http://schemas.microsoft.com/office/drawing/2014/main" id="{ED427278-5E4D-4048-A002-5F9555198348}"/>
+                <a16:creationId xmlns:a16="http://schemas.microsoft.com/office/drawing/2014/main" id="{DA828E97-8383-4F89-8CFA-8686D023A057}"/>
               </a:ext>
             </a:extLst>
           </p:cNvPr>
-          <p:cNvCxnSpPr>
-            <a:cxnSpLocks/>
-          </p:cNvCxnSpPr>
+          <p:cNvPicPr>
+            <a:picLocks noChangeAspect="1" noChangeArrowheads="1"/>
+          </p:cNvPicPr>
           <p:nvPr/>
-        </p:nvCxnSpPr>
-        <p:spPr>
+        </p:nvPicPr>
+        <p:blipFill>
+          <a:blip r:embed="rId3">
+            <a:extLst>
+              <a:ext uri="{28A0092B-C50C-407E-A947-70E740481C1C}">
+                <a14:useLocalDpi xmlns:a14="http://schemas.microsoft.com/office/drawing/2010/main" val="0"/>
+              </a:ext>
+            </a:extLst>
+          </a:blip>
+          <a:srcRect/>
+          <a:stretch>
+            <a:fillRect/>
+          </a:stretch>
+        </p:blipFill>
+        <p:spPr bwMode="auto">
           <a:xfrm>
-            <a:off x="2033221" y="3660588"/>
-            <a:ext cx="7825154" cy="0"/>
+            <a:off x="422369" y="632413"/>
+            <a:ext cx="4363531" cy="2770496"/>
           </a:xfrm>
-          <a:prstGeom prst="straightConnector1">
+          <a:prstGeom prst="rect">
             <a:avLst/>
           </a:prstGeom>
-          <a:ln>
-            <a:headEnd type="triangle"/>
-            <a:tailEnd type="triangle"/>
-          </a:ln>
+          <a:noFill/>
+          <a:extLst>
+            <a:ext uri="{909E8E84-426E-40DD-AFC4-6F175D3DCCD1}">
+              <a14:hiddenFill xmlns:a14="http://schemas.microsoft.com/office/drawing/2010/main">
+                <a:solidFill>
+                  <a:srgbClr val="FFFFFF"/>
+                </a:solidFill>
+              </a14:hiddenFill>
+            </a:ext>
+          </a:extLst>
         </p:spPr>
-        <p:style>
-          <a:lnRef idx="1">
-            <a:schemeClr val="dk1"/>
-          </a:lnRef>
-          <a:fillRef idx="0">
-            <a:schemeClr val="dk1"/>
-          </a:fillRef>
-          <a:effectRef idx="0">
-            <a:schemeClr val="dk1"/>
-          </a:effectRef>
-          <a:fontRef idx="minor">
-            <a:schemeClr val="tx1"/>
-          </a:fontRef>
-        </p:style>
-      </p:cxnSp>
-      <p:cxnSp>
-        <p:nvCxnSpPr>
-          <p:cNvPr id="10" name="Straight Arrow Connector 9">
+      </p:pic>
+      <p:sp>
+        <p:nvSpPr>
+          <p:cNvPr id="4" name="TextBox 3">
             <a:extLst>
               <a:ext uri="{FF2B5EF4-FFF2-40B4-BE49-F238E27FC236}">
-                <a16:creationId xmlns:a16="http://schemas.microsoft.com/office/drawing/2014/main" id="{8196D2F8-2AFF-4FE7-8406-57A0C9190C04}"/>
-              </a:ext>
-            </a:extLst>
-          </p:cNvPr>
-          <p:cNvCxnSpPr>
-            <a:cxnSpLocks/>
-          </p:cNvCxnSpPr>
-          <p:nvPr/>
-        </p:nvCxnSpPr>
-        <p:spPr>
-          <a:xfrm flipH="1" flipV="1">
-            <a:off x="5600699" y="712233"/>
-            <a:ext cx="11724" cy="5556738"/>
-          </a:xfrm>
-          <a:prstGeom prst="straightConnector1">
-            <a:avLst/>
-          </a:prstGeom>
-          <a:ln>
-            <a:headEnd type="triangle"/>
-            <a:tailEnd type="triangle"/>
-          </a:ln>
-        </p:spPr>
-        <p:style>
-          <a:lnRef idx="1">
-            <a:schemeClr val="dk1"/>
-          </a:lnRef>
-          <a:fillRef idx="0">
-            <a:schemeClr val="dk1"/>
-          </a:fillRef>
-          <a:effectRef idx="0">
-            <a:schemeClr val="dk1"/>
-          </a:effectRef>
-          <a:fontRef idx="minor">
-            <a:schemeClr val="tx1"/>
-          </a:fontRef>
-        </p:style>
-      </p:cxnSp>
-      <p:sp>
-        <p:nvSpPr>
-          <p:cNvPr id="11" name="TextBox 10">
-            <a:extLst>
-              <a:ext uri="{FF2B5EF4-FFF2-40B4-BE49-F238E27FC236}">
-                <a16:creationId xmlns:a16="http://schemas.microsoft.com/office/drawing/2014/main" id="{06A7D7C6-5712-4FF7-B6F7-60E7BD19E7B4}"/>
+                <a16:creationId xmlns:a16="http://schemas.microsoft.com/office/drawing/2014/main" id="{0D6D40C7-1258-4A82-8CDB-F09C822E4515}"/>
               </a:ext>
             </a:extLst>
           </p:cNvPr>
@@ -5887,8 +5923,8 @@
         </p:nvSpPr>
         <p:spPr>
           <a:xfrm>
-            <a:off x="5612423" y="5961101"/>
-            <a:ext cx="228600" cy="369332"/>
+            <a:off x="26877" y="6156065"/>
+            <a:ext cx="7779224" cy="738664"/>
           </a:xfrm>
           <a:prstGeom prst="rect">
             <a:avLst/>
@@ -5902,120 +5938,122 @@
           <a:lstStyle/>
           <a:p>
             <a:r>
-              <a:rPr lang="en-US" dirty="0"/>
-              <a:t>x</a:t>
-            </a:r>
-          </a:p>
-        </p:txBody>
-      </p:sp>
-      <p:sp>
-        <p:nvSpPr>
-          <p:cNvPr id="12" name="TextBox 11">
+              <a:rPr lang="en-US" sz="1400" dirty="0"/>
+              <a:t>https://foodscapesbristol.files.wordpress.com/2013/07/day-5.jpg</a:t>
+            </a:r>
+          </a:p>
+          <a:p>
+            <a:r>
+              <a:rPr lang="en-US" sz="1400" dirty="0"/>
+              <a:t>https://antarasdiary.com/30-brilliant-typography-inspirations-featuring-the-word-summer/</a:t>
+            </a:r>
+          </a:p>
+          <a:p>
+            <a:r>
+              <a:rPr lang="en-US" sz="1400" dirty="0"/>
+              <a:t>https://www.canstockphoto.com/music-word-cloud-34509746.html</a:t>
+            </a:r>
+          </a:p>
+        </p:txBody>
+      </p:sp>
+      <p:pic>
+        <p:nvPicPr>
+          <p:cNvPr id="2052" name="Picture 4" descr="Bildergebnis fÃ¼r word cloud summer">
             <a:extLst>
               <a:ext uri="{FF2B5EF4-FFF2-40B4-BE49-F238E27FC236}">
-                <a16:creationId xmlns:a16="http://schemas.microsoft.com/office/drawing/2014/main" id="{031D4DF7-9497-4BC5-8ABB-CCFC9C6EAB94}"/>
+                <a16:creationId xmlns:a16="http://schemas.microsoft.com/office/drawing/2014/main" id="{1C289106-4E92-4B50-AB59-B5FE3FEFAFBF}"/>
               </a:ext>
             </a:extLst>
           </p:cNvPr>
-          <p:cNvSpPr txBox="1"/>
+          <p:cNvPicPr>
+            <a:picLocks noChangeAspect="1" noChangeArrowheads="1"/>
+          </p:cNvPicPr>
           <p:nvPr/>
-        </p:nvSpPr>
-        <p:spPr>
+        </p:nvPicPr>
+        <p:blipFill>
+          <a:blip r:embed="rId4">
+            <a:extLst>
+              <a:ext uri="{28A0092B-C50C-407E-A947-70E740481C1C}">
+                <a14:useLocalDpi xmlns:a14="http://schemas.microsoft.com/office/drawing/2010/main" val="0"/>
+              </a:ext>
+            </a:extLst>
+          </a:blip>
+          <a:srcRect/>
+          <a:stretch>
+            <a:fillRect/>
+          </a:stretch>
+        </p:blipFill>
+        <p:spPr bwMode="auto">
           <a:xfrm>
-            <a:off x="2044763" y="3651036"/>
-            <a:ext cx="288862" cy="369332"/>
+            <a:off x="6553485" y="126162"/>
+            <a:ext cx="4762500" cy="3362325"/>
           </a:xfrm>
           <a:prstGeom prst="rect">
             <a:avLst/>
           </a:prstGeom>
           <a:noFill/>
+          <a:extLst>
+            <a:ext uri="{909E8E84-426E-40DD-AFC4-6F175D3DCCD1}">
+              <a14:hiddenFill xmlns:a14="http://schemas.microsoft.com/office/drawing/2010/main">
+                <a:solidFill>
+                  <a:srgbClr val="FFFFFF"/>
+                </a:solidFill>
+              </a14:hiddenFill>
+            </a:ext>
+          </a:extLst>
         </p:spPr>
-        <p:txBody>
-          <a:bodyPr wrap="none" rtlCol="0">
-            <a:spAutoFit/>
-          </a:bodyPr>
-          <a:lstStyle/>
-          <a:p>
-            <a:r>
-              <a:rPr lang="en-US" dirty="0"/>
-              <a:t>y</a:t>
-            </a:r>
-          </a:p>
-        </p:txBody>
-      </p:sp>
-      <p:cxnSp>
-        <p:nvCxnSpPr>
-          <p:cNvPr id="6" name="Straight Arrow Connector 5">
+      </p:pic>
+      <p:pic>
+        <p:nvPicPr>
+          <p:cNvPr id="2054" name="Picture 6" descr="Bildergebnis fÃ¼r word cloud music">
             <a:extLst>
               <a:ext uri="{FF2B5EF4-FFF2-40B4-BE49-F238E27FC236}">
-                <a16:creationId xmlns:a16="http://schemas.microsoft.com/office/drawing/2014/main" id="{5BC05DF7-BA5F-4920-B110-54D5CB8EC91C}"/>
+                <a16:creationId xmlns:a16="http://schemas.microsoft.com/office/drawing/2014/main" id="{671A95D2-76F7-4383-AAFA-E994EFB78205}"/>
               </a:ext>
             </a:extLst>
           </p:cNvPr>
-          <p:cNvCxnSpPr>
-            <a:cxnSpLocks/>
-          </p:cNvCxnSpPr>
+          <p:cNvPicPr>
+            <a:picLocks noChangeAspect="1" noChangeArrowheads="1"/>
+          </p:cNvPicPr>
           <p:nvPr/>
-        </p:nvCxnSpPr>
-        <p:spPr>
-          <a:xfrm flipV="1">
-            <a:off x="5600699" y="2736636"/>
-            <a:ext cx="2743200" cy="914400"/>
+        </p:nvPicPr>
+        <p:blipFill>
+          <a:blip r:embed="rId5">
+            <a:extLst>
+              <a:ext uri="{28A0092B-C50C-407E-A947-70E740481C1C}">
+                <a14:useLocalDpi xmlns:a14="http://schemas.microsoft.com/office/drawing/2010/main" val="0"/>
+              </a:ext>
+            </a:extLst>
+          </a:blip>
+          <a:srcRect/>
+          <a:stretch>
+            <a:fillRect/>
+          </a:stretch>
+        </p:blipFill>
+        <p:spPr bwMode="auto">
+          <a:xfrm>
+            <a:off x="3916489" y="3488487"/>
+            <a:ext cx="3712609" cy="2667578"/>
           </a:xfrm>
-          <a:prstGeom prst="straightConnector1">
+          <a:prstGeom prst="rect">
             <a:avLst/>
           </a:prstGeom>
-          <a:ln w="63500">
-            <a:tailEnd type="triangle"/>
-          </a:ln>
+          <a:noFill/>
+          <a:extLst>
+            <a:ext uri="{909E8E84-426E-40DD-AFC4-6F175D3DCCD1}">
+              <a14:hiddenFill xmlns:a14="http://schemas.microsoft.com/office/drawing/2010/main">
+                <a:solidFill>
+                  <a:srgbClr val="FFFFFF"/>
+                </a:solidFill>
+              </a14:hiddenFill>
+            </a:ext>
+          </a:extLst>
         </p:spPr>
-        <p:style>
-          <a:lnRef idx="1">
-            <a:schemeClr val="accent1"/>
-          </a:lnRef>
-          <a:fillRef idx="0">
-            <a:schemeClr val="accent1"/>
-          </a:fillRef>
-          <a:effectRef idx="0">
-            <a:schemeClr val="accent1"/>
-          </a:effectRef>
-          <a:fontRef idx="minor">
-            <a:schemeClr val="tx1"/>
-          </a:fontRef>
-        </p:style>
-      </p:cxnSp>
-      <p:sp>
-        <p:nvSpPr>
-          <p:cNvPr id="15" name="Title 14">
-            <a:extLst>
-              <a:ext uri="{FF2B5EF4-FFF2-40B4-BE49-F238E27FC236}">
-                <a16:creationId xmlns:a16="http://schemas.microsoft.com/office/drawing/2014/main" id="{DFF56116-A619-4A7A-8FA9-40EC78A0AB47}"/>
-              </a:ext>
-            </a:extLst>
-          </p:cNvPr>
-          <p:cNvSpPr>
-            <a:spLocks noGrp="1"/>
-          </p:cNvSpPr>
-          <p:nvPr>
-            <p:ph type="title"/>
-          </p:nvPr>
-        </p:nvSpPr>
-        <p:spPr/>
-        <p:txBody>
-          <a:bodyPr/>
-          <a:lstStyle/>
-          <a:p>
-            <a:r>
-              <a:rPr lang="en-US" dirty="0"/>
-              <a:t>What are vectors?</a:t>
-            </a:r>
-          </a:p>
-        </p:txBody>
-      </p:sp>
+      </p:pic>
     </p:spTree>
     <p:extLst>
       <p:ext uri="{BB962C8B-B14F-4D97-AF65-F5344CB8AC3E}">
-        <p14:creationId xmlns:p14="http://schemas.microsoft.com/office/powerpoint/2010/main" val="3117711146"/>
+        <p14:creationId xmlns:p14="http://schemas.microsoft.com/office/powerpoint/2010/main" val="1121356428"/>
       </p:ext>
     </p:extLst>
   </p:cSld>
@@ -6026,6 +6064,339 @@
 </file>
 
 <file path=ppt/slides/slide11.xml><?xml version="1.0" encoding="utf-8"?>
+<p:sld xmlns:a="http://schemas.openxmlformats.org/drawingml/2006/main" xmlns:r="http://schemas.openxmlformats.org/officeDocument/2006/relationships" xmlns:p="http://schemas.openxmlformats.org/presentationml/2006/main">
+  <p:cSld>
+    <p:spTree>
+      <p:nvGrpSpPr>
+        <p:cNvPr id="1" name=""/>
+        <p:cNvGrpSpPr/>
+        <p:nvPr/>
+      </p:nvGrpSpPr>
+      <p:grpSpPr>
+        <a:xfrm>
+          <a:off x="0" y="0"/>
+          <a:ext cx="0" cy="0"/>
+          <a:chOff x="0" y="0"/>
+          <a:chExt cx="0" cy="0"/>
+        </a:xfrm>
+      </p:grpSpPr>
+      <p:sp>
+        <p:nvSpPr>
+          <p:cNvPr id="6" name="Title 5">
+            <a:extLst>
+              <a:ext uri="{FF2B5EF4-FFF2-40B4-BE49-F238E27FC236}">
+                <a16:creationId xmlns:a16="http://schemas.microsoft.com/office/drawing/2014/main" id="{5ABAC8C4-8A76-48EA-8D04-10A95EFFA76F}"/>
+              </a:ext>
+            </a:extLst>
+          </p:cNvPr>
+          <p:cNvSpPr>
+            <a:spLocks noGrp="1"/>
+          </p:cNvSpPr>
+          <p:nvPr>
+            <p:ph type="title"/>
+          </p:nvPr>
+        </p:nvSpPr>
+        <p:spPr>
+          <a:xfrm>
+            <a:off x="838200" y="2766218"/>
+            <a:ext cx="10515600" cy="1325563"/>
+          </a:xfrm>
+        </p:spPr>
+        <p:txBody>
+          <a:bodyPr>
+            <a:normAutofit fontScale="90000"/>
+          </a:bodyPr>
+          <a:lstStyle/>
+          <a:p>
+            <a:r>
+              <a:rPr lang="en-US" dirty="0"/>
+              <a:t>To communicate this information to computers…</a:t>
+            </a:r>
+            <a:br>
+              <a:rPr lang="en-US" dirty="0"/>
+            </a:br>
+            <a:br>
+              <a:rPr lang="en-US" dirty="0"/>
+            </a:br>
+            <a:r>
+              <a:rPr lang="en-US" dirty="0">
+                <a:solidFill>
+                  <a:schemeClr val="bg1"/>
+                </a:solidFill>
+              </a:rPr>
+              <a:t>quantitatively represent words,</a:t>
+            </a:r>
+            <a:br>
+              <a:rPr lang="en-US" dirty="0">
+                <a:solidFill>
+                  <a:schemeClr val="bg1"/>
+                </a:solidFill>
+              </a:rPr>
+            </a:br>
+            <a:br>
+              <a:rPr lang="en-US" dirty="0">
+                <a:solidFill>
+                  <a:schemeClr val="bg1"/>
+                </a:solidFill>
+              </a:rPr>
+            </a:br>
+            <a:r>
+              <a:rPr lang="en-US" dirty="0">
+                <a:solidFill>
+                  <a:schemeClr val="bg1"/>
+                </a:solidFill>
+              </a:rPr>
+              <a:t>where more similar words have similar representations</a:t>
+            </a:r>
+          </a:p>
+        </p:txBody>
+      </p:sp>
+    </p:spTree>
+    <p:extLst>
+      <p:ext uri="{BB962C8B-B14F-4D97-AF65-F5344CB8AC3E}">
+        <p14:creationId xmlns:p14="http://schemas.microsoft.com/office/powerpoint/2010/main" val="2290442497"/>
+      </p:ext>
+    </p:extLst>
+  </p:cSld>
+  <p:clrMapOvr>
+    <a:masterClrMapping/>
+  </p:clrMapOvr>
+</p:sld>
+</file>
+
+<file path=ppt/slides/slide12.xml><?xml version="1.0" encoding="utf-8"?>
+<p:sld xmlns:a="http://schemas.openxmlformats.org/drawingml/2006/main" xmlns:r="http://schemas.openxmlformats.org/officeDocument/2006/relationships" xmlns:p="http://schemas.openxmlformats.org/presentationml/2006/main">
+  <p:cSld>
+    <p:spTree>
+      <p:nvGrpSpPr>
+        <p:cNvPr id="1" name=""/>
+        <p:cNvGrpSpPr/>
+        <p:nvPr/>
+      </p:nvGrpSpPr>
+      <p:grpSpPr>
+        <a:xfrm>
+          <a:off x="0" y="0"/>
+          <a:ext cx="0" cy="0"/>
+          <a:chOff x="0" y="0"/>
+          <a:chExt cx="0" cy="0"/>
+        </a:xfrm>
+      </p:grpSpPr>
+      <p:sp>
+        <p:nvSpPr>
+          <p:cNvPr id="6" name="Title 5">
+            <a:extLst>
+              <a:ext uri="{FF2B5EF4-FFF2-40B4-BE49-F238E27FC236}">
+                <a16:creationId xmlns:a16="http://schemas.microsoft.com/office/drawing/2014/main" id="{5ABAC8C4-8A76-48EA-8D04-10A95EFFA76F}"/>
+              </a:ext>
+            </a:extLst>
+          </p:cNvPr>
+          <p:cNvSpPr>
+            <a:spLocks noGrp="1"/>
+          </p:cNvSpPr>
+          <p:nvPr>
+            <p:ph type="title"/>
+          </p:nvPr>
+        </p:nvSpPr>
+        <p:spPr>
+          <a:xfrm>
+            <a:off x="838200" y="2766218"/>
+            <a:ext cx="10515600" cy="1325563"/>
+          </a:xfrm>
+        </p:spPr>
+        <p:txBody>
+          <a:bodyPr>
+            <a:normAutofit fontScale="90000"/>
+          </a:bodyPr>
+          <a:lstStyle/>
+          <a:p>
+            <a:r>
+              <a:rPr lang="en-US" dirty="0"/>
+              <a:t>To communicate this information to computers…</a:t>
+            </a:r>
+            <a:br>
+              <a:rPr lang="en-US" dirty="0"/>
+            </a:br>
+            <a:br>
+              <a:rPr lang="en-US" dirty="0"/>
+            </a:br>
+            <a:r>
+              <a:rPr lang="en-US" dirty="0"/>
+              <a:t>quantitatively represent words,</a:t>
+            </a:r>
+            <a:br>
+              <a:rPr lang="en-US" dirty="0"/>
+            </a:br>
+            <a:br>
+              <a:rPr lang="en-US" dirty="0"/>
+            </a:br>
+            <a:r>
+              <a:rPr lang="en-US" dirty="0">
+                <a:solidFill>
+                  <a:schemeClr val="bg1"/>
+                </a:solidFill>
+              </a:rPr>
+              <a:t>where more similar words have similar representations</a:t>
+            </a:r>
+          </a:p>
+        </p:txBody>
+      </p:sp>
+    </p:spTree>
+    <p:extLst>
+      <p:ext uri="{BB962C8B-B14F-4D97-AF65-F5344CB8AC3E}">
+        <p14:creationId xmlns:p14="http://schemas.microsoft.com/office/powerpoint/2010/main" val="3225832202"/>
+      </p:ext>
+    </p:extLst>
+  </p:cSld>
+  <p:clrMapOvr>
+    <a:masterClrMapping/>
+  </p:clrMapOvr>
+</p:sld>
+</file>
+
+<file path=ppt/slides/slide13.xml><?xml version="1.0" encoding="utf-8"?>
+<p:sld xmlns:a="http://schemas.openxmlformats.org/drawingml/2006/main" xmlns:r="http://schemas.openxmlformats.org/officeDocument/2006/relationships" xmlns:p="http://schemas.openxmlformats.org/presentationml/2006/main">
+  <p:cSld>
+    <p:spTree>
+      <p:nvGrpSpPr>
+        <p:cNvPr id="1" name=""/>
+        <p:cNvGrpSpPr/>
+        <p:nvPr/>
+      </p:nvGrpSpPr>
+      <p:grpSpPr>
+        <a:xfrm>
+          <a:off x="0" y="0"/>
+          <a:ext cx="0" cy="0"/>
+          <a:chOff x="0" y="0"/>
+          <a:chExt cx="0" cy="0"/>
+        </a:xfrm>
+      </p:grpSpPr>
+      <p:sp>
+        <p:nvSpPr>
+          <p:cNvPr id="6" name="Title 5">
+            <a:extLst>
+              <a:ext uri="{FF2B5EF4-FFF2-40B4-BE49-F238E27FC236}">
+                <a16:creationId xmlns:a16="http://schemas.microsoft.com/office/drawing/2014/main" id="{5ABAC8C4-8A76-48EA-8D04-10A95EFFA76F}"/>
+              </a:ext>
+            </a:extLst>
+          </p:cNvPr>
+          <p:cNvSpPr>
+            <a:spLocks noGrp="1"/>
+          </p:cNvSpPr>
+          <p:nvPr>
+            <p:ph type="title"/>
+          </p:nvPr>
+        </p:nvSpPr>
+        <p:spPr>
+          <a:xfrm>
+            <a:off x="838200" y="2766218"/>
+            <a:ext cx="10515600" cy="1325563"/>
+          </a:xfrm>
+        </p:spPr>
+        <p:txBody>
+          <a:bodyPr>
+            <a:normAutofit fontScale="90000"/>
+          </a:bodyPr>
+          <a:lstStyle/>
+          <a:p>
+            <a:r>
+              <a:rPr lang="en-US" dirty="0"/>
+              <a:t>To communicate this information to computers…</a:t>
+            </a:r>
+            <a:br>
+              <a:rPr lang="en-US" dirty="0"/>
+            </a:br>
+            <a:br>
+              <a:rPr lang="en-US" dirty="0"/>
+            </a:br>
+            <a:r>
+              <a:rPr lang="en-US" dirty="0"/>
+              <a:t>quantitatively represent words,</a:t>
+            </a:r>
+            <a:br>
+              <a:rPr lang="en-US" dirty="0"/>
+            </a:br>
+            <a:br>
+              <a:rPr lang="en-US" dirty="0"/>
+            </a:br>
+            <a:r>
+              <a:rPr lang="en-US" dirty="0"/>
+              <a:t>where more similar words have similar representations</a:t>
+            </a:r>
+          </a:p>
+        </p:txBody>
+      </p:sp>
+    </p:spTree>
+    <p:extLst>
+      <p:ext uri="{BB962C8B-B14F-4D97-AF65-F5344CB8AC3E}">
+        <p14:creationId xmlns:p14="http://schemas.microsoft.com/office/powerpoint/2010/main" val="1195266368"/>
+      </p:ext>
+    </p:extLst>
+  </p:cSld>
+  <p:clrMapOvr>
+    <a:masterClrMapping/>
+  </p:clrMapOvr>
+</p:sld>
+</file>
+
+<file path=ppt/slides/slide14.xml><?xml version="1.0" encoding="utf-8"?>
+<p:sld xmlns:a="http://schemas.openxmlformats.org/drawingml/2006/main" xmlns:r="http://schemas.openxmlformats.org/officeDocument/2006/relationships" xmlns:p="http://schemas.openxmlformats.org/presentationml/2006/main">
+  <p:cSld>
+    <p:spTree>
+      <p:nvGrpSpPr>
+        <p:cNvPr id="1" name=""/>
+        <p:cNvGrpSpPr/>
+        <p:nvPr/>
+      </p:nvGrpSpPr>
+      <p:grpSpPr>
+        <a:xfrm>
+          <a:off x="0" y="0"/>
+          <a:ext cx="0" cy="0"/>
+          <a:chOff x="0" y="0"/>
+          <a:chExt cx="0" cy="0"/>
+        </a:xfrm>
+      </p:grpSpPr>
+      <p:sp>
+        <p:nvSpPr>
+          <p:cNvPr id="3" name="Title 2">
+            <a:extLst>
+              <a:ext uri="{FF2B5EF4-FFF2-40B4-BE49-F238E27FC236}">
+                <a16:creationId xmlns:a16="http://schemas.microsoft.com/office/drawing/2014/main" id="{0A95B14C-1EE7-40B5-9C10-9B4F8A1CF923}"/>
+              </a:ext>
+            </a:extLst>
+          </p:cNvPr>
+          <p:cNvSpPr>
+            <a:spLocks noGrp="1"/>
+          </p:cNvSpPr>
+          <p:nvPr>
+            <p:ph type="title"/>
+          </p:nvPr>
+        </p:nvSpPr>
+        <p:spPr/>
+        <p:txBody>
+          <a:bodyPr/>
+          <a:lstStyle/>
+          <a:p>
+            <a:r>
+              <a:rPr lang="en-US" dirty="0"/>
+              <a:t>What are word vectors?</a:t>
+            </a:r>
+          </a:p>
+        </p:txBody>
+      </p:sp>
+    </p:spTree>
+    <p:extLst>
+      <p:ext uri="{BB962C8B-B14F-4D97-AF65-F5344CB8AC3E}">
+        <p14:creationId xmlns:p14="http://schemas.microsoft.com/office/powerpoint/2010/main" val="3827071561"/>
+      </p:ext>
+    </p:extLst>
+  </p:cSld>
+  <p:clrMapOvr>
+    <a:masterClrMapping/>
+  </p:clrMapOvr>
+</p:sld>
+</file>
+
+<file path=ppt/slides/slide15.xml><?xml version="1.0" encoding="utf-8"?>
 <p:sld xmlns:a="http://schemas.openxmlformats.org/drawingml/2006/main" xmlns:r="http://schemas.openxmlformats.org/officeDocument/2006/relationships" xmlns:p="http://schemas.openxmlformats.org/presentationml/2006/main">
   <p:cSld>
     <p:spTree>
@@ -6196,6 +6567,226 @@
           </a:p>
         </p:txBody>
       </p:sp>
+      <p:sp>
+        <p:nvSpPr>
+          <p:cNvPr id="14" name="Title 2">
+            <a:extLst>
+              <a:ext uri="{FF2B5EF4-FFF2-40B4-BE49-F238E27FC236}">
+                <a16:creationId xmlns:a16="http://schemas.microsoft.com/office/drawing/2014/main" id="{FDA6FF14-578C-49AE-A6E2-A4003DD4E66E}"/>
+              </a:ext>
+            </a:extLst>
+          </p:cNvPr>
+          <p:cNvSpPr>
+            <a:spLocks noGrp="1"/>
+          </p:cNvSpPr>
+          <p:nvPr>
+            <p:ph type="title"/>
+          </p:nvPr>
+        </p:nvSpPr>
+        <p:spPr/>
+        <p:txBody>
+          <a:bodyPr/>
+          <a:lstStyle/>
+          <a:p>
+            <a:r>
+              <a:rPr lang="en-US" sz="4400" dirty="0"/>
+              <a:t>What</a:t>
+            </a:r>
+            <a:r>
+              <a:rPr lang="en-US" dirty="0"/>
+              <a:t> </a:t>
+            </a:r>
+            <a:r>
+              <a:rPr lang="en-US" sz="4400" dirty="0"/>
+              <a:t>are vectors?</a:t>
+            </a:r>
+          </a:p>
+        </p:txBody>
+      </p:sp>
+    </p:spTree>
+    <p:extLst>
+      <p:ext uri="{BB962C8B-B14F-4D97-AF65-F5344CB8AC3E}">
+        <p14:creationId xmlns:p14="http://schemas.microsoft.com/office/powerpoint/2010/main" val="3825899039"/>
+      </p:ext>
+    </p:extLst>
+  </p:cSld>
+  <p:clrMapOvr>
+    <a:masterClrMapping/>
+  </p:clrMapOvr>
+</p:sld>
+</file>
+
+<file path=ppt/slides/slide16.xml><?xml version="1.0" encoding="utf-8"?>
+<p:sld xmlns:a="http://schemas.openxmlformats.org/drawingml/2006/main" xmlns:r="http://schemas.openxmlformats.org/officeDocument/2006/relationships" xmlns:p="http://schemas.openxmlformats.org/presentationml/2006/main">
+  <p:cSld>
+    <p:spTree>
+      <p:nvGrpSpPr>
+        <p:cNvPr id="1" name=""/>
+        <p:cNvGrpSpPr/>
+        <p:nvPr/>
+      </p:nvGrpSpPr>
+      <p:grpSpPr>
+        <a:xfrm>
+          <a:off x="0" y="0"/>
+          <a:ext cx="0" cy="0"/>
+          <a:chOff x="0" y="0"/>
+          <a:chExt cx="0" cy="0"/>
+        </a:xfrm>
+      </p:grpSpPr>
+      <p:cxnSp>
+        <p:nvCxnSpPr>
+          <p:cNvPr id="5" name="Straight Arrow Connector 4">
+            <a:extLst>
+              <a:ext uri="{FF2B5EF4-FFF2-40B4-BE49-F238E27FC236}">
+                <a16:creationId xmlns:a16="http://schemas.microsoft.com/office/drawing/2014/main" id="{ED427278-5E4D-4048-A002-5F9555198348}"/>
+              </a:ext>
+            </a:extLst>
+          </p:cNvPr>
+          <p:cNvCxnSpPr>
+            <a:cxnSpLocks/>
+          </p:cNvCxnSpPr>
+          <p:nvPr/>
+        </p:nvCxnSpPr>
+        <p:spPr>
+          <a:xfrm>
+            <a:off x="2033221" y="3660588"/>
+            <a:ext cx="7825154" cy="0"/>
+          </a:xfrm>
+          <a:prstGeom prst="straightConnector1">
+            <a:avLst/>
+          </a:prstGeom>
+          <a:ln>
+            <a:headEnd type="triangle"/>
+            <a:tailEnd type="triangle"/>
+          </a:ln>
+        </p:spPr>
+        <p:style>
+          <a:lnRef idx="1">
+            <a:schemeClr val="dk1"/>
+          </a:lnRef>
+          <a:fillRef idx="0">
+            <a:schemeClr val="dk1"/>
+          </a:fillRef>
+          <a:effectRef idx="0">
+            <a:schemeClr val="dk1"/>
+          </a:effectRef>
+          <a:fontRef idx="minor">
+            <a:schemeClr val="tx1"/>
+          </a:fontRef>
+        </p:style>
+      </p:cxnSp>
+      <p:cxnSp>
+        <p:nvCxnSpPr>
+          <p:cNvPr id="10" name="Straight Arrow Connector 9">
+            <a:extLst>
+              <a:ext uri="{FF2B5EF4-FFF2-40B4-BE49-F238E27FC236}">
+                <a16:creationId xmlns:a16="http://schemas.microsoft.com/office/drawing/2014/main" id="{8196D2F8-2AFF-4FE7-8406-57A0C9190C04}"/>
+              </a:ext>
+            </a:extLst>
+          </p:cNvPr>
+          <p:cNvCxnSpPr>
+            <a:cxnSpLocks/>
+          </p:cNvCxnSpPr>
+          <p:nvPr/>
+        </p:nvCxnSpPr>
+        <p:spPr>
+          <a:xfrm flipH="1" flipV="1">
+            <a:off x="5600699" y="712233"/>
+            <a:ext cx="11724" cy="5556738"/>
+          </a:xfrm>
+          <a:prstGeom prst="straightConnector1">
+            <a:avLst/>
+          </a:prstGeom>
+          <a:ln>
+            <a:headEnd type="triangle"/>
+            <a:tailEnd type="triangle"/>
+          </a:ln>
+        </p:spPr>
+        <p:style>
+          <a:lnRef idx="1">
+            <a:schemeClr val="dk1"/>
+          </a:lnRef>
+          <a:fillRef idx="0">
+            <a:schemeClr val="dk1"/>
+          </a:fillRef>
+          <a:effectRef idx="0">
+            <a:schemeClr val="dk1"/>
+          </a:effectRef>
+          <a:fontRef idx="minor">
+            <a:schemeClr val="tx1"/>
+          </a:fontRef>
+        </p:style>
+      </p:cxnSp>
+      <p:sp>
+        <p:nvSpPr>
+          <p:cNvPr id="11" name="TextBox 10">
+            <a:extLst>
+              <a:ext uri="{FF2B5EF4-FFF2-40B4-BE49-F238E27FC236}">
+                <a16:creationId xmlns:a16="http://schemas.microsoft.com/office/drawing/2014/main" id="{06A7D7C6-5712-4FF7-B6F7-60E7BD19E7B4}"/>
+              </a:ext>
+            </a:extLst>
+          </p:cNvPr>
+          <p:cNvSpPr txBox="1"/>
+          <p:nvPr/>
+        </p:nvSpPr>
+        <p:spPr>
+          <a:xfrm>
+            <a:off x="5612423" y="5961101"/>
+            <a:ext cx="228600" cy="369332"/>
+          </a:xfrm>
+          <a:prstGeom prst="rect">
+            <a:avLst/>
+          </a:prstGeom>
+          <a:noFill/>
+        </p:spPr>
+        <p:txBody>
+          <a:bodyPr wrap="square" rtlCol="0">
+            <a:spAutoFit/>
+          </a:bodyPr>
+          <a:lstStyle/>
+          <a:p>
+            <a:r>
+              <a:rPr lang="en-US" dirty="0"/>
+              <a:t>x</a:t>
+            </a:r>
+          </a:p>
+        </p:txBody>
+      </p:sp>
+      <p:sp>
+        <p:nvSpPr>
+          <p:cNvPr id="12" name="TextBox 11">
+            <a:extLst>
+              <a:ext uri="{FF2B5EF4-FFF2-40B4-BE49-F238E27FC236}">
+                <a16:creationId xmlns:a16="http://schemas.microsoft.com/office/drawing/2014/main" id="{031D4DF7-9497-4BC5-8ABB-CCFC9C6EAB94}"/>
+              </a:ext>
+            </a:extLst>
+          </p:cNvPr>
+          <p:cNvSpPr txBox="1"/>
+          <p:nvPr/>
+        </p:nvSpPr>
+        <p:spPr>
+          <a:xfrm>
+            <a:off x="2044763" y="3651036"/>
+            <a:ext cx="288862" cy="369332"/>
+          </a:xfrm>
+          <a:prstGeom prst="rect">
+            <a:avLst/>
+          </a:prstGeom>
+          <a:noFill/>
+        </p:spPr>
+        <p:txBody>
+          <a:bodyPr wrap="none" rtlCol="0">
+            <a:spAutoFit/>
+          </a:bodyPr>
+          <a:lstStyle/>
+          <a:p>
+            <a:r>
+              <a:rPr lang="en-US" dirty="0"/>
+              <a:t>y</a:t>
+            </a:r>
+          </a:p>
+        </p:txBody>
+      </p:sp>
       <p:cxnSp>
         <p:nvCxnSpPr>
           <p:cNvPr id="6" name="Straight Arrow Connector 5">
@@ -6239,6 +6830,259 @@
       </p:cxnSp>
       <p:sp>
         <p:nvSpPr>
+          <p:cNvPr id="15" name="Title 14">
+            <a:extLst>
+              <a:ext uri="{FF2B5EF4-FFF2-40B4-BE49-F238E27FC236}">
+                <a16:creationId xmlns:a16="http://schemas.microsoft.com/office/drawing/2014/main" id="{DFF56116-A619-4A7A-8FA9-40EC78A0AB47}"/>
+              </a:ext>
+            </a:extLst>
+          </p:cNvPr>
+          <p:cNvSpPr>
+            <a:spLocks noGrp="1"/>
+          </p:cNvSpPr>
+          <p:nvPr>
+            <p:ph type="title"/>
+          </p:nvPr>
+        </p:nvSpPr>
+        <p:spPr/>
+        <p:txBody>
+          <a:bodyPr/>
+          <a:lstStyle/>
+          <a:p>
+            <a:r>
+              <a:rPr lang="en-US" dirty="0"/>
+              <a:t>What are vectors?</a:t>
+            </a:r>
+          </a:p>
+        </p:txBody>
+      </p:sp>
+    </p:spTree>
+    <p:extLst>
+      <p:ext uri="{BB962C8B-B14F-4D97-AF65-F5344CB8AC3E}">
+        <p14:creationId xmlns:p14="http://schemas.microsoft.com/office/powerpoint/2010/main" val="3117711146"/>
+      </p:ext>
+    </p:extLst>
+  </p:cSld>
+  <p:clrMapOvr>
+    <a:masterClrMapping/>
+  </p:clrMapOvr>
+</p:sld>
+</file>
+
+<file path=ppt/slides/slide17.xml><?xml version="1.0" encoding="utf-8"?>
+<p:sld xmlns:a="http://schemas.openxmlformats.org/drawingml/2006/main" xmlns:r="http://schemas.openxmlformats.org/officeDocument/2006/relationships" xmlns:p="http://schemas.openxmlformats.org/presentationml/2006/main">
+  <p:cSld>
+    <p:spTree>
+      <p:nvGrpSpPr>
+        <p:cNvPr id="1" name=""/>
+        <p:cNvGrpSpPr/>
+        <p:nvPr/>
+      </p:nvGrpSpPr>
+      <p:grpSpPr>
+        <a:xfrm>
+          <a:off x="0" y="0"/>
+          <a:ext cx="0" cy="0"/>
+          <a:chOff x="0" y="0"/>
+          <a:chExt cx="0" cy="0"/>
+        </a:xfrm>
+      </p:grpSpPr>
+      <p:cxnSp>
+        <p:nvCxnSpPr>
+          <p:cNvPr id="5" name="Straight Arrow Connector 4">
+            <a:extLst>
+              <a:ext uri="{FF2B5EF4-FFF2-40B4-BE49-F238E27FC236}">
+                <a16:creationId xmlns:a16="http://schemas.microsoft.com/office/drawing/2014/main" id="{ED427278-5E4D-4048-A002-5F9555198348}"/>
+              </a:ext>
+            </a:extLst>
+          </p:cNvPr>
+          <p:cNvCxnSpPr>
+            <a:cxnSpLocks/>
+          </p:cNvCxnSpPr>
+          <p:nvPr/>
+        </p:nvCxnSpPr>
+        <p:spPr>
+          <a:xfrm>
+            <a:off x="2033221" y="3660588"/>
+            <a:ext cx="7825154" cy="0"/>
+          </a:xfrm>
+          <a:prstGeom prst="straightConnector1">
+            <a:avLst/>
+          </a:prstGeom>
+          <a:ln>
+            <a:headEnd type="triangle"/>
+            <a:tailEnd type="triangle"/>
+          </a:ln>
+        </p:spPr>
+        <p:style>
+          <a:lnRef idx="1">
+            <a:schemeClr val="dk1"/>
+          </a:lnRef>
+          <a:fillRef idx="0">
+            <a:schemeClr val="dk1"/>
+          </a:fillRef>
+          <a:effectRef idx="0">
+            <a:schemeClr val="dk1"/>
+          </a:effectRef>
+          <a:fontRef idx="minor">
+            <a:schemeClr val="tx1"/>
+          </a:fontRef>
+        </p:style>
+      </p:cxnSp>
+      <p:cxnSp>
+        <p:nvCxnSpPr>
+          <p:cNvPr id="10" name="Straight Arrow Connector 9">
+            <a:extLst>
+              <a:ext uri="{FF2B5EF4-FFF2-40B4-BE49-F238E27FC236}">
+                <a16:creationId xmlns:a16="http://schemas.microsoft.com/office/drawing/2014/main" id="{8196D2F8-2AFF-4FE7-8406-57A0C9190C04}"/>
+              </a:ext>
+            </a:extLst>
+          </p:cNvPr>
+          <p:cNvCxnSpPr>
+            <a:cxnSpLocks/>
+          </p:cNvCxnSpPr>
+          <p:nvPr/>
+        </p:nvCxnSpPr>
+        <p:spPr>
+          <a:xfrm flipH="1" flipV="1">
+            <a:off x="5600699" y="712233"/>
+            <a:ext cx="11724" cy="5556738"/>
+          </a:xfrm>
+          <a:prstGeom prst="straightConnector1">
+            <a:avLst/>
+          </a:prstGeom>
+          <a:ln>
+            <a:headEnd type="triangle"/>
+            <a:tailEnd type="triangle"/>
+          </a:ln>
+        </p:spPr>
+        <p:style>
+          <a:lnRef idx="1">
+            <a:schemeClr val="dk1"/>
+          </a:lnRef>
+          <a:fillRef idx="0">
+            <a:schemeClr val="dk1"/>
+          </a:fillRef>
+          <a:effectRef idx="0">
+            <a:schemeClr val="dk1"/>
+          </a:effectRef>
+          <a:fontRef idx="minor">
+            <a:schemeClr val="tx1"/>
+          </a:fontRef>
+        </p:style>
+      </p:cxnSp>
+      <p:sp>
+        <p:nvSpPr>
+          <p:cNvPr id="11" name="TextBox 10">
+            <a:extLst>
+              <a:ext uri="{FF2B5EF4-FFF2-40B4-BE49-F238E27FC236}">
+                <a16:creationId xmlns:a16="http://schemas.microsoft.com/office/drawing/2014/main" id="{06A7D7C6-5712-4FF7-B6F7-60E7BD19E7B4}"/>
+              </a:ext>
+            </a:extLst>
+          </p:cNvPr>
+          <p:cNvSpPr txBox="1"/>
+          <p:nvPr/>
+        </p:nvSpPr>
+        <p:spPr>
+          <a:xfrm>
+            <a:off x="5612423" y="5961101"/>
+            <a:ext cx="228600" cy="369332"/>
+          </a:xfrm>
+          <a:prstGeom prst="rect">
+            <a:avLst/>
+          </a:prstGeom>
+          <a:noFill/>
+        </p:spPr>
+        <p:txBody>
+          <a:bodyPr wrap="square" rtlCol="0">
+            <a:spAutoFit/>
+          </a:bodyPr>
+          <a:lstStyle/>
+          <a:p>
+            <a:r>
+              <a:rPr lang="en-US" dirty="0"/>
+              <a:t>x</a:t>
+            </a:r>
+          </a:p>
+        </p:txBody>
+      </p:sp>
+      <p:sp>
+        <p:nvSpPr>
+          <p:cNvPr id="12" name="TextBox 11">
+            <a:extLst>
+              <a:ext uri="{FF2B5EF4-FFF2-40B4-BE49-F238E27FC236}">
+                <a16:creationId xmlns:a16="http://schemas.microsoft.com/office/drawing/2014/main" id="{031D4DF7-9497-4BC5-8ABB-CCFC9C6EAB94}"/>
+              </a:ext>
+            </a:extLst>
+          </p:cNvPr>
+          <p:cNvSpPr txBox="1"/>
+          <p:nvPr/>
+        </p:nvSpPr>
+        <p:spPr>
+          <a:xfrm>
+            <a:off x="2044763" y="3651036"/>
+            <a:ext cx="288862" cy="369332"/>
+          </a:xfrm>
+          <a:prstGeom prst="rect">
+            <a:avLst/>
+          </a:prstGeom>
+          <a:noFill/>
+        </p:spPr>
+        <p:txBody>
+          <a:bodyPr wrap="none" rtlCol="0">
+            <a:spAutoFit/>
+          </a:bodyPr>
+          <a:lstStyle/>
+          <a:p>
+            <a:r>
+              <a:rPr lang="en-US" dirty="0"/>
+              <a:t>y</a:t>
+            </a:r>
+          </a:p>
+        </p:txBody>
+      </p:sp>
+      <p:cxnSp>
+        <p:nvCxnSpPr>
+          <p:cNvPr id="6" name="Straight Arrow Connector 5">
+            <a:extLst>
+              <a:ext uri="{FF2B5EF4-FFF2-40B4-BE49-F238E27FC236}">
+                <a16:creationId xmlns:a16="http://schemas.microsoft.com/office/drawing/2014/main" id="{5BC05DF7-BA5F-4920-B110-54D5CB8EC91C}"/>
+              </a:ext>
+            </a:extLst>
+          </p:cNvPr>
+          <p:cNvCxnSpPr>
+            <a:cxnSpLocks/>
+          </p:cNvCxnSpPr>
+          <p:nvPr/>
+        </p:nvCxnSpPr>
+        <p:spPr>
+          <a:xfrm flipV="1">
+            <a:off x="5600699" y="2736636"/>
+            <a:ext cx="2743200" cy="914400"/>
+          </a:xfrm>
+          <a:prstGeom prst="straightConnector1">
+            <a:avLst/>
+          </a:prstGeom>
+          <a:ln w="63500">
+            <a:tailEnd type="triangle"/>
+          </a:ln>
+        </p:spPr>
+        <p:style>
+          <a:lnRef idx="1">
+            <a:schemeClr val="accent1"/>
+          </a:lnRef>
+          <a:fillRef idx="0">
+            <a:schemeClr val="accent1"/>
+          </a:fillRef>
+          <a:effectRef idx="0">
+            <a:schemeClr val="accent1"/>
+          </a:effectRef>
+          <a:fontRef idx="minor">
+            <a:schemeClr val="tx1"/>
+          </a:fontRef>
+        </p:style>
+      </p:cxnSp>
+      <p:sp>
+        <p:nvSpPr>
           <p:cNvPr id="7" name="TextBox 6">
             <a:extLst>
               <a:ext uri="{FF2B5EF4-FFF2-40B4-BE49-F238E27FC236}">
@@ -6473,7 +7317,7 @@
 </p:sld>
 </file>
 
-<file path=ppt/slides/slide12.xml><?xml version="1.0" encoding="utf-8"?>
+<file path=ppt/slides/slide18.xml><?xml version="1.0" encoding="utf-8"?>
 <p:sld xmlns:a="http://schemas.openxmlformats.org/drawingml/2006/main" xmlns:r="http://schemas.openxmlformats.org/officeDocument/2006/relationships" xmlns:p="http://schemas.openxmlformats.org/presentationml/2006/main">
   <p:cSld>
     <p:spTree>
@@ -6827,7 +7671,7 @@
 </p:sld>
 </file>
 
-<file path=ppt/slides/slide13.xml><?xml version="1.0" encoding="utf-8"?>
+<file path=ppt/slides/slide19.xml><?xml version="1.0" encoding="utf-8"?>
 <p:sld xmlns:a="http://schemas.openxmlformats.org/drawingml/2006/main" xmlns:r="http://schemas.openxmlformats.org/officeDocument/2006/relationships" xmlns:p="http://schemas.openxmlformats.org/presentationml/2006/main">
   <p:cSld>
     <p:spTree>
@@ -7014,8 +7858,8 @@
           </a:fontRef>
         </p:style>
       </p:cxnSp>
-      <mc:AlternateContent xmlns:mc="http://schemas.openxmlformats.org/markup-compatibility/2006">
-        <mc:Choice xmlns:a14="http://schemas.microsoft.com/office/drawing/2010/main" Requires="a14">
+      <mc:AlternateContent xmlns:mc="http://schemas.openxmlformats.org/markup-compatibility/2006" xmlns:a14="http://schemas.microsoft.com/office/drawing/2010/main">
+        <mc:Choice Requires="a14">
           <p:sp>
             <p:nvSpPr>
               <p:cNvPr id="8" name="TextBox 7">
@@ -7044,6 +7888,7 @@
               </a:bodyPr>
               <a:lstStyle/>
               <a:p>
+                <a:pPr/>
                 <a14:m>
                   <m:oMathPara xmlns:m="http://schemas.openxmlformats.org/officeDocument/2006/math">
                     <m:oMathParaPr>
@@ -7071,7 +7916,7 @@
             </p:txBody>
           </p:sp>
         </mc:Choice>
-        <mc:Fallback>
+        <mc:Fallback xmlns="">
           <p:sp>
             <p:nvSpPr>
               <p:cNvPr id="8" name="TextBox 7">
@@ -7116,8 +7961,8 @@
           </p:sp>
         </mc:Fallback>
       </mc:AlternateContent>
-      <mc:AlternateContent xmlns:mc="http://schemas.openxmlformats.org/markup-compatibility/2006">
-        <mc:Choice xmlns:a14="http://schemas.microsoft.com/office/drawing/2010/main" Requires="a14">
+      <mc:AlternateContent xmlns:mc="http://schemas.openxmlformats.org/markup-compatibility/2006" xmlns:a14="http://schemas.microsoft.com/office/drawing/2010/main">
+        <mc:Choice Requires="a14">
           <p:sp>
             <p:nvSpPr>
               <p:cNvPr id="9" name="TextBox 8">
@@ -7146,6 +7991,7 @@
               </a:bodyPr>
               <a:lstStyle/>
               <a:p>
+                <a:pPr/>
                 <a14:m>
                   <m:oMathPara xmlns:m="http://schemas.openxmlformats.org/officeDocument/2006/math">
                     <m:oMathParaPr>
@@ -7173,7 +8019,7 @@
             </p:txBody>
           </p:sp>
         </mc:Choice>
-        <mc:Fallback>
+        <mc:Fallback xmlns="">
           <p:sp>
             <p:nvSpPr>
               <p:cNvPr id="9" name="TextBox 8">
@@ -7218,8 +8064,8 @@
           </p:sp>
         </mc:Fallback>
       </mc:AlternateContent>
-      <mc:AlternateContent xmlns:mc="http://schemas.openxmlformats.org/markup-compatibility/2006">
-        <mc:Choice xmlns:a14="http://schemas.microsoft.com/office/drawing/2010/main" Requires="a14">
+      <mc:AlternateContent xmlns:mc="http://schemas.openxmlformats.org/markup-compatibility/2006" xmlns:a14="http://schemas.microsoft.com/office/drawing/2010/main">
+        <mc:Choice Requires="a14">
           <p:sp>
             <p:nvSpPr>
               <p:cNvPr id="10" name="TextBox 9">
@@ -7248,6 +8094,7 @@
               </a:bodyPr>
               <a:lstStyle/>
               <a:p>
+                <a:pPr/>
                 <a14:m>
                   <m:oMathPara xmlns:m="http://schemas.openxmlformats.org/officeDocument/2006/math">
                     <m:oMathParaPr>
@@ -7275,7 +8122,7 @@
             </p:txBody>
           </p:sp>
         </mc:Choice>
-        <mc:Fallback>
+        <mc:Fallback xmlns="">
           <p:sp>
             <p:nvSpPr>
               <p:cNvPr id="10" name="TextBox 9">
@@ -7320,8 +8167,8 @@
           </p:sp>
         </mc:Fallback>
       </mc:AlternateContent>
-      <mc:AlternateContent xmlns:mc="http://schemas.openxmlformats.org/markup-compatibility/2006">
-        <mc:Choice xmlns:a14="http://schemas.microsoft.com/office/drawing/2010/main" Requires="a14">
+      <mc:AlternateContent xmlns:mc="http://schemas.openxmlformats.org/markup-compatibility/2006" xmlns:a14="http://schemas.microsoft.com/office/drawing/2010/main">
+        <mc:Choice Requires="a14">
           <p:sp>
             <p:nvSpPr>
               <p:cNvPr id="11" name="TextBox 10">
@@ -7350,6 +8197,7 @@
               </a:bodyPr>
               <a:lstStyle/>
               <a:p>
+                <a:pPr/>
                 <a14:m>
                   <m:oMathPara xmlns:m="http://schemas.openxmlformats.org/officeDocument/2006/math">
                     <m:oMathParaPr>
@@ -7377,7 +8225,7 @@
             </p:txBody>
           </p:sp>
         </mc:Choice>
-        <mc:Fallback>
+        <mc:Fallback xmlns="">
           <p:sp>
             <p:nvSpPr>
               <p:cNvPr id="11" name="TextBox 10">
@@ -7435,7 +8283,65 @@
 </p:sld>
 </file>
 
-<file path=ppt/slides/slide14.xml><?xml version="1.0" encoding="utf-8"?>
+<file path=ppt/slides/slide2.xml><?xml version="1.0" encoding="utf-8"?>
+<p:sld xmlns:a="http://schemas.openxmlformats.org/drawingml/2006/main" xmlns:r="http://schemas.openxmlformats.org/officeDocument/2006/relationships" xmlns:p="http://schemas.openxmlformats.org/presentationml/2006/main">
+  <p:cSld>
+    <p:spTree>
+      <p:nvGrpSpPr>
+        <p:cNvPr id="1" name=""/>
+        <p:cNvGrpSpPr/>
+        <p:nvPr/>
+      </p:nvGrpSpPr>
+      <p:grpSpPr>
+        <a:xfrm>
+          <a:off x="0" y="0"/>
+          <a:ext cx="0" cy="0"/>
+          <a:chOff x="0" y="0"/>
+          <a:chExt cx="0" cy="0"/>
+        </a:xfrm>
+      </p:grpSpPr>
+      <p:sp>
+        <p:nvSpPr>
+          <p:cNvPr id="2" name="Title 1">
+            <a:extLst>
+              <a:ext uri="{FF2B5EF4-FFF2-40B4-BE49-F238E27FC236}">
+                <a16:creationId xmlns:a16="http://schemas.microsoft.com/office/drawing/2014/main" id="{2CAB6C17-4927-4BF6-AAFD-6F59C802C060}"/>
+              </a:ext>
+            </a:extLst>
+          </p:cNvPr>
+          <p:cNvSpPr>
+            <a:spLocks noGrp="1"/>
+          </p:cNvSpPr>
+          <p:nvPr>
+            <p:ph type="title"/>
+          </p:nvPr>
+        </p:nvSpPr>
+        <p:spPr/>
+        <p:txBody>
+          <a:bodyPr/>
+          <a:lstStyle/>
+          <a:p>
+            <a:r>
+              <a:rPr lang="en-US" dirty="0"/>
+              <a:t>What’s Next</a:t>
+            </a:r>
+          </a:p>
+        </p:txBody>
+      </p:sp>
+    </p:spTree>
+    <p:extLst>
+      <p:ext uri="{BB962C8B-B14F-4D97-AF65-F5344CB8AC3E}">
+        <p14:creationId xmlns:p14="http://schemas.microsoft.com/office/powerpoint/2010/main" val="708550528"/>
+      </p:ext>
+    </p:extLst>
+  </p:cSld>
+  <p:clrMapOvr>
+    <a:masterClrMapping/>
+  </p:clrMapOvr>
+</p:sld>
+</file>
+
+<file path=ppt/slides/slide20.xml><?xml version="1.0" encoding="utf-8"?>
 <p:sld xmlns:a="http://schemas.openxmlformats.org/drawingml/2006/main" xmlns:r="http://schemas.openxmlformats.org/officeDocument/2006/relationships" xmlns:p="http://schemas.openxmlformats.org/presentationml/2006/main">
   <p:cSld>
     <p:spTree>
@@ -7622,8 +8528,8 @@
           </a:fontRef>
         </p:style>
       </p:cxnSp>
-      <mc:AlternateContent xmlns:mc="http://schemas.openxmlformats.org/markup-compatibility/2006">
-        <mc:Choice xmlns:a14="http://schemas.microsoft.com/office/drawing/2010/main" Requires="a14">
+      <mc:AlternateContent xmlns:mc="http://schemas.openxmlformats.org/markup-compatibility/2006" xmlns:a14="http://schemas.microsoft.com/office/drawing/2010/main">
+        <mc:Choice Requires="a14">
           <p:sp>
             <p:nvSpPr>
               <p:cNvPr id="8" name="TextBox 7">
@@ -7652,6 +8558,7 @@
               </a:bodyPr>
               <a:lstStyle/>
               <a:p>
+                <a:pPr/>
                 <a14:m>
                   <m:oMathPara xmlns:m="http://schemas.openxmlformats.org/officeDocument/2006/math">
                     <m:oMathParaPr>
@@ -7679,7 +8586,7 @@
             </p:txBody>
           </p:sp>
         </mc:Choice>
-        <mc:Fallback>
+        <mc:Fallback xmlns="">
           <p:sp>
             <p:nvSpPr>
               <p:cNvPr id="8" name="TextBox 7">
@@ -7724,8 +8631,8 @@
           </p:sp>
         </mc:Fallback>
       </mc:AlternateContent>
-      <mc:AlternateContent xmlns:mc="http://schemas.openxmlformats.org/markup-compatibility/2006">
-        <mc:Choice xmlns:a14="http://schemas.microsoft.com/office/drawing/2010/main" Requires="a14">
+      <mc:AlternateContent xmlns:mc="http://schemas.openxmlformats.org/markup-compatibility/2006" xmlns:a14="http://schemas.microsoft.com/office/drawing/2010/main">
+        <mc:Choice Requires="a14">
           <p:sp>
             <p:nvSpPr>
               <p:cNvPr id="9" name="TextBox 8">
@@ -7754,6 +8661,7 @@
               </a:bodyPr>
               <a:lstStyle/>
               <a:p>
+                <a:pPr/>
                 <a14:m>
                   <m:oMathPara xmlns:m="http://schemas.openxmlformats.org/officeDocument/2006/math">
                     <m:oMathParaPr>
@@ -7781,7 +8689,7 @@
             </p:txBody>
           </p:sp>
         </mc:Choice>
-        <mc:Fallback>
+        <mc:Fallback xmlns="">
           <p:sp>
             <p:nvSpPr>
               <p:cNvPr id="9" name="TextBox 8">
@@ -7826,8 +8734,8 @@
           </p:sp>
         </mc:Fallback>
       </mc:AlternateContent>
-      <mc:AlternateContent xmlns:mc="http://schemas.openxmlformats.org/markup-compatibility/2006">
-        <mc:Choice xmlns:a14="http://schemas.microsoft.com/office/drawing/2010/main" Requires="a14">
+      <mc:AlternateContent xmlns:mc="http://schemas.openxmlformats.org/markup-compatibility/2006" xmlns:a14="http://schemas.microsoft.com/office/drawing/2010/main">
+        <mc:Choice Requires="a14">
           <p:sp>
             <p:nvSpPr>
               <p:cNvPr id="10" name="TextBox 9">
@@ -7856,6 +8764,7 @@
               </a:bodyPr>
               <a:lstStyle/>
               <a:p>
+                <a:pPr/>
                 <a14:m>
                   <m:oMathPara xmlns:m="http://schemas.openxmlformats.org/officeDocument/2006/math">
                     <m:oMathParaPr>
@@ -7883,7 +8792,7 @@
             </p:txBody>
           </p:sp>
         </mc:Choice>
-        <mc:Fallback>
+        <mc:Fallback xmlns="">
           <p:sp>
             <p:nvSpPr>
               <p:cNvPr id="10" name="TextBox 9">
@@ -7928,8 +8837,8 @@
           </p:sp>
         </mc:Fallback>
       </mc:AlternateContent>
-      <mc:AlternateContent xmlns:mc="http://schemas.openxmlformats.org/markup-compatibility/2006">
-        <mc:Choice xmlns:a14="http://schemas.microsoft.com/office/drawing/2010/main" Requires="a14">
+      <mc:AlternateContent xmlns:mc="http://schemas.openxmlformats.org/markup-compatibility/2006" xmlns:a14="http://schemas.microsoft.com/office/drawing/2010/main">
+        <mc:Choice Requires="a14">
           <p:sp>
             <p:nvSpPr>
               <p:cNvPr id="11" name="TextBox 10">
@@ -7958,6 +8867,7 @@
               </a:bodyPr>
               <a:lstStyle/>
               <a:p>
+                <a:pPr/>
                 <a14:m>
                   <m:oMathPara xmlns:m="http://schemas.openxmlformats.org/officeDocument/2006/math">
                     <m:oMathParaPr>
@@ -7985,7 +8895,7 @@
             </p:txBody>
           </p:sp>
         </mc:Choice>
-        <mc:Fallback>
+        <mc:Fallback xmlns="">
           <p:sp>
             <p:nvSpPr>
               <p:cNvPr id="11" name="TextBox 10">
@@ -8169,8 +9079,8 @@
           </a:p>
         </p:txBody>
       </p:sp>
-      <mc:AlternateContent xmlns:mc="http://schemas.openxmlformats.org/markup-compatibility/2006">
-        <mc:Choice xmlns:a14="http://schemas.microsoft.com/office/drawing/2010/main" Requires="a14">
+      <mc:AlternateContent xmlns:mc="http://schemas.openxmlformats.org/markup-compatibility/2006" xmlns:a14="http://schemas.microsoft.com/office/drawing/2010/main">
+        <mc:Choice Requires="a14">
           <p:sp>
             <p:nvSpPr>
               <p:cNvPr id="17" name="TextBox 16">
@@ -8199,6 +9109,7 @@
               </a:bodyPr>
               <a:lstStyle/>
               <a:p>
+                <a:pPr/>
                 <a14:m>
                   <m:oMathPara xmlns:m="http://schemas.openxmlformats.org/officeDocument/2006/math">
                     <m:oMathParaPr>
@@ -8237,7 +9148,7 @@
             </p:txBody>
           </p:sp>
         </mc:Choice>
-        <mc:Fallback>
+        <mc:Fallback xmlns="">
           <p:sp>
             <p:nvSpPr>
               <p:cNvPr id="17" name="TextBox 16">
@@ -8282,8 +9193,8 @@
           </p:sp>
         </mc:Fallback>
       </mc:AlternateContent>
-      <mc:AlternateContent xmlns:mc="http://schemas.openxmlformats.org/markup-compatibility/2006">
-        <mc:Choice xmlns:a14="http://schemas.microsoft.com/office/drawing/2010/main" Requires="a14">
+      <mc:AlternateContent xmlns:mc="http://schemas.openxmlformats.org/markup-compatibility/2006" xmlns:a14="http://schemas.microsoft.com/office/drawing/2010/main">
+        <mc:Choice Requires="a14">
           <p:sp>
             <p:nvSpPr>
               <p:cNvPr id="18" name="TextBox 17">
@@ -8312,6 +9223,7 @@
               </a:bodyPr>
               <a:lstStyle/>
               <a:p>
+                <a:pPr/>
                 <a14:m>
                   <m:oMathPara xmlns:m="http://schemas.openxmlformats.org/officeDocument/2006/math">
                     <m:oMathParaPr>
@@ -8332,7 +9244,7 @@
             </p:txBody>
           </p:sp>
         </mc:Choice>
-        <mc:Fallback>
+        <mc:Fallback xmlns="">
           <p:sp>
             <p:nvSpPr>
               <p:cNvPr id="18" name="TextBox 17">
@@ -8390,7 +9302,7 @@
 </p:sld>
 </file>
 
-<file path=ppt/slides/slide15.xml><?xml version="1.0" encoding="utf-8"?>
+<file path=ppt/slides/slide21.xml><?xml version="1.0" encoding="utf-8"?>
 <p:sld xmlns:a="http://schemas.openxmlformats.org/drawingml/2006/main" xmlns:r="http://schemas.openxmlformats.org/officeDocument/2006/relationships" xmlns:p="http://schemas.openxmlformats.org/presentationml/2006/main">
   <p:cSld>
     <p:spTree>
@@ -8577,8 +9489,8 @@
           </a:fontRef>
         </p:style>
       </p:cxnSp>
-      <mc:AlternateContent xmlns:mc="http://schemas.openxmlformats.org/markup-compatibility/2006">
-        <mc:Choice xmlns:a14="http://schemas.microsoft.com/office/drawing/2010/main" Requires="a14">
+      <mc:AlternateContent xmlns:mc="http://schemas.openxmlformats.org/markup-compatibility/2006" xmlns:a14="http://schemas.microsoft.com/office/drawing/2010/main">
+        <mc:Choice Requires="a14">
           <p:sp>
             <p:nvSpPr>
               <p:cNvPr id="8" name="TextBox 7">
@@ -8607,6 +9519,7 @@
               </a:bodyPr>
               <a:lstStyle/>
               <a:p>
+                <a:pPr/>
                 <a14:m>
                   <m:oMathPara xmlns:m="http://schemas.openxmlformats.org/officeDocument/2006/math">
                     <m:oMathParaPr>
@@ -8720,7 +9633,7 @@
             </p:txBody>
           </p:sp>
         </mc:Choice>
-        <mc:Fallback>
+        <mc:Fallback xmlns="">
           <p:sp>
             <p:nvSpPr>
               <p:cNvPr id="8" name="TextBox 7">
@@ -8765,8 +9678,8 @@
           </p:sp>
         </mc:Fallback>
       </mc:AlternateContent>
-      <mc:AlternateContent xmlns:mc="http://schemas.openxmlformats.org/markup-compatibility/2006">
-        <mc:Choice xmlns:a14="http://schemas.microsoft.com/office/drawing/2010/main" Requires="a14">
+      <mc:AlternateContent xmlns:mc="http://schemas.openxmlformats.org/markup-compatibility/2006" xmlns:a14="http://schemas.microsoft.com/office/drawing/2010/main">
+        <mc:Choice Requires="a14">
           <p:sp>
             <p:nvSpPr>
               <p:cNvPr id="9" name="TextBox 8">
@@ -8795,6 +9708,7 @@
               </a:bodyPr>
               <a:lstStyle/>
               <a:p>
+                <a:pPr/>
                 <a14:m>
                   <m:oMathPara xmlns:m="http://schemas.openxmlformats.org/officeDocument/2006/math">
                     <m:oMathParaPr>
@@ -8908,7 +9822,7 @@
             </p:txBody>
           </p:sp>
         </mc:Choice>
-        <mc:Fallback>
+        <mc:Fallback xmlns="">
           <p:sp>
             <p:nvSpPr>
               <p:cNvPr id="9" name="TextBox 8">
@@ -8953,8 +9867,8 @@
           </p:sp>
         </mc:Fallback>
       </mc:AlternateContent>
-      <mc:AlternateContent xmlns:mc="http://schemas.openxmlformats.org/markup-compatibility/2006">
-        <mc:Choice xmlns:a14="http://schemas.microsoft.com/office/drawing/2010/main" Requires="a14">
+      <mc:AlternateContent xmlns:mc="http://schemas.openxmlformats.org/markup-compatibility/2006" xmlns:a14="http://schemas.microsoft.com/office/drawing/2010/main">
+        <mc:Choice Requires="a14">
           <p:sp>
             <p:nvSpPr>
               <p:cNvPr id="10" name="TextBox 9">
@@ -8983,6 +9897,7 @@
               </a:bodyPr>
               <a:lstStyle/>
               <a:p>
+                <a:pPr/>
                 <a14:m>
                   <m:oMathPara xmlns:m="http://schemas.openxmlformats.org/officeDocument/2006/math">
                     <m:oMathParaPr>
@@ -9106,7 +10021,7 @@
             </p:txBody>
           </p:sp>
         </mc:Choice>
-        <mc:Fallback>
+        <mc:Fallback xmlns="">
           <p:sp>
             <p:nvSpPr>
               <p:cNvPr id="10" name="TextBox 9">
@@ -9151,8 +10066,8 @@
           </p:sp>
         </mc:Fallback>
       </mc:AlternateContent>
-      <mc:AlternateContent xmlns:mc="http://schemas.openxmlformats.org/markup-compatibility/2006">
-        <mc:Choice xmlns:a14="http://schemas.microsoft.com/office/drawing/2010/main" Requires="a14">
+      <mc:AlternateContent xmlns:mc="http://schemas.openxmlformats.org/markup-compatibility/2006" xmlns:a14="http://schemas.microsoft.com/office/drawing/2010/main">
+        <mc:Choice Requires="a14">
           <p:sp>
             <p:nvSpPr>
               <p:cNvPr id="11" name="TextBox 10">
@@ -9181,6 +10096,7 @@
               </a:bodyPr>
               <a:lstStyle/>
               <a:p>
+                <a:pPr/>
                 <a14:m>
                   <m:oMathPara xmlns:m="http://schemas.openxmlformats.org/officeDocument/2006/math">
                     <m:oMathParaPr>
@@ -9294,7 +10210,7 @@
             </p:txBody>
           </p:sp>
         </mc:Choice>
-        <mc:Fallback>
+        <mc:Fallback xmlns="">
           <p:sp>
             <p:nvSpPr>
               <p:cNvPr id="11" name="TextBox 10">
@@ -9339,8 +10255,8 @@
           </p:sp>
         </mc:Fallback>
       </mc:AlternateContent>
-      <mc:AlternateContent xmlns:mc="http://schemas.openxmlformats.org/markup-compatibility/2006">
-        <mc:Choice xmlns:a14="http://schemas.microsoft.com/office/drawing/2010/main" Requires="a14">
+      <mc:AlternateContent xmlns:mc="http://schemas.openxmlformats.org/markup-compatibility/2006" xmlns:a14="http://schemas.microsoft.com/office/drawing/2010/main">
+        <mc:Choice Requires="a14">
           <p:sp>
             <p:nvSpPr>
               <p:cNvPr id="15" name="TextBox 14">
@@ -9503,7 +10419,7 @@
             </p:txBody>
           </p:sp>
         </mc:Choice>
-        <mc:Fallback>
+        <mc:Fallback xmlns="">
           <p:sp>
             <p:nvSpPr>
               <p:cNvPr id="15" name="TextBox 14">
@@ -9561,7 +10477,7 @@
 </p:sld>
 </file>
 
-<file path=ppt/slides/slide16.xml><?xml version="1.0" encoding="utf-8"?>
+<file path=ppt/slides/slide22.xml><?xml version="1.0" encoding="utf-8"?>
 <p:sld xmlns:a="http://schemas.openxmlformats.org/drawingml/2006/main" xmlns:r="http://schemas.openxmlformats.org/officeDocument/2006/relationships" xmlns:p="http://schemas.openxmlformats.org/presentationml/2006/main">
   <p:cSld>
     <p:spTree>
@@ -9654,7 +10570,7 @@
 </p:sld>
 </file>
 
-<file path=ppt/slides/slide17.xml><?xml version="1.0" encoding="utf-8"?>
+<file path=ppt/slides/slide23.xml><?xml version="1.0" encoding="utf-8"?>
 <p:sld xmlns:a="http://schemas.openxmlformats.org/drawingml/2006/main" xmlns:r="http://schemas.openxmlformats.org/officeDocument/2006/relationships" xmlns:p="http://schemas.openxmlformats.org/presentationml/2006/main">
   <p:cSld>
     <p:spTree>
@@ -10411,7 +11327,7 @@
 </p:sld>
 </file>
 
-<file path=ppt/slides/slide18.xml><?xml version="1.0" encoding="utf-8"?>
+<file path=ppt/slides/slide24.xml><?xml version="1.0" encoding="utf-8"?>
 <p:sld xmlns:a="http://schemas.openxmlformats.org/drawingml/2006/main" xmlns:r="http://schemas.openxmlformats.org/officeDocument/2006/relationships" xmlns:p="http://schemas.openxmlformats.org/presentationml/2006/main">
   <p:cSld>
     <p:spTree>
@@ -11084,7 +12000,7 @@
 </p:sld>
 </file>
 
-<file path=ppt/slides/slide19.xml><?xml version="1.0" encoding="utf-8"?>
+<file path=ppt/slides/slide25.xml><?xml version="1.0" encoding="utf-8"?>
 <p:sld xmlns:a="http://schemas.openxmlformats.org/drawingml/2006/main" xmlns:r="http://schemas.openxmlformats.org/officeDocument/2006/relationships" xmlns:p="http://schemas.openxmlformats.org/presentationml/2006/main">
   <p:cSld>
     <p:spTree>
@@ -11490,8 +12406,8 @@
           </a:p>
         </p:txBody>
       </p:sp>
-      <mc:AlternateContent xmlns:mc="http://schemas.openxmlformats.org/markup-compatibility/2006">
-        <mc:Choice xmlns:a14="http://schemas.microsoft.com/office/drawing/2010/main" Requires="a14">
+      <mc:AlternateContent xmlns:mc="http://schemas.openxmlformats.org/markup-compatibility/2006" xmlns:a14="http://schemas.microsoft.com/office/drawing/2010/main">
+        <mc:Choice Requires="a14">
           <p:sp>
             <p:nvSpPr>
               <p:cNvPr id="2" name="TextBox 1">
@@ -11520,6 +12436,7 @@
               </a:bodyPr>
               <a:lstStyle/>
               <a:p>
+                <a:pPr/>
                 <a14:m>
                   <m:oMathPara xmlns:m="http://schemas.openxmlformats.org/officeDocument/2006/math">
                     <m:oMathParaPr>
@@ -11559,7 +12476,7 @@
                       <m:d>
                         <m:dPr>
                           <m:ctrlPr>
-                            <a:rPr lang="en-US" b="0" i="0" smtClean="0">
+                            <a:rPr lang="en-US" b="0" i="1" smtClean="0">
                               <a:latin typeface="Cambria Math" panose="02040503050406030204" pitchFamily="18" charset="0"/>
                             </a:rPr>
                           </m:ctrlPr>
@@ -11698,7 +12615,7 @@
             </p:txBody>
           </p:sp>
         </mc:Choice>
-        <mc:Fallback>
+        <mc:Fallback xmlns="">
           <p:sp>
             <p:nvSpPr>
               <p:cNvPr id="2" name="TextBox 1">
@@ -11756,7 +12673,7 @@
 </p:sld>
 </file>
 
-<file path=ppt/slides/slide2.xml><?xml version="1.0" encoding="utf-8"?>
+<file path=ppt/slides/slide26.xml><?xml version="1.0" encoding="utf-8"?>
 <p:sld xmlns:a="http://schemas.openxmlformats.org/drawingml/2006/main" xmlns:r="http://schemas.openxmlformats.org/officeDocument/2006/relationships" xmlns:p="http://schemas.openxmlformats.org/presentationml/2006/main">
   <p:cSld>
     <p:spTree>
@@ -11775,10 +12692,10 @@
       </p:grpSpPr>
       <p:sp>
         <p:nvSpPr>
-          <p:cNvPr id="4" name="Title 3">
+          <p:cNvPr id="3" name="Title 2">
             <a:extLst>
               <a:ext uri="{FF2B5EF4-FFF2-40B4-BE49-F238E27FC236}">
-                <a16:creationId xmlns:a16="http://schemas.microsoft.com/office/drawing/2014/main" id="{286D9914-2D18-4662-9CBE-D5AEA4D7FD23}"/>
+                <a16:creationId xmlns:a16="http://schemas.microsoft.com/office/drawing/2014/main" id="{384B063E-BB09-43DC-B092-2E1FA7C77897}"/>
               </a:ext>
             </a:extLst>
           </p:cNvPr>
@@ -11796,7 +12713,7 @@
           <a:p>
             <a:r>
               <a:rPr lang="en-US" dirty="0"/>
-              <a:t>How should we represent words?</a:t>
+              <a:t>How do we create word vectors?</a:t>
             </a:r>
           </a:p>
         </p:txBody>
@@ -11804,7 +12721,7 @@
     </p:spTree>
     <p:extLst>
       <p:ext uri="{BB962C8B-B14F-4D97-AF65-F5344CB8AC3E}">
-        <p14:creationId xmlns:p14="http://schemas.microsoft.com/office/powerpoint/2010/main" val="3701847378"/>
+        <p14:creationId xmlns:p14="http://schemas.microsoft.com/office/powerpoint/2010/main" val="2142592472"/>
       </p:ext>
     </p:extLst>
   </p:cSld>
@@ -11814,7 +12731,7 @@
 </p:sld>
 </file>
 
-<file path=ppt/slides/slide20.xml><?xml version="1.0" encoding="utf-8"?>
+<file path=ppt/slides/slide27.xml><?xml version="1.0" encoding="utf-8"?>
 <p:sld xmlns:a="http://schemas.openxmlformats.org/drawingml/2006/main" xmlns:r="http://schemas.openxmlformats.org/officeDocument/2006/relationships" xmlns:p="http://schemas.openxmlformats.org/presentationml/2006/main">
   <p:cSld>
     <p:spTree>
@@ -11854,64 +12771,6 @@
           <a:p>
             <a:r>
               <a:rPr lang="en-US" dirty="0"/>
-              <a:t>How do we create word vectors?</a:t>
-            </a:r>
-          </a:p>
-        </p:txBody>
-      </p:sp>
-    </p:spTree>
-    <p:extLst>
-      <p:ext uri="{BB962C8B-B14F-4D97-AF65-F5344CB8AC3E}">
-        <p14:creationId xmlns:p14="http://schemas.microsoft.com/office/powerpoint/2010/main" val="2142592472"/>
-      </p:ext>
-    </p:extLst>
-  </p:cSld>
-  <p:clrMapOvr>
-    <a:masterClrMapping/>
-  </p:clrMapOvr>
-</p:sld>
-</file>
-
-<file path=ppt/slides/slide21.xml><?xml version="1.0" encoding="utf-8"?>
-<p:sld xmlns:a="http://schemas.openxmlformats.org/drawingml/2006/main" xmlns:r="http://schemas.openxmlformats.org/officeDocument/2006/relationships" xmlns:p="http://schemas.openxmlformats.org/presentationml/2006/main">
-  <p:cSld>
-    <p:spTree>
-      <p:nvGrpSpPr>
-        <p:cNvPr id="1" name=""/>
-        <p:cNvGrpSpPr/>
-        <p:nvPr/>
-      </p:nvGrpSpPr>
-      <p:grpSpPr>
-        <a:xfrm>
-          <a:off x="0" y="0"/>
-          <a:ext cx="0" cy="0"/>
-          <a:chOff x="0" y="0"/>
-          <a:chExt cx="0" cy="0"/>
-        </a:xfrm>
-      </p:grpSpPr>
-      <p:sp>
-        <p:nvSpPr>
-          <p:cNvPr id="3" name="Title 2">
-            <a:extLst>
-              <a:ext uri="{FF2B5EF4-FFF2-40B4-BE49-F238E27FC236}">
-                <a16:creationId xmlns:a16="http://schemas.microsoft.com/office/drawing/2014/main" id="{384B063E-BB09-43DC-B092-2E1FA7C77897}"/>
-              </a:ext>
-            </a:extLst>
-          </p:cNvPr>
-          <p:cNvSpPr>
-            <a:spLocks noGrp="1"/>
-          </p:cNvSpPr>
-          <p:nvPr>
-            <p:ph type="title"/>
-          </p:nvPr>
-        </p:nvSpPr>
-        <p:spPr/>
-        <p:txBody>
-          <a:bodyPr/>
-          <a:lstStyle/>
-          <a:p>
-            <a:r>
-              <a:rPr lang="en-US" dirty="0"/>
               <a:t>How do we know if words are similar?</a:t>
             </a:r>
           </a:p>
@@ -11930,7 +12789,7 @@
 </p:sld>
 </file>
 
-<file path=ppt/slides/slide22.xml><?xml version="1.0" encoding="utf-8"?>
+<file path=ppt/slides/slide28.xml><?xml version="1.0" encoding="utf-8"?>
 <p:sld xmlns:a="http://schemas.openxmlformats.org/drawingml/2006/main" xmlns:r="http://schemas.openxmlformats.org/officeDocument/2006/relationships" xmlns:p="http://schemas.openxmlformats.org/presentationml/2006/main">
   <p:cSld>
     <p:spTree>
@@ -12062,12 +12921,7 @@
             <p:ph type="title"/>
           </p:nvPr>
         </p:nvSpPr>
-        <p:spPr>
-          <a:xfrm>
-            <a:off x="838200" y="365125"/>
-            <a:ext cx="10515600" cy="1325563"/>
-          </a:xfrm>
-        </p:spPr>
+        <p:spPr/>
         <p:txBody>
           <a:bodyPr/>
           <a:lstStyle/>
@@ -12092,7 +12946,7 @@
 </p:sld>
 </file>
 
-<file path=ppt/slides/slide23.xml><?xml version="1.0" encoding="utf-8"?>
+<file path=ppt/slides/slide29.xml><?xml version="1.0" encoding="utf-8"?>
 <p:sld xmlns:a="http://schemas.openxmlformats.org/drawingml/2006/main" xmlns:r="http://schemas.openxmlformats.org/officeDocument/2006/relationships" xmlns:p="http://schemas.openxmlformats.org/presentationml/2006/main">
   <p:cSld>
     <p:spTree>
@@ -12155,12 +13009,7 @@
             <p:ph type="title"/>
           </p:nvPr>
         </p:nvSpPr>
-        <p:spPr>
-          <a:xfrm>
-            <a:off x="838200" y="365125"/>
-            <a:ext cx="10515600" cy="1325563"/>
-          </a:xfrm>
-        </p:spPr>
+        <p:spPr/>
         <p:txBody>
           <a:bodyPr/>
           <a:lstStyle/>
@@ -12185,7 +13034,225 @@
 </p:sld>
 </file>
 
-<file path=ppt/slides/slide24.xml><?xml version="1.0" encoding="utf-8"?>
+<file path=ppt/slides/slide3.xml><?xml version="1.0" encoding="utf-8"?>
+<p:sld xmlns:a="http://schemas.openxmlformats.org/drawingml/2006/main" xmlns:r="http://schemas.openxmlformats.org/officeDocument/2006/relationships" xmlns:p="http://schemas.openxmlformats.org/presentationml/2006/main">
+  <p:cSld>
+    <p:spTree>
+      <p:nvGrpSpPr>
+        <p:cNvPr id="1" name=""/>
+        <p:cNvGrpSpPr/>
+        <p:nvPr/>
+      </p:nvGrpSpPr>
+      <p:grpSpPr>
+        <a:xfrm>
+          <a:off x="0" y="0"/>
+          <a:ext cx="0" cy="0"/>
+          <a:chOff x="0" y="0"/>
+          <a:chExt cx="0" cy="0"/>
+        </a:xfrm>
+      </p:grpSpPr>
+      <p:sp>
+        <p:nvSpPr>
+          <p:cNvPr id="4" name="Title 3">
+            <a:extLst>
+              <a:ext uri="{FF2B5EF4-FFF2-40B4-BE49-F238E27FC236}">
+                <a16:creationId xmlns:a16="http://schemas.microsoft.com/office/drawing/2014/main" id="{33526EA5-702D-40EF-826D-4DC8784F637F}"/>
+              </a:ext>
+            </a:extLst>
+          </p:cNvPr>
+          <p:cNvSpPr>
+            <a:spLocks noGrp="1"/>
+          </p:cNvSpPr>
+          <p:nvPr>
+            <p:ph type="title"/>
+          </p:nvPr>
+        </p:nvSpPr>
+        <p:spPr/>
+        <p:txBody>
+          <a:bodyPr/>
+          <a:lstStyle/>
+          <a:p>
+            <a:r>
+              <a:rPr lang="en-US" dirty="0"/>
+              <a:t>Overview of the Week, Option 1 (with </a:t>
+            </a:r>
+            <a:r>
+              <a:rPr lang="en-US" dirty="0" err="1"/>
+              <a:t>minipresentations</a:t>
+            </a:r>
+            <a:r>
+              <a:rPr lang="en-US" dirty="0"/>
+              <a:t>)</a:t>
+            </a:r>
+          </a:p>
+        </p:txBody>
+      </p:sp>
+      <p:sp>
+        <p:nvSpPr>
+          <p:cNvPr id="5" name="Content Placeholder 4">
+            <a:extLst>
+              <a:ext uri="{FF2B5EF4-FFF2-40B4-BE49-F238E27FC236}">
+                <a16:creationId xmlns:a16="http://schemas.microsoft.com/office/drawing/2014/main" id="{2AA36078-B13C-49CC-AA41-DE4D7794B2A3}"/>
+              </a:ext>
+            </a:extLst>
+          </p:cNvPr>
+          <p:cNvSpPr>
+            <a:spLocks noGrp="1"/>
+          </p:cNvSpPr>
+          <p:nvPr>
+            <p:ph idx="1"/>
+          </p:nvPr>
+        </p:nvSpPr>
+        <p:spPr/>
+        <p:txBody>
+          <a:bodyPr>
+            <a:normAutofit fontScale="62500" lnSpcReduction="20000"/>
+          </a:bodyPr>
+          <a:lstStyle/>
+          <a:p>
+            <a:pPr>
+              <a:buFont typeface="Calibri Light" panose="020F0302020204030204" pitchFamily="34" charset="0"/>
+              <a:buChar char="•"/>
+            </a:pPr>
+            <a:r>
+              <a:rPr lang="en-US" dirty="0"/>
+              <a:t>Monday (today)</a:t>
+            </a:r>
+          </a:p>
+          <a:p>
+            <a:pPr marL="0" indent="0">
+              <a:buNone/>
+            </a:pPr>
+            <a:r>
+              <a:rPr lang="en-US" dirty="0"/>
+              <a:t>	1-3: Introduction to Word Vectors</a:t>
+            </a:r>
+          </a:p>
+          <a:p>
+            <a:pPr>
+              <a:buFont typeface="Calibri Light" panose="020F0302020204030204" pitchFamily="34" charset="0"/>
+              <a:buChar char="•"/>
+            </a:pPr>
+            <a:r>
+              <a:rPr lang="en-US" dirty="0"/>
+              <a:t>Tuesday</a:t>
+            </a:r>
+          </a:p>
+          <a:p>
+            <a:pPr marL="0" indent="0">
+              <a:buNone/>
+            </a:pPr>
+            <a:r>
+              <a:rPr lang="en-US" dirty="0"/>
+              <a:t>	1-3: Word Vectors + FNC</a:t>
+            </a:r>
+          </a:p>
+          <a:p>
+            <a:pPr>
+              <a:buFont typeface="Calibri Light" panose="020F0302020204030204" pitchFamily="34" charset="0"/>
+              <a:buChar char="•"/>
+            </a:pPr>
+            <a:r>
+              <a:rPr lang="en-US" dirty="0"/>
+              <a:t>Wednesday</a:t>
+            </a:r>
+          </a:p>
+          <a:p>
+            <a:pPr marL="0" indent="0">
+              <a:buNone/>
+            </a:pPr>
+            <a:r>
+              <a:rPr lang="en-US" dirty="0"/>
+              <a:t>	1-3: Lexical Overlaps</a:t>
+            </a:r>
+          </a:p>
+          <a:p>
+            <a:pPr>
+              <a:buFont typeface="Calibri Light" panose="020F0302020204030204" pitchFamily="34" charset="0"/>
+              <a:buChar char="•"/>
+            </a:pPr>
+            <a:r>
+              <a:rPr lang="en-US" dirty="0"/>
+              <a:t>Thursday</a:t>
+            </a:r>
+          </a:p>
+          <a:p>
+            <a:pPr marL="0" indent="0">
+              <a:buNone/>
+            </a:pPr>
+            <a:r>
+              <a:rPr lang="en-US" dirty="0"/>
+              <a:t>	9:30-12: Putting together the FNC + Discussion</a:t>
+            </a:r>
+          </a:p>
+          <a:p>
+            <a:pPr marL="0" indent="0">
+              <a:buNone/>
+            </a:pPr>
+            <a:r>
+              <a:rPr lang="en-US" dirty="0"/>
+              <a:t>	1-3: </a:t>
+            </a:r>
+            <a:r>
+              <a:rPr lang="en-US" dirty="0" err="1"/>
+              <a:t>Minipresentations</a:t>
+            </a:r>
+            <a:r>
+              <a:rPr lang="en-US" dirty="0"/>
+              <a:t> (10 minutes per person) + Free time to work on presentation.</a:t>
+            </a:r>
+          </a:p>
+          <a:p>
+            <a:pPr>
+              <a:buFont typeface="Calibri Light" panose="020F0302020204030204" pitchFamily="34" charset="0"/>
+              <a:buChar char="•"/>
+            </a:pPr>
+            <a:r>
+              <a:rPr lang="en-US" dirty="0"/>
+              <a:t>Friday</a:t>
+            </a:r>
+          </a:p>
+          <a:p>
+            <a:pPr marL="0" indent="0">
+              <a:buNone/>
+            </a:pPr>
+            <a:r>
+              <a:rPr lang="en-US" dirty="0"/>
+              <a:t>	9:30-10:30: Free time to finish/practice presentation.</a:t>
+            </a:r>
+          </a:p>
+          <a:p>
+            <a:pPr marL="0" indent="0">
+              <a:buNone/>
+            </a:pPr>
+            <a:r>
+              <a:rPr lang="en-US" dirty="0"/>
+              <a:t>	10:30-12, 1-3: Presentations with other groups.</a:t>
+            </a:r>
+          </a:p>
+          <a:p>
+            <a:pPr>
+              <a:buFont typeface="Calibri Light" panose="020F0302020204030204" pitchFamily="34" charset="0"/>
+              <a:buChar char="•"/>
+            </a:pPr>
+            <a:endParaRPr lang="en-US" dirty="0"/>
+          </a:p>
+        </p:txBody>
+      </p:sp>
+    </p:spTree>
+    <p:extLst>
+      <p:ext uri="{BB962C8B-B14F-4D97-AF65-F5344CB8AC3E}">
+        <p14:creationId xmlns:p14="http://schemas.microsoft.com/office/powerpoint/2010/main" val="764579185"/>
+      </p:ext>
+    </p:extLst>
+  </p:cSld>
+  <p:clrMapOvr>
+    <a:masterClrMapping/>
+  </p:clrMapOvr>
+</p:sld>
+</file>
+
+<file path=ppt/slides/slide30.xml><?xml version="1.0" encoding="utf-8"?>
 <p:sld xmlns:a="http://schemas.openxmlformats.org/drawingml/2006/main" xmlns:r="http://schemas.openxmlformats.org/officeDocument/2006/relationships" xmlns:p="http://schemas.openxmlformats.org/presentationml/2006/main">
   <p:cSld>
     <p:spTree>
@@ -12528,12 +13595,7 @@
             <p:ph type="title"/>
           </p:nvPr>
         </p:nvSpPr>
-        <p:spPr>
-          <a:xfrm>
-            <a:off x="838200" y="365125"/>
-            <a:ext cx="10515600" cy="1325563"/>
-          </a:xfrm>
-        </p:spPr>
+        <p:spPr/>
         <p:txBody>
           <a:bodyPr/>
           <a:lstStyle/>
@@ -12558,7 +13620,7 @@
 </p:sld>
 </file>
 
-<file path=ppt/slides/slide25.xml><?xml version="1.0" encoding="utf-8"?>
+<file path=ppt/slides/slide31.xml><?xml version="1.0" encoding="utf-8"?>
 <p:sld xmlns:a="http://schemas.openxmlformats.org/drawingml/2006/main" xmlns:r="http://schemas.openxmlformats.org/officeDocument/2006/relationships" xmlns:p="http://schemas.openxmlformats.org/presentationml/2006/main">
   <p:cSld>
     <p:spTree>
@@ -12669,7 +13731,7 @@
 </p:sld>
 </file>
 
-<file path=ppt/slides/slide26.xml><?xml version="1.0" encoding="utf-8"?>
+<file path=ppt/slides/slide32.xml><?xml version="1.0" encoding="utf-8"?>
 <p:sld xmlns:a="http://schemas.openxmlformats.org/drawingml/2006/main" xmlns:r="http://schemas.openxmlformats.org/officeDocument/2006/relationships" xmlns:p="http://schemas.openxmlformats.org/presentationml/2006/main">
   <p:cSld>
     <p:spTree>
@@ -12714,8 +13776,8 @@
           </a:p>
         </p:txBody>
       </p:sp>
-      <mc:AlternateContent xmlns:mc="http://schemas.openxmlformats.org/markup-compatibility/2006">
-        <mc:Choice xmlns:a14="http://schemas.microsoft.com/office/drawing/2010/main" Requires="a14">
+      <mc:AlternateContent xmlns:mc="http://schemas.openxmlformats.org/markup-compatibility/2006" xmlns:a14="http://schemas.microsoft.com/office/drawing/2010/main">
+        <mc:Choice Requires="a14">
           <p:sp>
             <p:nvSpPr>
               <p:cNvPr id="4" name="Rectangle 3">
@@ -12791,7 +13853,7 @@
             </p:txBody>
           </p:sp>
         </mc:Choice>
-        <mc:Fallback>
+        <mc:Fallback xmlns="">
           <p:sp>
             <p:nvSpPr>
               <p:cNvPr id="4" name="Rectangle 3">
@@ -12849,7 +13911,7 @@
 </p:sld>
 </file>
 
-<file path=ppt/slides/slide27.xml><?xml version="1.0" encoding="utf-8"?>
+<file path=ppt/slides/slide33.xml><?xml version="1.0" encoding="utf-8"?>
 <p:sld xmlns:a="http://schemas.openxmlformats.org/drawingml/2006/main" xmlns:r="http://schemas.openxmlformats.org/officeDocument/2006/relationships" xmlns:p="http://schemas.openxmlformats.org/presentationml/2006/main">
   <p:cSld>
     <p:spTree>
@@ -12894,8 +13956,8 @@
           </a:p>
         </p:txBody>
       </p:sp>
-      <mc:AlternateContent xmlns:mc="http://schemas.openxmlformats.org/markup-compatibility/2006">
-        <mc:Choice xmlns:a14="http://schemas.microsoft.com/office/drawing/2010/main" Requires="a14">
+      <mc:AlternateContent xmlns:mc="http://schemas.openxmlformats.org/markup-compatibility/2006" xmlns:a14="http://schemas.microsoft.com/office/drawing/2010/main">
+        <mc:Choice Requires="a14">
           <p:sp>
             <p:nvSpPr>
               <p:cNvPr id="4" name="Rectangle 3">
@@ -12971,7 +14033,7 @@
             </p:txBody>
           </p:sp>
         </mc:Choice>
-        <mc:Fallback>
+        <mc:Fallback xmlns="">
           <p:sp>
             <p:nvSpPr>
               <p:cNvPr id="4" name="Rectangle 3">
@@ -13064,7 +14126,7 @@
 </p:sld>
 </file>
 
-<file path=ppt/slides/slide28.xml><?xml version="1.0" encoding="utf-8"?>
+<file path=ppt/slides/slide34.xml><?xml version="1.0" encoding="utf-8"?>
 <p:sld xmlns:a="http://schemas.openxmlformats.org/drawingml/2006/main" xmlns:r="http://schemas.openxmlformats.org/officeDocument/2006/relationships" xmlns:p="http://schemas.openxmlformats.org/presentationml/2006/main">
   <p:cSld>
     <p:spTree>
@@ -13122,7 +14184,7 @@
 </p:sld>
 </file>
 
-<file path=ppt/slides/slide29.xml><?xml version="1.0" encoding="utf-8"?>
+<file path=ppt/slides/slide35.xml><?xml version="1.0" encoding="utf-8"?>
 <p:sld xmlns:a="http://schemas.openxmlformats.org/drawingml/2006/main" xmlns:r="http://schemas.openxmlformats.org/officeDocument/2006/relationships" xmlns:p="http://schemas.openxmlformats.org/presentationml/2006/main">
   <p:cSld>
     <p:spTree>
@@ -13167,8 +14229,8 @@
           </a:p>
         </p:txBody>
       </p:sp>
-      <mc:AlternateContent xmlns:mc="http://schemas.openxmlformats.org/markup-compatibility/2006">
-        <mc:Choice xmlns:a14="http://schemas.microsoft.com/office/drawing/2010/main" Requires="a14">
+      <mc:AlternateContent xmlns:mc="http://schemas.openxmlformats.org/markup-compatibility/2006" xmlns:a14="http://schemas.microsoft.com/office/drawing/2010/main">
+        <mc:Choice Requires="a14">
           <p:sp>
             <p:nvSpPr>
               <p:cNvPr id="3" name="TextBox 2">
@@ -13197,6 +14259,7 @@
               </a:bodyPr>
               <a:lstStyle/>
               <a:p>
+                <a:pPr/>
                 <a14:m>
                   <m:oMathPara xmlns:m="http://schemas.openxmlformats.org/officeDocument/2006/math">
                     <m:oMathParaPr>
@@ -13370,7 +14433,7 @@
             </p:txBody>
           </p:sp>
         </mc:Choice>
-        <mc:Fallback>
+        <mc:Fallback xmlns="">
           <p:sp>
             <p:nvSpPr>
               <p:cNvPr id="3" name="TextBox 2">
@@ -13428,7 +14491,7 @@
 </p:sld>
 </file>
 
-<file path=ppt/slides/slide3.xml><?xml version="1.0" encoding="utf-8"?>
+<file path=ppt/slides/slide36.xml><?xml version="1.0" encoding="utf-8"?>
 <p:sld xmlns:a="http://schemas.openxmlformats.org/drawingml/2006/main" xmlns:r="http://schemas.openxmlformats.org/officeDocument/2006/relationships" xmlns:p="http://schemas.openxmlformats.org/presentationml/2006/main">
   <p:cSld>
     <p:spTree>
@@ -13447,89 +14510,36 @@
       </p:grpSpPr>
       <p:sp>
         <p:nvSpPr>
-          <p:cNvPr id="4" name="Rectangle 3">
+          <p:cNvPr id="3" name="Title 2">
             <a:extLst>
               <a:ext uri="{FF2B5EF4-FFF2-40B4-BE49-F238E27FC236}">
-                <a16:creationId xmlns:a16="http://schemas.microsoft.com/office/drawing/2014/main" id="{248FA7A2-450E-41E5-8242-BC5934D2B5F6}"/>
+                <a16:creationId xmlns:a16="http://schemas.microsoft.com/office/drawing/2014/main" id="{4675CD4B-5EB1-4F21-A6E4-FAF04A11AF74}"/>
               </a:ext>
             </a:extLst>
           </p:cNvPr>
-          <p:cNvSpPr/>
-          <p:nvPr/>
-        </p:nvSpPr>
-        <p:spPr>
-          <a:xfrm>
-            <a:off x="0" y="6396335"/>
-            <a:ext cx="12103100" cy="307777"/>
-          </a:xfrm>
-          <a:prstGeom prst="rect">
-            <a:avLst/>
-          </a:prstGeom>
-        </p:spPr>
-        <p:txBody>
-          <a:bodyPr wrap="square">
-            <a:spAutoFit/>
-          </a:bodyPr>
+          <p:cNvSpPr>
+            <a:spLocks noGrp="1"/>
+          </p:cNvSpPr>
+          <p:nvPr>
+            <p:ph type="title"/>
+          </p:nvPr>
+        </p:nvSpPr>
+        <p:spPr/>
+        <p:txBody>
+          <a:bodyPr/>
           <a:lstStyle/>
           <a:p>
             <a:r>
-              <a:rPr lang="en-US" sz="1400" dirty="0"/>
-              <a:t>https://www.fluentu.com/blog/educator-english/wp-content/uploads/sites/13/2014/11/beginner-esl-vocabulary-how-to-teach-100-words-in-one-lesson.jpg</a:t>
-            </a:r>
-          </a:p>
-        </p:txBody>
-      </p:sp>
-      <p:pic>
-        <p:nvPicPr>
-          <p:cNvPr id="1026" name="Picture 2" descr="https://www.fluentu.com/blog/educator-english/wp-content/uploads/sites/13/2014/11/beginner-esl-vocabulary-how-to-teach-100-words-in-one-lesson.jpg">
-            <a:extLst>
-              <a:ext uri="{FF2B5EF4-FFF2-40B4-BE49-F238E27FC236}">
-                <a16:creationId xmlns:a16="http://schemas.microsoft.com/office/drawing/2014/main" id="{B9308B12-06F5-443E-ACC7-CF0BE2E89ED7}"/>
-              </a:ext>
-            </a:extLst>
-          </p:cNvPr>
-          <p:cNvPicPr>
-            <a:picLocks noChangeAspect="1" noChangeArrowheads="1"/>
-          </p:cNvPicPr>
-          <p:nvPr/>
-        </p:nvPicPr>
-        <p:blipFill>
-          <a:blip r:embed="rId3">
-            <a:extLst>
-              <a:ext uri="{28A0092B-C50C-407E-A947-70E740481C1C}">
-                <a14:useLocalDpi xmlns:a14="http://schemas.microsoft.com/office/drawing/2010/main" val="0"/>
-              </a:ext>
-            </a:extLst>
-          </a:blip>
-          <a:srcRect/>
-          <a:stretch>
-            <a:fillRect/>
-          </a:stretch>
-        </p:blipFill>
-        <p:spPr bwMode="auto">
-          <a:xfrm>
-            <a:off x="1809750" y="571500"/>
-            <a:ext cx="8572500" cy="5715000"/>
-          </a:xfrm>
-          <a:prstGeom prst="rect">
-            <a:avLst/>
-          </a:prstGeom>
-          <a:noFill/>
-          <a:extLst>
-            <a:ext uri="{909E8E84-426E-40DD-AFC4-6F175D3DCCD1}">
-              <a14:hiddenFill xmlns:a14="http://schemas.microsoft.com/office/drawing/2010/main">
-                <a:solidFill>
-                  <a:srgbClr val="FFFFFF"/>
-                </a:solidFill>
-              </a14:hiddenFill>
-            </a:ext>
-          </a:extLst>
-        </p:spPr>
-      </p:pic>
+              <a:rPr lang="en-US" dirty="0"/>
+              <a:t>How can we represent sentences given word embeddings?</a:t>
+            </a:r>
+          </a:p>
+        </p:txBody>
+      </p:sp>
     </p:spTree>
     <p:extLst>
       <p:ext uri="{BB962C8B-B14F-4D97-AF65-F5344CB8AC3E}">
-        <p14:creationId xmlns:p14="http://schemas.microsoft.com/office/powerpoint/2010/main" val="832817667"/>
+        <p14:creationId xmlns:p14="http://schemas.microsoft.com/office/powerpoint/2010/main" val="1515607903"/>
       </p:ext>
     </p:extLst>
   </p:cSld>
@@ -13539,7 +14549,7 @@
 </p:sld>
 </file>
 
-<file path=ppt/slides/slide30.xml><?xml version="1.0" encoding="utf-8"?>
+<file path=ppt/slides/slide37.xml><?xml version="1.0" encoding="utf-8"?>
 <p:sld xmlns:a="http://schemas.openxmlformats.org/drawingml/2006/main" xmlns:r="http://schemas.openxmlformats.org/officeDocument/2006/relationships" xmlns:p="http://schemas.openxmlformats.org/presentationml/2006/main">
   <p:cSld>
     <p:spTree>
@@ -13579,64 +14589,6 @@
           <a:p>
             <a:r>
               <a:rPr lang="en-US" dirty="0"/>
-              <a:t>How can we represent sentences given word embeddings?</a:t>
-            </a:r>
-          </a:p>
-        </p:txBody>
-      </p:sp>
-    </p:spTree>
-    <p:extLst>
-      <p:ext uri="{BB962C8B-B14F-4D97-AF65-F5344CB8AC3E}">
-        <p14:creationId xmlns:p14="http://schemas.microsoft.com/office/powerpoint/2010/main" val="1515607903"/>
-      </p:ext>
-    </p:extLst>
-  </p:cSld>
-  <p:clrMapOvr>
-    <a:masterClrMapping/>
-  </p:clrMapOvr>
-</p:sld>
-</file>
-
-<file path=ppt/slides/slide31.xml><?xml version="1.0" encoding="utf-8"?>
-<p:sld xmlns:a="http://schemas.openxmlformats.org/drawingml/2006/main" xmlns:r="http://schemas.openxmlformats.org/officeDocument/2006/relationships" xmlns:p="http://schemas.openxmlformats.org/presentationml/2006/main">
-  <p:cSld>
-    <p:spTree>
-      <p:nvGrpSpPr>
-        <p:cNvPr id="1" name=""/>
-        <p:cNvGrpSpPr/>
-        <p:nvPr/>
-      </p:nvGrpSpPr>
-      <p:grpSpPr>
-        <a:xfrm>
-          <a:off x="0" y="0"/>
-          <a:ext cx="0" cy="0"/>
-          <a:chOff x="0" y="0"/>
-          <a:chExt cx="0" cy="0"/>
-        </a:xfrm>
-      </p:grpSpPr>
-      <p:sp>
-        <p:nvSpPr>
-          <p:cNvPr id="3" name="Title 2">
-            <a:extLst>
-              <a:ext uri="{FF2B5EF4-FFF2-40B4-BE49-F238E27FC236}">
-                <a16:creationId xmlns:a16="http://schemas.microsoft.com/office/drawing/2014/main" id="{4675CD4B-5EB1-4F21-A6E4-FAF04A11AF74}"/>
-              </a:ext>
-            </a:extLst>
-          </p:cNvPr>
-          <p:cNvSpPr>
-            <a:spLocks noGrp="1"/>
-          </p:cNvSpPr>
-          <p:nvPr>
-            <p:ph type="title"/>
-          </p:nvPr>
-        </p:nvSpPr>
-        <p:spPr/>
-        <p:txBody>
-          <a:bodyPr/>
-          <a:lstStyle/>
-          <a:p>
-            <a:r>
-              <a:rPr lang="en-US" dirty="0"/>
               <a:t>How can we use word vectors?</a:t>
             </a:r>
           </a:p>
@@ -13655,7 +14607,7 @@
 </p:sld>
 </file>
 
-<file path=ppt/slides/slide32.xml><?xml version="1.0" encoding="utf-8"?>
+<file path=ppt/slides/slide38.xml><?xml version="1.0" encoding="utf-8"?>
 <p:sld xmlns:a="http://schemas.openxmlformats.org/drawingml/2006/main" xmlns:r="http://schemas.openxmlformats.org/officeDocument/2006/relationships" xmlns:p="http://schemas.openxmlformats.org/presentationml/2006/main">
   <p:cSld>
     <p:spTree>
@@ -13766,7 +14718,7 @@
 </p:sld>
 </file>
 
-<file path=ppt/slides/slide33.xml><?xml version="1.0" encoding="utf-8"?>
+<file path=ppt/slides/slide39.xml><?xml version="1.0" encoding="utf-8"?>
 <p:sld xmlns:a="http://schemas.openxmlformats.org/drawingml/2006/main" xmlns:r="http://schemas.openxmlformats.org/officeDocument/2006/relationships" xmlns:p="http://schemas.openxmlformats.org/presentationml/2006/main">
   <p:cSld>
     <p:spTree>
@@ -13877,7 +14829,217 @@
 </p:sld>
 </file>
 
-<file path=ppt/slides/slide34.xml><?xml version="1.0" encoding="utf-8"?>
+<file path=ppt/slides/slide4.xml><?xml version="1.0" encoding="utf-8"?>
+<p:sld xmlns:a="http://schemas.openxmlformats.org/drawingml/2006/main" xmlns:r="http://schemas.openxmlformats.org/officeDocument/2006/relationships" xmlns:p="http://schemas.openxmlformats.org/presentationml/2006/main">
+  <p:cSld>
+    <p:spTree>
+      <p:nvGrpSpPr>
+        <p:cNvPr id="1" name=""/>
+        <p:cNvGrpSpPr/>
+        <p:nvPr/>
+      </p:nvGrpSpPr>
+      <p:grpSpPr>
+        <a:xfrm>
+          <a:off x="0" y="0"/>
+          <a:ext cx="0" cy="0"/>
+          <a:chOff x="0" y="0"/>
+          <a:chExt cx="0" cy="0"/>
+        </a:xfrm>
+      </p:grpSpPr>
+      <p:sp>
+        <p:nvSpPr>
+          <p:cNvPr id="4" name="Title 3">
+            <a:extLst>
+              <a:ext uri="{FF2B5EF4-FFF2-40B4-BE49-F238E27FC236}">
+                <a16:creationId xmlns:a16="http://schemas.microsoft.com/office/drawing/2014/main" id="{33526EA5-702D-40EF-826D-4DC8784F637F}"/>
+              </a:ext>
+            </a:extLst>
+          </p:cNvPr>
+          <p:cNvSpPr>
+            <a:spLocks noGrp="1"/>
+          </p:cNvSpPr>
+          <p:nvPr>
+            <p:ph type="title"/>
+          </p:nvPr>
+        </p:nvSpPr>
+        <p:spPr/>
+        <p:txBody>
+          <a:bodyPr/>
+          <a:lstStyle/>
+          <a:p>
+            <a:r>
+              <a:rPr lang="en-US" dirty="0"/>
+              <a:t>Overview of the Week, Option 2 (no </a:t>
+            </a:r>
+            <a:r>
+              <a:rPr lang="en-US" dirty="0" err="1"/>
+              <a:t>minipresentations</a:t>
+            </a:r>
+            <a:r>
+              <a:rPr lang="en-US" dirty="0"/>
+              <a:t>)</a:t>
+            </a:r>
+          </a:p>
+        </p:txBody>
+      </p:sp>
+      <p:sp>
+        <p:nvSpPr>
+          <p:cNvPr id="5" name="Content Placeholder 4">
+            <a:extLst>
+              <a:ext uri="{FF2B5EF4-FFF2-40B4-BE49-F238E27FC236}">
+                <a16:creationId xmlns:a16="http://schemas.microsoft.com/office/drawing/2014/main" id="{2AA36078-B13C-49CC-AA41-DE4D7794B2A3}"/>
+              </a:ext>
+            </a:extLst>
+          </p:cNvPr>
+          <p:cNvSpPr>
+            <a:spLocks noGrp="1"/>
+          </p:cNvSpPr>
+          <p:nvPr>
+            <p:ph idx="1"/>
+          </p:nvPr>
+        </p:nvSpPr>
+        <p:spPr/>
+        <p:txBody>
+          <a:bodyPr>
+            <a:normAutofit fontScale="62500" lnSpcReduction="20000"/>
+          </a:bodyPr>
+          <a:lstStyle/>
+          <a:p>
+            <a:pPr>
+              <a:buFont typeface="Calibri Light" panose="020F0302020204030204" pitchFamily="34" charset="0"/>
+              <a:buChar char="•"/>
+            </a:pPr>
+            <a:r>
+              <a:rPr lang="en-US" dirty="0"/>
+              <a:t>Monday (today)</a:t>
+            </a:r>
+          </a:p>
+          <a:p>
+            <a:pPr marL="0" indent="0">
+              <a:buNone/>
+            </a:pPr>
+            <a:r>
+              <a:rPr lang="en-US" dirty="0"/>
+              <a:t>	1-3: Introduction to Word Vectors</a:t>
+            </a:r>
+          </a:p>
+          <a:p>
+            <a:pPr>
+              <a:buFont typeface="Calibri Light" panose="020F0302020204030204" pitchFamily="34" charset="0"/>
+              <a:buChar char="•"/>
+            </a:pPr>
+            <a:r>
+              <a:rPr lang="en-US" dirty="0"/>
+              <a:t>Tuesday</a:t>
+            </a:r>
+          </a:p>
+          <a:p>
+            <a:pPr marL="0" indent="0">
+              <a:buNone/>
+            </a:pPr>
+            <a:r>
+              <a:rPr lang="en-US" dirty="0"/>
+              <a:t>	1-3: Word Vectors + FNC</a:t>
+            </a:r>
+          </a:p>
+          <a:p>
+            <a:pPr>
+              <a:buFont typeface="Calibri Light" panose="020F0302020204030204" pitchFamily="34" charset="0"/>
+              <a:buChar char="•"/>
+            </a:pPr>
+            <a:r>
+              <a:rPr lang="en-US" dirty="0"/>
+              <a:t>Wednesday</a:t>
+            </a:r>
+          </a:p>
+          <a:p>
+            <a:pPr marL="0" indent="0">
+              <a:buNone/>
+            </a:pPr>
+            <a:r>
+              <a:rPr lang="en-US" dirty="0"/>
+              <a:t>	1-3: Lexical Overlaps</a:t>
+            </a:r>
+          </a:p>
+          <a:p>
+            <a:pPr>
+              <a:buFont typeface="Calibri Light" panose="020F0302020204030204" pitchFamily="34" charset="0"/>
+              <a:buChar char="•"/>
+            </a:pPr>
+            <a:r>
+              <a:rPr lang="en-US" dirty="0"/>
+              <a:t>Thursday</a:t>
+            </a:r>
+          </a:p>
+          <a:p>
+            <a:pPr marL="0" indent="0">
+              <a:buNone/>
+            </a:pPr>
+            <a:r>
+              <a:rPr lang="en-US" dirty="0"/>
+              <a:t>	9:30-12: Putting together the FNC + Discussion</a:t>
+            </a:r>
+          </a:p>
+          <a:p>
+            <a:pPr marL="0" indent="0">
+              <a:buNone/>
+            </a:pPr>
+            <a:r>
+              <a:rPr lang="en-US" dirty="0"/>
+              <a:t>	1-3: Free time to work on presentation.</a:t>
+            </a:r>
+          </a:p>
+          <a:p>
+            <a:pPr>
+              <a:buFont typeface="Calibri Light" panose="020F0302020204030204" pitchFamily="34" charset="0"/>
+              <a:buChar char="•"/>
+            </a:pPr>
+            <a:r>
+              <a:rPr lang="en-US" dirty="0"/>
+              <a:t>Friday</a:t>
+            </a:r>
+          </a:p>
+          <a:p>
+            <a:pPr marL="0" indent="0">
+              <a:buNone/>
+            </a:pPr>
+            <a:r>
+              <a:rPr lang="en-US" dirty="0"/>
+              <a:t>	9:30-10:30: Free time to finish/practice presentation.</a:t>
+            </a:r>
+          </a:p>
+          <a:p>
+            <a:pPr marL="0" indent="0">
+              <a:buNone/>
+            </a:pPr>
+            <a:r>
+              <a:rPr lang="en-US" dirty="0"/>
+              <a:t>	10:30-12, 1-3: Presentations with other groups.</a:t>
+            </a:r>
+          </a:p>
+          <a:p>
+            <a:pPr>
+              <a:buFont typeface="Calibri Light" panose="020F0302020204030204" pitchFamily="34" charset="0"/>
+              <a:buChar char="•"/>
+            </a:pPr>
+            <a:endParaRPr lang="en-US" dirty="0"/>
+          </a:p>
+        </p:txBody>
+      </p:sp>
+    </p:spTree>
+    <p:extLst>
+      <p:ext uri="{BB962C8B-B14F-4D97-AF65-F5344CB8AC3E}">
+        <p14:creationId xmlns:p14="http://schemas.microsoft.com/office/powerpoint/2010/main" val="1532645243"/>
+      </p:ext>
+    </p:extLst>
+  </p:cSld>
+  <p:clrMapOvr>
+    <a:masterClrMapping/>
+  </p:clrMapOvr>
+</p:sld>
+</file>
+
+<file path=ppt/slides/slide40.xml><?xml version="1.0" encoding="utf-8"?>
 <p:sld xmlns:a="http://schemas.openxmlformats.org/drawingml/2006/main" xmlns:r="http://schemas.openxmlformats.org/officeDocument/2006/relationships" xmlns:p="http://schemas.openxmlformats.org/presentationml/2006/main">
   <p:cSld>
     <p:spTree>
@@ -13988,7 +15150,7 @@
 </p:sld>
 </file>
 
-<file path=ppt/slides/slide35.xml><?xml version="1.0" encoding="utf-8"?>
+<file path=ppt/slides/slide41.xml><?xml version="1.0" encoding="utf-8"?>
 <p:sld xmlns:a="http://schemas.openxmlformats.org/drawingml/2006/main" xmlns:r="http://schemas.openxmlformats.org/officeDocument/2006/relationships" xmlns:p="http://schemas.openxmlformats.org/presentationml/2006/main">
   <p:cSld>
     <p:spTree>
@@ -14294,7 +15456,7 @@
 </p:sld>
 </file>
 
-<file path=ppt/slides/slide36.xml><?xml version="1.0" encoding="utf-8"?>
+<file path=ppt/slides/slide42.xml><?xml version="1.0" encoding="utf-8"?>
 <p:sld xmlns:a="http://schemas.openxmlformats.org/drawingml/2006/main" xmlns:r="http://schemas.openxmlformats.org/officeDocument/2006/relationships" xmlns:p="http://schemas.openxmlformats.org/presentationml/2006/main">
   <p:cSld>
     <p:spTree>
@@ -14448,7 +15610,7 @@
 </p:sld>
 </file>
 
-<file path=ppt/slides/slide37.xml><?xml version="1.0" encoding="utf-8"?>
+<file path=ppt/slides/slide43.xml><?xml version="1.0" encoding="utf-8"?>
 <p:sld xmlns:a="http://schemas.openxmlformats.org/drawingml/2006/main" xmlns:r="http://schemas.openxmlformats.org/officeDocument/2006/relationships" xmlns:p="http://schemas.openxmlformats.org/presentationml/2006/main">
   <p:cSld>
     <p:spTree>
@@ -14542,224 +15704,6 @@
 </p:sld>
 </file>
 
-<file path=ppt/slides/slide4.xml><?xml version="1.0" encoding="utf-8"?>
-<p:sld xmlns:a="http://schemas.openxmlformats.org/drawingml/2006/main" xmlns:r="http://schemas.openxmlformats.org/officeDocument/2006/relationships" xmlns:p="http://schemas.openxmlformats.org/presentationml/2006/main">
-  <p:cSld>
-    <p:spTree>
-      <p:nvGrpSpPr>
-        <p:cNvPr id="1" name=""/>
-        <p:cNvGrpSpPr/>
-        <p:nvPr/>
-      </p:nvGrpSpPr>
-      <p:grpSpPr>
-        <a:xfrm>
-          <a:off x="0" y="0"/>
-          <a:ext cx="0" cy="0"/>
-          <a:chOff x="0" y="0"/>
-          <a:chExt cx="0" cy="0"/>
-        </a:xfrm>
-      </p:grpSpPr>
-      <p:pic>
-        <p:nvPicPr>
-          <p:cNvPr id="2050" name="Picture 2" descr="https://foodscapesbristol.files.wordpress.com/2013/07/day-5.jpg">
-            <a:extLst>
-              <a:ext uri="{FF2B5EF4-FFF2-40B4-BE49-F238E27FC236}">
-                <a16:creationId xmlns:a16="http://schemas.microsoft.com/office/drawing/2014/main" id="{DA828E97-8383-4F89-8CFA-8686D023A057}"/>
-              </a:ext>
-            </a:extLst>
-          </p:cNvPr>
-          <p:cNvPicPr>
-            <a:picLocks noChangeAspect="1" noChangeArrowheads="1"/>
-          </p:cNvPicPr>
-          <p:nvPr/>
-        </p:nvPicPr>
-        <p:blipFill>
-          <a:blip r:embed="rId3">
-            <a:extLst>
-              <a:ext uri="{28A0092B-C50C-407E-A947-70E740481C1C}">
-                <a14:useLocalDpi xmlns:a14="http://schemas.microsoft.com/office/drawing/2010/main" val="0"/>
-              </a:ext>
-            </a:extLst>
-          </a:blip>
-          <a:srcRect/>
-          <a:stretch>
-            <a:fillRect/>
-          </a:stretch>
-        </p:blipFill>
-        <p:spPr bwMode="auto">
-          <a:xfrm>
-            <a:off x="422369" y="632413"/>
-            <a:ext cx="4363531" cy="2770496"/>
-          </a:xfrm>
-          <a:prstGeom prst="rect">
-            <a:avLst/>
-          </a:prstGeom>
-          <a:noFill/>
-          <a:extLst>
-            <a:ext uri="{909E8E84-426E-40DD-AFC4-6F175D3DCCD1}">
-              <a14:hiddenFill xmlns:a14="http://schemas.microsoft.com/office/drawing/2010/main">
-                <a:solidFill>
-                  <a:srgbClr val="FFFFFF"/>
-                </a:solidFill>
-              </a14:hiddenFill>
-            </a:ext>
-          </a:extLst>
-        </p:spPr>
-      </p:pic>
-      <p:sp>
-        <p:nvSpPr>
-          <p:cNvPr id="4" name="TextBox 3">
-            <a:extLst>
-              <a:ext uri="{FF2B5EF4-FFF2-40B4-BE49-F238E27FC236}">
-                <a16:creationId xmlns:a16="http://schemas.microsoft.com/office/drawing/2014/main" id="{0D6D40C7-1258-4A82-8CDB-F09C822E4515}"/>
-              </a:ext>
-            </a:extLst>
-          </p:cNvPr>
-          <p:cNvSpPr txBox="1"/>
-          <p:nvPr/>
-        </p:nvSpPr>
-        <p:spPr>
-          <a:xfrm>
-            <a:off x="26877" y="6156065"/>
-            <a:ext cx="7779224" cy="738664"/>
-          </a:xfrm>
-          <a:prstGeom prst="rect">
-            <a:avLst/>
-          </a:prstGeom>
-          <a:noFill/>
-        </p:spPr>
-        <p:txBody>
-          <a:bodyPr wrap="square" rtlCol="0">
-            <a:spAutoFit/>
-          </a:bodyPr>
-          <a:lstStyle/>
-          <a:p>
-            <a:r>
-              <a:rPr lang="en-US" sz="1400" dirty="0"/>
-              <a:t>https://foodscapesbristol.files.wordpress.com/2013/07/day-5.jpg</a:t>
-            </a:r>
-          </a:p>
-          <a:p>
-            <a:r>
-              <a:rPr lang="en-US" sz="1400" dirty="0"/>
-              <a:t>https://antarasdiary.com/30-brilliant-typography-inspirations-featuring-the-word-summer/</a:t>
-            </a:r>
-          </a:p>
-          <a:p>
-            <a:r>
-              <a:rPr lang="en-US" sz="1400" dirty="0"/>
-              <a:t>https://www.canstockphoto.com/music-word-cloud-34509746.html</a:t>
-            </a:r>
-          </a:p>
-        </p:txBody>
-      </p:sp>
-      <p:pic>
-        <p:nvPicPr>
-          <p:cNvPr id="2052" name="Picture 4" descr="Bildergebnis fÃ¼r word cloud summer">
-            <a:extLst>
-              <a:ext uri="{FF2B5EF4-FFF2-40B4-BE49-F238E27FC236}">
-                <a16:creationId xmlns:a16="http://schemas.microsoft.com/office/drawing/2014/main" id="{1C289106-4E92-4B50-AB59-B5FE3FEFAFBF}"/>
-              </a:ext>
-            </a:extLst>
-          </p:cNvPr>
-          <p:cNvPicPr>
-            <a:picLocks noChangeAspect="1" noChangeArrowheads="1"/>
-          </p:cNvPicPr>
-          <p:nvPr/>
-        </p:nvPicPr>
-        <p:blipFill>
-          <a:blip r:embed="rId4">
-            <a:extLst>
-              <a:ext uri="{28A0092B-C50C-407E-A947-70E740481C1C}">
-                <a14:useLocalDpi xmlns:a14="http://schemas.microsoft.com/office/drawing/2010/main" val="0"/>
-              </a:ext>
-            </a:extLst>
-          </a:blip>
-          <a:srcRect/>
-          <a:stretch>
-            <a:fillRect/>
-          </a:stretch>
-        </p:blipFill>
-        <p:spPr bwMode="auto">
-          <a:xfrm>
-            <a:off x="6553485" y="126162"/>
-            <a:ext cx="4762500" cy="3362325"/>
-          </a:xfrm>
-          <a:prstGeom prst="rect">
-            <a:avLst/>
-          </a:prstGeom>
-          <a:noFill/>
-          <a:extLst>
-            <a:ext uri="{909E8E84-426E-40DD-AFC4-6F175D3DCCD1}">
-              <a14:hiddenFill xmlns:a14="http://schemas.microsoft.com/office/drawing/2010/main">
-                <a:solidFill>
-                  <a:srgbClr val="FFFFFF"/>
-                </a:solidFill>
-              </a14:hiddenFill>
-            </a:ext>
-          </a:extLst>
-        </p:spPr>
-      </p:pic>
-      <p:pic>
-        <p:nvPicPr>
-          <p:cNvPr id="2054" name="Picture 6" descr="Bildergebnis fÃ¼r word cloud music">
-            <a:extLst>
-              <a:ext uri="{FF2B5EF4-FFF2-40B4-BE49-F238E27FC236}">
-                <a16:creationId xmlns:a16="http://schemas.microsoft.com/office/drawing/2014/main" id="{671A95D2-76F7-4383-AAFA-E994EFB78205}"/>
-              </a:ext>
-            </a:extLst>
-          </p:cNvPr>
-          <p:cNvPicPr>
-            <a:picLocks noChangeAspect="1" noChangeArrowheads="1"/>
-          </p:cNvPicPr>
-          <p:nvPr/>
-        </p:nvPicPr>
-        <p:blipFill>
-          <a:blip r:embed="rId5">
-            <a:extLst>
-              <a:ext uri="{28A0092B-C50C-407E-A947-70E740481C1C}">
-                <a14:useLocalDpi xmlns:a14="http://schemas.microsoft.com/office/drawing/2010/main" val="0"/>
-              </a:ext>
-            </a:extLst>
-          </a:blip>
-          <a:srcRect/>
-          <a:stretch>
-            <a:fillRect/>
-          </a:stretch>
-        </p:blipFill>
-        <p:spPr bwMode="auto">
-          <a:xfrm>
-            <a:off x="3916489" y="3488487"/>
-            <a:ext cx="3712609" cy="2667578"/>
-          </a:xfrm>
-          <a:prstGeom prst="rect">
-            <a:avLst/>
-          </a:prstGeom>
-          <a:noFill/>
-          <a:extLst>
-            <a:ext uri="{909E8E84-426E-40DD-AFC4-6F175D3DCCD1}">
-              <a14:hiddenFill xmlns:a14="http://schemas.microsoft.com/office/drawing/2010/main">
-                <a:solidFill>
-                  <a:srgbClr val="FFFFFF"/>
-                </a:solidFill>
-              </a14:hiddenFill>
-            </a:ext>
-          </a:extLst>
-        </p:spPr>
-      </p:pic>
-    </p:spTree>
-    <p:extLst>
-      <p:ext uri="{BB962C8B-B14F-4D97-AF65-F5344CB8AC3E}">
-        <p14:creationId xmlns:p14="http://schemas.microsoft.com/office/powerpoint/2010/main" val="1121356428"/>
-      </p:ext>
-    </p:extLst>
-  </p:cSld>
-  <p:clrMapOvr>
-    <a:masterClrMapping/>
-  </p:clrMapOvr>
-</p:sld>
-</file>
-
 <file path=ppt/slides/slide5.xml><?xml version="1.0" encoding="utf-8"?>
 <p:sld xmlns:a="http://schemas.openxmlformats.org/drawingml/2006/main" xmlns:r="http://schemas.openxmlformats.org/officeDocument/2006/relationships" xmlns:p="http://schemas.openxmlformats.org/presentationml/2006/main">
   <p:cSld>
@@ -14779,10 +15723,10 @@
       </p:grpSpPr>
       <p:sp>
         <p:nvSpPr>
-          <p:cNvPr id="6" name="Title 5">
+          <p:cNvPr id="2" name="Title 1">
             <a:extLst>
               <a:ext uri="{FF2B5EF4-FFF2-40B4-BE49-F238E27FC236}">
-                <a16:creationId xmlns:a16="http://schemas.microsoft.com/office/drawing/2014/main" id="{5ABAC8C4-8A76-48EA-8D04-10A95EFFA76F}"/>
+                <a16:creationId xmlns:a16="http://schemas.microsoft.com/office/drawing/2014/main" id="{A16B9968-6578-483E-84E3-0F9F3A6705B5}"/>
               </a:ext>
             </a:extLst>
           </p:cNvPr>
@@ -14793,57 +15737,81 @@
             <p:ph type="title"/>
           </p:nvPr>
         </p:nvSpPr>
-        <p:spPr>
-          <a:xfrm>
-            <a:off x="838200" y="2766218"/>
-            <a:ext cx="10515600" cy="1325563"/>
-          </a:xfrm>
-        </p:spPr>
-        <p:txBody>
-          <a:bodyPr>
-            <a:normAutofit fontScale="90000"/>
-          </a:bodyPr>
+        <p:spPr/>
+        <p:txBody>
+          <a:bodyPr/>
           <a:lstStyle/>
           <a:p>
             <a:r>
               <a:rPr lang="en-US" dirty="0"/>
-              <a:t>To communicate this information to computers…</a:t>
-            </a:r>
-            <a:br>
+              <a:t>Info about NLP &amp; Ethics/Policy </a:t>
+            </a:r>
+            <a:r>
+              <a:rPr lang="en-US" dirty="0" err="1"/>
+              <a:t>minipresentations</a:t>
+            </a:r>
+            <a:endParaRPr lang="en-US" dirty="0"/>
+          </a:p>
+        </p:txBody>
+      </p:sp>
+      <p:sp>
+        <p:nvSpPr>
+          <p:cNvPr id="3" name="Content Placeholder 2">
+            <a:extLst>
+              <a:ext uri="{FF2B5EF4-FFF2-40B4-BE49-F238E27FC236}">
+                <a16:creationId xmlns:a16="http://schemas.microsoft.com/office/drawing/2014/main" id="{7642E44E-D773-4BF3-9C18-E099B8F14B72}"/>
+              </a:ext>
+            </a:extLst>
+          </p:cNvPr>
+          <p:cNvSpPr>
+            <a:spLocks noGrp="1"/>
+          </p:cNvSpPr>
+          <p:nvPr>
+            <p:ph idx="1"/>
+          </p:nvPr>
+        </p:nvSpPr>
+        <p:spPr/>
+        <p:txBody>
+          <a:bodyPr/>
+          <a:lstStyle/>
+          <a:p>
+            <a:pPr>
+              <a:buFont typeface="Arial" panose="020B0604020202020204" pitchFamily="34" charset="0"/>
+              <a:buChar char="•"/>
+            </a:pPr>
+            <a:r>
               <a:rPr lang="en-US" dirty="0"/>
-            </a:br>
-            <a:br>
+              <a:t> Find a topic related to NLP and ethics/policy (can be a paper, news article, general topic of debate).</a:t>
+            </a:r>
+          </a:p>
+          <a:p>
+            <a:pPr>
+              <a:buFont typeface="Arial" panose="020B0604020202020204" pitchFamily="34" charset="0"/>
+              <a:buChar char="•"/>
+            </a:pPr>
+            <a:r>
               <a:rPr lang="en-US" dirty="0"/>
-            </a:br>
-            <a:r>
-              <a:rPr lang="en-US" dirty="0">
-                <a:solidFill>
-                  <a:schemeClr val="bg1"/>
-                </a:solidFill>
-              </a:rPr>
-              <a:t>quantitatively represent words,</a:t>
-            </a:r>
-            <a:br>
-              <a:rPr lang="en-US" dirty="0">
-                <a:solidFill>
-                  <a:schemeClr val="bg1"/>
-                </a:solidFill>
-              </a:rPr>
-            </a:br>
-            <a:br>
-              <a:rPr lang="en-US" dirty="0">
-                <a:solidFill>
-                  <a:schemeClr val="bg1"/>
-                </a:solidFill>
-              </a:rPr>
-            </a:br>
-            <a:r>
-              <a:rPr lang="en-US" dirty="0">
-                <a:solidFill>
-                  <a:schemeClr val="bg1"/>
-                </a:solidFill>
-              </a:rPr>
-              <a:t>where more similar words have similar representations</a:t>
+              <a:t> Prepare either a presentation with slides, or a few questions for debate/discussion.</a:t>
+            </a:r>
+          </a:p>
+          <a:p>
+            <a:pPr>
+              <a:buFont typeface="Arial" panose="020B0604020202020204" pitchFamily="34" charset="0"/>
+              <a:buChar char="•"/>
+            </a:pPr>
+            <a:r>
+              <a:rPr lang="en-US" dirty="0"/>
+              <a:t> Lead a mini-session about this topic!</a:t>
+            </a:r>
+          </a:p>
+          <a:p>
+            <a:pPr>
+              <a:buFont typeface="Arial" panose="020B0604020202020204" pitchFamily="34" charset="0"/>
+              <a:buChar char="•"/>
+            </a:pPr>
+            <a:r>
+              <a:rPr lang="en-US" dirty="0"/>
+              <a:t> We can do sign-ups to avoid overlaps.</a:t>
             </a:r>
           </a:p>
         </p:txBody>
@@ -14851,7 +15819,7 @@
     </p:spTree>
     <p:extLst>
       <p:ext uri="{BB962C8B-B14F-4D97-AF65-F5344CB8AC3E}">
-        <p14:creationId xmlns:p14="http://schemas.microsoft.com/office/powerpoint/2010/main" val="2290442497"/>
+        <p14:creationId xmlns:p14="http://schemas.microsoft.com/office/powerpoint/2010/main" val="568801288"/>
       </p:ext>
     </p:extLst>
   </p:cSld>
@@ -14880,10 +15848,10 @@
       </p:grpSpPr>
       <p:sp>
         <p:nvSpPr>
-          <p:cNvPr id="6" name="Title 5">
+          <p:cNvPr id="2" name="Title 1">
             <a:extLst>
               <a:ext uri="{FF2B5EF4-FFF2-40B4-BE49-F238E27FC236}">
-                <a16:creationId xmlns:a16="http://schemas.microsoft.com/office/drawing/2014/main" id="{5ABAC8C4-8A76-48EA-8D04-10A95EFFA76F}"/>
+                <a16:creationId xmlns:a16="http://schemas.microsoft.com/office/drawing/2014/main" id="{69BC2329-13AF-4760-B6BC-CD8B7CB412E1}"/>
               </a:ext>
             </a:extLst>
           </p:cNvPr>
@@ -14894,45 +15862,100 @@
             <p:ph type="title"/>
           </p:nvPr>
         </p:nvSpPr>
-        <p:spPr>
-          <a:xfrm>
-            <a:off x="838200" y="2766218"/>
-            <a:ext cx="10515600" cy="1325563"/>
-          </a:xfrm>
-        </p:spPr>
-        <p:txBody>
-          <a:bodyPr>
-            <a:normAutofit fontScale="90000"/>
-          </a:bodyPr>
+        <p:spPr/>
+        <p:txBody>
+          <a:bodyPr/>
           <a:lstStyle/>
           <a:p>
             <a:r>
               <a:rPr lang="en-US" dirty="0"/>
-              <a:t>To communicate this information to computers…</a:t>
-            </a:r>
-            <a:br>
+              <a:t>Info about presentations</a:t>
+            </a:r>
+          </a:p>
+        </p:txBody>
+      </p:sp>
+      <p:sp>
+        <p:nvSpPr>
+          <p:cNvPr id="3" name="Content Placeholder 2">
+            <a:extLst>
+              <a:ext uri="{FF2B5EF4-FFF2-40B4-BE49-F238E27FC236}">
+                <a16:creationId xmlns:a16="http://schemas.microsoft.com/office/drawing/2014/main" id="{026E087B-25FF-49E4-AFE1-6F6F604FE50F}"/>
+              </a:ext>
+            </a:extLst>
+          </p:cNvPr>
+          <p:cNvSpPr>
+            <a:spLocks noGrp="1"/>
+          </p:cNvSpPr>
+          <p:nvPr>
+            <p:ph idx="1"/>
+          </p:nvPr>
+        </p:nvSpPr>
+        <p:spPr/>
+        <p:txBody>
+          <a:bodyPr/>
+          <a:lstStyle/>
+          <a:p>
+            <a:pPr marL="0" indent="0">
+              <a:buNone/>
+            </a:pPr>
+            <a:r>
+              <a:rPr lang="en-US"/>
+              <a:t>Friday </a:t>
+            </a:r>
+            <a:r>
               <a:rPr lang="en-US" dirty="0"/>
-            </a:br>
-            <a:br>
+              <a:t>presentation sessions: 20 min to educate other campers about their project + 10 min for questions</a:t>
+            </a:r>
+          </a:p>
+          <a:p>
+            <a:pPr marL="0" indent="0">
+              <a:buNone/>
+            </a:pPr>
+            <a:r>
               <a:rPr lang="en-US" dirty="0"/>
-            </a:br>
+              <a:t>	Audience: other campers</a:t>
+            </a:r>
+          </a:p>
+          <a:p>
+            <a:pPr marL="0" indent="0">
+              <a:buNone/>
+            </a:pPr>
             <a:r>
               <a:rPr lang="en-US" dirty="0"/>
-              <a:t>quantitatively represent words,</a:t>
-            </a:r>
-            <a:br>
+              <a:t>	Visuals: Poster/slides/handouts/something creative</a:t>
+            </a:r>
+          </a:p>
+          <a:p>
+            <a:pPr marL="0" indent="0">
+              <a:buNone/>
+            </a:pPr>
+            <a:endParaRPr lang="en-US" dirty="0"/>
+          </a:p>
+          <a:p>
+            <a:pPr marL="0" indent="0">
+              <a:buNone/>
+            </a:pPr>
+            <a:r>
               <a:rPr lang="en-US" dirty="0"/>
-            </a:br>
-            <a:br>
+              <a:t>Friday banquet: 5 min to give a spotlight about project.</a:t>
+            </a:r>
+          </a:p>
+          <a:p>
+            <a:pPr marL="0" indent="0">
+              <a:buNone/>
+            </a:pPr>
+            <a:r>
               <a:rPr lang="en-US" dirty="0"/>
-            </a:br>
-            <a:r>
-              <a:rPr lang="en-US" dirty="0">
-                <a:solidFill>
-                  <a:schemeClr val="bg1"/>
-                </a:solidFill>
-              </a:rPr>
-              <a:t>where more similar words have similar representations</a:t>
+              <a:t>	Audience: visitors</a:t>
+            </a:r>
+          </a:p>
+          <a:p>
+            <a:pPr marL="0" indent="0">
+              <a:buNone/>
+            </a:pPr>
+            <a:r>
+              <a:rPr lang="en-US" dirty="0"/>
+              <a:t>	No visuals</a:t>
             </a:r>
           </a:p>
         </p:txBody>
@@ -14940,7 +15963,7 @@
     </p:spTree>
     <p:extLst>
       <p:ext uri="{BB962C8B-B14F-4D97-AF65-F5344CB8AC3E}">
-        <p14:creationId xmlns:p14="http://schemas.microsoft.com/office/powerpoint/2010/main" val="3225832202"/>
+        <p14:creationId xmlns:p14="http://schemas.microsoft.com/office/powerpoint/2010/main" val="2278033315"/>
       </p:ext>
     </p:extLst>
   </p:cSld>
@@ -14969,10 +15992,10 @@
       </p:grpSpPr>
       <p:sp>
         <p:nvSpPr>
-          <p:cNvPr id="6" name="Title 5">
+          <p:cNvPr id="2" name="Title 1">
             <a:extLst>
               <a:ext uri="{FF2B5EF4-FFF2-40B4-BE49-F238E27FC236}">
-                <a16:creationId xmlns:a16="http://schemas.microsoft.com/office/drawing/2014/main" id="{5ABAC8C4-8A76-48EA-8D04-10A95EFFA76F}"/>
+                <a16:creationId xmlns:a16="http://schemas.microsoft.com/office/drawing/2014/main" id="{5005EC31-2C6B-49AB-BFB2-235DFEBDC7FD}"/>
               </a:ext>
             </a:extLst>
           </p:cNvPr>
@@ -14983,49 +16006,47 @@
             <p:ph type="title"/>
           </p:nvPr>
         </p:nvSpPr>
-        <p:spPr>
-          <a:xfrm>
-            <a:off x="838200" y="2766218"/>
-            <a:ext cx="10515600" cy="1325563"/>
-          </a:xfrm>
-        </p:spPr>
-        <p:txBody>
-          <a:bodyPr>
-            <a:normAutofit fontScale="90000"/>
-          </a:bodyPr>
+        <p:spPr/>
+        <p:txBody>
+          <a:bodyPr/>
           <a:lstStyle/>
           <a:p>
             <a:r>
               <a:rPr lang="en-US" dirty="0"/>
-              <a:t>To communicate this information to computers…</a:t>
-            </a:r>
-            <a:br>
-              <a:rPr lang="en-US" dirty="0"/>
-            </a:br>
-            <a:br>
-              <a:rPr lang="en-US" dirty="0"/>
-            </a:br>
-            <a:r>
-              <a:rPr lang="en-US" dirty="0"/>
-              <a:t>quantitatively represent words,</a:t>
-            </a:r>
-            <a:br>
-              <a:rPr lang="en-US" dirty="0"/>
-            </a:br>
-            <a:br>
-              <a:rPr lang="en-US" dirty="0"/>
-            </a:br>
-            <a:r>
-              <a:rPr lang="en-US" dirty="0"/>
-              <a:t>where more similar words have similar representations</a:t>
-            </a:r>
+              <a:t>Overview of the FNC Classifier</a:t>
+            </a:r>
+          </a:p>
+        </p:txBody>
+      </p:sp>
+      <p:sp>
+        <p:nvSpPr>
+          <p:cNvPr id="3" name="Content Placeholder 2">
+            <a:extLst>
+              <a:ext uri="{FF2B5EF4-FFF2-40B4-BE49-F238E27FC236}">
+                <a16:creationId xmlns:a16="http://schemas.microsoft.com/office/drawing/2014/main" id="{C035E69A-2B0D-43CD-87A2-D24845F78A06}"/>
+              </a:ext>
+            </a:extLst>
+          </p:cNvPr>
+          <p:cNvSpPr>
+            <a:spLocks noGrp="1"/>
+          </p:cNvSpPr>
+          <p:nvPr>
+            <p:ph idx="1"/>
+          </p:nvPr>
+        </p:nvSpPr>
+        <p:spPr/>
+        <p:txBody>
+          <a:bodyPr/>
+          <a:lstStyle/>
+          <a:p>
+            <a:endParaRPr lang="en-US"/>
           </a:p>
         </p:txBody>
       </p:sp>
     </p:spTree>
     <p:extLst>
       <p:ext uri="{BB962C8B-B14F-4D97-AF65-F5344CB8AC3E}">
-        <p14:creationId xmlns:p14="http://schemas.microsoft.com/office/powerpoint/2010/main" val="1195266368"/>
+        <p14:creationId xmlns:p14="http://schemas.microsoft.com/office/powerpoint/2010/main" val="3836025879"/>
       </p:ext>
     </p:extLst>
   </p:cSld>
@@ -15054,10 +16075,10 @@
       </p:grpSpPr>
       <p:sp>
         <p:nvSpPr>
-          <p:cNvPr id="3" name="Title 2">
+          <p:cNvPr id="4" name="Title 3">
             <a:extLst>
               <a:ext uri="{FF2B5EF4-FFF2-40B4-BE49-F238E27FC236}">
-                <a16:creationId xmlns:a16="http://schemas.microsoft.com/office/drawing/2014/main" id="{0A95B14C-1EE7-40B5-9C10-9B4F8A1CF923}"/>
+                <a16:creationId xmlns:a16="http://schemas.microsoft.com/office/drawing/2014/main" id="{286D9914-2D18-4662-9CBE-D5AEA4D7FD23}"/>
               </a:ext>
             </a:extLst>
           </p:cNvPr>
@@ -15075,7 +16096,7 @@
           <a:p>
             <a:r>
               <a:rPr lang="en-US" dirty="0"/>
-              <a:t>What are word vectors?</a:t>
+              <a:t>How should we represent words?</a:t>
             </a:r>
           </a:p>
         </p:txBody>
@@ -15083,7 +16104,7 @@
     </p:spTree>
     <p:extLst>
       <p:ext uri="{BB962C8B-B14F-4D97-AF65-F5344CB8AC3E}">
-        <p14:creationId xmlns:p14="http://schemas.microsoft.com/office/powerpoint/2010/main" val="3827071561"/>
+        <p14:creationId xmlns:p14="http://schemas.microsoft.com/office/powerpoint/2010/main" val="3701847378"/>
       </p:ext>
     </p:extLst>
   </p:cSld>
@@ -15110,205 +16131,91 @@
           <a:chExt cx="0" cy="0"/>
         </a:xfrm>
       </p:grpSpPr>
-      <p:cxnSp>
-        <p:nvCxnSpPr>
-          <p:cNvPr id="5" name="Straight Arrow Connector 4">
+      <p:sp>
+        <p:nvSpPr>
+          <p:cNvPr id="4" name="Rectangle 3">
             <a:extLst>
               <a:ext uri="{FF2B5EF4-FFF2-40B4-BE49-F238E27FC236}">
-                <a16:creationId xmlns:a16="http://schemas.microsoft.com/office/drawing/2014/main" id="{ED427278-5E4D-4048-A002-5F9555198348}"/>
+                <a16:creationId xmlns:a16="http://schemas.microsoft.com/office/drawing/2014/main" id="{248FA7A2-450E-41E5-8242-BC5934D2B5F6}"/>
               </a:ext>
             </a:extLst>
           </p:cNvPr>
-          <p:cNvCxnSpPr>
-            <a:cxnSpLocks/>
-          </p:cNvCxnSpPr>
+          <p:cNvSpPr/>
           <p:nvPr/>
-        </p:nvCxnSpPr>
+        </p:nvSpPr>
         <p:spPr>
           <a:xfrm>
-            <a:off x="2033221" y="3660588"/>
-            <a:ext cx="7825154" cy="0"/>
+            <a:off x="0" y="6396335"/>
+            <a:ext cx="12103100" cy="307777"/>
           </a:xfrm>
-          <a:prstGeom prst="straightConnector1">
+          <a:prstGeom prst="rect">
             <a:avLst/>
           </a:prstGeom>
-          <a:ln>
-            <a:headEnd type="triangle"/>
-            <a:tailEnd type="triangle"/>
-          </a:ln>
         </p:spPr>
-        <p:style>
-          <a:lnRef idx="1">
-            <a:schemeClr val="dk1"/>
-          </a:lnRef>
-          <a:fillRef idx="0">
-            <a:schemeClr val="dk1"/>
-          </a:fillRef>
-          <a:effectRef idx="0">
-            <a:schemeClr val="dk1"/>
-          </a:effectRef>
-          <a:fontRef idx="minor">
-            <a:schemeClr val="tx1"/>
-          </a:fontRef>
-        </p:style>
-      </p:cxnSp>
-      <p:cxnSp>
-        <p:nvCxnSpPr>
-          <p:cNvPr id="10" name="Straight Arrow Connector 9">
+        <p:txBody>
+          <a:bodyPr wrap="square">
+            <a:spAutoFit/>
+          </a:bodyPr>
+          <a:lstStyle/>
+          <a:p>
+            <a:r>
+              <a:rPr lang="en-US" sz="1400" dirty="0"/>
+              <a:t>https://www.fluentu.com/blog/educator-english/wp-content/uploads/sites/13/2014/11/beginner-esl-vocabulary-how-to-teach-100-words-in-one-lesson.jpg</a:t>
+            </a:r>
+          </a:p>
+        </p:txBody>
+      </p:sp>
+      <p:pic>
+        <p:nvPicPr>
+          <p:cNvPr id="1026" name="Picture 2" descr="https://www.fluentu.com/blog/educator-english/wp-content/uploads/sites/13/2014/11/beginner-esl-vocabulary-how-to-teach-100-words-in-one-lesson.jpg">
             <a:extLst>
               <a:ext uri="{FF2B5EF4-FFF2-40B4-BE49-F238E27FC236}">
-                <a16:creationId xmlns:a16="http://schemas.microsoft.com/office/drawing/2014/main" id="{8196D2F8-2AFF-4FE7-8406-57A0C9190C04}"/>
+                <a16:creationId xmlns:a16="http://schemas.microsoft.com/office/drawing/2014/main" id="{B9308B12-06F5-443E-ACC7-CF0BE2E89ED7}"/>
               </a:ext>
             </a:extLst>
           </p:cNvPr>
-          <p:cNvCxnSpPr>
-            <a:cxnSpLocks/>
-          </p:cNvCxnSpPr>
+          <p:cNvPicPr>
+            <a:picLocks noChangeAspect="1" noChangeArrowheads="1"/>
+          </p:cNvPicPr>
           <p:nvPr/>
-        </p:nvCxnSpPr>
-        <p:spPr>
-          <a:xfrm flipH="1" flipV="1">
-            <a:off x="5600699" y="712233"/>
-            <a:ext cx="11724" cy="5556738"/>
-          </a:xfrm>
-          <a:prstGeom prst="straightConnector1">
-            <a:avLst/>
-          </a:prstGeom>
-          <a:ln>
-            <a:headEnd type="triangle"/>
-            <a:tailEnd type="triangle"/>
-          </a:ln>
-        </p:spPr>
-        <p:style>
-          <a:lnRef idx="1">
-            <a:schemeClr val="dk1"/>
-          </a:lnRef>
-          <a:fillRef idx="0">
-            <a:schemeClr val="dk1"/>
-          </a:fillRef>
-          <a:effectRef idx="0">
-            <a:schemeClr val="dk1"/>
-          </a:effectRef>
-          <a:fontRef idx="minor">
-            <a:schemeClr val="tx1"/>
-          </a:fontRef>
-        </p:style>
-      </p:cxnSp>
-      <p:sp>
-        <p:nvSpPr>
-          <p:cNvPr id="11" name="TextBox 10">
+        </p:nvPicPr>
+        <p:blipFill>
+          <a:blip r:embed="rId3">
             <a:extLst>
-              <a:ext uri="{FF2B5EF4-FFF2-40B4-BE49-F238E27FC236}">
-                <a16:creationId xmlns:a16="http://schemas.microsoft.com/office/drawing/2014/main" id="{06A7D7C6-5712-4FF7-B6F7-60E7BD19E7B4}"/>
+              <a:ext uri="{28A0092B-C50C-407E-A947-70E740481C1C}">
+                <a14:useLocalDpi xmlns:a14="http://schemas.microsoft.com/office/drawing/2010/main" val="0"/>
               </a:ext>
             </a:extLst>
-          </p:cNvPr>
-          <p:cNvSpPr txBox="1"/>
-          <p:nvPr/>
-        </p:nvSpPr>
-        <p:spPr>
+          </a:blip>
+          <a:srcRect/>
+          <a:stretch>
+            <a:fillRect/>
+          </a:stretch>
+        </p:blipFill>
+        <p:spPr bwMode="auto">
           <a:xfrm>
-            <a:off x="5612423" y="5961101"/>
-            <a:ext cx="228600" cy="369332"/>
+            <a:off x="1809750" y="571500"/>
+            <a:ext cx="8572500" cy="5715000"/>
           </a:xfrm>
           <a:prstGeom prst="rect">
             <a:avLst/>
           </a:prstGeom>
           <a:noFill/>
+          <a:extLst>
+            <a:ext uri="{909E8E84-426E-40DD-AFC4-6F175D3DCCD1}">
+              <a14:hiddenFill xmlns:a14="http://schemas.microsoft.com/office/drawing/2010/main">
+                <a:solidFill>
+                  <a:srgbClr val="FFFFFF"/>
+                </a:solidFill>
+              </a14:hiddenFill>
+            </a:ext>
+          </a:extLst>
         </p:spPr>
-        <p:txBody>
-          <a:bodyPr wrap="square" rtlCol="0">
-            <a:spAutoFit/>
-          </a:bodyPr>
-          <a:lstStyle/>
-          <a:p>
-            <a:r>
-              <a:rPr lang="en-US" dirty="0"/>
-              <a:t>x</a:t>
-            </a:r>
-          </a:p>
-        </p:txBody>
-      </p:sp>
-      <p:sp>
-        <p:nvSpPr>
-          <p:cNvPr id="12" name="TextBox 11">
-            <a:extLst>
-              <a:ext uri="{FF2B5EF4-FFF2-40B4-BE49-F238E27FC236}">
-                <a16:creationId xmlns:a16="http://schemas.microsoft.com/office/drawing/2014/main" id="{031D4DF7-9497-4BC5-8ABB-CCFC9C6EAB94}"/>
-              </a:ext>
-            </a:extLst>
-          </p:cNvPr>
-          <p:cNvSpPr txBox="1"/>
-          <p:nvPr/>
-        </p:nvSpPr>
-        <p:spPr>
-          <a:xfrm>
-            <a:off x="2044763" y="3651036"/>
-            <a:ext cx="288862" cy="369332"/>
-          </a:xfrm>
-          <a:prstGeom prst="rect">
-            <a:avLst/>
-          </a:prstGeom>
-          <a:noFill/>
-        </p:spPr>
-        <p:txBody>
-          <a:bodyPr wrap="none" rtlCol="0">
-            <a:spAutoFit/>
-          </a:bodyPr>
-          <a:lstStyle/>
-          <a:p>
-            <a:r>
-              <a:rPr lang="en-US" dirty="0"/>
-              <a:t>y</a:t>
-            </a:r>
-          </a:p>
-        </p:txBody>
-      </p:sp>
-      <p:sp>
-        <p:nvSpPr>
-          <p:cNvPr id="14" name="Title 2">
-            <a:extLst>
-              <a:ext uri="{FF2B5EF4-FFF2-40B4-BE49-F238E27FC236}">
-                <a16:creationId xmlns:a16="http://schemas.microsoft.com/office/drawing/2014/main" id="{FDA6FF14-578C-49AE-A6E2-A4003DD4E66E}"/>
-              </a:ext>
-            </a:extLst>
-          </p:cNvPr>
-          <p:cNvSpPr>
-            <a:spLocks noGrp="1"/>
-          </p:cNvSpPr>
-          <p:nvPr>
-            <p:ph type="title"/>
-          </p:nvPr>
-        </p:nvSpPr>
-        <p:spPr>
-          <a:xfrm>
-            <a:off x="838200" y="365125"/>
-            <a:ext cx="10515600" cy="1325563"/>
-          </a:xfrm>
-        </p:spPr>
-        <p:txBody>
-          <a:bodyPr/>
-          <a:lstStyle/>
-          <a:p>
-            <a:r>
-              <a:rPr lang="en-US" sz="4400" dirty="0"/>
-              <a:t>What</a:t>
-            </a:r>
-            <a:r>
-              <a:rPr lang="en-US" dirty="0"/>
-              <a:t> </a:t>
-            </a:r>
-            <a:r>
-              <a:rPr lang="en-US" sz="4400" dirty="0"/>
-              <a:t>are vectors?</a:t>
-            </a:r>
-          </a:p>
-        </p:txBody>
-      </p:sp>
+      </p:pic>
     </p:spTree>
     <p:extLst>
       <p:ext uri="{BB962C8B-B14F-4D97-AF65-F5344CB8AC3E}">
-        <p14:creationId xmlns:p14="http://schemas.microsoft.com/office/powerpoint/2010/main" val="3825899039"/>
+        <p14:creationId xmlns:p14="http://schemas.microsoft.com/office/powerpoint/2010/main" val="832817667"/>
       </p:ext>
     </p:extLst>
   </p:cSld>
@@ -15319,9 +16226,9 @@
 </file>
 
 <file path=ppt/theme/theme1.xml><?xml version="1.0" encoding="utf-8"?>
-<a:theme xmlns:a="http://schemas.openxmlformats.org/drawingml/2006/main" name="Office Theme">
+<a:theme xmlns:a="http://schemas.openxmlformats.org/drawingml/2006/main" name="Metropolitan">
   <a:themeElements>
-    <a:clrScheme name="Office">
+    <a:clrScheme name="Metropolitan">
       <a:dk1>
         <a:sysClr val="windowText" lastClr="000000"/>
       </a:dk1>
@@ -15329,44 +16236,44 @@
         <a:sysClr val="window" lastClr="FFFFFF"/>
       </a:lt1>
       <a:dk2>
-        <a:srgbClr val="44546A"/>
+        <a:srgbClr val="162F33"/>
       </a:dk2>
       <a:lt2>
-        <a:srgbClr val="E7E6E6"/>
+        <a:srgbClr val="EAF0E0"/>
       </a:lt2>
       <a:accent1>
-        <a:srgbClr val="4472C4"/>
+        <a:srgbClr val="50B4C8"/>
       </a:accent1>
       <a:accent2>
-        <a:srgbClr val="ED7D31"/>
+        <a:srgbClr val="A8B97F"/>
       </a:accent2>
       <a:accent3>
-        <a:srgbClr val="A5A5A5"/>
+        <a:srgbClr val="9B9256"/>
       </a:accent3>
       <a:accent4>
-        <a:srgbClr val="FFC000"/>
+        <a:srgbClr val="657689"/>
       </a:accent4>
       <a:accent5>
-        <a:srgbClr val="5B9BD5"/>
+        <a:srgbClr val="7A855D"/>
       </a:accent5>
       <a:accent6>
-        <a:srgbClr val="70AD47"/>
+        <a:srgbClr val="84AC9D"/>
       </a:accent6>
       <a:hlink>
-        <a:srgbClr val="0563C1"/>
+        <a:srgbClr val="2370CD"/>
       </a:hlink>
       <a:folHlink>
-        <a:srgbClr val="954F72"/>
+        <a:srgbClr val="877589"/>
       </a:folHlink>
     </a:clrScheme>
-    <a:fontScheme name="Office">
+    <a:fontScheme name="Metropolitan">
       <a:majorFont>
         <a:latin typeface="Calibri Light" panose="020F0302020204030204"/>
         <a:ea typeface=""/>
         <a:cs typeface=""/>
-        <a:font script="Jpan" typeface="游ゴシック Light"/>
+        <a:font script="Jpan" typeface="ＭＳ Ｐゴシック"/>
         <a:font script="Hang" typeface="맑은 고딕"/>
-        <a:font script="Hans" typeface="等线 Light"/>
+        <a:font script="Hans" typeface="宋体"/>
         <a:font script="Hant" typeface="新細明體"/>
         <a:font script="Arab" typeface="Times New Roman"/>
         <a:font script="Hebr" typeface="Times New Roman"/>
@@ -15394,39 +16301,22 @@
         <a:font script="Viet" typeface="Times New Roman"/>
         <a:font script="Uigh" typeface="Microsoft Uighur"/>
         <a:font script="Geor" typeface="Sylfaen"/>
-        <a:font script="Armn" typeface="Arial"/>
-        <a:font script="Bugi" typeface="Leelawadee UI"/>
-        <a:font script="Bopo" typeface="Microsoft JhengHei"/>
-        <a:font script="Java" typeface="Javanese Text"/>
-        <a:font script="Lisu" typeface="Segoe UI"/>
-        <a:font script="Mymr" typeface="Myanmar Text"/>
-        <a:font script="Nkoo" typeface="Ebrima"/>
-        <a:font script="Olck" typeface="Nirmala UI"/>
-        <a:font script="Osma" typeface="Ebrima"/>
-        <a:font script="Phag" typeface="Phagspa"/>
-        <a:font script="Syrn" typeface="Estrangelo Edessa"/>
-        <a:font script="Syrj" typeface="Estrangelo Edessa"/>
-        <a:font script="Syre" typeface="Estrangelo Edessa"/>
-        <a:font script="Sora" typeface="Nirmala UI"/>
-        <a:font script="Tale" typeface="Microsoft Tai Le"/>
-        <a:font script="Talu" typeface="Microsoft New Tai Lue"/>
-        <a:font script="Tfng" typeface="Ebrima"/>
       </a:majorFont>
       <a:minorFont>
-        <a:latin typeface="Calibri" panose="020F0502020204030204"/>
+        <a:latin typeface="Calibri Light" panose="020F0302020204030204"/>
         <a:ea typeface=""/>
         <a:cs typeface=""/>
-        <a:font script="Jpan" typeface="游ゴシック"/>
+        <a:font script="Jpan" typeface="ＭＳ Ｐゴシック"/>
         <a:font script="Hang" typeface="맑은 고딕"/>
-        <a:font script="Hans" typeface="等线"/>
+        <a:font script="Hans" typeface="宋体"/>
         <a:font script="Hant" typeface="新細明體"/>
-        <a:font script="Arab" typeface="Arial"/>
-        <a:font script="Hebr" typeface="Arial"/>
-        <a:font script="Thai" typeface="Cordia New"/>
+        <a:font script="Arab" typeface="Times New Roman"/>
+        <a:font script="Hebr" typeface="Times New Roman"/>
+        <a:font script="Thai" typeface="Angsana New"/>
         <a:font script="Ethi" typeface="Nyala"/>
         <a:font script="Beng" typeface="Vrinda"/>
         <a:font script="Gujr" typeface="Shruti"/>
-        <a:font script="Khmr" typeface="DaunPenh"/>
+        <a:font script="Khmr" typeface="MoolBoran"/>
         <a:font script="Knda" typeface="Tunga"/>
         <a:font script="Guru" typeface="Raavi"/>
         <a:font script="Cans" typeface="Euphemia"/>
@@ -15443,29 +16333,12 @@
         <a:font script="Laoo" typeface="DokChampa"/>
         <a:font script="Sinh" typeface="Iskoola Pota"/>
         <a:font script="Mong" typeface="Mongolian Baiti"/>
-        <a:font script="Viet" typeface="Arial"/>
+        <a:font script="Viet" typeface="Times New Roman"/>
         <a:font script="Uigh" typeface="Microsoft Uighur"/>
         <a:font script="Geor" typeface="Sylfaen"/>
-        <a:font script="Armn" typeface="Arial"/>
-        <a:font script="Bugi" typeface="Leelawadee UI"/>
-        <a:font script="Bopo" typeface="Microsoft JhengHei"/>
-        <a:font script="Java" typeface="Javanese Text"/>
-        <a:font script="Lisu" typeface="Segoe UI"/>
-        <a:font script="Mymr" typeface="Myanmar Text"/>
-        <a:font script="Nkoo" typeface="Ebrima"/>
-        <a:font script="Olck" typeface="Nirmala UI"/>
-        <a:font script="Osma" typeface="Ebrima"/>
-        <a:font script="Phag" typeface="Phagspa"/>
-        <a:font script="Syrn" typeface="Estrangelo Edessa"/>
-        <a:font script="Syrj" typeface="Estrangelo Edessa"/>
-        <a:font script="Syre" typeface="Estrangelo Edessa"/>
-        <a:font script="Sora" typeface="Nirmala UI"/>
-        <a:font script="Tale" typeface="Microsoft Tai Le"/>
-        <a:font script="Talu" typeface="Microsoft New Tai Lue"/>
-        <a:font script="Tfng" typeface="Ebrima"/>
       </a:minorFont>
     </a:fontScheme>
-    <a:fmtScheme name="Office">
+    <a:fmtScheme name="Metropolitan">
       <a:fillStyleLst>
         <a:solidFill>
           <a:schemeClr val="phClr"/>
@@ -15474,76 +16347,73 @@
           <a:gsLst>
             <a:gs pos="0">
               <a:schemeClr val="phClr">
+                <a:tint val="70000"/>
+                <a:satMod val="100000"/>
                 <a:lumMod val="110000"/>
-                <a:satMod val="105000"/>
-                <a:tint val="67000"/>
               </a:schemeClr>
             </a:gs>
             <a:gs pos="50000">
               <a:schemeClr val="phClr">
+                <a:tint val="75000"/>
+                <a:satMod val="101000"/>
                 <a:lumMod val="105000"/>
-                <a:satMod val="103000"/>
-                <a:tint val="73000"/>
               </a:schemeClr>
             </a:gs>
             <a:gs pos="100000">
               <a:schemeClr val="phClr">
+                <a:tint val="82000"/>
+                <a:satMod val="104000"/>
                 <a:lumMod val="105000"/>
-                <a:satMod val="109000"/>
-                <a:tint val="81000"/>
               </a:schemeClr>
             </a:gs>
           </a:gsLst>
-          <a:lin ang="5400000" scaled="0"/>
+          <a:lin ang="2700000" scaled="0"/>
         </a:gradFill>
         <a:gradFill rotWithShape="1">
           <a:gsLst>
             <a:gs pos="0">
               <a:schemeClr val="phClr">
-                <a:satMod val="103000"/>
+                <a:tint val="97000"/>
+                <a:satMod val="100000"/>
                 <a:lumMod val="102000"/>
-                <a:tint val="94000"/>
               </a:schemeClr>
             </a:gs>
             <a:gs pos="50000">
               <a:schemeClr val="phClr">
-                <a:satMod val="110000"/>
+                <a:shade val="100000"/>
+                <a:satMod val="100000"/>
                 <a:lumMod val="100000"/>
-                <a:shade val="100000"/>
               </a:schemeClr>
             </a:gs>
             <a:gs pos="100000">
               <a:schemeClr val="phClr">
+                <a:shade val="80000"/>
+                <a:satMod val="100000"/>
                 <a:lumMod val="99000"/>
-                <a:satMod val="120000"/>
-                <a:shade val="78000"/>
               </a:schemeClr>
             </a:gs>
           </a:gsLst>
-          <a:lin ang="5400000" scaled="0"/>
+          <a:lin ang="2700000" scaled="0"/>
         </a:gradFill>
       </a:fillStyleLst>
       <a:lnStyleLst>
-        <a:ln w="6350" cap="flat" cmpd="sng" algn="ctr">
+        <a:ln w="9525" cap="flat" cmpd="sng" algn="ctr">
           <a:solidFill>
             <a:schemeClr val="phClr"/>
           </a:solidFill>
           <a:prstDash val="solid"/>
-          <a:miter lim="800000"/>
         </a:ln>
         <a:ln w="12700" cap="flat" cmpd="sng" algn="ctr">
           <a:solidFill>
             <a:schemeClr val="phClr"/>
           </a:solidFill>
           <a:prstDash val="solid"/>
-          <a:miter lim="800000"/>
         </a:ln>
         <a:ln w="19050" cap="flat" cmpd="sng" algn="ctr">
           <a:solidFill>
             <a:schemeClr val="phClr"/>
           </a:solidFill>
           <a:prstDash val="solid"/>
-          <a:miter lim="800000"/>
         </a:ln>
       </a:lnStyleLst>
       <a:effectStyleLst>
@@ -15573,33 +16443,12 @@
             <a:satMod val="170000"/>
           </a:schemeClr>
         </a:solidFill>
-        <a:gradFill rotWithShape="1">
-          <a:gsLst>
-            <a:gs pos="0">
-              <a:schemeClr val="phClr">
-                <a:tint val="93000"/>
-                <a:satMod val="150000"/>
-                <a:shade val="98000"/>
-                <a:lumMod val="102000"/>
-              </a:schemeClr>
-            </a:gs>
-            <a:gs pos="50000">
-              <a:schemeClr val="phClr">
-                <a:tint val="98000"/>
-                <a:satMod val="130000"/>
-                <a:shade val="90000"/>
-                <a:lumMod val="103000"/>
-              </a:schemeClr>
-            </a:gs>
-            <a:gs pos="100000">
-              <a:schemeClr val="phClr">
-                <a:shade val="63000"/>
-                <a:satMod val="120000"/>
-              </a:schemeClr>
-            </a:gs>
-          </a:gsLst>
-          <a:lin ang="5400000" scaled="0"/>
-        </a:gradFill>
+        <a:solidFill>
+          <a:schemeClr val="phClr">
+            <a:shade val="95000"/>
+            <a:satMod val="170000"/>
+          </a:schemeClr>
+        </a:solidFill>
       </a:bgFillStyleLst>
     </a:fmtScheme>
   </a:themeElements>
@@ -15607,7 +16456,7 @@
   <a:extraClrSchemeLst/>
   <a:extLst>
     <a:ext uri="{05A4C25C-085E-4340-85A3-A5531E510DB2}">
-      <thm15:themeFamily xmlns:thm15="http://schemas.microsoft.com/office/thememl/2012/main" name="Office Theme" id="{62F939B6-93AF-4DB8-9C6B-D6C7DFDC589F}" vid="{4A3C46E8-61CC-4603-A589-7422A47A8E4A}"/>
+      <thm15:themeFamily xmlns:thm15="http://schemas.microsoft.com/office/thememl/2012/main" name="Metropolitan" id="{4C5440D6-04D2-4954-96CF-F251137069B2}" vid="{79CFCA13-9412-4290-BB4B-85112F88857B}"/>
     </a:ext>
   </a:extLst>
 </a:theme>

--- a/Slides/Week2_NLP_WordVectors.pptx
+++ b/Slides/Week2_NLP_WordVectors.pptx
@@ -5,52 +5,54 @@
     <p:sldMasterId id="2147483660" r:id="rId1"/>
   </p:sldMasterIdLst>
   <p:notesMasterIdLst>
-    <p:notesMasterId r:id="rId45"/>
+    <p:notesMasterId r:id="rId47"/>
   </p:notesMasterIdLst>
   <p:sldIdLst>
     <p:sldId id="256" r:id="rId2"/>
     <p:sldId id="306" r:id="rId3"/>
     <p:sldId id="307" r:id="rId4"/>
-    <p:sldId id="311" r:id="rId5"/>
-    <p:sldId id="308" r:id="rId6"/>
-    <p:sldId id="309" r:id="rId7"/>
-    <p:sldId id="310" r:id="rId8"/>
-    <p:sldId id="270" r:id="rId9"/>
-    <p:sldId id="257" r:id="rId10"/>
-    <p:sldId id="258" r:id="rId11"/>
-    <p:sldId id="265" r:id="rId12"/>
-    <p:sldId id="266" r:id="rId13"/>
-    <p:sldId id="264" r:id="rId14"/>
-    <p:sldId id="271" r:id="rId15"/>
-    <p:sldId id="276" r:id="rId16"/>
-    <p:sldId id="277" r:id="rId17"/>
-    <p:sldId id="278" r:id="rId18"/>
-    <p:sldId id="281" r:id="rId19"/>
-    <p:sldId id="284" r:id="rId20"/>
-    <p:sldId id="285" r:id="rId21"/>
-    <p:sldId id="283" r:id="rId22"/>
-    <p:sldId id="287" r:id="rId23"/>
-    <p:sldId id="280" r:id="rId24"/>
-    <p:sldId id="286" r:id="rId25"/>
-    <p:sldId id="292" r:id="rId26"/>
-    <p:sldId id="288" r:id="rId27"/>
-    <p:sldId id="289" r:id="rId28"/>
-    <p:sldId id="268" r:id="rId29"/>
-    <p:sldId id="260" r:id="rId30"/>
-    <p:sldId id="269" r:id="rId31"/>
-    <p:sldId id="290" r:id="rId32"/>
-    <p:sldId id="291" r:id="rId33"/>
-    <p:sldId id="293" r:id="rId34"/>
-    <p:sldId id="294" r:id="rId35"/>
-    <p:sldId id="295" r:id="rId36"/>
-    <p:sldId id="305" r:id="rId37"/>
-    <p:sldId id="296" r:id="rId38"/>
-    <p:sldId id="299" r:id="rId39"/>
-    <p:sldId id="298" r:id="rId40"/>
-    <p:sldId id="301" r:id="rId41"/>
-    <p:sldId id="304" r:id="rId42"/>
-    <p:sldId id="302" r:id="rId43"/>
-    <p:sldId id="303" r:id="rId44"/>
+    <p:sldId id="308" r:id="rId5"/>
+    <p:sldId id="309" r:id="rId6"/>
+    <p:sldId id="310" r:id="rId7"/>
+    <p:sldId id="270" r:id="rId8"/>
+    <p:sldId id="257" r:id="rId9"/>
+    <p:sldId id="258" r:id="rId10"/>
+    <p:sldId id="265" r:id="rId11"/>
+    <p:sldId id="266" r:id="rId12"/>
+    <p:sldId id="264" r:id="rId13"/>
+    <p:sldId id="271" r:id="rId14"/>
+    <p:sldId id="276" r:id="rId15"/>
+    <p:sldId id="277" r:id="rId16"/>
+    <p:sldId id="278" r:id="rId17"/>
+    <p:sldId id="281" r:id="rId18"/>
+    <p:sldId id="284" r:id="rId19"/>
+    <p:sldId id="285" r:id="rId20"/>
+    <p:sldId id="283" r:id="rId21"/>
+    <p:sldId id="287" r:id="rId22"/>
+    <p:sldId id="280" r:id="rId23"/>
+    <p:sldId id="286" r:id="rId24"/>
+    <p:sldId id="292" r:id="rId25"/>
+    <p:sldId id="288" r:id="rId26"/>
+    <p:sldId id="289" r:id="rId27"/>
+    <p:sldId id="268" r:id="rId28"/>
+    <p:sldId id="260" r:id="rId29"/>
+    <p:sldId id="269" r:id="rId30"/>
+    <p:sldId id="290" r:id="rId31"/>
+    <p:sldId id="291" r:id="rId32"/>
+    <p:sldId id="293" r:id="rId33"/>
+    <p:sldId id="294" r:id="rId34"/>
+    <p:sldId id="295" r:id="rId35"/>
+    <p:sldId id="305" r:id="rId36"/>
+    <p:sldId id="296" r:id="rId37"/>
+    <p:sldId id="299" r:id="rId38"/>
+    <p:sldId id="298" r:id="rId39"/>
+    <p:sldId id="301" r:id="rId40"/>
+    <p:sldId id="304" r:id="rId41"/>
+    <p:sldId id="302" r:id="rId42"/>
+    <p:sldId id="303" r:id="rId43"/>
+    <p:sldId id="312" r:id="rId44"/>
+    <p:sldId id="313" r:id="rId45"/>
+    <p:sldId id="314" r:id="rId46"/>
   </p:sldIdLst>
   <p:sldSz cx="12192000" cy="6858000"/>
   <p:notesSz cx="6858000" cy="9144000"/>
@@ -239,7 +241,7 @@
           <a:p>
             <a:fld id="{2CF7129A-42D2-4107-AFD2-42C1B53D3C94}" type="datetimeFigureOut">
               <a:rPr lang="en-US" smtClean="0"/>
-              <a:t>8/4/2018</a:t>
+              <a:t>8/7/2018</a:t>
             </a:fld>
             <a:endParaRPr lang="en-US"/>
           </a:p>
@@ -574,7 +576,7 @@
           <a:p>
             <a:fld id="{DF6782E4-3DE9-4A33-95B7-0D38CAA84401}" type="slidenum">
               <a:rPr lang="en-US" smtClean="0"/>
-              <a:t>9</a:t>
+              <a:t>8</a:t>
             </a:fld>
             <a:endParaRPr lang="en-US"/>
           </a:p>
@@ -661,7 +663,7 @@
           <a:p>
             <a:fld id="{DF6782E4-3DE9-4A33-95B7-0D38CAA84401}" type="slidenum">
               <a:rPr lang="en-US" smtClean="0"/>
-              <a:t>23</a:t>
+              <a:t>22</a:t>
             </a:fld>
             <a:endParaRPr lang="en-US"/>
           </a:p>
@@ -748,7 +750,7 @@
           <a:p>
             <a:fld id="{DF6782E4-3DE9-4A33-95B7-0D38CAA84401}" type="slidenum">
               <a:rPr lang="en-US" smtClean="0"/>
-              <a:t>24</a:t>
+              <a:t>23</a:t>
             </a:fld>
             <a:endParaRPr lang="en-US"/>
           </a:p>
@@ -835,7 +837,7 @@
           <a:p>
             <a:fld id="{DF6782E4-3DE9-4A33-95B7-0D38CAA84401}" type="slidenum">
               <a:rPr lang="en-US" smtClean="0"/>
-              <a:t>25</a:t>
+              <a:t>24</a:t>
             </a:fld>
             <a:endParaRPr lang="en-US"/>
           </a:p>
@@ -922,7 +924,7 @@
           <a:p>
             <a:fld id="{DF6782E4-3DE9-4A33-95B7-0D38CAA84401}" type="slidenum">
               <a:rPr lang="en-US" smtClean="0"/>
-              <a:t>28</a:t>
+              <a:t>27</a:t>
             </a:fld>
             <a:endParaRPr lang="en-US"/>
           </a:p>
@@ -1009,7 +1011,7 @@
           <a:p>
             <a:fld id="{DF6782E4-3DE9-4A33-95B7-0D38CAA84401}" type="slidenum">
               <a:rPr lang="en-US" smtClean="0"/>
-              <a:t>29</a:t>
+              <a:t>28</a:t>
             </a:fld>
             <a:endParaRPr lang="en-US"/>
           </a:p>
@@ -1096,7 +1098,7 @@
           <a:p>
             <a:fld id="{DF6782E4-3DE9-4A33-95B7-0D38CAA84401}" type="slidenum">
               <a:rPr lang="en-US" smtClean="0"/>
-              <a:t>30</a:t>
+              <a:t>29</a:t>
             </a:fld>
             <a:endParaRPr lang="en-US"/>
           </a:p>
@@ -1183,7 +1185,7 @@
           <a:p>
             <a:fld id="{DF6782E4-3DE9-4A33-95B7-0D38CAA84401}" type="slidenum">
               <a:rPr lang="en-US" smtClean="0"/>
-              <a:t>33</a:t>
+              <a:t>32</a:t>
             </a:fld>
             <a:endParaRPr lang="en-US"/>
           </a:p>
@@ -1270,7 +1272,7 @@
           <a:p>
             <a:fld id="{DF6782E4-3DE9-4A33-95B7-0D38CAA84401}" type="slidenum">
               <a:rPr lang="en-US" smtClean="0"/>
-              <a:t>34</a:t>
+              <a:t>33</a:t>
             </a:fld>
             <a:endParaRPr lang="en-US"/>
           </a:p>
@@ -1357,7 +1359,7 @@
           <a:p>
             <a:fld id="{DF6782E4-3DE9-4A33-95B7-0D38CAA84401}" type="slidenum">
               <a:rPr lang="en-US" smtClean="0"/>
-              <a:t>35</a:t>
+              <a:t>34</a:t>
             </a:fld>
             <a:endParaRPr lang="en-US"/>
           </a:p>
@@ -1458,7 +1460,7 @@
           <a:p>
             <a:fld id="{DF6782E4-3DE9-4A33-95B7-0D38CAA84401}" type="slidenum">
               <a:rPr lang="en-US" smtClean="0"/>
-              <a:t>36</a:t>
+              <a:t>35</a:t>
             </a:fld>
             <a:endParaRPr lang="en-US"/>
           </a:p>
@@ -1545,7 +1547,7 @@
           <a:p>
             <a:fld id="{DF6782E4-3DE9-4A33-95B7-0D38CAA84401}" type="slidenum">
               <a:rPr lang="en-US" smtClean="0"/>
-              <a:t>10</a:t>
+              <a:t>9</a:t>
             </a:fld>
             <a:endParaRPr lang="en-US"/>
           </a:p>
@@ -1632,7 +1634,7 @@
           <a:p>
             <a:fld id="{DF6782E4-3DE9-4A33-95B7-0D38CAA84401}" type="slidenum">
               <a:rPr lang="en-US" smtClean="0"/>
-              <a:t>38</a:t>
+              <a:t>37</a:t>
             </a:fld>
             <a:endParaRPr lang="en-US"/>
           </a:p>
@@ -1719,7 +1721,7 @@
           <a:p>
             <a:fld id="{DF6782E4-3DE9-4A33-95B7-0D38CAA84401}" type="slidenum">
               <a:rPr lang="en-US" smtClean="0"/>
-              <a:t>39</a:t>
+              <a:t>38</a:t>
             </a:fld>
             <a:endParaRPr lang="en-US"/>
           </a:p>
@@ -1806,7 +1808,7 @@
           <a:p>
             <a:fld id="{DF6782E4-3DE9-4A33-95B7-0D38CAA84401}" type="slidenum">
               <a:rPr lang="en-US" smtClean="0"/>
-              <a:t>40</a:t>
+              <a:t>39</a:t>
             </a:fld>
             <a:endParaRPr lang="en-US"/>
           </a:p>
@@ -1915,7 +1917,7 @@
           <a:p>
             <a:fld id="{DF6782E4-3DE9-4A33-95B7-0D38CAA84401}" type="slidenum">
               <a:rPr lang="en-US" smtClean="0"/>
-              <a:t>11</a:t>
+              <a:t>10</a:t>
             </a:fld>
             <a:endParaRPr lang="en-US"/>
           </a:p>
@@ -2024,7 +2026,7 @@
           <a:p>
             <a:fld id="{DF6782E4-3DE9-4A33-95B7-0D38CAA84401}" type="slidenum">
               <a:rPr lang="en-US" smtClean="0"/>
-              <a:t>12</a:t>
+              <a:t>11</a:t>
             </a:fld>
             <a:endParaRPr lang="en-US"/>
           </a:p>
@@ -2133,7 +2135,7 @@
           <a:p>
             <a:fld id="{DF6782E4-3DE9-4A33-95B7-0D38CAA84401}" type="slidenum">
               <a:rPr lang="en-US" smtClean="0"/>
-              <a:t>13</a:t>
+              <a:t>12</a:t>
             </a:fld>
             <a:endParaRPr lang="en-US"/>
           </a:p>
@@ -2220,7 +2222,7 @@
           <a:p>
             <a:fld id="{DF6782E4-3DE9-4A33-95B7-0D38CAA84401}" type="slidenum">
               <a:rPr lang="en-US" smtClean="0"/>
-              <a:t>15</a:t>
+              <a:t>14</a:t>
             </a:fld>
             <a:endParaRPr lang="en-US"/>
           </a:p>
@@ -2307,7 +2309,7 @@
           <a:p>
             <a:fld id="{DF6782E4-3DE9-4A33-95B7-0D38CAA84401}" type="slidenum">
               <a:rPr lang="en-US" smtClean="0"/>
-              <a:t>16</a:t>
+              <a:t>15</a:t>
             </a:fld>
             <a:endParaRPr lang="en-US"/>
           </a:p>
@@ -2394,7 +2396,7 @@
           <a:p>
             <a:fld id="{DF6782E4-3DE9-4A33-95B7-0D38CAA84401}" type="slidenum">
               <a:rPr lang="en-US" smtClean="0"/>
-              <a:t>17</a:t>
+              <a:t>16</a:t>
             </a:fld>
             <a:endParaRPr lang="en-US"/>
           </a:p>
@@ -2481,7 +2483,7 @@
           <a:p>
             <a:fld id="{DF6782E4-3DE9-4A33-95B7-0D38CAA84401}" type="slidenum">
               <a:rPr lang="en-US" smtClean="0"/>
-              <a:t>18</a:t>
+              <a:t>17</a:t>
             </a:fld>
             <a:endParaRPr lang="en-US"/>
           </a:p>
@@ -2700,7 +2702,7 @@
           <a:p>
             <a:fld id="{A068D8EE-E370-4327-AEA9-9F3E26790199}" type="datetimeFigureOut">
               <a:rPr lang="en-US" smtClean="0"/>
-              <a:t>8/4/2018</a:t>
+              <a:t>8/7/2018</a:t>
             </a:fld>
             <a:endParaRPr lang="en-US"/>
           </a:p>
@@ -2890,7 +2892,7 @@
           <a:p>
             <a:fld id="{A068D8EE-E370-4327-AEA9-9F3E26790199}" type="datetimeFigureOut">
               <a:rPr lang="en-US" smtClean="0"/>
-              <a:t>8/4/2018</a:t>
+              <a:t>8/7/2018</a:t>
             </a:fld>
             <a:endParaRPr lang="en-US"/>
           </a:p>
@@ -3070,7 +3072,7 @@
           <a:p>
             <a:fld id="{A068D8EE-E370-4327-AEA9-9F3E26790199}" type="datetimeFigureOut">
               <a:rPr lang="en-US" smtClean="0"/>
-              <a:t>8/4/2018</a:t>
+              <a:t>8/7/2018</a:t>
             </a:fld>
             <a:endParaRPr lang="en-US"/>
           </a:p>
@@ -3240,7 +3242,7 @@
           <a:p>
             <a:fld id="{A068D8EE-E370-4327-AEA9-9F3E26790199}" type="datetimeFigureOut">
               <a:rPr lang="en-US" smtClean="0"/>
-              <a:t>8/4/2018</a:t>
+              <a:t>8/7/2018</a:t>
             </a:fld>
             <a:endParaRPr lang="en-US"/>
           </a:p>
@@ -3496,7 +3498,7 @@
           <a:p>
             <a:fld id="{A068D8EE-E370-4327-AEA9-9F3E26790199}" type="datetimeFigureOut">
               <a:rPr lang="en-US" smtClean="0"/>
-              <a:t>8/4/2018</a:t>
+              <a:t>8/7/2018</a:t>
             </a:fld>
             <a:endParaRPr lang="en-US"/>
           </a:p>
@@ -3784,7 +3786,7 @@
           <a:p>
             <a:fld id="{A068D8EE-E370-4327-AEA9-9F3E26790199}" type="datetimeFigureOut">
               <a:rPr lang="en-US" smtClean="0"/>
-              <a:t>8/4/2018</a:t>
+              <a:t>8/7/2018</a:t>
             </a:fld>
             <a:endParaRPr lang="en-US"/>
           </a:p>
@@ -4222,7 +4224,7 @@
           <a:p>
             <a:fld id="{A068D8EE-E370-4327-AEA9-9F3E26790199}" type="datetimeFigureOut">
               <a:rPr lang="en-US" smtClean="0"/>
-              <a:t>8/4/2018</a:t>
+              <a:t>8/7/2018</a:t>
             </a:fld>
             <a:endParaRPr lang="en-US"/>
           </a:p>
@@ -4340,7 +4342,7 @@
           <a:p>
             <a:fld id="{A068D8EE-E370-4327-AEA9-9F3E26790199}" type="datetimeFigureOut">
               <a:rPr lang="en-US" smtClean="0"/>
-              <a:t>8/4/2018</a:t>
+              <a:t>8/7/2018</a:t>
             </a:fld>
             <a:endParaRPr lang="en-US"/>
           </a:p>
@@ -4435,7 +4437,7 @@
           <a:p>
             <a:fld id="{A068D8EE-E370-4327-AEA9-9F3E26790199}" type="datetimeFigureOut">
               <a:rPr lang="en-US" smtClean="0"/>
-              <a:t>8/4/2018</a:t>
+              <a:t>8/7/2018</a:t>
             </a:fld>
             <a:endParaRPr lang="en-US"/>
           </a:p>
@@ -4791,7 +4793,7 @@
           <a:p>
             <a:fld id="{A068D8EE-E370-4327-AEA9-9F3E26790199}" type="datetimeFigureOut">
               <a:rPr lang="en-US" smtClean="0"/>
-              <a:t>8/4/2018</a:t>
+              <a:t>8/7/2018</a:t>
             </a:fld>
             <a:endParaRPr lang="en-US"/>
           </a:p>
@@ -5107,7 +5109,7 @@
           <a:p>
             <a:fld id="{A068D8EE-E370-4327-AEA9-9F3E26790199}" type="datetimeFigureOut">
               <a:rPr lang="en-US" smtClean="0"/>
-              <a:t>8/4/2018</a:t>
+              <a:t>8/7/2018</a:t>
             </a:fld>
             <a:endParaRPr lang="en-US"/>
           </a:p>
@@ -5340,7 +5342,7 @@
           <a:p>
             <a:fld id="{A068D8EE-E370-4327-AEA9-9F3E26790199}" type="datetimeFigureOut">
               <a:rPr lang="en-US" smtClean="0"/>
-              <a:t>8/4/2018</a:t>
+              <a:t>8/7/2018</a:t>
             </a:fld>
             <a:endParaRPr lang="en-US"/>
           </a:p>
@@ -5862,198 +5864,81 @@
           <a:chExt cx="0" cy="0"/>
         </a:xfrm>
       </p:grpSpPr>
-      <p:pic>
-        <p:nvPicPr>
-          <p:cNvPr id="2050" name="Picture 2" descr="https://foodscapesbristol.files.wordpress.com/2013/07/day-5.jpg">
+      <p:sp>
+        <p:nvSpPr>
+          <p:cNvPr id="6" name="Title 5">
             <a:extLst>
               <a:ext uri="{FF2B5EF4-FFF2-40B4-BE49-F238E27FC236}">
-                <a16:creationId xmlns:a16="http://schemas.microsoft.com/office/drawing/2014/main" id="{DA828E97-8383-4F89-8CFA-8686D023A057}"/>
+                <a16:creationId xmlns:a16="http://schemas.microsoft.com/office/drawing/2014/main" id="{5ABAC8C4-8A76-48EA-8D04-10A95EFFA76F}"/>
               </a:ext>
             </a:extLst>
           </p:cNvPr>
-          <p:cNvPicPr>
-            <a:picLocks noChangeAspect="1" noChangeArrowheads="1"/>
-          </p:cNvPicPr>
-          <p:nvPr/>
-        </p:nvPicPr>
-        <p:blipFill>
-          <a:blip r:embed="rId3">
-            <a:extLst>
-              <a:ext uri="{28A0092B-C50C-407E-A947-70E740481C1C}">
-                <a14:useLocalDpi xmlns:a14="http://schemas.microsoft.com/office/drawing/2010/main" val="0"/>
-              </a:ext>
-            </a:extLst>
-          </a:blip>
-          <a:srcRect/>
-          <a:stretch>
-            <a:fillRect/>
-          </a:stretch>
-        </p:blipFill>
-        <p:spPr bwMode="auto">
-          <a:xfrm>
-            <a:off x="422369" y="632413"/>
-            <a:ext cx="4363531" cy="2770496"/>
-          </a:xfrm>
-          <a:prstGeom prst="rect">
-            <a:avLst/>
-          </a:prstGeom>
-          <a:noFill/>
-          <a:extLst>
-            <a:ext uri="{909E8E84-426E-40DD-AFC4-6F175D3DCCD1}">
-              <a14:hiddenFill xmlns:a14="http://schemas.microsoft.com/office/drawing/2010/main">
-                <a:solidFill>
-                  <a:srgbClr val="FFFFFF"/>
-                </a:solidFill>
-              </a14:hiddenFill>
-            </a:ext>
-          </a:extLst>
-        </p:spPr>
-      </p:pic>
-      <p:sp>
-        <p:nvSpPr>
-          <p:cNvPr id="4" name="TextBox 3">
-            <a:extLst>
-              <a:ext uri="{FF2B5EF4-FFF2-40B4-BE49-F238E27FC236}">
-                <a16:creationId xmlns:a16="http://schemas.microsoft.com/office/drawing/2014/main" id="{0D6D40C7-1258-4A82-8CDB-F09C822E4515}"/>
-              </a:ext>
-            </a:extLst>
-          </p:cNvPr>
-          <p:cNvSpPr txBox="1"/>
-          <p:nvPr/>
+          <p:cNvSpPr>
+            <a:spLocks noGrp="1"/>
+          </p:cNvSpPr>
+          <p:nvPr>
+            <p:ph type="title"/>
+          </p:nvPr>
         </p:nvSpPr>
         <p:spPr>
           <a:xfrm>
-            <a:off x="26877" y="6156065"/>
-            <a:ext cx="7779224" cy="738664"/>
+            <a:off x="838200" y="2766218"/>
+            <a:ext cx="10515600" cy="1325563"/>
           </a:xfrm>
-          <a:prstGeom prst="rect">
-            <a:avLst/>
-          </a:prstGeom>
-          <a:noFill/>
         </p:spPr>
         <p:txBody>
-          <a:bodyPr wrap="square" rtlCol="0">
-            <a:spAutoFit/>
+          <a:bodyPr>
+            <a:normAutofit fontScale="90000"/>
           </a:bodyPr>
           <a:lstStyle/>
           <a:p>
             <a:r>
-              <a:rPr lang="en-US" sz="1400" dirty="0"/>
-              <a:t>https://foodscapesbristol.files.wordpress.com/2013/07/day-5.jpg</a:t>
-            </a:r>
-          </a:p>
-          <a:p>
-            <a:r>
-              <a:rPr lang="en-US" sz="1400" dirty="0"/>
-              <a:t>https://antarasdiary.com/30-brilliant-typography-inspirations-featuring-the-word-summer/</a:t>
-            </a:r>
-          </a:p>
-          <a:p>
-            <a:r>
-              <a:rPr lang="en-US" sz="1400" dirty="0"/>
-              <a:t>https://www.canstockphoto.com/music-word-cloud-34509746.html</a:t>
-            </a:r>
-          </a:p>
-        </p:txBody>
-      </p:sp>
-      <p:pic>
-        <p:nvPicPr>
-          <p:cNvPr id="2052" name="Picture 4" descr="Bildergebnis fÃ¼r word cloud summer">
-            <a:extLst>
-              <a:ext uri="{FF2B5EF4-FFF2-40B4-BE49-F238E27FC236}">
-                <a16:creationId xmlns:a16="http://schemas.microsoft.com/office/drawing/2014/main" id="{1C289106-4E92-4B50-AB59-B5FE3FEFAFBF}"/>
-              </a:ext>
-            </a:extLst>
-          </p:cNvPr>
-          <p:cNvPicPr>
-            <a:picLocks noChangeAspect="1" noChangeArrowheads="1"/>
-          </p:cNvPicPr>
-          <p:nvPr/>
-        </p:nvPicPr>
-        <p:blipFill>
-          <a:blip r:embed="rId4">
-            <a:extLst>
-              <a:ext uri="{28A0092B-C50C-407E-A947-70E740481C1C}">
-                <a14:useLocalDpi xmlns:a14="http://schemas.microsoft.com/office/drawing/2010/main" val="0"/>
-              </a:ext>
-            </a:extLst>
-          </a:blip>
-          <a:srcRect/>
-          <a:stretch>
-            <a:fillRect/>
-          </a:stretch>
-        </p:blipFill>
-        <p:spPr bwMode="auto">
-          <a:xfrm>
-            <a:off x="6553485" y="126162"/>
-            <a:ext cx="4762500" cy="3362325"/>
-          </a:xfrm>
-          <a:prstGeom prst="rect">
-            <a:avLst/>
-          </a:prstGeom>
-          <a:noFill/>
-          <a:extLst>
-            <a:ext uri="{909E8E84-426E-40DD-AFC4-6F175D3DCCD1}">
-              <a14:hiddenFill xmlns:a14="http://schemas.microsoft.com/office/drawing/2010/main">
+              <a:rPr lang="en-US" dirty="0"/>
+              <a:t>To communicate this information to computers…</a:t>
+            </a:r>
+            <a:br>
+              <a:rPr lang="en-US" dirty="0"/>
+            </a:br>
+            <a:br>
+              <a:rPr lang="en-US" dirty="0"/>
+            </a:br>
+            <a:r>
+              <a:rPr lang="en-US" dirty="0">
                 <a:solidFill>
-                  <a:srgbClr val="FFFFFF"/>
+                  <a:schemeClr val="bg1"/>
                 </a:solidFill>
-              </a14:hiddenFill>
-            </a:ext>
-          </a:extLst>
-        </p:spPr>
-      </p:pic>
-      <p:pic>
-        <p:nvPicPr>
-          <p:cNvPr id="2054" name="Picture 6" descr="Bildergebnis fÃ¼r word cloud music">
-            <a:extLst>
-              <a:ext uri="{FF2B5EF4-FFF2-40B4-BE49-F238E27FC236}">
-                <a16:creationId xmlns:a16="http://schemas.microsoft.com/office/drawing/2014/main" id="{671A95D2-76F7-4383-AAFA-E994EFB78205}"/>
-              </a:ext>
-            </a:extLst>
-          </p:cNvPr>
-          <p:cNvPicPr>
-            <a:picLocks noChangeAspect="1" noChangeArrowheads="1"/>
-          </p:cNvPicPr>
-          <p:nvPr/>
-        </p:nvPicPr>
-        <p:blipFill>
-          <a:blip r:embed="rId5">
-            <a:extLst>
-              <a:ext uri="{28A0092B-C50C-407E-A947-70E740481C1C}">
-                <a14:useLocalDpi xmlns:a14="http://schemas.microsoft.com/office/drawing/2010/main" val="0"/>
-              </a:ext>
-            </a:extLst>
-          </a:blip>
-          <a:srcRect/>
-          <a:stretch>
-            <a:fillRect/>
-          </a:stretch>
-        </p:blipFill>
-        <p:spPr bwMode="auto">
-          <a:xfrm>
-            <a:off x="3916489" y="3488487"/>
-            <a:ext cx="3712609" cy="2667578"/>
-          </a:xfrm>
-          <a:prstGeom prst="rect">
-            <a:avLst/>
-          </a:prstGeom>
-          <a:noFill/>
-          <a:extLst>
-            <a:ext uri="{909E8E84-426E-40DD-AFC4-6F175D3DCCD1}">
-              <a14:hiddenFill xmlns:a14="http://schemas.microsoft.com/office/drawing/2010/main">
+              </a:rPr>
+              <a:t>quantitatively represent words,</a:t>
+            </a:r>
+            <a:br>
+              <a:rPr lang="en-US" dirty="0">
                 <a:solidFill>
-                  <a:srgbClr val="FFFFFF"/>
+                  <a:schemeClr val="bg1"/>
                 </a:solidFill>
-              </a14:hiddenFill>
-            </a:ext>
-          </a:extLst>
-        </p:spPr>
-      </p:pic>
+              </a:rPr>
+            </a:br>
+            <a:br>
+              <a:rPr lang="en-US" dirty="0">
+                <a:solidFill>
+                  <a:schemeClr val="bg1"/>
+                </a:solidFill>
+              </a:rPr>
+            </a:br>
+            <a:r>
+              <a:rPr lang="en-US" dirty="0">
+                <a:solidFill>
+                  <a:schemeClr val="bg1"/>
+                </a:solidFill>
+              </a:rPr>
+              <a:t>where more similar words have similar representations</a:t>
+            </a:r>
+          </a:p>
+        </p:txBody>
+      </p:sp>
     </p:spTree>
     <p:extLst>
       <p:ext uri="{BB962C8B-B14F-4D97-AF65-F5344CB8AC3E}">
-        <p14:creationId xmlns:p14="http://schemas.microsoft.com/office/powerpoint/2010/main" val="1121356428"/>
+        <p14:creationId xmlns:p14="http://schemas.microsoft.com/office/powerpoint/2010/main" val="2290442497"/>
       </p:ext>
     </p:extLst>
   </p:cSld>
@@ -6119,26 +6004,14 @@
               <a:rPr lang="en-US" dirty="0"/>
             </a:br>
             <a:r>
-              <a:rPr lang="en-US" dirty="0">
-                <a:solidFill>
-                  <a:schemeClr val="bg1"/>
-                </a:solidFill>
-              </a:rPr>
+              <a:rPr lang="en-US" dirty="0"/>
               <a:t>quantitatively represent words,</a:t>
             </a:r>
             <a:br>
-              <a:rPr lang="en-US" dirty="0">
-                <a:solidFill>
-                  <a:schemeClr val="bg1"/>
-                </a:solidFill>
-              </a:rPr>
+              <a:rPr lang="en-US" dirty="0"/>
             </a:br>
             <a:br>
-              <a:rPr lang="en-US" dirty="0">
-                <a:solidFill>
-                  <a:schemeClr val="bg1"/>
-                </a:solidFill>
-              </a:rPr>
+              <a:rPr lang="en-US" dirty="0"/>
             </a:br>
             <a:r>
               <a:rPr lang="en-US" dirty="0">
@@ -6154,7 +6027,7 @@
     </p:spTree>
     <p:extLst>
       <p:ext uri="{BB962C8B-B14F-4D97-AF65-F5344CB8AC3E}">
-        <p14:creationId xmlns:p14="http://schemas.microsoft.com/office/powerpoint/2010/main" val="2290442497"/>
+        <p14:creationId xmlns:p14="http://schemas.microsoft.com/office/powerpoint/2010/main" val="3225832202"/>
       </p:ext>
     </p:extLst>
   </p:cSld>
@@ -6230,11 +6103,7 @@
               <a:rPr lang="en-US" dirty="0"/>
             </a:br>
             <a:r>
-              <a:rPr lang="en-US" dirty="0">
-                <a:solidFill>
-                  <a:schemeClr val="bg1"/>
-                </a:solidFill>
-              </a:rPr>
+              <a:rPr lang="en-US" dirty="0"/>
               <a:t>where more similar words have similar representations</a:t>
             </a:r>
           </a:p>
@@ -6243,7 +6112,7 @@
     </p:spTree>
     <p:extLst>
       <p:ext uri="{BB962C8B-B14F-4D97-AF65-F5344CB8AC3E}">
-        <p14:creationId xmlns:p14="http://schemas.microsoft.com/office/powerpoint/2010/main" val="3225832202"/>
+        <p14:creationId xmlns:p14="http://schemas.microsoft.com/office/powerpoint/2010/main" val="1195266368"/>
       </p:ext>
     </p:extLst>
   </p:cSld>
@@ -6272,10 +6141,10 @@
       </p:grpSpPr>
       <p:sp>
         <p:nvSpPr>
-          <p:cNvPr id="6" name="Title 5">
+          <p:cNvPr id="3" name="Title 2">
             <a:extLst>
               <a:ext uri="{FF2B5EF4-FFF2-40B4-BE49-F238E27FC236}">
-                <a16:creationId xmlns:a16="http://schemas.microsoft.com/office/drawing/2014/main" id="{5ABAC8C4-8A76-48EA-8D04-10A95EFFA76F}"/>
+                <a16:creationId xmlns:a16="http://schemas.microsoft.com/office/drawing/2014/main" id="{0A95B14C-1EE7-40B5-9C10-9B4F8A1CF923}"/>
               </a:ext>
             </a:extLst>
           </p:cNvPr>
@@ -6286,41 +6155,14 @@
             <p:ph type="title"/>
           </p:nvPr>
         </p:nvSpPr>
-        <p:spPr>
-          <a:xfrm>
-            <a:off x="838200" y="2766218"/>
-            <a:ext cx="10515600" cy="1325563"/>
-          </a:xfrm>
-        </p:spPr>
-        <p:txBody>
-          <a:bodyPr>
-            <a:normAutofit fontScale="90000"/>
-          </a:bodyPr>
+        <p:spPr/>
+        <p:txBody>
+          <a:bodyPr/>
           <a:lstStyle/>
           <a:p>
             <a:r>
               <a:rPr lang="en-US" dirty="0"/>
-              <a:t>To communicate this information to computers…</a:t>
-            </a:r>
-            <a:br>
-              <a:rPr lang="en-US" dirty="0"/>
-            </a:br>
-            <a:br>
-              <a:rPr lang="en-US" dirty="0"/>
-            </a:br>
-            <a:r>
-              <a:rPr lang="en-US" dirty="0"/>
-              <a:t>quantitatively represent words,</a:t>
-            </a:r>
-            <a:br>
-              <a:rPr lang="en-US" dirty="0"/>
-            </a:br>
-            <a:br>
-              <a:rPr lang="en-US" dirty="0"/>
-            </a:br>
-            <a:r>
-              <a:rPr lang="en-US" dirty="0"/>
-              <a:t>where more similar words have similar representations</a:t>
+              <a:t>What are word vectors?</a:t>
             </a:r>
           </a:p>
         </p:txBody>
@@ -6328,7 +6170,7 @@
     </p:spTree>
     <p:extLst>
       <p:ext uri="{BB962C8B-B14F-4D97-AF65-F5344CB8AC3E}">
-        <p14:creationId xmlns:p14="http://schemas.microsoft.com/office/powerpoint/2010/main" val="1195266368"/>
+        <p14:creationId xmlns:p14="http://schemas.microsoft.com/office/powerpoint/2010/main" val="3827071561"/>
       </p:ext>
     </p:extLst>
   </p:cSld>
@@ -6355,15 +6197,169 @@
           <a:chExt cx="0" cy="0"/>
         </a:xfrm>
       </p:grpSpPr>
-      <p:sp>
-        <p:nvSpPr>
-          <p:cNvPr id="3" name="Title 2">
+      <p:cxnSp>
+        <p:nvCxnSpPr>
+          <p:cNvPr id="5" name="Straight Arrow Connector 4">
             <a:extLst>
               <a:ext uri="{FF2B5EF4-FFF2-40B4-BE49-F238E27FC236}">
-                <a16:creationId xmlns:a16="http://schemas.microsoft.com/office/drawing/2014/main" id="{0A95B14C-1EE7-40B5-9C10-9B4F8A1CF923}"/>
+                <a16:creationId xmlns:a16="http://schemas.microsoft.com/office/drawing/2014/main" id="{ED427278-5E4D-4048-A002-5F9555198348}"/>
               </a:ext>
             </a:extLst>
           </p:cNvPr>
+          <p:cNvCxnSpPr>
+            <a:cxnSpLocks/>
+          </p:cNvCxnSpPr>
+          <p:nvPr/>
+        </p:nvCxnSpPr>
+        <p:spPr>
+          <a:xfrm>
+            <a:off x="2033221" y="3660588"/>
+            <a:ext cx="7825154" cy="0"/>
+          </a:xfrm>
+          <a:prstGeom prst="straightConnector1">
+            <a:avLst/>
+          </a:prstGeom>
+          <a:ln>
+            <a:headEnd type="triangle"/>
+            <a:tailEnd type="triangle"/>
+          </a:ln>
+        </p:spPr>
+        <p:style>
+          <a:lnRef idx="1">
+            <a:schemeClr val="dk1"/>
+          </a:lnRef>
+          <a:fillRef idx="0">
+            <a:schemeClr val="dk1"/>
+          </a:fillRef>
+          <a:effectRef idx="0">
+            <a:schemeClr val="dk1"/>
+          </a:effectRef>
+          <a:fontRef idx="minor">
+            <a:schemeClr val="tx1"/>
+          </a:fontRef>
+        </p:style>
+      </p:cxnSp>
+      <p:cxnSp>
+        <p:nvCxnSpPr>
+          <p:cNvPr id="10" name="Straight Arrow Connector 9">
+            <a:extLst>
+              <a:ext uri="{FF2B5EF4-FFF2-40B4-BE49-F238E27FC236}">
+                <a16:creationId xmlns:a16="http://schemas.microsoft.com/office/drawing/2014/main" id="{8196D2F8-2AFF-4FE7-8406-57A0C9190C04}"/>
+              </a:ext>
+            </a:extLst>
+          </p:cNvPr>
+          <p:cNvCxnSpPr>
+            <a:cxnSpLocks/>
+          </p:cNvCxnSpPr>
+          <p:nvPr/>
+        </p:nvCxnSpPr>
+        <p:spPr>
+          <a:xfrm flipH="1" flipV="1">
+            <a:off x="5600699" y="712233"/>
+            <a:ext cx="11724" cy="5556738"/>
+          </a:xfrm>
+          <a:prstGeom prst="straightConnector1">
+            <a:avLst/>
+          </a:prstGeom>
+          <a:ln>
+            <a:headEnd type="triangle"/>
+            <a:tailEnd type="triangle"/>
+          </a:ln>
+        </p:spPr>
+        <p:style>
+          <a:lnRef idx="1">
+            <a:schemeClr val="dk1"/>
+          </a:lnRef>
+          <a:fillRef idx="0">
+            <a:schemeClr val="dk1"/>
+          </a:fillRef>
+          <a:effectRef idx="0">
+            <a:schemeClr val="dk1"/>
+          </a:effectRef>
+          <a:fontRef idx="minor">
+            <a:schemeClr val="tx1"/>
+          </a:fontRef>
+        </p:style>
+      </p:cxnSp>
+      <p:sp>
+        <p:nvSpPr>
+          <p:cNvPr id="11" name="TextBox 10">
+            <a:extLst>
+              <a:ext uri="{FF2B5EF4-FFF2-40B4-BE49-F238E27FC236}">
+                <a16:creationId xmlns:a16="http://schemas.microsoft.com/office/drawing/2014/main" id="{06A7D7C6-5712-4FF7-B6F7-60E7BD19E7B4}"/>
+              </a:ext>
+            </a:extLst>
+          </p:cNvPr>
+          <p:cNvSpPr txBox="1"/>
+          <p:nvPr/>
+        </p:nvSpPr>
+        <p:spPr>
+          <a:xfrm>
+            <a:off x="5612423" y="5961101"/>
+            <a:ext cx="228600" cy="369332"/>
+          </a:xfrm>
+          <a:prstGeom prst="rect">
+            <a:avLst/>
+          </a:prstGeom>
+          <a:noFill/>
+        </p:spPr>
+        <p:txBody>
+          <a:bodyPr wrap="square" rtlCol="0">
+            <a:spAutoFit/>
+          </a:bodyPr>
+          <a:lstStyle/>
+          <a:p>
+            <a:r>
+              <a:rPr lang="en-US" dirty="0"/>
+              <a:t>x</a:t>
+            </a:r>
+          </a:p>
+        </p:txBody>
+      </p:sp>
+      <p:sp>
+        <p:nvSpPr>
+          <p:cNvPr id="12" name="TextBox 11">
+            <a:extLst>
+              <a:ext uri="{FF2B5EF4-FFF2-40B4-BE49-F238E27FC236}">
+                <a16:creationId xmlns:a16="http://schemas.microsoft.com/office/drawing/2014/main" id="{031D4DF7-9497-4BC5-8ABB-CCFC9C6EAB94}"/>
+              </a:ext>
+            </a:extLst>
+          </p:cNvPr>
+          <p:cNvSpPr txBox="1"/>
+          <p:nvPr/>
+        </p:nvSpPr>
+        <p:spPr>
+          <a:xfrm>
+            <a:off x="2044763" y="3651036"/>
+            <a:ext cx="288862" cy="369332"/>
+          </a:xfrm>
+          <a:prstGeom prst="rect">
+            <a:avLst/>
+          </a:prstGeom>
+          <a:noFill/>
+        </p:spPr>
+        <p:txBody>
+          <a:bodyPr wrap="none" rtlCol="0">
+            <a:spAutoFit/>
+          </a:bodyPr>
+          <a:lstStyle/>
+          <a:p>
+            <a:r>
+              <a:rPr lang="en-US" dirty="0"/>
+              <a:t>y</a:t>
+            </a:r>
+          </a:p>
+        </p:txBody>
+      </p:sp>
+      <p:sp>
+        <p:nvSpPr>
+          <p:cNvPr id="14" name="Title 2">
+            <a:extLst>
+              <a:ext uri="{FF2B5EF4-FFF2-40B4-BE49-F238E27FC236}">
+                <a16:creationId xmlns:a16="http://schemas.microsoft.com/office/drawing/2014/main" id="{FDA6FF14-578C-49AE-A6E2-A4003DD4E66E}"/>
+              </a:ext>
+            </a:extLst>
+          </p:cNvPr>
           <p:cNvSpPr>
             <a:spLocks noGrp="1"/>
           </p:cNvSpPr>
@@ -6377,8 +6373,16 @@
           <a:lstStyle/>
           <a:p>
             <a:r>
+              <a:rPr lang="en-US" sz="4400" dirty="0"/>
+              <a:t>What</a:t>
+            </a:r>
+            <a:r>
               <a:rPr lang="en-US" dirty="0"/>
-              <a:t>What are word vectors?</a:t>
+              <a:t> </a:t>
+            </a:r>
+            <a:r>
+              <a:rPr lang="en-US" sz="4400" dirty="0"/>
+              <a:t>are vectors?</a:t>
             </a:r>
           </a:p>
         </p:txBody>
@@ -6386,7 +6390,7 @@
     </p:spTree>
     <p:extLst>
       <p:ext uri="{BB962C8B-B14F-4D97-AF65-F5344CB8AC3E}">
-        <p14:creationId xmlns:p14="http://schemas.microsoft.com/office/powerpoint/2010/main" val="3827071561"/>
+        <p14:creationId xmlns:p14="http://schemas.microsoft.com/office/powerpoint/2010/main" val="3825899039"/>
       </p:ext>
     </p:extLst>
   </p:cSld>
@@ -6567,15 +6571,56 @@
           </a:p>
         </p:txBody>
       </p:sp>
-      <p:sp>
-        <p:nvSpPr>
-          <p:cNvPr id="14" name="Title 2">
+      <p:cxnSp>
+        <p:nvCxnSpPr>
+          <p:cNvPr id="6" name="Straight Arrow Connector 5">
             <a:extLst>
               <a:ext uri="{FF2B5EF4-FFF2-40B4-BE49-F238E27FC236}">
-                <a16:creationId xmlns:a16="http://schemas.microsoft.com/office/drawing/2014/main" id="{FDA6FF14-578C-49AE-A6E2-A4003DD4E66E}"/>
+                <a16:creationId xmlns:a16="http://schemas.microsoft.com/office/drawing/2014/main" id="{5BC05DF7-BA5F-4920-B110-54D5CB8EC91C}"/>
               </a:ext>
             </a:extLst>
           </p:cNvPr>
+          <p:cNvCxnSpPr>
+            <a:cxnSpLocks/>
+          </p:cNvCxnSpPr>
+          <p:nvPr/>
+        </p:nvCxnSpPr>
+        <p:spPr>
+          <a:xfrm flipV="1">
+            <a:off x="5600699" y="2736636"/>
+            <a:ext cx="2743200" cy="914400"/>
+          </a:xfrm>
+          <a:prstGeom prst="straightConnector1">
+            <a:avLst/>
+          </a:prstGeom>
+          <a:ln w="63500">
+            <a:tailEnd type="triangle"/>
+          </a:ln>
+        </p:spPr>
+        <p:style>
+          <a:lnRef idx="1">
+            <a:schemeClr val="accent1"/>
+          </a:lnRef>
+          <a:fillRef idx="0">
+            <a:schemeClr val="accent1"/>
+          </a:fillRef>
+          <a:effectRef idx="0">
+            <a:schemeClr val="accent1"/>
+          </a:effectRef>
+          <a:fontRef idx="minor">
+            <a:schemeClr val="tx1"/>
+          </a:fontRef>
+        </p:style>
+      </p:cxnSp>
+      <p:sp>
+        <p:nvSpPr>
+          <p:cNvPr id="15" name="Title 14">
+            <a:extLst>
+              <a:ext uri="{FF2B5EF4-FFF2-40B4-BE49-F238E27FC236}">
+                <a16:creationId xmlns:a16="http://schemas.microsoft.com/office/drawing/2014/main" id="{DFF56116-A619-4A7A-8FA9-40EC78A0AB47}"/>
+              </a:ext>
+            </a:extLst>
+          </p:cNvPr>
           <p:cNvSpPr>
             <a:spLocks noGrp="1"/>
           </p:cNvSpPr>
@@ -6589,16 +6634,8 @@
           <a:lstStyle/>
           <a:p>
             <a:r>
-              <a:rPr lang="en-US" sz="4400" dirty="0"/>
-              <a:t>What</a:t>
-            </a:r>
-            <a:r>
               <a:rPr lang="en-US" dirty="0"/>
-              <a:t> </a:t>
-            </a:r>
-            <a:r>
-              <a:rPr lang="en-US" sz="4400" dirty="0"/>
-              <a:t>are vectors?</a:t>
+              <a:t>What are vectors?</a:t>
             </a:r>
           </a:p>
         </p:txBody>
@@ -6606,7 +6643,7 @@
     </p:spTree>
     <p:extLst>
       <p:ext uri="{BB962C8B-B14F-4D97-AF65-F5344CB8AC3E}">
-        <p14:creationId xmlns:p14="http://schemas.microsoft.com/office/powerpoint/2010/main" val="3825899039"/>
+        <p14:creationId xmlns:p14="http://schemas.microsoft.com/office/powerpoint/2010/main" val="3117711146"/>
       </p:ext>
     </p:extLst>
   </p:cSld>
@@ -6830,259 +6867,6 @@
       </p:cxnSp>
       <p:sp>
         <p:nvSpPr>
-          <p:cNvPr id="15" name="Title 14">
-            <a:extLst>
-              <a:ext uri="{FF2B5EF4-FFF2-40B4-BE49-F238E27FC236}">
-                <a16:creationId xmlns:a16="http://schemas.microsoft.com/office/drawing/2014/main" id="{DFF56116-A619-4A7A-8FA9-40EC78A0AB47}"/>
-              </a:ext>
-            </a:extLst>
-          </p:cNvPr>
-          <p:cNvSpPr>
-            <a:spLocks noGrp="1"/>
-          </p:cNvSpPr>
-          <p:nvPr>
-            <p:ph type="title"/>
-          </p:nvPr>
-        </p:nvSpPr>
-        <p:spPr/>
-        <p:txBody>
-          <a:bodyPr/>
-          <a:lstStyle/>
-          <a:p>
-            <a:r>
-              <a:rPr lang="en-US" dirty="0"/>
-              <a:t>What are vectors?</a:t>
-            </a:r>
-          </a:p>
-        </p:txBody>
-      </p:sp>
-    </p:spTree>
-    <p:extLst>
-      <p:ext uri="{BB962C8B-B14F-4D97-AF65-F5344CB8AC3E}">
-        <p14:creationId xmlns:p14="http://schemas.microsoft.com/office/powerpoint/2010/main" val="3117711146"/>
-      </p:ext>
-    </p:extLst>
-  </p:cSld>
-  <p:clrMapOvr>
-    <a:masterClrMapping/>
-  </p:clrMapOvr>
-</p:sld>
-</file>
-
-<file path=ppt/slides/slide17.xml><?xml version="1.0" encoding="utf-8"?>
-<p:sld xmlns:a="http://schemas.openxmlformats.org/drawingml/2006/main" xmlns:r="http://schemas.openxmlformats.org/officeDocument/2006/relationships" xmlns:p="http://schemas.openxmlformats.org/presentationml/2006/main">
-  <p:cSld>
-    <p:spTree>
-      <p:nvGrpSpPr>
-        <p:cNvPr id="1" name=""/>
-        <p:cNvGrpSpPr/>
-        <p:nvPr/>
-      </p:nvGrpSpPr>
-      <p:grpSpPr>
-        <a:xfrm>
-          <a:off x="0" y="0"/>
-          <a:ext cx="0" cy="0"/>
-          <a:chOff x="0" y="0"/>
-          <a:chExt cx="0" cy="0"/>
-        </a:xfrm>
-      </p:grpSpPr>
-      <p:cxnSp>
-        <p:nvCxnSpPr>
-          <p:cNvPr id="5" name="Straight Arrow Connector 4">
-            <a:extLst>
-              <a:ext uri="{FF2B5EF4-FFF2-40B4-BE49-F238E27FC236}">
-                <a16:creationId xmlns:a16="http://schemas.microsoft.com/office/drawing/2014/main" id="{ED427278-5E4D-4048-A002-5F9555198348}"/>
-              </a:ext>
-            </a:extLst>
-          </p:cNvPr>
-          <p:cNvCxnSpPr>
-            <a:cxnSpLocks/>
-          </p:cNvCxnSpPr>
-          <p:nvPr/>
-        </p:nvCxnSpPr>
-        <p:spPr>
-          <a:xfrm>
-            <a:off x="2033221" y="3660588"/>
-            <a:ext cx="7825154" cy="0"/>
-          </a:xfrm>
-          <a:prstGeom prst="straightConnector1">
-            <a:avLst/>
-          </a:prstGeom>
-          <a:ln>
-            <a:headEnd type="triangle"/>
-            <a:tailEnd type="triangle"/>
-          </a:ln>
-        </p:spPr>
-        <p:style>
-          <a:lnRef idx="1">
-            <a:schemeClr val="dk1"/>
-          </a:lnRef>
-          <a:fillRef idx="0">
-            <a:schemeClr val="dk1"/>
-          </a:fillRef>
-          <a:effectRef idx="0">
-            <a:schemeClr val="dk1"/>
-          </a:effectRef>
-          <a:fontRef idx="minor">
-            <a:schemeClr val="tx1"/>
-          </a:fontRef>
-        </p:style>
-      </p:cxnSp>
-      <p:cxnSp>
-        <p:nvCxnSpPr>
-          <p:cNvPr id="10" name="Straight Arrow Connector 9">
-            <a:extLst>
-              <a:ext uri="{FF2B5EF4-FFF2-40B4-BE49-F238E27FC236}">
-                <a16:creationId xmlns:a16="http://schemas.microsoft.com/office/drawing/2014/main" id="{8196D2F8-2AFF-4FE7-8406-57A0C9190C04}"/>
-              </a:ext>
-            </a:extLst>
-          </p:cNvPr>
-          <p:cNvCxnSpPr>
-            <a:cxnSpLocks/>
-          </p:cNvCxnSpPr>
-          <p:nvPr/>
-        </p:nvCxnSpPr>
-        <p:spPr>
-          <a:xfrm flipH="1" flipV="1">
-            <a:off x="5600699" y="712233"/>
-            <a:ext cx="11724" cy="5556738"/>
-          </a:xfrm>
-          <a:prstGeom prst="straightConnector1">
-            <a:avLst/>
-          </a:prstGeom>
-          <a:ln>
-            <a:headEnd type="triangle"/>
-            <a:tailEnd type="triangle"/>
-          </a:ln>
-        </p:spPr>
-        <p:style>
-          <a:lnRef idx="1">
-            <a:schemeClr val="dk1"/>
-          </a:lnRef>
-          <a:fillRef idx="0">
-            <a:schemeClr val="dk1"/>
-          </a:fillRef>
-          <a:effectRef idx="0">
-            <a:schemeClr val="dk1"/>
-          </a:effectRef>
-          <a:fontRef idx="minor">
-            <a:schemeClr val="tx1"/>
-          </a:fontRef>
-        </p:style>
-      </p:cxnSp>
-      <p:sp>
-        <p:nvSpPr>
-          <p:cNvPr id="11" name="TextBox 10">
-            <a:extLst>
-              <a:ext uri="{FF2B5EF4-FFF2-40B4-BE49-F238E27FC236}">
-                <a16:creationId xmlns:a16="http://schemas.microsoft.com/office/drawing/2014/main" id="{06A7D7C6-5712-4FF7-B6F7-60E7BD19E7B4}"/>
-              </a:ext>
-            </a:extLst>
-          </p:cNvPr>
-          <p:cNvSpPr txBox="1"/>
-          <p:nvPr/>
-        </p:nvSpPr>
-        <p:spPr>
-          <a:xfrm>
-            <a:off x="5612423" y="5961101"/>
-            <a:ext cx="228600" cy="369332"/>
-          </a:xfrm>
-          <a:prstGeom prst="rect">
-            <a:avLst/>
-          </a:prstGeom>
-          <a:noFill/>
-        </p:spPr>
-        <p:txBody>
-          <a:bodyPr wrap="square" rtlCol="0">
-            <a:spAutoFit/>
-          </a:bodyPr>
-          <a:lstStyle/>
-          <a:p>
-            <a:r>
-              <a:rPr lang="en-US" dirty="0"/>
-              <a:t>x</a:t>
-            </a:r>
-          </a:p>
-        </p:txBody>
-      </p:sp>
-      <p:sp>
-        <p:nvSpPr>
-          <p:cNvPr id="12" name="TextBox 11">
-            <a:extLst>
-              <a:ext uri="{FF2B5EF4-FFF2-40B4-BE49-F238E27FC236}">
-                <a16:creationId xmlns:a16="http://schemas.microsoft.com/office/drawing/2014/main" id="{031D4DF7-9497-4BC5-8ABB-CCFC9C6EAB94}"/>
-              </a:ext>
-            </a:extLst>
-          </p:cNvPr>
-          <p:cNvSpPr txBox="1"/>
-          <p:nvPr/>
-        </p:nvSpPr>
-        <p:spPr>
-          <a:xfrm>
-            <a:off x="2044763" y="3651036"/>
-            <a:ext cx="288862" cy="369332"/>
-          </a:xfrm>
-          <a:prstGeom prst="rect">
-            <a:avLst/>
-          </a:prstGeom>
-          <a:noFill/>
-        </p:spPr>
-        <p:txBody>
-          <a:bodyPr wrap="none" rtlCol="0">
-            <a:spAutoFit/>
-          </a:bodyPr>
-          <a:lstStyle/>
-          <a:p>
-            <a:r>
-              <a:rPr lang="en-US" dirty="0"/>
-              <a:t>y</a:t>
-            </a:r>
-          </a:p>
-        </p:txBody>
-      </p:sp>
-      <p:cxnSp>
-        <p:nvCxnSpPr>
-          <p:cNvPr id="6" name="Straight Arrow Connector 5">
-            <a:extLst>
-              <a:ext uri="{FF2B5EF4-FFF2-40B4-BE49-F238E27FC236}">
-                <a16:creationId xmlns:a16="http://schemas.microsoft.com/office/drawing/2014/main" id="{5BC05DF7-BA5F-4920-B110-54D5CB8EC91C}"/>
-              </a:ext>
-            </a:extLst>
-          </p:cNvPr>
-          <p:cNvCxnSpPr>
-            <a:cxnSpLocks/>
-          </p:cNvCxnSpPr>
-          <p:nvPr/>
-        </p:nvCxnSpPr>
-        <p:spPr>
-          <a:xfrm flipV="1">
-            <a:off x="5600699" y="2736636"/>
-            <a:ext cx="2743200" cy="914400"/>
-          </a:xfrm>
-          <a:prstGeom prst="straightConnector1">
-            <a:avLst/>
-          </a:prstGeom>
-          <a:ln w="63500">
-            <a:tailEnd type="triangle"/>
-          </a:ln>
-        </p:spPr>
-        <p:style>
-          <a:lnRef idx="1">
-            <a:schemeClr val="accent1"/>
-          </a:lnRef>
-          <a:fillRef idx="0">
-            <a:schemeClr val="accent1"/>
-          </a:fillRef>
-          <a:effectRef idx="0">
-            <a:schemeClr val="accent1"/>
-          </a:effectRef>
-          <a:fontRef idx="minor">
-            <a:schemeClr val="tx1"/>
-          </a:fontRef>
-        </p:style>
-      </p:cxnSp>
-      <p:sp>
-        <p:nvSpPr>
           <p:cNvPr id="7" name="TextBox 6">
             <a:extLst>
               <a:ext uri="{FF2B5EF4-FFF2-40B4-BE49-F238E27FC236}">
@@ -7317,7 +7101,7 @@
 </p:sld>
 </file>
 
-<file path=ppt/slides/slide18.xml><?xml version="1.0" encoding="utf-8"?>
+<file path=ppt/slides/slide17.xml><?xml version="1.0" encoding="utf-8"?>
 <p:sld xmlns:a="http://schemas.openxmlformats.org/drawingml/2006/main" xmlns:r="http://schemas.openxmlformats.org/officeDocument/2006/relationships" xmlns:p="http://schemas.openxmlformats.org/presentationml/2006/main">
   <p:cSld>
     <p:spTree>
@@ -7671,7 +7455,7 @@
 </p:sld>
 </file>
 
-<file path=ppt/slides/slide19.xml><?xml version="1.0" encoding="utf-8"?>
+<file path=ppt/slides/slide18.xml><?xml version="1.0" encoding="utf-8"?>
 <p:sld xmlns:a="http://schemas.openxmlformats.org/drawingml/2006/main" xmlns:r="http://schemas.openxmlformats.org/officeDocument/2006/relationships" xmlns:p="http://schemas.openxmlformats.org/presentationml/2006/main">
   <p:cSld>
     <p:spTree>
@@ -8283,65 +8067,7 @@
 </p:sld>
 </file>
 
-<file path=ppt/slides/slide2.xml><?xml version="1.0" encoding="utf-8"?>
-<p:sld xmlns:a="http://schemas.openxmlformats.org/drawingml/2006/main" xmlns:r="http://schemas.openxmlformats.org/officeDocument/2006/relationships" xmlns:p="http://schemas.openxmlformats.org/presentationml/2006/main">
-  <p:cSld>
-    <p:spTree>
-      <p:nvGrpSpPr>
-        <p:cNvPr id="1" name=""/>
-        <p:cNvGrpSpPr/>
-        <p:nvPr/>
-      </p:nvGrpSpPr>
-      <p:grpSpPr>
-        <a:xfrm>
-          <a:off x="0" y="0"/>
-          <a:ext cx="0" cy="0"/>
-          <a:chOff x="0" y="0"/>
-          <a:chExt cx="0" cy="0"/>
-        </a:xfrm>
-      </p:grpSpPr>
-      <p:sp>
-        <p:nvSpPr>
-          <p:cNvPr id="2" name="Title 1">
-            <a:extLst>
-              <a:ext uri="{FF2B5EF4-FFF2-40B4-BE49-F238E27FC236}">
-                <a16:creationId xmlns:a16="http://schemas.microsoft.com/office/drawing/2014/main" id="{2CAB6C17-4927-4BF6-AAFD-6F59C802C060}"/>
-              </a:ext>
-            </a:extLst>
-          </p:cNvPr>
-          <p:cNvSpPr>
-            <a:spLocks noGrp="1"/>
-          </p:cNvSpPr>
-          <p:nvPr>
-            <p:ph type="title"/>
-          </p:nvPr>
-        </p:nvSpPr>
-        <p:spPr/>
-        <p:txBody>
-          <a:bodyPr/>
-          <a:lstStyle/>
-          <a:p>
-            <a:r>
-              <a:rPr lang="en-US" dirty="0"/>
-              <a:t>What’s Next</a:t>
-            </a:r>
-          </a:p>
-        </p:txBody>
-      </p:sp>
-    </p:spTree>
-    <p:extLst>
-      <p:ext uri="{BB962C8B-B14F-4D97-AF65-F5344CB8AC3E}">
-        <p14:creationId xmlns:p14="http://schemas.microsoft.com/office/powerpoint/2010/main" val="708550528"/>
-      </p:ext>
-    </p:extLst>
-  </p:cSld>
-  <p:clrMapOvr>
-    <a:masterClrMapping/>
-  </p:clrMapOvr>
-</p:sld>
-</file>
-
-<file path=ppt/slides/slide20.xml><?xml version="1.0" encoding="utf-8"?>
+<file path=ppt/slides/slide19.xml><?xml version="1.0" encoding="utf-8"?>
 <p:sld xmlns:a="http://schemas.openxmlformats.org/drawingml/2006/main" xmlns:r="http://schemas.openxmlformats.org/officeDocument/2006/relationships" xmlns:p="http://schemas.openxmlformats.org/presentationml/2006/main">
   <p:cSld>
     <p:spTree>
@@ -9302,7 +9028,65 @@
 </p:sld>
 </file>
 
-<file path=ppt/slides/slide21.xml><?xml version="1.0" encoding="utf-8"?>
+<file path=ppt/slides/slide2.xml><?xml version="1.0" encoding="utf-8"?>
+<p:sld xmlns:a="http://schemas.openxmlformats.org/drawingml/2006/main" xmlns:r="http://schemas.openxmlformats.org/officeDocument/2006/relationships" xmlns:p="http://schemas.openxmlformats.org/presentationml/2006/main">
+  <p:cSld>
+    <p:spTree>
+      <p:nvGrpSpPr>
+        <p:cNvPr id="1" name=""/>
+        <p:cNvGrpSpPr/>
+        <p:nvPr/>
+      </p:nvGrpSpPr>
+      <p:grpSpPr>
+        <a:xfrm>
+          <a:off x="0" y="0"/>
+          <a:ext cx="0" cy="0"/>
+          <a:chOff x="0" y="0"/>
+          <a:chExt cx="0" cy="0"/>
+        </a:xfrm>
+      </p:grpSpPr>
+      <p:sp>
+        <p:nvSpPr>
+          <p:cNvPr id="2" name="Title 1">
+            <a:extLst>
+              <a:ext uri="{FF2B5EF4-FFF2-40B4-BE49-F238E27FC236}">
+                <a16:creationId xmlns:a16="http://schemas.microsoft.com/office/drawing/2014/main" id="{2CAB6C17-4927-4BF6-AAFD-6F59C802C060}"/>
+              </a:ext>
+            </a:extLst>
+          </p:cNvPr>
+          <p:cNvSpPr>
+            <a:spLocks noGrp="1"/>
+          </p:cNvSpPr>
+          <p:nvPr>
+            <p:ph type="title"/>
+          </p:nvPr>
+        </p:nvSpPr>
+        <p:spPr/>
+        <p:txBody>
+          <a:bodyPr/>
+          <a:lstStyle/>
+          <a:p>
+            <a:r>
+              <a:rPr lang="en-US" dirty="0"/>
+              <a:t>What’s Next</a:t>
+            </a:r>
+          </a:p>
+        </p:txBody>
+      </p:sp>
+    </p:spTree>
+    <p:extLst>
+      <p:ext uri="{BB962C8B-B14F-4D97-AF65-F5344CB8AC3E}">
+        <p14:creationId xmlns:p14="http://schemas.microsoft.com/office/powerpoint/2010/main" val="708550528"/>
+      </p:ext>
+    </p:extLst>
+  </p:cSld>
+  <p:clrMapOvr>
+    <a:masterClrMapping/>
+  </p:clrMapOvr>
+</p:sld>
+</file>
+
+<file path=ppt/slides/slide20.xml><?xml version="1.0" encoding="utf-8"?>
 <p:sld xmlns:a="http://schemas.openxmlformats.org/drawingml/2006/main" xmlns:r="http://schemas.openxmlformats.org/officeDocument/2006/relationships" xmlns:p="http://schemas.openxmlformats.org/presentationml/2006/main">
   <p:cSld>
     <p:spTree>
@@ -10477,7 +10261,7 @@
 </p:sld>
 </file>
 
-<file path=ppt/slides/slide22.xml><?xml version="1.0" encoding="utf-8"?>
+<file path=ppt/slides/slide21.xml><?xml version="1.0" encoding="utf-8"?>
 <p:sld xmlns:a="http://schemas.openxmlformats.org/drawingml/2006/main" xmlns:r="http://schemas.openxmlformats.org/officeDocument/2006/relationships" xmlns:p="http://schemas.openxmlformats.org/presentationml/2006/main">
   <p:cSld>
     <p:spTree>
@@ -10570,7 +10354,7 @@
 </p:sld>
 </file>
 
-<file path=ppt/slides/slide23.xml><?xml version="1.0" encoding="utf-8"?>
+<file path=ppt/slides/slide22.xml><?xml version="1.0" encoding="utf-8"?>
 <p:sld xmlns:a="http://schemas.openxmlformats.org/drawingml/2006/main" xmlns:r="http://schemas.openxmlformats.org/officeDocument/2006/relationships" xmlns:p="http://schemas.openxmlformats.org/presentationml/2006/main">
   <p:cSld>
     <p:spTree>
@@ -11327,7 +11111,7 @@
 </p:sld>
 </file>
 
-<file path=ppt/slides/slide24.xml><?xml version="1.0" encoding="utf-8"?>
+<file path=ppt/slides/slide23.xml><?xml version="1.0" encoding="utf-8"?>
 <p:sld xmlns:a="http://schemas.openxmlformats.org/drawingml/2006/main" xmlns:r="http://schemas.openxmlformats.org/officeDocument/2006/relationships" xmlns:p="http://schemas.openxmlformats.org/presentationml/2006/main">
   <p:cSld>
     <p:spTree>
@@ -12000,7 +11784,7 @@
 </p:sld>
 </file>
 
-<file path=ppt/slides/slide25.xml><?xml version="1.0" encoding="utf-8"?>
+<file path=ppt/slides/slide24.xml><?xml version="1.0" encoding="utf-8"?>
 <p:sld xmlns:a="http://schemas.openxmlformats.org/drawingml/2006/main" xmlns:r="http://schemas.openxmlformats.org/officeDocument/2006/relationships" xmlns:p="http://schemas.openxmlformats.org/presentationml/2006/main">
   <p:cSld>
     <p:spTree>
@@ -12673,6 +12457,64 @@
 </p:sld>
 </file>
 
+<file path=ppt/slides/slide25.xml><?xml version="1.0" encoding="utf-8"?>
+<p:sld xmlns:a="http://schemas.openxmlformats.org/drawingml/2006/main" xmlns:r="http://schemas.openxmlformats.org/officeDocument/2006/relationships" xmlns:p="http://schemas.openxmlformats.org/presentationml/2006/main">
+  <p:cSld>
+    <p:spTree>
+      <p:nvGrpSpPr>
+        <p:cNvPr id="1" name=""/>
+        <p:cNvGrpSpPr/>
+        <p:nvPr/>
+      </p:nvGrpSpPr>
+      <p:grpSpPr>
+        <a:xfrm>
+          <a:off x="0" y="0"/>
+          <a:ext cx="0" cy="0"/>
+          <a:chOff x="0" y="0"/>
+          <a:chExt cx="0" cy="0"/>
+        </a:xfrm>
+      </p:grpSpPr>
+      <p:sp>
+        <p:nvSpPr>
+          <p:cNvPr id="3" name="Title 2">
+            <a:extLst>
+              <a:ext uri="{FF2B5EF4-FFF2-40B4-BE49-F238E27FC236}">
+                <a16:creationId xmlns:a16="http://schemas.microsoft.com/office/drawing/2014/main" id="{384B063E-BB09-43DC-B092-2E1FA7C77897}"/>
+              </a:ext>
+            </a:extLst>
+          </p:cNvPr>
+          <p:cNvSpPr>
+            <a:spLocks noGrp="1"/>
+          </p:cNvSpPr>
+          <p:nvPr>
+            <p:ph type="title"/>
+          </p:nvPr>
+        </p:nvSpPr>
+        <p:spPr/>
+        <p:txBody>
+          <a:bodyPr/>
+          <a:lstStyle/>
+          <a:p>
+            <a:r>
+              <a:rPr lang="en-US" dirty="0"/>
+              <a:t>How do we create word vectors?</a:t>
+            </a:r>
+          </a:p>
+        </p:txBody>
+      </p:sp>
+    </p:spTree>
+    <p:extLst>
+      <p:ext uri="{BB962C8B-B14F-4D97-AF65-F5344CB8AC3E}">
+        <p14:creationId xmlns:p14="http://schemas.microsoft.com/office/powerpoint/2010/main" val="2142592472"/>
+      </p:ext>
+    </p:extLst>
+  </p:cSld>
+  <p:clrMapOvr>
+    <a:masterClrMapping/>
+  </p:clrMapOvr>
+</p:sld>
+</file>
+
 <file path=ppt/slides/slide26.xml><?xml version="1.0" encoding="utf-8"?>
 <p:sld xmlns:a="http://schemas.openxmlformats.org/drawingml/2006/main" xmlns:r="http://schemas.openxmlformats.org/officeDocument/2006/relationships" xmlns:p="http://schemas.openxmlformats.org/presentationml/2006/main">
   <p:cSld>
@@ -12713,64 +12555,6 @@
           <a:p>
             <a:r>
               <a:rPr lang="en-US" dirty="0"/>
-              <a:t>How do we create word vectors?</a:t>
-            </a:r>
-          </a:p>
-        </p:txBody>
-      </p:sp>
-    </p:spTree>
-    <p:extLst>
-      <p:ext uri="{BB962C8B-B14F-4D97-AF65-F5344CB8AC3E}">
-        <p14:creationId xmlns:p14="http://schemas.microsoft.com/office/powerpoint/2010/main" val="2142592472"/>
-      </p:ext>
-    </p:extLst>
-  </p:cSld>
-  <p:clrMapOvr>
-    <a:masterClrMapping/>
-  </p:clrMapOvr>
-</p:sld>
-</file>
-
-<file path=ppt/slides/slide27.xml><?xml version="1.0" encoding="utf-8"?>
-<p:sld xmlns:a="http://schemas.openxmlformats.org/drawingml/2006/main" xmlns:r="http://schemas.openxmlformats.org/officeDocument/2006/relationships" xmlns:p="http://schemas.openxmlformats.org/presentationml/2006/main">
-  <p:cSld>
-    <p:spTree>
-      <p:nvGrpSpPr>
-        <p:cNvPr id="1" name=""/>
-        <p:cNvGrpSpPr/>
-        <p:nvPr/>
-      </p:nvGrpSpPr>
-      <p:grpSpPr>
-        <a:xfrm>
-          <a:off x="0" y="0"/>
-          <a:ext cx="0" cy="0"/>
-          <a:chOff x="0" y="0"/>
-          <a:chExt cx="0" cy="0"/>
-        </a:xfrm>
-      </p:grpSpPr>
-      <p:sp>
-        <p:nvSpPr>
-          <p:cNvPr id="3" name="Title 2">
-            <a:extLst>
-              <a:ext uri="{FF2B5EF4-FFF2-40B4-BE49-F238E27FC236}">
-                <a16:creationId xmlns:a16="http://schemas.microsoft.com/office/drawing/2014/main" id="{384B063E-BB09-43DC-B092-2E1FA7C77897}"/>
-              </a:ext>
-            </a:extLst>
-          </p:cNvPr>
-          <p:cNvSpPr>
-            <a:spLocks noGrp="1"/>
-          </p:cNvSpPr>
-          <p:nvPr>
-            <p:ph type="title"/>
-          </p:nvPr>
-        </p:nvSpPr>
-        <p:spPr/>
-        <p:txBody>
-          <a:bodyPr/>
-          <a:lstStyle/>
-          <a:p>
-            <a:r>
-              <a:rPr lang="en-US" dirty="0"/>
               <a:t>How do we know if words are similar?</a:t>
             </a:r>
           </a:p>
@@ -12789,7 +12573,7 @@
 </p:sld>
 </file>
 
-<file path=ppt/slides/slide28.xml><?xml version="1.0" encoding="utf-8"?>
+<file path=ppt/slides/slide27.xml><?xml version="1.0" encoding="utf-8"?>
 <p:sld xmlns:a="http://schemas.openxmlformats.org/drawingml/2006/main" xmlns:r="http://schemas.openxmlformats.org/officeDocument/2006/relationships" xmlns:p="http://schemas.openxmlformats.org/presentationml/2006/main">
   <p:cSld>
     <p:spTree>
@@ -12937,6 +12721,94 @@
     <p:extLst>
       <p:ext uri="{BB962C8B-B14F-4D97-AF65-F5344CB8AC3E}">
         <p14:creationId xmlns:p14="http://schemas.microsoft.com/office/powerpoint/2010/main" val="1026324326"/>
+      </p:ext>
+    </p:extLst>
+  </p:cSld>
+  <p:clrMapOvr>
+    <a:masterClrMapping/>
+  </p:clrMapOvr>
+</p:sld>
+</file>
+
+<file path=ppt/slides/slide28.xml><?xml version="1.0" encoding="utf-8"?>
+<p:sld xmlns:a="http://schemas.openxmlformats.org/drawingml/2006/main" xmlns:r="http://schemas.openxmlformats.org/officeDocument/2006/relationships" xmlns:p="http://schemas.openxmlformats.org/presentationml/2006/main">
+  <p:cSld>
+    <p:spTree>
+      <p:nvGrpSpPr>
+        <p:cNvPr id="1" name=""/>
+        <p:cNvGrpSpPr/>
+        <p:nvPr/>
+      </p:nvGrpSpPr>
+      <p:grpSpPr>
+        <a:xfrm>
+          <a:off x="0" y="0"/>
+          <a:ext cx="0" cy="0"/>
+          <a:chOff x="0" y="0"/>
+          <a:chExt cx="0" cy="0"/>
+        </a:xfrm>
+      </p:grpSpPr>
+      <p:pic>
+        <p:nvPicPr>
+          <p:cNvPr id="3" name="Picture 2">
+            <a:extLst>
+              <a:ext uri="{FF2B5EF4-FFF2-40B4-BE49-F238E27FC236}">
+                <a16:creationId xmlns:a16="http://schemas.microsoft.com/office/drawing/2014/main" id="{1D2625C1-A546-4F5B-A721-C6777904A9C0}"/>
+              </a:ext>
+            </a:extLst>
+          </p:cNvPr>
+          <p:cNvPicPr>
+            <a:picLocks noChangeAspect="1"/>
+          </p:cNvPicPr>
+          <p:nvPr/>
+        </p:nvPicPr>
+        <p:blipFill>
+          <a:blip r:embed="rId3"/>
+          <a:stretch>
+            <a:fillRect/>
+          </a:stretch>
+        </p:blipFill>
+        <p:spPr>
+          <a:xfrm>
+            <a:off x="0" y="2227362"/>
+            <a:ext cx="12192000" cy="2403275"/>
+          </a:xfrm>
+          <a:prstGeom prst="rect">
+            <a:avLst/>
+          </a:prstGeom>
+        </p:spPr>
+      </p:pic>
+      <p:sp>
+        <p:nvSpPr>
+          <p:cNvPr id="4" name="Title 2">
+            <a:extLst>
+              <a:ext uri="{FF2B5EF4-FFF2-40B4-BE49-F238E27FC236}">
+                <a16:creationId xmlns:a16="http://schemas.microsoft.com/office/drawing/2014/main" id="{3EFC5454-6FC3-420F-9DDF-BA28208E01D8}"/>
+              </a:ext>
+            </a:extLst>
+          </p:cNvPr>
+          <p:cNvSpPr>
+            <a:spLocks noGrp="1"/>
+          </p:cNvSpPr>
+          <p:nvPr>
+            <p:ph type="title"/>
+          </p:nvPr>
+        </p:nvSpPr>
+        <p:spPr/>
+        <p:txBody>
+          <a:bodyPr/>
+          <a:lstStyle/>
+          <a:p>
+            <a:r>
+              <a:rPr lang="en-US" dirty="0"/>
+              <a:t>How do we know if words are similar?</a:t>
+            </a:r>
+          </a:p>
+        </p:txBody>
+      </p:sp>
+    </p:spTree>
+    <p:extLst>
+      <p:ext uri="{BB962C8B-B14F-4D97-AF65-F5344CB8AC3E}">
+        <p14:creationId xmlns:p14="http://schemas.microsoft.com/office/powerpoint/2010/main" val="2645347266"/>
       </p:ext>
     </p:extLst>
   </p:cSld>
@@ -12995,312 +12867,6 @@
       </p:pic>
       <p:sp>
         <p:nvSpPr>
-          <p:cNvPr id="4" name="Title 2">
-            <a:extLst>
-              <a:ext uri="{FF2B5EF4-FFF2-40B4-BE49-F238E27FC236}">
-                <a16:creationId xmlns:a16="http://schemas.microsoft.com/office/drawing/2014/main" id="{3EFC5454-6FC3-420F-9DDF-BA28208E01D8}"/>
-              </a:ext>
-            </a:extLst>
-          </p:cNvPr>
-          <p:cNvSpPr>
-            <a:spLocks noGrp="1"/>
-          </p:cNvSpPr>
-          <p:nvPr>
-            <p:ph type="title"/>
-          </p:nvPr>
-        </p:nvSpPr>
-        <p:spPr/>
-        <p:txBody>
-          <a:bodyPr/>
-          <a:lstStyle/>
-          <a:p>
-            <a:r>
-              <a:rPr lang="en-US" dirty="0"/>
-              <a:t>How do we know if words are similar?</a:t>
-            </a:r>
-          </a:p>
-        </p:txBody>
-      </p:sp>
-    </p:spTree>
-    <p:extLst>
-      <p:ext uri="{BB962C8B-B14F-4D97-AF65-F5344CB8AC3E}">
-        <p14:creationId xmlns:p14="http://schemas.microsoft.com/office/powerpoint/2010/main" val="2645347266"/>
-      </p:ext>
-    </p:extLst>
-  </p:cSld>
-  <p:clrMapOvr>
-    <a:masterClrMapping/>
-  </p:clrMapOvr>
-</p:sld>
-</file>
-
-<file path=ppt/slides/slide3.xml><?xml version="1.0" encoding="utf-8"?>
-<p:sld xmlns:a="http://schemas.openxmlformats.org/drawingml/2006/main" xmlns:r="http://schemas.openxmlformats.org/officeDocument/2006/relationships" xmlns:p="http://schemas.openxmlformats.org/presentationml/2006/main">
-  <p:cSld>
-    <p:spTree>
-      <p:nvGrpSpPr>
-        <p:cNvPr id="1" name=""/>
-        <p:cNvGrpSpPr/>
-        <p:nvPr/>
-      </p:nvGrpSpPr>
-      <p:grpSpPr>
-        <a:xfrm>
-          <a:off x="0" y="0"/>
-          <a:ext cx="0" cy="0"/>
-          <a:chOff x="0" y="0"/>
-          <a:chExt cx="0" cy="0"/>
-        </a:xfrm>
-      </p:grpSpPr>
-      <p:sp>
-        <p:nvSpPr>
-          <p:cNvPr id="4" name="Title 3">
-            <a:extLst>
-              <a:ext uri="{FF2B5EF4-FFF2-40B4-BE49-F238E27FC236}">
-                <a16:creationId xmlns:a16="http://schemas.microsoft.com/office/drawing/2014/main" id="{33526EA5-702D-40EF-826D-4DC8784F637F}"/>
-              </a:ext>
-            </a:extLst>
-          </p:cNvPr>
-          <p:cNvSpPr>
-            <a:spLocks noGrp="1"/>
-          </p:cNvSpPr>
-          <p:nvPr>
-            <p:ph type="title"/>
-          </p:nvPr>
-        </p:nvSpPr>
-        <p:spPr/>
-        <p:txBody>
-          <a:bodyPr/>
-          <a:lstStyle/>
-          <a:p>
-            <a:r>
-              <a:rPr lang="en-US" dirty="0"/>
-              <a:t>Overview of the Week, Option 1 (with </a:t>
-            </a:r>
-            <a:r>
-              <a:rPr lang="en-US" dirty="0" err="1"/>
-              <a:t>minipresentations</a:t>
-            </a:r>
-            <a:r>
-              <a:rPr lang="en-US" dirty="0"/>
-              <a:t>)</a:t>
-            </a:r>
-          </a:p>
-        </p:txBody>
-      </p:sp>
-      <p:sp>
-        <p:nvSpPr>
-          <p:cNvPr id="5" name="Content Placeholder 4">
-            <a:extLst>
-              <a:ext uri="{FF2B5EF4-FFF2-40B4-BE49-F238E27FC236}">
-                <a16:creationId xmlns:a16="http://schemas.microsoft.com/office/drawing/2014/main" id="{2AA36078-B13C-49CC-AA41-DE4D7794B2A3}"/>
-              </a:ext>
-            </a:extLst>
-          </p:cNvPr>
-          <p:cNvSpPr>
-            <a:spLocks noGrp="1"/>
-          </p:cNvSpPr>
-          <p:nvPr>
-            <p:ph idx="1"/>
-          </p:nvPr>
-        </p:nvSpPr>
-        <p:spPr/>
-        <p:txBody>
-          <a:bodyPr>
-            <a:normAutofit fontScale="62500" lnSpcReduction="20000"/>
-          </a:bodyPr>
-          <a:lstStyle/>
-          <a:p>
-            <a:pPr>
-              <a:buFont typeface="Calibri Light" panose="020F0302020204030204" pitchFamily="34" charset="0"/>
-              <a:buChar char="•"/>
-            </a:pPr>
-            <a:r>
-              <a:rPr lang="en-US" dirty="0"/>
-              <a:t>Monday (today)</a:t>
-            </a:r>
-          </a:p>
-          <a:p>
-            <a:pPr marL="0" indent="0">
-              <a:buNone/>
-            </a:pPr>
-            <a:r>
-              <a:rPr lang="en-US" dirty="0"/>
-              <a:t>	1-3: Introduction to Word Vectors</a:t>
-            </a:r>
-          </a:p>
-          <a:p>
-            <a:pPr>
-              <a:buFont typeface="Calibri Light" panose="020F0302020204030204" pitchFamily="34" charset="0"/>
-              <a:buChar char="•"/>
-            </a:pPr>
-            <a:r>
-              <a:rPr lang="en-US" dirty="0"/>
-              <a:t>Tuesday</a:t>
-            </a:r>
-          </a:p>
-          <a:p>
-            <a:pPr marL="0" indent="0">
-              <a:buNone/>
-            </a:pPr>
-            <a:r>
-              <a:rPr lang="en-US" dirty="0"/>
-              <a:t>	1-3: Word Vectors + FNC</a:t>
-            </a:r>
-          </a:p>
-          <a:p>
-            <a:pPr>
-              <a:buFont typeface="Calibri Light" panose="020F0302020204030204" pitchFamily="34" charset="0"/>
-              <a:buChar char="•"/>
-            </a:pPr>
-            <a:r>
-              <a:rPr lang="en-US" dirty="0"/>
-              <a:t>Wednesday</a:t>
-            </a:r>
-          </a:p>
-          <a:p>
-            <a:pPr marL="0" indent="0">
-              <a:buNone/>
-            </a:pPr>
-            <a:r>
-              <a:rPr lang="en-US" dirty="0"/>
-              <a:t>	1-3: Lexical Overlaps</a:t>
-            </a:r>
-          </a:p>
-          <a:p>
-            <a:pPr>
-              <a:buFont typeface="Calibri Light" panose="020F0302020204030204" pitchFamily="34" charset="0"/>
-              <a:buChar char="•"/>
-            </a:pPr>
-            <a:r>
-              <a:rPr lang="en-US" dirty="0"/>
-              <a:t>Thursday</a:t>
-            </a:r>
-          </a:p>
-          <a:p>
-            <a:pPr marL="0" indent="0">
-              <a:buNone/>
-            </a:pPr>
-            <a:r>
-              <a:rPr lang="en-US" dirty="0"/>
-              <a:t>	9:30-12: Putting together the FNC + Discussion</a:t>
-            </a:r>
-          </a:p>
-          <a:p>
-            <a:pPr marL="0" indent="0">
-              <a:buNone/>
-            </a:pPr>
-            <a:r>
-              <a:rPr lang="en-US" dirty="0"/>
-              <a:t>	1-3: </a:t>
-            </a:r>
-            <a:r>
-              <a:rPr lang="en-US" dirty="0" err="1"/>
-              <a:t>Minipresentations</a:t>
-            </a:r>
-            <a:r>
-              <a:rPr lang="en-US" dirty="0"/>
-              <a:t> (10 minutes per person) + Free time to work on presentation.</a:t>
-            </a:r>
-          </a:p>
-          <a:p>
-            <a:pPr>
-              <a:buFont typeface="Calibri Light" panose="020F0302020204030204" pitchFamily="34" charset="0"/>
-              <a:buChar char="•"/>
-            </a:pPr>
-            <a:r>
-              <a:rPr lang="en-US" dirty="0"/>
-              <a:t>Friday</a:t>
-            </a:r>
-          </a:p>
-          <a:p>
-            <a:pPr marL="0" indent="0">
-              <a:buNone/>
-            </a:pPr>
-            <a:r>
-              <a:rPr lang="en-US" dirty="0"/>
-              <a:t>	9:30-10:30: Free time to finish/practice presentation.</a:t>
-            </a:r>
-          </a:p>
-          <a:p>
-            <a:pPr marL="0" indent="0">
-              <a:buNone/>
-            </a:pPr>
-            <a:r>
-              <a:rPr lang="en-US" dirty="0"/>
-              <a:t>	10:30-12, 1-3: Presentations with other groups.</a:t>
-            </a:r>
-          </a:p>
-          <a:p>
-            <a:pPr>
-              <a:buFont typeface="Calibri Light" panose="020F0302020204030204" pitchFamily="34" charset="0"/>
-              <a:buChar char="•"/>
-            </a:pPr>
-            <a:endParaRPr lang="en-US" dirty="0"/>
-          </a:p>
-        </p:txBody>
-      </p:sp>
-    </p:spTree>
-    <p:extLst>
-      <p:ext uri="{BB962C8B-B14F-4D97-AF65-F5344CB8AC3E}">
-        <p14:creationId xmlns:p14="http://schemas.microsoft.com/office/powerpoint/2010/main" val="764579185"/>
-      </p:ext>
-    </p:extLst>
-  </p:cSld>
-  <p:clrMapOvr>
-    <a:masterClrMapping/>
-  </p:clrMapOvr>
-</p:sld>
-</file>
-
-<file path=ppt/slides/slide30.xml><?xml version="1.0" encoding="utf-8"?>
-<p:sld xmlns:a="http://schemas.openxmlformats.org/drawingml/2006/main" xmlns:r="http://schemas.openxmlformats.org/officeDocument/2006/relationships" xmlns:p="http://schemas.openxmlformats.org/presentationml/2006/main">
-  <p:cSld>
-    <p:spTree>
-      <p:nvGrpSpPr>
-        <p:cNvPr id="1" name=""/>
-        <p:cNvGrpSpPr/>
-        <p:nvPr/>
-      </p:nvGrpSpPr>
-      <p:grpSpPr>
-        <a:xfrm>
-          <a:off x="0" y="0"/>
-          <a:ext cx="0" cy="0"/>
-          <a:chOff x="0" y="0"/>
-          <a:chExt cx="0" cy="0"/>
-        </a:xfrm>
-      </p:grpSpPr>
-      <p:pic>
-        <p:nvPicPr>
-          <p:cNvPr id="3" name="Picture 2">
-            <a:extLst>
-              <a:ext uri="{FF2B5EF4-FFF2-40B4-BE49-F238E27FC236}">
-                <a16:creationId xmlns:a16="http://schemas.microsoft.com/office/drawing/2014/main" id="{1D2625C1-A546-4F5B-A721-C6777904A9C0}"/>
-              </a:ext>
-            </a:extLst>
-          </p:cNvPr>
-          <p:cNvPicPr>
-            <a:picLocks noChangeAspect="1"/>
-          </p:cNvPicPr>
-          <p:nvPr/>
-        </p:nvPicPr>
-        <p:blipFill>
-          <a:blip r:embed="rId3"/>
-          <a:stretch>
-            <a:fillRect/>
-          </a:stretch>
-        </p:blipFill>
-        <p:spPr>
-          <a:xfrm>
-            <a:off x="0" y="2227362"/>
-            <a:ext cx="12192000" cy="2403275"/>
-          </a:xfrm>
-          <a:prstGeom prst="rect">
-            <a:avLst/>
-          </a:prstGeom>
-        </p:spPr>
-      </p:pic>
-      <p:sp>
-        <p:nvSpPr>
           <p:cNvPr id="4" name="Rectangle 3">
             <a:extLst>
               <a:ext uri="{FF2B5EF4-FFF2-40B4-BE49-F238E27FC236}">
@@ -13620,7 +13186,7 @@
 </p:sld>
 </file>
 
-<file path=ppt/slides/slide31.xml><?xml version="1.0" encoding="utf-8"?>
+<file path=ppt/slides/slide3.xml><?xml version="1.0" encoding="utf-8"?>
 <p:sld xmlns:a="http://schemas.openxmlformats.org/drawingml/2006/main" xmlns:r="http://schemas.openxmlformats.org/officeDocument/2006/relationships" xmlns:p="http://schemas.openxmlformats.org/presentationml/2006/main">
   <p:cSld>
     <p:spTree>
@@ -13639,6 +13205,216 @@
       </p:grpSpPr>
       <p:sp>
         <p:nvSpPr>
+          <p:cNvPr id="4" name="Title 3">
+            <a:extLst>
+              <a:ext uri="{FF2B5EF4-FFF2-40B4-BE49-F238E27FC236}">
+                <a16:creationId xmlns:a16="http://schemas.microsoft.com/office/drawing/2014/main" id="{33526EA5-702D-40EF-826D-4DC8784F637F}"/>
+              </a:ext>
+            </a:extLst>
+          </p:cNvPr>
+          <p:cNvSpPr>
+            <a:spLocks noGrp="1"/>
+          </p:cNvSpPr>
+          <p:nvPr>
+            <p:ph type="title"/>
+          </p:nvPr>
+        </p:nvSpPr>
+        <p:spPr/>
+        <p:txBody>
+          <a:bodyPr/>
+          <a:lstStyle/>
+          <a:p>
+            <a:r>
+              <a:rPr lang="en-US" dirty="0"/>
+              <a:t>Overview of the Week</a:t>
+            </a:r>
+          </a:p>
+        </p:txBody>
+      </p:sp>
+      <p:sp>
+        <p:nvSpPr>
+          <p:cNvPr id="5" name="Content Placeholder 4">
+            <a:extLst>
+              <a:ext uri="{FF2B5EF4-FFF2-40B4-BE49-F238E27FC236}">
+                <a16:creationId xmlns:a16="http://schemas.microsoft.com/office/drawing/2014/main" id="{2AA36078-B13C-49CC-AA41-DE4D7794B2A3}"/>
+              </a:ext>
+            </a:extLst>
+          </p:cNvPr>
+          <p:cNvSpPr>
+            <a:spLocks noGrp="1"/>
+          </p:cNvSpPr>
+          <p:nvPr>
+            <p:ph idx="1"/>
+          </p:nvPr>
+        </p:nvSpPr>
+        <p:spPr/>
+        <p:txBody>
+          <a:bodyPr>
+            <a:normAutofit fontScale="62500" lnSpcReduction="20000"/>
+          </a:bodyPr>
+          <a:lstStyle/>
+          <a:p>
+            <a:pPr>
+              <a:buFont typeface="Calibri Light" panose="020F0302020204030204" pitchFamily="34" charset="0"/>
+              <a:buChar char="•"/>
+            </a:pPr>
+            <a:r>
+              <a:rPr lang="en-US" dirty="0"/>
+              <a:t>Monday (today)</a:t>
+            </a:r>
+          </a:p>
+          <a:p>
+            <a:pPr marL="0" indent="0">
+              <a:buNone/>
+            </a:pPr>
+            <a:r>
+              <a:rPr lang="en-US" dirty="0"/>
+              <a:t>	1-3: Introduction to Word Vectors</a:t>
+            </a:r>
+          </a:p>
+          <a:p>
+            <a:pPr>
+              <a:buFont typeface="Calibri Light" panose="020F0302020204030204" pitchFamily="34" charset="0"/>
+              <a:buChar char="•"/>
+            </a:pPr>
+            <a:r>
+              <a:rPr lang="en-US" dirty="0"/>
+              <a:t>Tuesday</a:t>
+            </a:r>
+          </a:p>
+          <a:p>
+            <a:pPr marL="0" indent="0">
+              <a:buNone/>
+            </a:pPr>
+            <a:r>
+              <a:rPr lang="en-US" dirty="0"/>
+              <a:t>	1-3: Word Vectors + FNC</a:t>
+            </a:r>
+          </a:p>
+          <a:p>
+            <a:pPr>
+              <a:buFont typeface="Calibri Light" panose="020F0302020204030204" pitchFamily="34" charset="0"/>
+              <a:buChar char="•"/>
+            </a:pPr>
+            <a:r>
+              <a:rPr lang="en-US" dirty="0"/>
+              <a:t>Wednesday</a:t>
+            </a:r>
+          </a:p>
+          <a:p>
+            <a:pPr marL="0" indent="0">
+              <a:buNone/>
+            </a:pPr>
+            <a:r>
+              <a:rPr lang="en-US" dirty="0"/>
+              <a:t>	1-3: Lexical Overlaps</a:t>
+            </a:r>
+          </a:p>
+          <a:p>
+            <a:pPr>
+              <a:buFont typeface="Calibri Light" panose="020F0302020204030204" pitchFamily="34" charset="0"/>
+              <a:buChar char="•"/>
+            </a:pPr>
+            <a:r>
+              <a:rPr lang="en-US" dirty="0"/>
+              <a:t>Thursday</a:t>
+            </a:r>
+          </a:p>
+          <a:p>
+            <a:pPr marL="0" indent="0">
+              <a:buNone/>
+            </a:pPr>
+            <a:r>
+              <a:rPr lang="en-US" dirty="0"/>
+              <a:t>	9:30-12: Putting together the FNC + Discussion</a:t>
+            </a:r>
+          </a:p>
+          <a:p>
+            <a:pPr marL="0" indent="0">
+              <a:buNone/>
+            </a:pPr>
+            <a:r>
+              <a:rPr lang="en-US" dirty="0"/>
+              <a:t>	1-3: </a:t>
+            </a:r>
+            <a:r>
+              <a:rPr lang="en-US" dirty="0" err="1"/>
+              <a:t>Minipresentations</a:t>
+            </a:r>
+            <a:r>
+              <a:rPr lang="en-US" dirty="0"/>
+              <a:t> (10 minutes per person) + Free time to work on presentation.</a:t>
+            </a:r>
+          </a:p>
+          <a:p>
+            <a:pPr>
+              <a:buFont typeface="Calibri Light" panose="020F0302020204030204" pitchFamily="34" charset="0"/>
+              <a:buChar char="•"/>
+            </a:pPr>
+            <a:r>
+              <a:rPr lang="en-US" dirty="0"/>
+              <a:t>Friday</a:t>
+            </a:r>
+          </a:p>
+          <a:p>
+            <a:pPr marL="0" indent="0">
+              <a:buNone/>
+            </a:pPr>
+            <a:r>
+              <a:rPr lang="en-US" dirty="0"/>
+              <a:t>	9:30-10:30: Free time to finish/practice presentation.</a:t>
+            </a:r>
+          </a:p>
+          <a:p>
+            <a:pPr marL="0" indent="0">
+              <a:buNone/>
+            </a:pPr>
+            <a:r>
+              <a:rPr lang="en-US" dirty="0"/>
+              <a:t>	10:30-12, 1-3: Presentations with other groups.</a:t>
+            </a:r>
+          </a:p>
+          <a:p>
+            <a:pPr>
+              <a:buFont typeface="Calibri Light" panose="020F0302020204030204" pitchFamily="34" charset="0"/>
+              <a:buChar char="•"/>
+            </a:pPr>
+            <a:endParaRPr lang="en-US" dirty="0"/>
+          </a:p>
+        </p:txBody>
+      </p:sp>
+    </p:spTree>
+    <p:extLst>
+      <p:ext uri="{BB962C8B-B14F-4D97-AF65-F5344CB8AC3E}">
+        <p14:creationId xmlns:p14="http://schemas.microsoft.com/office/powerpoint/2010/main" val="764579185"/>
+      </p:ext>
+    </p:extLst>
+  </p:cSld>
+  <p:clrMapOvr>
+    <a:masterClrMapping/>
+  </p:clrMapOvr>
+</p:sld>
+</file>
+
+<file path=ppt/slides/slide30.xml><?xml version="1.0" encoding="utf-8"?>
+<p:sld xmlns:a="http://schemas.openxmlformats.org/drawingml/2006/main" xmlns:r="http://schemas.openxmlformats.org/officeDocument/2006/relationships" xmlns:p="http://schemas.openxmlformats.org/presentationml/2006/main">
+  <p:cSld>
+    <p:spTree>
+      <p:nvGrpSpPr>
+        <p:cNvPr id="1" name=""/>
+        <p:cNvGrpSpPr/>
+        <p:nvPr/>
+      </p:nvGrpSpPr>
+      <p:grpSpPr>
+        <a:xfrm>
+          <a:off x="0" y="0"/>
+          <a:ext cx="0" cy="0"/>
+          <a:chOff x="0" y="0"/>
+          <a:chExt cx="0" cy="0"/>
+        </a:xfrm>
+      </p:grpSpPr>
+      <p:sp>
+        <p:nvSpPr>
           <p:cNvPr id="2" name="Title 1">
             <a:extLst>
               <a:ext uri="{FF2B5EF4-FFF2-40B4-BE49-F238E27FC236}">
@@ -13731,7 +13507,7 @@
 </p:sld>
 </file>
 
-<file path=ppt/slides/slide32.xml><?xml version="1.0" encoding="utf-8"?>
+<file path=ppt/slides/slide31.xml><?xml version="1.0" encoding="utf-8"?>
 <p:sld xmlns:a="http://schemas.openxmlformats.org/drawingml/2006/main" xmlns:r="http://schemas.openxmlformats.org/officeDocument/2006/relationships" xmlns:p="http://schemas.openxmlformats.org/presentationml/2006/main">
   <p:cSld>
     <p:spTree>
@@ -13911,7 +13687,7 @@
 </p:sld>
 </file>
 
-<file path=ppt/slides/slide33.xml><?xml version="1.0" encoding="utf-8"?>
+<file path=ppt/slides/slide32.xml><?xml version="1.0" encoding="utf-8"?>
 <p:sld xmlns:a="http://schemas.openxmlformats.org/drawingml/2006/main" xmlns:r="http://schemas.openxmlformats.org/officeDocument/2006/relationships" xmlns:p="http://schemas.openxmlformats.org/presentationml/2006/main">
   <p:cSld>
     <p:spTree>
@@ -14126,7 +13902,7 @@
 </p:sld>
 </file>
 
-<file path=ppt/slides/slide34.xml><?xml version="1.0" encoding="utf-8"?>
+<file path=ppt/slides/slide33.xml><?xml version="1.0" encoding="utf-8"?>
 <p:sld xmlns:a="http://schemas.openxmlformats.org/drawingml/2006/main" xmlns:r="http://schemas.openxmlformats.org/officeDocument/2006/relationships" xmlns:p="http://schemas.openxmlformats.org/presentationml/2006/main">
   <p:cSld>
     <p:spTree>
@@ -14184,7 +13960,7 @@
 </p:sld>
 </file>
 
-<file path=ppt/slides/slide35.xml><?xml version="1.0" encoding="utf-8"?>
+<file path=ppt/slides/slide34.xml><?xml version="1.0" encoding="utf-8"?>
 <p:sld xmlns:a="http://schemas.openxmlformats.org/drawingml/2006/main" xmlns:r="http://schemas.openxmlformats.org/officeDocument/2006/relationships" xmlns:p="http://schemas.openxmlformats.org/presentationml/2006/main">
   <p:cSld>
     <p:spTree>
@@ -14491,6 +14267,64 @@
 </p:sld>
 </file>
 
+<file path=ppt/slides/slide35.xml><?xml version="1.0" encoding="utf-8"?>
+<p:sld xmlns:a="http://schemas.openxmlformats.org/drawingml/2006/main" xmlns:r="http://schemas.openxmlformats.org/officeDocument/2006/relationships" xmlns:p="http://schemas.openxmlformats.org/presentationml/2006/main">
+  <p:cSld>
+    <p:spTree>
+      <p:nvGrpSpPr>
+        <p:cNvPr id="1" name=""/>
+        <p:cNvGrpSpPr/>
+        <p:nvPr/>
+      </p:nvGrpSpPr>
+      <p:grpSpPr>
+        <a:xfrm>
+          <a:off x="0" y="0"/>
+          <a:ext cx="0" cy="0"/>
+          <a:chOff x="0" y="0"/>
+          <a:chExt cx="0" cy="0"/>
+        </a:xfrm>
+      </p:grpSpPr>
+      <p:sp>
+        <p:nvSpPr>
+          <p:cNvPr id="3" name="Title 2">
+            <a:extLst>
+              <a:ext uri="{FF2B5EF4-FFF2-40B4-BE49-F238E27FC236}">
+                <a16:creationId xmlns:a16="http://schemas.microsoft.com/office/drawing/2014/main" id="{4675CD4B-5EB1-4F21-A6E4-FAF04A11AF74}"/>
+              </a:ext>
+            </a:extLst>
+          </p:cNvPr>
+          <p:cNvSpPr>
+            <a:spLocks noGrp="1"/>
+          </p:cNvSpPr>
+          <p:nvPr>
+            <p:ph type="title"/>
+          </p:nvPr>
+        </p:nvSpPr>
+        <p:spPr/>
+        <p:txBody>
+          <a:bodyPr/>
+          <a:lstStyle/>
+          <a:p>
+            <a:r>
+              <a:rPr lang="en-US" dirty="0"/>
+              <a:t>How can we represent sentences given word embeddings?</a:t>
+            </a:r>
+          </a:p>
+        </p:txBody>
+      </p:sp>
+    </p:spTree>
+    <p:extLst>
+      <p:ext uri="{BB962C8B-B14F-4D97-AF65-F5344CB8AC3E}">
+        <p14:creationId xmlns:p14="http://schemas.microsoft.com/office/powerpoint/2010/main" val="1515607903"/>
+      </p:ext>
+    </p:extLst>
+  </p:cSld>
+  <p:clrMapOvr>
+    <a:masterClrMapping/>
+  </p:clrMapOvr>
+</p:sld>
+</file>
+
 <file path=ppt/slides/slide36.xml><?xml version="1.0" encoding="utf-8"?>
 <p:sld xmlns:a="http://schemas.openxmlformats.org/drawingml/2006/main" xmlns:r="http://schemas.openxmlformats.org/officeDocument/2006/relationships" xmlns:p="http://schemas.openxmlformats.org/presentationml/2006/main">
   <p:cSld>
@@ -14531,64 +14365,6 @@
           <a:p>
             <a:r>
               <a:rPr lang="en-US" dirty="0"/>
-              <a:t>How can we represent sentences given word embeddings?</a:t>
-            </a:r>
-          </a:p>
-        </p:txBody>
-      </p:sp>
-    </p:spTree>
-    <p:extLst>
-      <p:ext uri="{BB962C8B-B14F-4D97-AF65-F5344CB8AC3E}">
-        <p14:creationId xmlns:p14="http://schemas.microsoft.com/office/powerpoint/2010/main" val="1515607903"/>
-      </p:ext>
-    </p:extLst>
-  </p:cSld>
-  <p:clrMapOvr>
-    <a:masterClrMapping/>
-  </p:clrMapOvr>
-</p:sld>
-</file>
-
-<file path=ppt/slides/slide37.xml><?xml version="1.0" encoding="utf-8"?>
-<p:sld xmlns:a="http://schemas.openxmlformats.org/drawingml/2006/main" xmlns:r="http://schemas.openxmlformats.org/officeDocument/2006/relationships" xmlns:p="http://schemas.openxmlformats.org/presentationml/2006/main">
-  <p:cSld>
-    <p:spTree>
-      <p:nvGrpSpPr>
-        <p:cNvPr id="1" name=""/>
-        <p:cNvGrpSpPr/>
-        <p:nvPr/>
-      </p:nvGrpSpPr>
-      <p:grpSpPr>
-        <a:xfrm>
-          <a:off x="0" y="0"/>
-          <a:ext cx="0" cy="0"/>
-          <a:chOff x="0" y="0"/>
-          <a:chExt cx="0" cy="0"/>
-        </a:xfrm>
-      </p:grpSpPr>
-      <p:sp>
-        <p:nvSpPr>
-          <p:cNvPr id="3" name="Title 2">
-            <a:extLst>
-              <a:ext uri="{FF2B5EF4-FFF2-40B4-BE49-F238E27FC236}">
-                <a16:creationId xmlns:a16="http://schemas.microsoft.com/office/drawing/2014/main" id="{4675CD4B-5EB1-4F21-A6E4-FAF04A11AF74}"/>
-              </a:ext>
-            </a:extLst>
-          </p:cNvPr>
-          <p:cNvSpPr>
-            <a:spLocks noGrp="1"/>
-          </p:cNvSpPr>
-          <p:nvPr>
-            <p:ph type="title"/>
-          </p:nvPr>
-        </p:nvSpPr>
-        <p:spPr/>
-        <p:txBody>
-          <a:bodyPr/>
-          <a:lstStyle/>
-          <a:p>
-            <a:r>
-              <a:rPr lang="en-US" dirty="0"/>
               <a:t>How can we use word vectors?</a:t>
             </a:r>
           </a:p>
@@ -14607,7 +14383,7 @@
 </p:sld>
 </file>
 
-<file path=ppt/slides/slide38.xml><?xml version="1.0" encoding="utf-8"?>
+<file path=ppt/slides/slide37.xml><?xml version="1.0" encoding="utf-8"?>
 <p:sld xmlns:a="http://schemas.openxmlformats.org/drawingml/2006/main" xmlns:r="http://schemas.openxmlformats.org/officeDocument/2006/relationships" xmlns:p="http://schemas.openxmlformats.org/presentationml/2006/main">
   <p:cSld>
     <p:spTree>
@@ -14718,7 +14494,7 @@
 </p:sld>
 </file>
 
-<file path=ppt/slides/slide39.xml><?xml version="1.0" encoding="utf-8"?>
+<file path=ppt/slides/slide38.xml><?xml version="1.0" encoding="utf-8"?>
 <p:sld xmlns:a="http://schemas.openxmlformats.org/drawingml/2006/main" xmlns:r="http://schemas.openxmlformats.org/officeDocument/2006/relationships" xmlns:p="http://schemas.openxmlformats.org/presentationml/2006/main">
   <p:cSld>
     <p:spTree>
@@ -14829,217 +14605,7 @@
 </p:sld>
 </file>
 
-<file path=ppt/slides/slide4.xml><?xml version="1.0" encoding="utf-8"?>
-<p:sld xmlns:a="http://schemas.openxmlformats.org/drawingml/2006/main" xmlns:r="http://schemas.openxmlformats.org/officeDocument/2006/relationships" xmlns:p="http://schemas.openxmlformats.org/presentationml/2006/main">
-  <p:cSld>
-    <p:spTree>
-      <p:nvGrpSpPr>
-        <p:cNvPr id="1" name=""/>
-        <p:cNvGrpSpPr/>
-        <p:nvPr/>
-      </p:nvGrpSpPr>
-      <p:grpSpPr>
-        <a:xfrm>
-          <a:off x="0" y="0"/>
-          <a:ext cx="0" cy="0"/>
-          <a:chOff x="0" y="0"/>
-          <a:chExt cx="0" cy="0"/>
-        </a:xfrm>
-      </p:grpSpPr>
-      <p:sp>
-        <p:nvSpPr>
-          <p:cNvPr id="4" name="Title 3">
-            <a:extLst>
-              <a:ext uri="{FF2B5EF4-FFF2-40B4-BE49-F238E27FC236}">
-                <a16:creationId xmlns:a16="http://schemas.microsoft.com/office/drawing/2014/main" id="{33526EA5-702D-40EF-826D-4DC8784F637F}"/>
-              </a:ext>
-            </a:extLst>
-          </p:cNvPr>
-          <p:cNvSpPr>
-            <a:spLocks noGrp="1"/>
-          </p:cNvSpPr>
-          <p:nvPr>
-            <p:ph type="title"/>
-          </p:nvPr>
-        </p:nvSpPr>
-        <p:spPr/>
-        <p:txBody>
-          <a:bodyPr/>
-          <a:lstStyle/>
-          <a:p>
-            <a:r>
-              <a:rPr lang="en-US" dirty="0"/>
-              <a:t>Overview of the Week, Option 2 (no </a:t>
-            </a:r>
-            <a:r>
-              <a:rPr lang="en-US" dirty="0" err="1"/>
-              <a:t>minipresentations</a:t>
-            </a:r>
-            <a:r>
-              <a:rPr lang="en-US" dirty="0"/>
-              <a:t>)</a:t>
-            </a:r>
-          </a:p>
-        </p:txBody>
-      </p:sp>
-      <p:sp>
-        <p:nvSpPr>
-          <p:cNvPr id="5" name="Content Placeholder 4">
-            <a:extLst>
-              <a:ext uri="{FF2B5EF4-FFF2-40B4-BE49-F238E27FC236}">
-                <a16:creationId xmlns:a16="http://schemas.microsoft.com/office/drawing/2014/main" id="{2AA36078-B13C-49CC-AA41-DE4D7794B2A3}"/>
-              </a:ext>
-            </a:extLst>
-          </p:cNvPr>
-          <p:cNvSpPr>
-            <a:spLocks noGrp="1"/>
-          </p:cNvSpPr>
-          <p:nvPr>
-            <p:ph idx="1"/>
-          </p:nvPr>
-        </p:nvSpPr>
-        <p:spPr/>
-        <p:txBody>
-          <a:bodyPr>
-            <a:normAutofit fontScale="62500" lnSpcReduction="20000"/>
-          </a:bodyPr>
-          <a:lstStyle/>
-          <a:p>
-            <a:pPr>
-              <a:buFont typeface="Calibri Light" panose="020F0302020204030204" pitchFamily="34" charset="0"/>
-              <a:buChar char="•"/>
-            </a:pPr>
-            <a:r>
-              <a:rPr lang="en-US" dirty="0"/>
-              <a:t>Monday (today)</a:t>
-            </a:r>
-          </a:p>
-          <a:p>
-            <a:pPr marL="0" indent="0">
-              <a:buNone/>
-            </a:pPr>
-            <a:r>
-              <a:rPr lang="en-US" dirty="0"/>
-              <a:t>	1-3: Introduction to Word Vectors</a:t>
-            </a:r>
-          </a:p>
-          <a:p>
-            <a:pPr>
-              <a:buFont typeface="Calibri Light" panose="020F0302020204030204" pitchFamily="34" charset="0"/>
-              <a:buChar char="•"/>
-            </a:pPr>
-            <a:r>
-              <a:rPr lang="en-US" dirty="0"/>
-              <a:t>Tuesday</a:t>
-            </a:r>
-          </a:p>
-          <a:p>
-            <a:pPr marL="0" indent="0">
-              <a:buNone/>
-            </a:pPr>
-            <a:r>
-              <a:rPr lang="en-US" dirty="0"/>
-              <a:t>	1-3: Word Vectors + FNC</a:t>
-            </a:r>
-          </a:p>
-          <a:p>
-            <a:pPr>
-              <a:buFont typeface="Calibri Light" panose="020F0302020204030204" pitchFamily="34" charset="0"/>
-              <a:buChar char="•"/>
-            </a:pPr>
-            <a:r>
-              <a:rPr lang="en-US" dirty="0"/>
-              <a:t>Wednesday</a:t>
-            </a:r>
-          </a:p>
-          <a:p>
-            <a:pPr marL="0" indent="0">
-              <a:buNone/>
-            </a:pPr>
-            <a:r>
-              <a:rPr lang="en-US" dirty="0"/>
-              <a:t>	1-3: Lexical Overlaps</a:t>
-            </a:r>
-          </a:p>
-          <a:p>
-            <a:pPr>
-              <a:buFont typeface="Calibri Light" panose="020F0302020204030204" pitchFamily="34" charset="0"/>
-              <a:buChar char="•"/>
-            </a:pPr>
-            <a:r>
-              <a:rPr lang="en-US" dirty="0"/>
-              <a:t>Thursday</a:t>
-            </a:r>
-          </a:p>
-          <a:p>
-            <a:pPr marL="0" indent="0">
-              <a:buNone/>
-            </a:pPr>
-            <a:r>
-              <a:rPr lang="en-US" dirty="0"/>
-              <a:t>	9:30-12: Putting together the FNC + Discussion</a:t>
-            </a:r>
-          </a:p>
-          <a:p>
-            <a:pPr marL="0" indent="0">
-              <a:buNone/>
-            </a:pPr>
-            <a:r>
-              <a:rPr lang="en-US" dirty="0"/>
-              <a:t>	1-3: Free time to work on presentation.</a:t>
-            </a:r>
-          </a:p>
-          <a:p>
-            <a:pPr>
-              <a:buFont typeface="Calibri Light" panose="020F0302020204030204" pitchFamily="34" charset="0"/>
-              <a:buChar char="•"/>
-            </a:pPr>
-            <a:r>
-              <a:rPr lang="en-US" dirty="0"/>
-              <a:t>Friday</a:t>
-            </a:r>
-          </a:p>
-          <a:p>
-            <a:pPr marL="0" indent="0">
-              <a:buNone/>
-            </a:pPr>
-            <a:r>
-              <a:rPr lang="en-US" dirty="0"/>
-              <a:t>	9:30-10:30: Free time to finish/practice presentation.</a:t>
-            </a:r>
-          </a:p>
-          <a:p>
-            <a:pPr marL="0" indent="0">
-              <a:buNone/>
-            </a:pPr>
-            <a:r>
-              <a:rPr lang="en-US" dirty="0"/>
-              <a:t>	10:30-12, 1-3: Presentations with other groups.</a:t>
-            </a:r>
-          </a:p>
-          <a:p>
-            <a:pPr>
-              <a:buFont typeface="Calibri Light" panose="020F0302020204030204" pitchFamily="34" charset="0"/>
-              <a:buChar char="•"/>
-            </a:pPr>
-            <a:endParaRPr lang="en-US" dirty="0"/>
-          </a:p>
-        </p:txBody>
-      </p:sp>
-    </p:spTree>
-    <p:extLst>
-      <p:ext uri="{BB962C8B-B14F-4D97-AF65-F5344CB8AC3E}">
-        <p14:creationId xmlns:p14="http://schemas.microsoft.com/office/powerpoint/2010/main" val="1532645243"/>
-      </p:ext>
-    </p:extLst>
-  </p:cSld>
-  <p:clrMapOvr>
-    <a:masterClrMapping/>
-  </p:clrMapOvr>
-</p:sld>
-</file>
-
-<file path=ppt/slides/slide40.xml><?xml version="1.0" encoding="utf-8"?>
+<file path=ppt/slides/slide39.xml><?xml version="1.0" encoding="utf-8"?>
 <p:sld xmlns:a="http://schemas.openxmlformats.org/drawingml/2006/main" xmlns:r="http://schemas.openxmlformats.org/officeDocument/2006/relationships" xmlns:p="http://schemas.openxmlformats.org/presentationml/2006/main">
   <p:cSld>
     <p:spTree>
@@ -15141,6 +14707,437 @@
     <p:extLst>
       <p:ext uri="{BB962C8B-B14F-4D97-AF65-F5344CB8AC3E}">
         <p14:creationId xmlns:p14="http://schemas.microsoft.com/office/powerpoint/2010/main" val="258219719"/>
+      </p:ext>
+    </p:extLst>
+  </p:cSld>
+  <p:clrMapOvr>
+    <a:masterClrMapping/>
+  </p:clrMapOvr>
+</p:sld>
+</file>
+
+<file path=ppt/slides/slide4.xml><?xml version="1.0" encoding="utf-8"?>
+<p:sld xmlns:a="http://schemas.openxmlformats.org/drawingml/2006/main" xmlns:r="http://schemas.openxmlformats.org/officeDocument/2006/relationships" xmlns:p="http://schemas.openxmlformats.org/presentationml/2006/main">
+  <p:cSld>
+    <p:spTree>
+      <p:nvGrpSpPr>
+        <p:cNvPr id="1" name=""/>
+        <p:cNvGrpSpPr/>
+        <p:nvPr/>
+      </p:nvGrpSpPr>
+      <p:grpSpPr>
+        <a:xfrm>
+          <a:off x="0" y="0"/>
+          <a:ext cx="0" cy="0"/>
+          <a:chOff x="0" y="0"/>
+          <a:chExt cx="0" cy="0"/>
+        </a:xfrm>
+      </p:grpSpPr>
+      <p:sp>
+        <p:nvSpPr>
+          <p:cNvPr id="2" name="Title 1">
+            <a:extLst>
+              <a:ext uri="{FF2B5EF4-FFF2-40B4-BE49-F238E27FC236}">
+                <a16:creationId xmlns:a16="http://schemas.microsoft.com/office/drawing/2014/main" id="{A16B9968-6578-483E-84E3-0F9F3A6705B5}"/>
+              </a:ext>
+            </a:extLst>
+          </p:cNvPr>
+          <p:cNvSpPr>
+            <a:spLocks noGrp="1"/>
+          </p:cNvSpPr>
+          <p:nvPr>
+            <p:ph type="title"/>
+          </p:nvPr>
+        </p:nvSpPr>
+        <p:spPr/>
+        <p:txBody>
+          <a:bodyPr/>
+          <a:lstStyle/>
+          <a:p>
+            <a:r>
+              <a:rPr lang="en-US" dirty="0"/>
+              <a:t>Info about NLP &amp; Ethics/Policy </a:t>
+            </a:r>
+            <a:r>
+              <a:rPr lang="en-US" dirty="0" err="1"/>
+              <a:t>minipresentations</a:t>
+            </a:r>
+            <a:endParaRPr lang="en-US" dirty="0"/>
+          </a:p>
+        </p:txBody>
+      </p:sp>
+      <p:sp>
+        <p:nvSpPr>
+          <p:cNvPr id="3" name="Content Placeholder 2">
+            <a:extLst>
+              <a:ext uri="{FF2B5EF4-FFF2-40B4-BE49-F238E27FC236}">
+                <a16:creationId xmlns:a16="http://schemas.microsoft.com/office/drawing/2014/main" id="{7642E44E-D773-4BF3-9C18-E099B8F14B72}"/>
+              </a:ext>
+            </a:extLst>
+          </p:cNvPr>
+          <p:cNvSpPr>
+            <a:spLocks noGrp="1"/>
+          </p:cNvSpPr>
+          <p:nvPr>
+            <p:ph idx="1"/>
+          </p:nvPr>
+        </p:nvSpPr>
+        <p:spPr/>
+        <p:txBody>
+          <a:bodyPr/>
+          <a:lstStyle/>
+          <a:p>
+            <a:pPr>
+              <a:buFont typeface="Arial" panose="020B0604020202020204" pitchFamily="34" charset="0"/>
+              <a:buChar char="•"/>
+            </a:pPr>
+            <a:r>
+              <a:rPr lang="en-US" dirty="0"/>
+              <a:t> Find a topic related to NLP and ethics/policy (can be a paper, news article, general topic of debate).</a:t>
+            </a:r>
+          </a:p>
+          <a:p>
+            <a:pPr>
+              <a:buFont typeface="Arial" panose="020B0604020202020204" pitchFamily="34" charset="0"/>
+              <a:buChar char="•"/>
+            </a:pPr>
+            <a:r>
+              <a:rPr lang="en-US" dirty="0"/>
+              <a:t> Prepare either a presentation with slides, or a few questions for debate/discussion.</a:t>
+            </a:r>
+          </a:p>
+          <a:p>
+            <a:pPr>
+              <a:buFont typeface="Arial" panose="020B0604020202020204" pitchFamily="34" charset="0"/>
+              <a:buChar char="•"/>
+            </a:pPr>
+            <a:r>
+              <a:rPr lang="en-US" dirty="0"/>
+              <a:t> Lead a mini-session about this topic!</a:t>
+            </a:r>
+          </a:p>
+          <a:p>
+            <a:pPr>
+              <a:buFont typeface="Arial" panose="020B0604020202020204" pitchFamily="34" charset="0"/>
+              <a:buChar char="•"/>
+            </a:pPr>
+            <a:r>
+              <a:rPr lang="en-US" dirty="0"/>
+              <a:t> We can do sign-ups to avoid overlaps.</a:t>
+            </a:r>
+          </a:p>
+        </p:txBody>
+      </p:sp>
+    </p:spTree>
+    <p:extLst>
+      <p:ext uri="{BB962C8B-B14F-4D97-AF65-F5344CB8AC3E}">
+        <p14:creationId xmlns:p14="http://schemas.microsoft.com/office/powerpoint/2010/main" val="568801288"/>
+      </p:ext>
+    </p:extLst>
+  </p:cSld>
+  <p:clrMapOvr>
+    <a:masterClrMapping/>
+  </p:clrMapOvr>
+</p:sld>
+</file>
+
+<file path=ppt/slides/slide40.xml><?xml version="1.0" encoding="utf-8"?>
+<p:sld xmlns:a="http://schemas.openxmlformats.org/drawingml/2006/main" xmlns:r="http://schemas.openxmlformats.org/officeDocument/2006/relationships" xmlns:p="http://schemas.openxmlformats.org/presentationml/2006/main">
+  <p:cSld>
+    <p:spTree>
+      <p:nvGrpSpPr>
+        <p:cNvPr id="1" name=""/>
+        <p:cNvGrpSpPr/>
+        <p:nvPr/>
+      </p:nvGrpSpPr>
+      <p:grpSpPr>
+        <a:xfrm>
+          <a:off x="0" y="0"/>
+          <a:ext cx="0" cy="0"/>
+          <a:chOff x="0" y="0"/>
+          <a:chExt cx="0" cy="0"/>
+        </a:xfrm>
+      </p:grpSpPr>
+      <p:pic>
+        <p:nvPicPr>
+          <p:cNvPr id="2" name="Picture 1">
+            <a:extLst>
+              <a:ext uri="{FF2B5EF4-FFF2-40B4-BE49-F238E27FC236}">
+                <a16:creationId xmlns:a16="http://schemas.microsoft.com/office/drawing/2014/main" id="{C92BB9A5-B40B-416A-A1D5-2C2ADA239337}"/>
+              </a:ext>
+            </a:extLst>
+          </p:cNvPr>
+          <p:cNvPicPr>
+            <a:picLocks noChangeAspect="1"/>
+          </p:cNvPicPr>
+          <p:nvPr/>
+        </p:nvPicPr>
+        <p:blipFill>
+          <a:blip r:embed="rId2"/>
+          <a:stretch>
+            <a:fillRect/>
+          </a:stretch>
+        </p:blipFill>
+        <p:spPr>
+          <a:xfrm>
+            <a:off x="1415561" y="12403"/>
+            <a:ext cx="9091246" cy="3416597"/>
+          </a:xfrm>
+          <a:prstGeom prst="rect">
+            <a:avLst/>
+          </a:prstGeom>
+        </p:spPr>
+      </p:pic>
+      <p:pic>
+        <p:nvPicPr>
+          <p:cNvPr id="3" name="Picture 2">
+            <a:extLst>
+              <a:ext uri="{FF2B5EF4-FFF2-40B4-BE49-F238E27FC236}">
+                <a16:creationId xmlns:a16="http://schemas.microsoft.com/office/drawing/2014/main" id="{F85EE3B2-ED49-4753-A5F4-3B1B47CD96C8}"/>
+              </a:ext>
+            </a:extLst>
+          </p:cNvPr>
+          <p:cNvPicPr>
+            <a:picLocks noChangeAspect="1"/>
+          </p:cNvPicPr>
+          <p:nvPr/>
+        </p:nvPicPr>
+        <p:blipFill>
+          <a:blip r:embed="rId3"/>
+          <a:stretch>
+            <a:fillRect/>
+          </a:stretch>
+        </p:blipFill>
+        <p:spPr>
+          <a:xfrm>
+            <a:off x="937847" y="4011490"/>
+            <a:ext cx="3581400" cy="400050"/>
+          </a:xfrm>
+          <a:prstGeom prst="rect">
+            <a:avLst/>
+          </a:prstGeom>
+        </p:spPr>
+      </p:pic>
+      <p:pic>
+        <p:nvPicPr>
+          <p:cNvPr id="4" name="Picture 3">
+            <a:extLst>
+              <a:ext uri="{FF2B5EF4-FFF2-40B4-BE49-F238E27FC236}">
+                <a16:creationId xmlns:a16="http://schemas.microsoft.com/office/drawing/2014/main" id="{0C52DACF-1FF7-41C2-BAF3-BF8563F4019F}"/>
+              </a:ext>
+            </a:extLst>
+          </p:cNvPr>
+          <p:cNvPicPr>
+            <a:picLocks noChangeAspect="1"/>
+          </p:cNvPicPr>
+          <p:nvPr/>
+        </p:nvPicPr>
+        <p:blipFill>
+          <a:blip r:embed="rId4"/>
+          <a:stretch>
+            <a:fillRect/>
+          </a:stretch>
+        </p:blipFill>
+        <p:spPr>
+          <a:xfrm>
+            <a:off x="5567729" y="3925765"/>
+            <a:ext cx="6419850" cy="571500"/>
+          </a:xfrm>
+          <a:prstGeom prst="rect">
+            <a:avLst/>
+          </a:prstGeom>
+        </p:spPr>
+      </p:pic>
+      <p:sp>
+        <p:nvSpPr>
+          <p:cNvPr id="6" name="Rectangle 5">
+            <a:extLst>
+              <a:ext uri="{FF2B5EF4-FFF2-40B4-BE49-F238E27FC236}">
+                <a16:creationId xmlns:a16="http://schemas.microsoft.com/office/drawing/2014/main" id="{AFF1E87F-B491-42C3-9E4C-ABA29DC3DEA8}"/>
+              </a:ext>
+            </a:extLst>
+          </p:cNvPr>
+          <p:cNvSpPr/>
+          <p:nvPr/>
+        </p:nvSpPr>
+        <p:spPr>
+          <a:xfrm>
+            <a:off x="413238" y="5736912"/>
+            <a:ext cx="12045461" cy="646331"/>
+          </a:xfrm>
+          <a:prstGeom prst="rect">
+            <a:avLst/>
+          </a:prstGeom>
+        </p:spPr>
+        <p:txBody>
+          <a:bodyPr wrap="square">
+            <a:spAutoFit/>
+          </a:bodyPr>
+          <a:lstStyle/>
+          <a:p>
+            <a:r>
+              <a:rPr lang="en-US" dirty="0"/>
+              <a:t>https://papers.nips.cc/paper/6228-man-is-to-computer-programmer-as-woman-is-to-homemaker-debiasing-word-embeddings.pdf</a:t>
+            </a:r>
+          </a:p>
+        </p:txBody>
+      </p:sp>
+      <p:sp>
+        <p:nvSpPr>
+          <p:cNvPr id="5" name="Rectangle 4">
+            <a:extLst>
+              <a:ext uri="{FF2B5EF4-FFF2-40B4-BE49-F238E27FC236}">
+                <a16:creationId xmlns:a16="http://schemas.microsoft.com/office/drawing/2014/main" id="{5AA46AE5-DEC6-4A98-A8A4-9434C091716F}"/>
+              </a:ext>
+            </a:extLst>
+          </p:cNvPr>
+          <p:cNvSpPr/>
+          <p:nvPr/>
+        </p:nvSpPr>
+        <p:spPr>
+          <a:xfrm>
+            <a:off x="5495192" y="3613638"/>
+            <a:ext cx="6492387" cy="1248508"/>
+          </a:xfrm>
+          <a:prstGeom prst="rect">
+            <a:avLst/>
+          </a:prstGeom>
+          <a:solidFill>
+            <a:schemeClr val="bg1"/>
+          </a:solidFill>
+          <a:ln>
+            <a:solidFill>
+              <a:schemeClr val="bg1"/>
+            </a:solidFill>
+          </a:ln>
+        </p:spPr>
+        <p:style>
+          <a:lnRef idx="2">
+            <a:schemeClr val="accent1">
+              <a:shade val="50000"/>
+            </a:schemeClr>
+          </a:lnRef>
+          <a:fillRef idx="1">
+            <a:schemeClr val="accent1"/>
+          </a:fillRef>
+          <a:effectRef idx="0">
+            <a:schemeClr val="accent1"/>
+          </a:effectRef>
+          <a:fontRef idx="minor">
+            <a:schemeClr val="lt1"/>
+          </a:fontRef>
+        </p:style>
+        <p:txBody>
+          <a:bodyPr rtlCol="0" anchor="ctr"/>
+          <a:lstStyle/>
+          <a:p>
+            <a:pPr algn="ctr"/>
+            <a:endParaRPr lang="en-US"/>
+          </a:p>
+        </p:txBody>
+      </p:sp>
+      <p:sp>
+        <p:nvSpPr>
+          <p:cNvPr id="7" name="Rectangle 6">
+            <a:extLst>
+              <a:ext uri="{FF2B5EF4-FFF2-40B4-BE49-F238E27FC236}">
+                <a16:creationId xmlns:a16="http://schemas.microsoft.com/office/drawing/2014/main" id="{431282E7-6A13-4470-86CA-D77D1B3560F3}"/>
+              </a:ext>
+            </a:extLst>
+          </p:cNvPr>
+          <p:cNvSpPr/>
+          <p:nvPr/>
+        </p:nvSpPr>
+        <p:spPr>
+          <a:xfrm>
+            <a:off x="7016261" y="1424354"/>
+            <a:ext cx="1890346" cy="589084"/>
+          </a:xfrm>
+          <a:prstGeom prst="rect">
+            <a:avLst/>
+          </a:prstGeom>
+          <a:ln>
+            <a:noFill/>
+          </a:ln>
+        </p:spPr>
+        <p:style>
+          <a:lnRef idx="2">
+            <a:schemeClr val="accent1">
+              <a:shade val="50000"/>
+            </a:schemeClr>
+          </a:lnRef>
+          <a:fillRef idx="1">
+            <a:schemeClr val="accent1"/>
+          </a:fillRef>
+          <a:effectRef idx="0">
+            <a:schemeClr val="accent1"/>
+          </a:effectRef>
+          <a:fontRef idx="minor">
+            <a:schemeClr val="lt1"/>
+          </a:fontRef>
+        </p:style>
+        <p:txBody>
+          <a:bodyPr rtlCol="0" anchor="ctr"/>
+          <a:lstStyle/>
+          <a:p>
+            <a:pPr algn="ctr"/>
+            <a:endParaRPr lang="en-US"/>
+          </a:p>
+        </p:txBody>
+      </p:sp>
+      <p:sp>
+        <p:nvSpPr>
+          <p:cNvPr id="8" name="Rectangle 7">
+            <a:extLst>
+              <a:ext uri="{FF2B5EF4-FFF2-40B4-BE49-F238E27FC236}">
+                <a16:creationId xmlns:a16="http://schemas.microsoft.com/office/drawing/2014/main" id="{57F84B28-0D39-4C42-86AD-949D5543FB9F}"/>
+              </a:ext>
+            </a:extLst>
+          </p:cNvPr>
+          <p:cNvSpPr/>
+          <p:nvPr/>
+        </p:nvSpPr>
+        <p:spPr>
+          <a:xfrm>
+            <a:off x="3323492" y="1720701"/>
+            <a:ext cx="3965331" cy="292737"/>
+          </a:xfrm>
+          <a:prstGeom prst="rect">
+            <a:avLst/>
+          </a:prstGeom>
+          <a:ln>
+            <a:noFill/>
+          </a:ln>
+        </p:spPr>
+        <p:style>
+          <a:lnRef idx="2">
+            <a:schemeClr val="accent1">
+              <a:shade val="50000"/>
+            </a:schemeClr>
+          </a:lnRef>
+          <a:fillRef idx="1">
+            <a:schemeClr val="accent1"/>
+          </a:fillRef>
+          <a:effectRef idx="0">
+            <a:schemeClr val="accent1"/>
+          </a:effectRef>
+          <a:fontRef idx="minor">
+            <a:schemeClr val="lt1"/>
+          </a:fontRef>
+        </p:style>
+        <p:txBody>
+          <a:bodyPr rtlCol="0" anchor="ctr"/>
+          <a:lstStyle/>
+          <a:p>
+            <a:pPr algn="ctr"/>
+            <a:endParaRPr lang="en-US"/>
+          </a:p>
+        </p:txBody>
+      </p:sp>
+    </p:spTree>
+    <p:extLst>
+      <p:ext uri="{BB962C8B-B14F-4D97-AF65-F5344CB8AC3E}">
+        <p14:creationId xmlns:p14="http://schemas.microsoft.com/office/powerpoint/2010/main" val="483815111"/>
       </p:ext>
     </p:extLst>
   </p:cSld>
@@ -15291,312 +15288,6 @@
           </a:p>
         </p:txBody>
       </p:sp>
-      <p:sp>
-        <p:nvSpPr>
-          <p:cNvPr id="5" name="Rectangle 4">
-            <a:extLst>
-              <a:ext uri="{FF2B5EF4-FFF2-40B4-BE49-F238E27FC236}">
-                <a16:creationId xmlns:a16="http://schemas.microsoft.com/office/drawing/2014/main" id="{5AA46AE5-DEC6-4A98-A8A4-9434C091716F}"/>
-              </a:ext>
-            </a:extLst>
-          </p:cNvPr>
-          <p:cNvSpPr/>
-          <p:nvPr/>
-        </p:nvSpPr>
-        <p:spPr>
-          <a:xfrm>
-            <a:off x="5495192" y="3613638"/>
-            <a:ext cx="6492387" cy="1248508"/>
-          </a:xfrm>
-          <a:prstGeom prst="rect">
-            <a:avLst/>
-          </a:prstGeom>
-          <a:solidFill>
-            <a:schemeClr val="bg1"/>
-          </a:solidFill>
-          <a:ln>
-            <a:solidFill>
-              <a:schemeClr val="bg1"/>
-            </a:solidFill>
-          </a:ln>
-        </p:spPr>
-        <p:style>
-          <a:lnRef idx="2">
-            <a:schemeClr val="accent1">
-              <a:shade val="50000"/>
-            </a:schemeClr>
-          </a:lnRef>
-          <a:fillRef idx="1">
-            <a:schemeClr val="accent1"/>
-          </a:fillRef>
-          <a:effectRef idx="0">
-            <a:schemeClr val="accent1"/>
-          </a:effectRef>
-          <a:fontRef idx="minor">
-            <a:schemeClr val="lt1"/>
-          </a:fontRef>
-        </p:style>
-        <p:txBody>
-          <a:bodyPr rtlCol="0" anchor="ctr"/>
-          <a:lstStyle/>
-          <a:p>
-            <a:pPr algn="ctr"/>
-            <a:endParaRPr lang="en-US"/>
-          </a:p>
-        </p:txBody>
-      </p:sp>
-      <p:sp>
-        <p:nvSpPr>
-          <p:cNvPr id="7" name="Rectangle 6">
-            <a:extLst>
-              <a:ext uri="{FF2B5EF4-FFF2-40B4-BE49-F238E27FC236}">
-                <a16:creationId xmlns:a16="http://schemas.microsoft.com/office/drawing/2014/main" id="{431282E7-6A13-4470-86CA-D77D1B3560F3}"/>
-              </a:ext>
-            </a:extLst>
-          </p:cNvPr>
-          <p:cNvSpPr/>
-          <p:nvPr/>
-        </p:nvSpPr>
-        <p:spPr>
-          <a:xfrm>
-            <a:off x="7016261" y="1424354"/>
-            <a:ext cx="1890346" cy="589084"/>
-          </a:xfrm>
-          <a:prstGeom prst="rect">
-            <a:avLst/>
-          </a:prstGeom>
-          <a:ln>
-            <a:noFill/>
-          </a:ln>
-        </p:spPr>
-        <p:style>
-          <a:lnRef idx="2">
-            <a:schemeClr val="accent1">
-              <a:shade val="50000"/>
-            </a:schemeClr>
-          </a:lnRef>
-          <a:fillRef idx="1">
-            <a:schemeClr val="accent1"/>
-          </a:fillRef>
-          <a:effectRef idx="0">
-            <a:schemeClr val="accent1"/>
-          </a:effectRef>
-          <a:fontRef idx="minor">
-            <a:schemeClr val="lt1"/>
-          </a:fontRef>
-        </p:style>
-        <p:txBody>
-          <a:bodyPr rtlCol="0" anchor="ctr"/>
-          <a:lstStyle/>
-          <a:p>
-            <a:pPr algn="ctr"/>
-            <a:endParaRPr lang="en-US"/>
-          </a:p>
-        </p:txBody>
-      </p:sp>
-      <p:sp>
-        <p:nvSpPr>
-          <p:cNvPr id="8" name="Rectangle 7">
-            <a:extLst>
-              <a:ext uri="{FF2B5EF4-FFF2-40B4-BE49-F238E27FC236}">
-                <a16:creationId xmlns:a16="http://schemas.microsoft.com/office/drawing/2014/main" id="{57F84B28-0D39-4C42-86AD-949D5543FB9F}"/>
-              </a:ext>
-            </a:extLst>
-          </p:cNvPr>
-          <p:cNvSpPr/>
-          <p:nvPr/>
-        </p:nvSpPr>
-        <p:spPr>
-          <a:xfrm>
-            <a:off x="3323492" y="1720701"/>
-            <a:ext cx="3965331" cy="292737"/>
-          </a:xfrm>
-          <a:prstGeom prst="rect">
-            <a:avLst/>
-          </a:prstGeom>
-          <a:ln>
-            <a:noFill/>
-          </a:ln>
-        </p:spPr>
-        <p:style>
-          <a:lnRef idx="2">
-            <a:schemeClr val="accent1">
-              <a:shade val="50000"/>
-            </a:schemeClr>
-          </a:lnRef>
-          <a:fillRef idx="1">
-            <a:schemeClr val="accent1"/>
-          </a:fillRef>
-          <a:effectRef idx="0">
-            <a:schemeClr val="accent1"/>
-          </a:effectRef>
-          <a:fontRef idx="minor">
-            <a:schemeClr val="lt1"/>
-          </a:fontRef>
-        </p:style>
-        <p:txBody>
-          <a:bodyPr rtlCol="0" anchor="ctr"/>
-          <a:lstStyle/>
-          <a:p>
-            <a:pPr algn="ctr"/>
-            <a:endParaRPr lang="en-US"/>
-          </a:p>
-        </p:txBody>
-      </p:sp>
-    </p:spTree>
-    <p:extLst>
-      <p:ext uri="{BB962C8B-B14F-4D97-AF65-F5344CB8AC3E}">
-        <p14:creationId xmlns:p14="http://schemas.microsoft.com/office/powerpoint/2010/main" val="483815111"/>
-      </p:ext>
-    </p:extLst>
-  </p:cSld>
-  <p:clrMapOvr>
-    <a:masterClrMapping/>
-  </p:clrMapOvr>
-</p:sld>
-</file>
-
-<file path=ppt/slides/slide42.xml><?xml version="1.0" encoding="utf-8"?>
-<p:sld xmlns:a="http://schemas.openxmlformats.org/drawingml/2006/main" xmlns:r="http://schemas.openxmlformats.org/officeDocument/2006/relationships" xmlns:p="http://schemas.openxmlformats.org/presentationml/2006/main">
-  <p:cSld>
-    <p:spTree>
-      <p:nvGrpSpPr>
-        <p:cNvPr id="1" name=""/>
-        <p:cNvGrpSpPr/>
-        <p:nvPr/>
-      </p:nvGrpSpPr>
-      <p:grpSpPr>
-        <a:xfrm>
-          <a:off x="0" y="0"/>
-          <a:ext cx="0" cy="0"/>
-          <a:chOff x="0" y="0"/>
-          <a:chExt cx="0" cy="0"/>
-        </a:xfrm>
-      </p:grpSpPr>
-      <p:pic>
-        <p:nvPicPr>
-          <p:cNvPr id="2" name="Picture 1">
-            <a:extLst>
-              <a:ext uri="{FF2B5EF4-FFF2-40B4-BE49-F238E27FC236}">
-                <a16:creationId xmlns:a16="http://schemas.microsoft.com/office/drawing/2014/main" id="{C92BB9A5-B40B-416A-A1D5-2C2ADA239337}"/>
-              </a:ext>
-            </a:extLst>
-          </p:cNvPr>
-          <p:cNvPicPr>
-            <a:picLocks noChangeAspect="1"/>
-          </p:cNvPicPr>
-          <p:nvPr/>
-        </p:nvPicPr>
-        <p:blipFill>
-          <a:blip r:embed="rId2"/>
-          <a:stretch>
-            <a:fillRect/>
-          </a:stretch>
-        </p:blipFill>
-        <p:spPr>
-          <a:xfrm>
-            <a:off x="1415561" y="12403"/>
-            <a:ext cx="9091246" cy="3416597"/>
-          </a:xfrm>
-          <a:prstGeom prst="rect">
-            <a:avLst/>
-          </a:prstGeom>
-        </p:spPr>
-      </p:pic>
-      <p:pic>
-        <p:nvPicPr>
-          <p:cNvPr id="3" name="Picture 2">
-            <a:extLst>
-              <a:ext uri="{FF2B5EF4-FFF2-40B4-BE49-F238E27FC236}">
-                <a16:creationId xmlns:a16="http://schemas.microsoft.com/office/drawing/2014/main" id="{F85EE3B2-ED49-4753-A5F4-3B1B47CD96C8}"/>
-              </a:ext>
-            </a:extLst>
-          </p:cNvPr>
-          <p:cNvPicPr>
-            <a:picLocks noChangeAspect="1"/>
-          </p:cNvPicPr>
-          <p:nvPr/>
-        </p:nvPicPr>
-        <p:blipFill>
-          <a:blip r:embed="rId3"/>
-          <a:stretch>
-            <a:fillRect/>
-          </a:stretch>
-        </p:blipFill>
-        <p:spPr>
-          <a:xfrm>
-            <a:off x="937847" y="4011490"/>
-            <a:ext cx="3581400" cy="400050"/>
-          </a:xfrm>
-          <a:prstGeom prst="rect">
-            <a:avLst/>
-          </a:prstGeom>
-        </p:spPr>
-      </p:pic>
-      <p:pic>
-        <p:nvPicPr>
-          <p:cNvPr id="4" name="Picture 3">
-            <a:extLst>
-              <a:ext uri="{FF2B5EF4-FFF2-40B4-BE49-F238E27FC236}">
-                <a16:creationId xmlns:a16="http://schemas.microsoft.com/office/drawing/2014/main" id="{0C52DACF-1FF7-41C2-BAF3-BF8563F4019F}"/>
-              </a:ext>
-            </a:extLst>
-          </p:cNvPr>
-          <p:cNvPicPr>
-            <a:picLocks noChangeAspect="1"/>
-          </p:cNvPicPr>
-          <p:nvPr/>
-        </p:nvPicPr>
-        <p:blipFill>
-          <a:blip r:embed="rId4"/>
-          <a:stretch>
-            <a:fillRect/>
-          </a:stretch>
-        </p:blipFill>
-        <p:spPr>
-          <a:xfrm>
-            <a:off x="5567729" y="3925765"/>
-            <a:ext cx="6419850" cy="571500"/>
-          </a:xfrm>
-          <a:prstGeom prst="rect">
-            <a:avLst/>
-          </a:prstGeom>
-        </p:spPr>
-      </p:pic>
-      <p:sp>
-        <p:nvSpPr>
-          <p:cNvPr id="6" name="Rectangle 5">
-            <a:extLst>
-              <a:ext uri="{FF2B5EF4-FFF2-40B4-BE49-F238E27FC236}">
-                <a16:creationId xmlns:a16="http://schemas.microsoft.com/office/drawing/2014/main" id="{AFF1E87F-B491-42C3-9E4C-ABA29DC3DEA8}"/>
-              </a:ext>
-            </a:extLst>
-          </p:cNvPr>
-          <p:cNvSpPr/>
-          <p:nvPr/>
-        </p:nvSpPr>
-        <p:spPr>
-          <a:xfrm>
-            <a:off x="413238" y="5736912"/>
-            <a:ext cx="12045461" cy="646331"/>
-          </a:xfrm>
-          <a:prstGeom prst="rect">
-            <a:avLst/>
-          </a:prstGeom>
-        </p:spPr>
-        <p:txBody>
-          <a:bodyPr wrap="square">
-            <a:spAutoFit/>
-          </a:bodyPr>
-          <a:lstStyle/>
-          <a:p>
-            <a:r>
-              <a:rPr lang="en-US" dirty="0"/>
-              <a:t>https://papers.nips.cc/paper/6228-man-is-to-computer-programmer-as-woman-is-to-homemaker-debiasing-word-embeddings.pdf</a:t>
-            </a:r>
-          </a:p>
-        </p:txBody>
-      </p:sp>
     </p:spTree>
     <p:extLst>
       <p:ext uri="{BB962C8B-B14F-4D97-AF65-F5344CB8AC3E}">
@@ -15610,7 +15301,7 @@
 </p:sld>
 </file>
 
-<file path=ppt/slides/slide43.xml><?xml version="1.0" encoding="utf-8"?>
+<file path=ppt/slides/slide42.xml><?xml version="1.0" encoding="utf-8"?>
 <p:sld xmlns:a="http://schemas.openxmlformats.org/drawingml/2006/main" xmlns:r="http://schemas.openxmlformats.org/officeDocument/2006/relationships" xmlns:p="http://schemas.openxmlformats.org/presentationml/2006/main">
   <p:cSld>
     <p:spTree>
@@ -15704,6 +15395,236 @@
 </p:sld>
 </file>
 
+<file path=ppt/slides/slide43.xml><?xml version="1.0" encoding="utf-8"?>
+<p:sld xmlns:a="http://schemas.openxmlformats.org/drawingml/2006/main" xmlns:r="http://schemas.openxmlformats.org/officeDocument/2006/relationships" xmlns:p="http://schemas.openxmlformats.org/presentationml/2006/main">
+  <p:cSld>
+    <p:spTree>
+      <p:nvGrpSpPr>
+        <p:cNvPr id="1" name=""/>
+        <p:cNvGrpSpPr/>
+        <p:nvPr/>
+      </p:nvGrpSpPr>
+      <p:grpSpPr>
+        <a:xfrm>
+          <a:off x="0" y="0"/>
+          <a:ext cx="0" cy="0"/>
+          <a:chOff x="0" y="0"/>
+          <a:chExt cx="0" cy="0"/>
+        </a:xfrm>
+      </p:grpSpPr>
+      <p:sp>
+        <p:nvSpPr>
+          <p:cNvPr id="3" name="Content Placeholder 2">
+            <a:extLst>
+              <a:ext uri="{FF2B5EF4-FFF2-40B4-BE49-F238E27FC236}">
+                <a16:creationId xmlns:a16="http://schemas.microsoft.com/office/drawing/2014/main" id="{89B8605C-8DB1-44E2-95D4-76B05F0E42C7}"/>
+              </a:ext>
+            </a:extLst>
+          </p:cNvPr>
+          <p:cNvSpPr>
+            <a:spLocks noGrp="1"/>
+          </p:cNvSpPr>
+          <p:nvPr>
+            <p:ph idx="1"/>
+          </p:nvPr>
+        </p:nvSpPr>
+        <p:spPr/>
+        <p:txBody>
+          <a:bodyPr/>
+          <a:lstStyle/>
+          <a:p>
+            <a:r>
+              <a:rPr lang="en-US" dirty="0"/>
+              <a:t>Github.com/cchen23/AI4ALL_NLP_Student</a:t>
+            </a:r>
+          </a:p>
+          <a:p>
+            <a:r>
+              <a:rPr lang="en-US" dirty="0"/>
+              <a:t>Day10_WordVectors.zip</a:t>
+            </a:r>
+          </a:p>
+          <a:p>
+            <a:r>
+              <a:rPr lang="en-US" dirty="0"/>
+              <a:t>source ~/miniconda3/bin/activate</a:t>
+            </a:r>
+          </a:p>
+          <a:p>
+            <a:r>
+              <a:rPr lang="en-US" dirty="0" err="1"/>
+              <a:t>jupyter</a:t>
+            </a:r>
+            <a:r>
+              <a:rPr lang="en-US" dirty="0"/>
+              <a:t> notebook</a:t>
+            </a:r>
+          </a:p>
+        </p:txBody>
+      </p:sp>
+    </p:spTree>
+    <p:extLst>
+      <p:ext uri="{BB962C8B-B14F-4D97-AF65-F5344CB8AC3E}">
+        <p14:creationId xmlns:p14="http://schemas.microsoft.com/office/powerpoint/2010/main" val="26759381"/>
+      </p:ext>
+    </p:extLst>
+  </p:cSld>
+  <p:clrMapOvr>
+    <a:masterClrMapping/>
+  </p:clrMapOvr>
+</p:sld>
+</file>
+
+<file path=ppt/slides/slide44.xml><?xml version="1.0" encoding="utf-8"?>
+<p:sld xmlns:a="http://schemas.openxmlformats.org/drawingml/2006/main" xmlns:r="http://schemas.openxmlformats.org/officeDocument/2006/relationships" xmlns:p="http://schemas.openxmlformats.org/presentationml/2006/main">
+  <p:cSld>
+    <p:spTree>
+      <p:nvGrpSpPr>
+        <p:cNvPr id="1" name=""/>
+        <p:cNvGrpSpPr/>
+        <p:nvPr/>
+      </p:nvGrpSpPr>
+      <p:grpSpPr>
+        <a:xfrm>
+          <a:off x="0" y="0"/>
+          <a:ext cx="0" cy="0"/>
+          <a:chOff x="0" y="0"/>
+          <a:chExt cx="0" cy="0"/>
+        </a:xfrm>
+      </p:grpSpPr>
+      <p:sp>
+        <p:nvSpPr>
+          <p:cNvPr id="3" name="Content Placeholder 2">
+            <a:extLst>
+              <a:ext uri="{FF2B5EF4-FFF2-40B4-BE49-F238E27FC236}">
+                <a16:creationId xmlns:a16="http://schemas.microsoft.com/office/drawing/2014/main" id="{021D4B2C-067A-49FA-8735-CF5B7E40F7DA}"/>
+              </a:ext>
+            </a:extLst>
+          </p:cNvPr>
+          <p:cNvSpPr>
+            <a:spLocks noGrp="1"/>
+          </p:cNvSpPr>
+          <p:nvPr>
+            <p:ph idx="1"/>
+          </p:nvPr>
+        </p:nvSpPr>
+        <p:spPr/>
+        <p:txBody>
+          <a:bodyPr>
+            <a:normAutofit/>
+          </a:bodyPr>
+          <a:lstStyle/>
+          <a:p>
+            <a:pPr algn="ctr"/>
+            <a:r>
+              <a:rPr lang="en-US" sz="4400" dirty="0"/>
+              <a:t>Poll for tomorrow’s review: http://bit.ly/2ANGceX</a:t>
+            </a:r>
+          </a:p>
+        </p:txBody>
+      </p:sp>
+    </p:spTree>
+    <p:extLst>
+      <p:ext uri="{BB962C8B-B14F-4D97-AF65-F5344CB8AC3E}">
+        <p14:creationId xmlns:p14="http://schemas.microsoft.com/office/powerpoint/2010/main" val="3799670415"/>
+      </p:ext>
+    </p:extLst>
+  </p:cSld>
+  <p:clrMapOvr>
+    <a:masterClrMapping/>
+  </p:clrMapOvr>
+</p:sld>
+</file>
+
+<file path=ppt/slides/slide45.xml><?xml version="1.0" encoding="utf-8"?>
+<p:sld xmlns:a="http://schemas.openxmlformats.org/drawingml/2006/main" xmlns:r="http://schemas.openxmlformats.org/officeDocument/2006/relationships" xmlns:p="http://schemas.openxmlformats.org/presentationml/2006/main">
+  <p:cSld>
+    <p:spTree>
+      <p:nvGrpSpPr>
+        <p:cNvPr id="1" name=""/>
+        <p:cNvGrpSpPr/>
+        <p:nvPr/>
+      </p:nvGrpSpPr>
+      <p:grpSpPr>
+        <a:xfrm>
+          <a:off x="0" y="0"/>
+          <a:ext cx="0" cy="0"/>
+          <a:chOff x="0" y="0"/>
+          <a:chExt cx="0" cy="0"/>
+        </a:xfrm>
+      </p:grpSpPr>
+      <p:sp>
+        <p:nvSpPr>
+          <p:cNvPr id="2" name="Title 1">
+            <a:extLst>
+              <a:ext uri="{FF2B5EF4-FFF2-40B4-BE49-F238E27FC236}">
+                <a16:creationId xmlns:a16="http://schemas.microsoft.com/office/drawing/2014/main" id="{A283F008-D41C-4A77-A950-62C4A00ED797}"/>
+              </a:ext>
+            </a:extLst>
+          </p:cNvPr>
+          <p:cNvSpPr>
+            <a:spLocks noGrp="1"/>
+          </p:cNvSpPr>
+          <p:nvPr>
+            <p:ph type="title"/>
+          </p:nvPr>
+        </p:nvSpPr>
+        <p:spPr/>
+        <p:txBody>
+          <a:bodyPr/>
+          <a:lstStyle/>
+          <a:p>
+            <a:r>
+              <a:rPr lang="en-US" dirty="0"/>
+              <a:t>Mini-presentation sign-ups</a:t>
+            </a:r>
+          </a:p>
+        </p:txBody>
+      </p:sp>
+      <p:sp>
+        <p:nvSpPr>
+          <p:cNvPr id="3" name="Content Placeholder 2">
+            <a:extLst>
+              <a:ext uri="{FF2B5EF4-FFF2-40B4-BE49-F238E27FC236}">
+                <a16:creationId xmlns:a16="http://schemas.microsoft.com/office/drawing/2014/main" id="{42C70542-148A-4F68-BA1A-1FBF42DD5314}"/>
+              </a:ext>
+            </a:extLst>
+          </p:cNvPr>
+          <p:cNvSpPr>
+            <a:spLocks noGrp="1"/>
+          </p:cNvSpPr>
+          <p:nvPr>
+            <p:ph idx="1"/>
+          </p:nvPr>
+        </p:nvSpPr>
+        <p:spPr/>
+        <p:txBody>
+          <a:bodyPr>
+            <a:normAutofit/>
+          </a:bodyPr>
+          <a:lstStyle/>
+          <a:p>
+            <a:pPr algn="ctr"/>
+            <a:r>
+              <a:rPr lang="en-US" sz="4800" dirty="0"/>
+              <a:t>http://bit.ly/2M6dJ8K</a:t>
+            </a:r>
+          </a:p>
+        </p:txBody>
+      </p:sp>
+    </p:spTree>
+    <p:extLst>
+      <p:ext uri="{BB962C8B-B14F-4D97-AF65-F5344CB8AC3E}">
+        <p14:creationId xmlns:p14="http://schemas.microsoft.com/office/powerpoint/2010/main" val="3264068462"/>
+      </p:ext>
+    </p:extLst>
+  </p:cSld>
+  <p:clrMapOvr>
+    <a:masterClrMapping/>
+  </p:clrMapOvr>
+</p:sld>
+</file>
+
 <file path=ppt/slides/slide5.xml><?xml version="1.0" encoding="utf-8"?>
 <p:sld xmlns:a="http://schemas.openxmlformats.org/drawingml/2006/main" xmlns:r="http://schemas.openxmlformats.org/officeDocument/2006/relationships" xmlns:p="http://schemas.openxmlformats.org/presentationml/2006/main">
   <p:cSld>
@@ -15726,7 +15647,7 @@
           <p:cNvPr id="2" name="Title 1">
             <a:extLst>
               <a:ext uri="{FF2B5EF4-FFF2-40B4-BE49-F238E27FC236}">
-                <a16:creationId xmlns:a16="http://schemas.microsoft.com/office/drawing/2014/main" id="{A16B9968-6578-483E-84E3-0F9F3A6705B5}"/>
+                <a16:creationId xmlns:a16="http://schemas.microsoft.com/office/drawing/2014/main" id="{69BC2329-13AF-4760-B6BC-CD8B7CB412E1}"/>
               </a:ext>
             </a:extLst>
           </p:cNvPr>
@@ -15744,13 +15665,8 @@
           <a:p>
             <a:r>
               <a:rPr lang="en-US" dirty="0"/>
-              <a:t>Info about NLP &amp; Ethics/Policy </a:t>
-            </a:r>
-            <a:r>
-              <a:rPr lang="en-US" dirty="0" err="1"/>
-              <a:t>minipresentations</a:t>
-            </a:r>
-            <a:endParaRPr lang="en-US" dirty="0"/>
+              <a:t>Info about presentations</a:t>
+            </a:r>
           </a:p>
         </p:txBody>
       </p:sp>
@@ -15759,7 +15675,7 @@
           <p:cNvPr id="3" name="Content Placeholder 2">
             <a:extLst>
               <a:ext uri="{FF2B5EF4-FFF2-40B4-BE49-F238E27FC236}">
-                <a16:creationId xmlns:a16="http://schemas.microsoft.com/office/drawing/2014/main" id="{7642E44E-D773-4BF3-9C18-E099B8F14B72}"/>
+                <a16:creationId xmlns:a16="http://schemas.microsoft.com/office/drawing/2014/main" id="{026E087B-25FF-49E4-AFE1-6F6F604FE50F}"/>
               </a:ext>
             </a:extLst>
           </p:cNvPr>
@@ -15775,43 +15691,67 @@
           <a:bodyPr/>
           <a:lstStyle/>
           <a:p>
-            <a:pPr>
-              <a:buFont typeface="Arial" panose="020B0604020202020204" pitchFamily="34" charset="0"/>
-              <a:buChar char="•"/>
+            <a:pPr marL="0" indent="0">
+              <a:buNone/>
             </a:pPr>
             <a:r>
+              <a:rPr lang="en-US"/>
+              <a:t>Friday </a:t>
+            </a:r>
+            <a:r>
               <a:rPr lang="en-US" dirty="0"/>
-              <a:t> Find a topic related to NLP and ethics/policy (can be a paper, news article, general topic of debate).</a:t>
-            </a:r>
-          </a:p>
-          <a:p>
-            <a:pPr>
-              <a:buFont typeface="Arial" panose="020B0604020202020204" pitchFamily="34" charset="0"/>
-              <a:buChar char="•"/>
+              <a:t>presentation sessions: 20 min to educate other campers about their project + 10 min for questions</a:t>
+            </a:r>
+          </a:p>
+          <a:p>
+            <a:pPr marL="0" indent="0">
+              <a:buNone/>
             </a:pPr>
             <a:r>
               <a:rPr lang="en-US" dirty="0"/>
-              <a:t> Prepare either a presentation with slides, or a few questions for debate/discussion.</a:t>
-            </a:r>
-          </a:p>
-          <a:p>
-            <a:pPr>
-              <a:buFont typeface="Arial" panose="020B0604020202020204" pitchFamily="34" charset="0"/>
-              <a:buChar char="•"/>
+              <a:t>	Audience: other campers</a:t>
+            </a:r>
+          </a:p>
+          <a:p>
+            <a:pPr marL="0" indent="0">
+              <a:buNone/>
             </a:pPr>
             <a:r>
               <a:rPr lang="en-US" dirty="0"/>
-              <a:t> Lead a mini-session about this topic!</a:t>
-            </a:r>
-          </a:p>
-          <a:p>
-            <a:pPr>
-              <a:buFont typeface="Arial" panose="020B0604020202020204" pitchFamily="34" charset="0"/>
-              <a:buChar char="•"/>
+              <a:t>	Visuals: Poster/slides/handouts/something creative</a:t>
+            </a:r>
+          </a:p>
+          <a:p>
+            <a:pPr marL="0" indent="0">
+              <a:buNone/>
             </a:pPr>
+            <a:endParaRPr lang="en-US" dirty="0"/>
+          </a:p>
+          <a:p>
+            <a:pPr marL="0" indent="0">
+              <a:buNone/>
+            </a:pPr>
             <a:r>
               <a:rPr lang="en-US" dirty="0"/>
-              <a:t> We can do sign-ups to avoid overlaps.</a:t>
+              <a:t>Friday banquet: 5 min to give a spotlight about project.</a:t>
+            </a:r>
+          </a:p>
+          <a:p>
+            <a:pPr marL="0" indent="0">
+              <a:buNone/>
+            </a:pPr>
+            <a:r>
+              <a:rPr lang="en-US" dirty="0"/>
+              <a:t>	Audience: visitors</a:t>
+            </a:r>
+          </a:p>
+          <a:p>
+            <a:pPr marL="0" indent="0">
+              <a:buNone/>
+            </a:pPr>
+            <a:r>
+              <a:rPr lang="en-US" dirty="0"/>
+              <a:t>	No visuals</a:t>
             </a:r>
           </a:p>
         </p:txBody>
@@ -15819,7 +15759,7 @@
     </p:spTree>
     <p:extLst>
       <p:ext uri="{BB962C8B-B14F-4D97-AF65-F5344CB8AC3E}">
-        <p14:creationId xmlns:p14="http://schemas.microsoft.com/office/powerpoint/2010/main" val="568801288"/>
+        <p14:creationId xmlns:p14="http://schemas.microsoft.com/office/powerpoint/2010/main" val="2278033315"/>
       </p:ext>
     </p:extLst>
   </p:cSld>
@@ -15851,7 +15791,7 @@
           <p:cNvPr id="2" name="Title 1">
             <a:extLst>
               <a:ext uri="{FF2B5EF4-FFF2-40B4-BE49-F238E27FC236}">
-                <a16:creationId xmlns:a16="http://schemas.microsoft.com/office/drawing/2014/main" id="{69BC2329-13AF-4760-B6BC-CD8B7CB412E1}"/>
+                <a16:creationId xmlns:a16="http://schemas.microsoft.com/office/drawing/2014/main" id="{5005EC31-2C6B-49AB-BFB2-235DFEBDC7FD}"/>
               </a:ext>
             </a:extLst>
           </p:cNvPr>
@@ -15869,93 +15809,322 @@
           <a:p>
             <a:r>
               <a:rPr lang="en-US" dirty="0"/>
-              <a:t>Info about presentations</a:t>
-            </a:r>
-          </a:p>
-        </p:txBody>
-      </p:sp>
-      <p:sp>
-        <p:nvSpPr>
-          <p:cNvPr id="3" name="Content Placeholder 2">
+              <a:t>Overview of the FNC Classifier</a:t>
+            </a:r>
+          </a:p>
+        </p:txBody>
+      </p:sp>
+      <p:sp>
+        <p:nvSpPr>
+          <p:cNvPr id="4" name="Rectangle 3">
             <a:extLst>
               <a:ext uri="{FF2B5EF4-FFF2-40B4-BE49-F238E27FC236}">
-                <a16:creationId xmlns:a16="http://schemas.microsoft.com/office/drawing/2014/main" id="{026E087B-25FF-49E4-AFE1-6F6F604FE50F}"/>
+                <a16:creationId xmlns:a16="http://schemas.microsoft.com/office/drawing/2014/main" id="{CCDD866D-AEF6-414D-8626-3DA24AF25399}"/>
               </a:ext>
             </a:extLst>
           </p:cNvPr>
-          <p:cNvSpPr>
-            <a:spLocks noGrp="1"/>
-          </p:cNvSpPr>
-          <p:nvPr>
-            <p:ph idx="1"/>
-          </p:nvPr>
-        </p:nvSpPr>
-        <p:spPr/>
-        <p:txBody>
-          <a:bodyPr/>
+          <p:cNvSpPr/>
+          <p:nvPr/>
+        </p:nvSpPr>
+        <p:spPr>
+          <a:xfrm>
+            <a:off x="2110154" y="2567354"/>
+            <a:ext cx="2286000" cy="914400"/>
+          </a:xfrm>
+          <a:prstGeom prst="rect">
+            <a:avLst/>
+          </a:prstGeom>
+        </p:spPr>
+        <p:style>
+          <a:lnRef idx="2">
+            <a:schemeClr val="accent1">
+              <a:shade val="50000"/>
+            </a:schemeClr>
+          </a:lnRef>
+          <a:fillRef idx="1">
+            <a:schemeClr val="accent1"/>
+          </a:fillRef>
+          <a:effectRef idx="0">
+            <a:schemeClr val="accent1"/>
+          </a:effectRef>
+          <a:fontRef idx="minor">
+            <a:schemeClr val="lt1"/>
+          </a:fontRef>
+        </p:style>
+        <p:txBody>
+          <a:bodyPr rtlCol="0" anchor="ctr"/>
           <a:lstStyle/>
           <a:p>
-            <a:pPr marL="0" indent="0">
-              <a:buNone/>
-            </a:pPr>
-            <a:r>
-              <a:rPr lang="en-US"/>
-              <a:t>Friday </a:t>
-            </a:r>
+            <a:pPr algn="ctr"/>
             <a:r>
               <a:rPr lang="en-US" dirty="0"/>
-              <a:t>presentation sessions: 20 min to educate other campers about their project + 10 min for questions</a:t>
-            </a:r>
-          </a:p>
-          <a:p>
-            <a:pPr marL="0" indent="0">
-              <a:buNone/>
-            </a:pPr>
+              <a:t>Lexical overlap</a:t>
+            </a:r>
+          </a:p>
+        </p:txBody>
+      </p:sp>
+      <p:sp>
+        <p:nvSpPr>
+          <p:cNvPr id="5" name="Rectangle 4">
+            <a:extLst>
+              <a:ext uri="{FF2B5EF4-FFF2-40B4-BE49-F238E27FC236}">
+                <a16:creationId xmlns:a16="http://schemas.microsoft.com/office/drawing/2014/main" id="{327BDCD6-749D-4FDC-9DD3-F01104666ABA}"/>
+              </a:ext>
+            </a:extLst>
+          </p:cNvPr>
+          <p:cNvSpPr/>
+          <p:nvPr/>
+        </p:nvSpPr>
+        <p:spPr>
+          <a:xfrm>
+            <a:off x="6096000" y="2567354"/>
+            <a:ext cx="2286000" cy="914400"/>
+          </a:xfrm>
+          <a:prstGeom prst="rect">
+            <a:avLst/>
+          </a:prstGeom>
+        </p:spPr>
+        <p:style>
+          <a:lnRef idx="2">
+            <a:schemeClr val="accent1">
+              <a:shade val="50000"/>
+            </a:schemeClr>
+          </a:lnRef>
+          <a:fillRef idx="1">
+            <a:schemeClr val="accent1"/>
+          </a:fillRef>
+          <a:effectRef idx="0">
+            <a:schemeClr val="accent1"/>
+          </a:effectRef>
+          <a:fontRef idx="minor">
+            <a:schemeClr val="lt1"/>
+          </a:fontRef>
+        </p:style>
+        <p:txBody>
+          <a:bodyPr rtlCol="0" anchor="ctr"/>
+          <a:lstStyle/>
+          <a:p>
+            <a:pPr algn="ctr"/>
             <a:r>
               <a:rPr lang="en-US" dirty="0"/>
-              <a:t>	Audience: other campers</a:t>
-            </a:r>
-          </a:p>
-          <a:p>
-            <a:pPr marL="0" indent="0">
-              <a:buNone/>
-            </a:pPr>
+              <a:t>Semantic Similarities</a:t>
+            </a:r>
+          </a:p>
+        </p:txBody>
+      </p:sp>
+      <p:sp>
+        <p:nvSpPr>
+          <p:cNvPr id="6" name="Rectangle: Rounded Corners 5">
+            <a:extLst>
+              <a:ext uri="{FF2B5EF4-FFF2-40B4-BE49-F238E27FC236}">
+                <a16:creationId xmlns:a16="http://schemas.microsoft.com/office/drawing/2014/main" id="{9A3611D8-8C38-4AD5-97A8-569B7C326BD4}"/>
+              </a:ext>
+            </a:extLst>
+          </p:cNvPr>
+          <p:cNvSpPr/>
+          <p:nvPr/>
+        </p:nvSpPr>
+        <p:spPr>
+          <a:xfrm>
+            <a:off x="4123592" y="4290646"/>
+            <a:ext cx="2286000" cy="844062"/>
+          </a:xfrm>
+          <a:prstGeom prst="roundRect">
+            <a:avLst/>
+          </a:prstGeom>
+        </p:spPr>
+        <p:style>
+          <a:lnRef idx="2">
+            <a:schemeClr val="accent3">
+              <a:shade val="50000"/>
+            </a:schemeClr>
+          </a:lnRef>
+          <a:fillRef idx="1">
+            <a:schemeClr val="accent3"/>
+          </a:fillRef>
+          <a:effectRef idx="0">
+            <a:schemeClr val="accent3"/>
+          </a:effectRef>
+          <a:fontRef idx="minor">
+            <a:schemeClr val="lt1"/>
+          </a:fontRef>
+        </p:style>
+        <p:txBody>
+          <a:bodyPr rtlCol="0" anchor="ctr"/>
+          <a:lstStyle/>
+          <a:p>
+            <a:pPr algn="ctr"/>
             <a:r>
               <a:rPr lang="en-US" dirty="0"/>
-              <a:t>	Visuals: Poster/slides/handouts/something creative</a:t>
-            </a:r>
-          </a:p>
-          <a:p>
-            <a:pPr marL="0" indent="0">
-              <a:buNone/>
-            </a:pPr>
-            <a:endParaRPr lang="en-US" dirty="0"/>
-          </a:p>
-          <a:p>
-            <a:pPr marL="0" indent="0">
-              <a:buNone/>
-            </a:pPr>
+              <a:t>Classifier</a:t>
+            </a:r>
+          </a:p>
+        </p:txBody>
+      </p:sp>
+      <p:cxnSp>
+        <p:nvCxnSpPr>
+          <p:cNvPr id="8" name="Straight Arrow Connector 7">
+            <a:extLst>
+              <a:ext uri="{FF2B5EF4-FFF2-40B4-BE49-F238E27FC236}">
+                <a16:creationId xmlns:a16="http://schemas.microsoft.com/office/drawing/2014/main" id="{9BCA1217-322F-4035-BDED-A8A1F255D818}"/>
+              </a:ext>
+            </a:extLst>
+          </p:cNvPr>
+          <p:cNvCxnSpPr/>
+          <p:nvPr/>
+        </p:nvCxnSpPr>
+        <p:spPr>
+          <a:xfrm>
+            <a:off x="4123592" y="3648808"/>
+            <a:ext cx="879231" cy="589084"/>
+          </a:xfrm>
+          <a:prstGeom prst="straightConnector1">
+            <a:avLst/>
+          </a:prstGeom>
+          <a:ln>
+            <a:tailEnd type="triangle"/>
+          </a:ln>
+        </p:spPr>
+        <p:style>
+          <a:lnRef idx="1">
+            <a:schemeClr val="accent1"/>
+          </a:lnRef>
+          <a:fillRef idx="0">
+            <a:schemeClr val="accent1"/>
+          </a:fillRef>
+          <a:effectRef idx="0">
+            <a:schemeClr val="accent1"/>
+          </a:effectRef>
+          <a:fontRef idx="minor">
+            <a:schemeClr val="tx1"/>
+          </a:fontRef>
+        </p:style>
+      </p:cxnSp>
+      <p:cxnSp>
+        <p:nvCxnSpPr>
+          <p:cNvPr id="10" name="Straight Arrow Connector 9">
+            <a:extLst>
+              <a:ext uri="{FF2B5EF4-FFF2-40B4-BE49-F238E27FC236}">
+                <a16:creationId xmlns:a16="http://schemas.microsoft.com/office/drawing/2014/main" id="{CF53F118-3210-413E-8284-AB93B0085B6E}"/>
+              </a:ext>
+            </a:extLst>
+          </p:cNvPr>
+          <p:cNvCxnSpPr>
+            <a:cxnSpLocks/>
+          </p:cNvCxnSpPr>
+          <p:nvPr/>
+        </p:nvCxnSpPr>
+        <p:spPr>
+          <a:xfrm flipH="1">
+            <a:off x="5811716" y="3648808"/>
+            <a:ext cx="879230" cy="589084"/>
+          </a:xfrm>
+          <a:prstGeom prst="straightConnector1">
+            <a:avLst/>
+          </a:prstGeom>
+          <a:ln>
+            <a:tailEnd type="triangle"/>
+          </a:ln>
+        </p:spPr>
+        <p:style>
+          <a:lnRef idx="1">
+            <a:schemeClr val="accent1"/>
+          </a:lnRef>
+          <a:fillRef idx="0">
+            <a:schemeClr val="accent1"/>
+          </a:fillRef>
+          <a:effectRef idx="0">
+            <a:schemeClr val="accent1"/>
+          </a:effectRef>
+          <a:fontRef idx="minor">
+            <a:schemeClr val="tx1"/>
+          </a:fontRef>
+        </p:style>
+      </p:cxnSp>
+      <p:cxnSp>
+        <p:nvCxnSpPr>
+          <p:cNvPr id="13" name="Straight Arrow Connector 12">
+            <a:extLst>
+              <a:ext uri="{FF2B5EF4-FFF2-40B4-BE49-F238E27FC236}">
+                <a16:creationId xmlns:a16="http://schemas.microsoft.com/office/drawing/2014/main" id="{71BEFDC3-399D-45DD-B5F4-6E3B07A86807}"/>
+              </a:ext>
+            </a:extLst>
+          </p:cNvPr>
+          <p:cNvCxnSpPr/>
+          <p:nvPr/>
+        </p:nvCxnSpPr>
+        <p:spPr>
+          <a:xfrm>
+            <a:off x="5266592" y="5292968"/>
+            <a:ext cx="0" cy="562708"/>
+          </a:xfrm>
+          <a:prstGeom prst="straightConnector1">
+            <a:avLst/>
+          </a:prstGeom>
+          <a:ln>
+            <a:tailEnd type="triangle"/>
+          </a:ln>
+        </p:spPr>
+        <p:style>
+          <a:lnRef idx="1">
+            <a:schemeClr val="accent1"/>
+          </a:lnRef>
+          <a:fillRef idx="0">
+            <a:schemeClr val="accent1"/>
+          </a:fillRef>
+          <a:effectRef idx="0">
+            <a:schemeClr val="accent1"/>
+          </a:effectRef>
+          <a:fontRef idx="minor">
+            <a:schemeClr val="tx1"/>
+          </a:fontRef>
+        </p:style>
+      </p:cxnSp>
+      <p:sp>
+        <p:nvSpPr>
+          <p:cNvPr id="14" name="Rectangle: Rounded Corners 13">
+            <a:extLst>
+              <a:ext uri="{FF2B5EF4-FFF2-40B4-BE49-F238E27FC236}">
+                <a16:creationId xmlns:a16="http://schemas.microsoft.com/office/drawing/2014/main" id="{4C04AB1F-9F3C-4575-8B99-870EEE6D32E6}"/>
+              </a:ext>
+            </a:extLst>
+          </p:cNvPr>
+          <p:cNvSpPr/>
+          <p:nvPr/>
+        </p:nvSpPr>
+        <p:spPr>
+          <a:xfrm>
+            <a:off x="4223238" y="5937739"/>
+            <a:ext cx="2286000" cy="844062"/>
+          </a:xfrm>
+          <a:prstGeom prst="roundRect">
+            <a:avLst/>
+          </a:prstGeom>
+        </p:spPr>
+        <p:style>
+          <a:lnRef idx="2">
+            <a:schemeClr val="accent4">
+              <a:shade val="50000"/>
+            </a:schemeClr>
+          </a:lnRef>
+          <a:fillRef idx="1">
+            <a:schemeClr val="accent4"/>
+          </a:fillRef>
+          <a:effectRef idx="0">
+            <a:schemeClr val="accent4"/>
+          </a:effectRef>
+          <a:fontRef idx="minor">
+            <a:schemeClr val="lt1"/>
+          </a:fontRef>
+        </p:style>
+        <p:txBody>
+          <a:bodyPr rtlCol="0" anchor="ctr"/>
+          <a:lstStyle/>
+          <a:p>
+            <a:pPr algn="ctr"/>
             <a:r>
               <a:rPr lang="en-US" dirty="0"/>
-              <a:t>Friday banquet: 5 min to give a spotlight about project.</a:t>
-            </a:r>
-          </a:p>
-          <a:p>
-            <a:pPr marL="0" indent="0">
-              <a:buNone/>
-            </a:pPr>
-            <a:r>
-              <a:rPr lang="en-US" dirty="0"/>
-              <a:t>	Audience: visitors</a:t>
-            </a:r>
-          </a:p>
-          <a:p>
-            <a:pPr marL="0" indent="0">
-              <a:buNone/>
-            </a:pPr>
-            <a:r>
-              <a:rPr lang="en-US" dirty="0"/>
-              <a:t>	No visuals</a:t>
+              <a:t>Prediction</a:t>
             </a:r>
           </a:p>
         </p:txBody>
@@ -15963,7 +16132,7 @@
     </p:spTree>
     <p:extLst>
       <p:ext uri="{BB962C8B-B14F-4D97-AF65-F5344CB8AC3E}">
-        <p14:creationId xmlns:p14="http://schemas.microsoft.com/office/powerpoint/2010/main" val="2278033315"/>
+        <p14:creationId xmlns:p14="http://schemas.microsoft.com/office/powerpoint/2010/main" val="3836025879"/>
       </p:ext>
     </p:extLst>
   </p:cSld>
@@ -15992,89 +16161,6 @@
       </p:grpSpPr>
       <p:sp>
         <p:nvSpPr>
-          <p:cNvPr id="2" name="Title 1">
-            <a:extLst>
-              <a:ext uri="{FF2B5EF4-FFF2-40B4-BE49-F238E27FC236}">
-                <a16:creationId xmlns:a16="http://schemas.microsoft.com/office/drawing/2014/main" id="{5005EC31-2C6B-49AB-BFB2-235DFEBDC7FD}"/>
-              </a:ext>
-            </a:extLst>
-          </p:cNvPr>
-          <p:cNvSpPr>
-            <a:spLocks noGrp="1"/>
-          </p:cNvSpPr>
-          <p:nvPr>
-            <p:ph type="title"/>
-          </p:nvPr>
-        </p:nvSpPr>
-        <p:spPr/>
-        <p:txBody>
-          <a:bodyPr/>
-          <a:lstStyle/>
-          <a:p>
-            <a:r>
-              <a:rPr lang="en-US" dirty="0"/>
-              <a:t>Overview of the FNC Classifier</a:t>
-            </a:r>
-          </a:p>
-        </p:txBody>
-      </p:sp>
-      <p:sp>
-        <p:nvSpPr>
-          <p:cNvPr id="3" name="Content Placeholder 2">
-            <a:extLst>
-              <a:ext uri="{FF2B5EF4-FFF2-40B4-BE49-F238E27FC236}">
-                <a16:creationId xmlns:a16="http://schemas.microsoft.com/office/drawing/2014/main" id="{C035E69A-2B0D-43CD-87A2-D24845F78A06}"/>
-              </a:ext>
-            </a:extLst>
-          </p:cNvPr>
-          <p:cNvSpPr>
-            <a:spLocks noGrp="1"/>
-          </p:cNvSpPr>
-          <p:nvPr>
-            <p:ph idx="1"/>
-          </p:nvPr>
-        </p:nvSpPr>
-        <p:spPr/>
-        <p:txBody>
-          <a:bodyPr/>
-          <a:lstStyle/>
-          <a:p>
-            <a:endParaRPr lang="en-US"/>
-          </a:p>
-        </p:txBody>
-      </p:sp>
-    </p:spTree>
-    <p:extLst>
-      <p:ext uri="{BB962C8B-B14F-4D97-AF65-F5344CB8AC3E}">
-        <p14:creationId xmlns:p14="http://schemas.microsoft.com/office/powerpoint/2010/main" val="3836025879"/>
-      </p:ext>
-    </p:extLst>
-  </p:cSld>
-  <p:clrMapOvr>
-    <a:masterClrMapping/>
-  </p:clrMapOvr>
-</p:sld>
-</file>
-
-<file path=ppt/slides/slide8.xml><?xml version="1.0" encoding="utf-8"?>
-<p:sld xmlns:a="http://schemas.openxmlformats.org/drawingml/2006/main" xmlns:r="http://schemas.openxmlformats.org/officeDocument/2006/relationships" xmlns:p="http://schemas.openxmlformats.org/presentationml/2006/main">
-  <p:cSld>
-    <p:spTree>
-      <p:nvGrpSpPr>
-        <p:cNvPr id="1" name=""/>
-        <p:cNvGrpSpPr/>
-        <p:nvPr/>
-      </p:nvGrpSpPr>
-      <p:grpSpPr>
-        <a:xfrm>
-          <a:off x="0" y="0"/>
-          <a:ext cx="0" cy="0"/>
-          <a:chOff x="0" y="0"/>
-          <a:chExt cx="0" cy="0"/>
-        </a:xfrm>
-      </p:grpSpPr>
-      <p:sp>
-        <p:nvSpPr>
           <p:cNvPr id="4" name="Title 3">
             <a:extLst>
               <a:ext uri="{FF2B5EF4-FFF2-40B4-BE49-F238E27FC236}">
@@ -16114,7 +16200,7 @@
 </p:sld>
 </file>
 
-<file path=ppt/slides/slide9.xml><?xml version="1.0" encoding="utf-8"?>
+<file path=ppt/slides/slide8.xml><?xml version="1.0" encoding="utf-8"?>
 <p:sld xmlns:a="http://schemas.openxmlformats.org/drawingml/2006/main" xmlns:r="http://schemas.openxmlformats.org/officeDocument/2006/relationships" xmlns:p="http://schemas.openxmlformats.org/presentationml/2006/main">
   <p:cSld>
     <p:spTree>
@@ -16216,6 +16302,224 @@
     <p:extLst>
       <p:ext uri="{BB962C8B-B14F-4D97-AF65-F5344CB8AC3E}">
         <p14:creationId xmlns:p14="http://schemas.microsoft.com/office/powerpoint/2010/main" val="832817667"/>
+      </p:ext>
+    </p:extLst>
+  </p:cSld>
+  <p:clrMapOvr>
+    <a:masterClrMapping/>
+  </p:clrMapOvr>
+</p:sld>
+</file>
+
+<file path=ppt/slides/slide9.xml><?xml version="1.0" encoding="utf-8"?>
+<p:sld xmlns:a="http://schemas.openxmlformats.org/drawingml/2006/main" xmlns:r="http://schemas.openxmlformats.org/officeDocument/2006/relationships" xmlns:p="http://schemas.openxmlformats.org/presentationml/2006/main">
+  <p:cSld>
+    <p:spTree>
+      <p:nvGrpSpPr>
+        <p:cNvPr id="1" name=""/>
+        <p:cNvGrpSpPr/>
+        <p:nvPr/>
+      </p:nvGrpSpPr>
+      <p:grpSpPr>
+        <a:xfrm>
+          <a:off x="0" y="0"/>
+          <a:ext cx="0" cy="0"/>
+          <a:chOff x="0" y="0"/>
+          <a:chExt cx="0" cy="0"/>
+        </a:xfrm>
+      </p:grpSpPr>
+      <p:pic>
+        <p:nvPicPr>
+          <p:cNvPr id="2050" name="Picture 2" descr="https://foodscapesbristol.files.wordpress.com/2013/07/day-5.jpg">
+            <a:extLst>
+              <a:ext uri="{FF2B5EF4-FFF2-40B4-BE49-F238E27FC236}">
+                <a16:creationId xmlns:a16="http://schemas.microsoft.com/office/drawing/2014/main" id="{DA828E97-8383-4F89-8CFA-8686D023A057}"/>
+              </a:ext>
+            </a:extLst>
+          </p:cNvPr>
+          <p:cNvPicPr>
+            <a:picLocks noChangeAspect="1" noChangeArrowheads="1"/>
+          </p:cNvPicPr>
+          <p:nvPr/>
+        </p:nvPicPr>
+        <p:blipFill>
+          <a:blip r:embed="rId3">
+            <a:extLst>
+              <a:ext uri="{28A0092B-C50C-407E-A947-70E740481C1C}">
+                <a14:useLocalDpi xmlns:a14="http://schemas.microsoft.com/office/drawing/2010/main" val="0"/>
+              </a:ext>
+            </a:extLst>
+          </a:blip>
+          <a:srcRect/>
+          <a:stretch>
+            <a:fillRect/>
+          </a:stretch>
+        </p:blipFill>
+        <p:spPr bwMode="auto">
+          <a:xfrm>
+            <a:off x="422369" y="632413"/>
+            <a:ext cx="4363531" cy="2770496"/>
+          </a:xfrm>
+          <a:prstGeom prst="rect">
+            <a:avLst/>
+          </a:prstGeom>
+          <a:noFill/>
+          <a:extLst>
+            <a:ext uri="{909E8E84-426E-40DD-AFC4-6F175D3DCCD1}">
+              <a14:hiddenFill xmlns:a14="http://schemas.microsoft.com/office/drawing/2010/main">
+                <a:solidFill>
+                  <a:srgbClr val="FFFFFF"/>
+                </a:solidFill>
+              </a14:hiddenFill>
+            </a:ext>
+          </a:extLst>
+        </p:spPr>
+      </p:pic>
+      <p:sp>
+        <p:nvSpPr>
+          <p:cNvPr id="4" name="TextBox 3">
+            <a:extLst>
+              <a:ext uri="{FF2B5EF4-FFF2-40B4-BE49-F238E27FC236}">
+                <a16:creationId xmlns:a16="http://schemas.microsoft.com/office/drawing/2014/main" id="{0D6D40C7-1258-4A82-8CDB-F09C822E4515}"/>
+              </a:ext>
+            </a:extLst>
+          </p:cNvPr>
+          <p:cNvSpPr txBox="1"/>
+          <p:nvPr/>
+        </p:nvSpPr>
+        <p:spPr>
+          <a:xfrm>
+            <a:off x="26877" y="6156065"/>
+            <a:ext cx="7779224" cy="738664"/>
+          </a:xfrm>
+          <a:prstGeom prst="rect">
+            <a:avLst/>
+          </a:prstGeom>
+          <a:noFill/>
+        </p:spPr>
+        <p:txBody>
+          <a:bodyPr wrap="square" rtlCol="0">
+            <a:spAutoFit/>
+          </a:bodyPr>
+          <a:lstStyle/>
+          <a:p>
+            <a:r>
+              <a:rPr lang="en-US" sz="1400" dirty="0"/>
+              <a:t>https://foodscapesbristol.files.wordpress.com/2013/07/day-5.jpg</a:t>
+            </a:r>
+          </a:p>
+          <a:p>
+            <a:r>
+              <a:rPr lang="en-US" sz="1400" dirty="0"/>
+              <a:t>https://antarasdiary.com/30-brilliant-typography-inspirations-featuring-the-word-summer/</a:t>
+            </a:r>
+          </a:p>
+          <a:p>
+            <a:r>
+              <a:rPr lang="en-US" sz="1400" dirty="0"/>
+              <a:t>https://www.canstockphoto.com/music-word-cloud-34509746.html</a:t>
+            </a:r>
+          </a:p>
+        </p:txBody>
+      </p:sp>
+      <p:pic>
+        <p:nvPicPr>
+          <p:cNvPr id="2052" name="Picture 4" descr="Bildergebnis fÃ¼r word cloud summer">
+            <a:extLst>
+              <a:ext uri="{FF2B5EF4-FFF2-40B4-BE49-F238E27FC236}">
+                <a16:creationId xmlns:a16="http://schemas.microsoft.com/office/drawing/2014/main" id="{1C289106-4E92-4B50-AB59-B5FE3FEFAFBF}"/>
+              </a:ext>
+            </a:extLst>
+          </p:cNvPr>
+          <p:cNvPicPr>
+            <a:picLocks noChangeAspect="1" noChangeArrowheads="1"/>
+          </p:cNvPicPr>
+          <p:nvPr/>
+        </p:nvPicPr>
+        <p:blipFill>
+          <a:blip r:embed="rId4">
+            <a:extLst>
+              <a:ext uri="{28A0092B-C50C-407E-A947-70E740481C1C}">
+                <a14:useLocalDpi xmlns:a14="http://schemas.microsoft.com/office/drawing/2010/main" val="0"/>
+              </a:ext>
+            </a:extLst>
+          </a:blip>
+          <a:srcRect/>
+          <a:stretch>
+            <a:fillRect/>
+          </a:stretch>
+        </p:blipFill>
+        <p:spPr bwMode="auto">
+          <a:xfrm>
+            <a:off x="6553485" y="126162"/>
+            <a:ext cx="4762500" cy="3362325"/>
+          </a:xfrm>
+          <a:prstGeom prst="rect">
+            <a:avLst/>
+          </a:prstGeom>
+          <a:noFill/>
+          <a:extLst>
+            <a:ext uri="{909E8E84-426E-40DD-AFC4-6F175D3DCCD1}">
+              <a14:hiddenFill xmlns:a14="http://schemas.microsoft.com/office/drawing/2010/main">
+                <a:solidFill>
+                  <a:srgbClr val="FFFFFF"/>
+                </a:solidFill>
+              </a14:hiddenFill>
+            </a:ext>
+          </a:extLst>
+        </p:spPr>
+      </p:pic>
+      <p:pic>
+        <p:nvPicPr>
+          <p:cNvPr id="2054" name="Picture 6" descr="Bildergebnis fÃ¼r word cloud music">
+            <a:extLst>
+              <a:ext uri="{FF2B5EF4-FFF2-40B4-BE49-F238E27FC236}">
+                <a16:creationId xmlns:a16="http://schemas.microsoft.com/office/drawing/2014/main" id="{671A95D2-76F7-4383-AAFA-E994EFB78205}"/>
+              </a:ext>
+            </a:extLst>
+          </p:cNvPr>
+          <p:cNvPicPr>
+            <a:picLocks noChangeAspect="1" noChangeArrowheads="1"/>
+          </p:cNvPicPr>
+          <p:nvPr/>
+        </p:nvPicPr>
+        <p:blipFill>
+          <a:blip r:embed="rId5">
+            <a:extLst>
+              <a:ext uri="{28A0092B-C50C-407E-A947-70E740481C1C}">
+                <a14:useLocalDpi xmlns:a14="http://schemas.microsoft.com/office/drawing/2010/main" val="0"/>
+              </a:ext>
+            </a:extLst>
+          </a:blip>
+          <a:srcRect/>
+          <a:stretch>
+            <a:fillRect/>
+          </a:stretch>
+        </p:blipFill>
+        <p:spPr bwMode="auto">
+          <a:xfrm>
+            <a:off x="3916489" y="3488487"/>
+            <a:ext cx="3712609" cy="2667578"/>
+          </a:xfrm>
+          <a:prstGeom prst="rect">
+            <a:avLst/>
+          </a:prstGeom>
+          <a:noFill/>
+          <a:extLst>
+            <a:ext uri="{909E8E84-426E-40DD-AFC4-6F175D3DCCD1}">
+              <a14:hiddenFill xmlns:a14="http://schemas.microsoft.com/office/drawing/2010/main">
+                <a:solidFill>
+                  <a:srgbClr val="FFFFFF"/>
+                </a:solidFill>
+              </a14:hiddenFill>
+            </a:ext>
+          </a:extLst>
+        </p:spPr>
+      </p:pic>
+    </p:spTree>
+    <p:extLst>
+      <p:ext uri="{BB962C8B-B14F-4D97-AF65-F5344CB8AC3E}">
+        <p14:creationId xmlns:p14="http://schemas.microsoft.com/office/powerpoint/2010/main" val="1121356428"/>
       </p:ext>
     </p:extLst>
   </p:cSld>
